--- a/Brief Introduction of Java 7.pptx
+++ b/Brief Introduction of Java 7.pptx
@@ -5,10 +5,10 @@
     <p:sldMasterId id="2147483648" r:id="rId1"/>
   </p:sldMasterIdLst>
   <p:notesMasterIdLst>
-    <p:notesMasterId r:id="rId13"/>
+    <p:notesMasterId r:id="rId15"/>
   </p:notesMasterIdLst>
   <p:handoutMasterIdLst>
-    <p:handoutMasterId r:id="rId14"/>
+    <p:handoutMasterId r:id="rId16"/>
   </p:handoutMasterIdLst>
   <p:sldIdLst>
     <p:sldId id="257" r:id="rId2"/>
@@ -22,6 +22,8 @@
     <p:sldId id="267" r:id="rId10"/>
     <p:sldId id="268" r:id="rId11"/>
     <p:sldId id="269" r:id="rId12"/>
+    <p:sldId id="270" r:id="rId13"/>
+    <p:sldId id="271" r:id="rId14"/>
   </p:sldIdLst>
   <p:sldSz cx="12192000" cy="6858000"/>
   <p:notesSz cx="6858000" cy="9144000"/>
@@ -122,10 +124,10 @@
   </p:defaultTextStyle>
   <p:extLst>
     <p:ext uri="{EFAFB233-063F-42B5-8137-9DF3F51BA10A}">
-      <p15:sldGuideLst xmlns:p15="http://schemas.microsoft.com/office/powerpoint/2012/main"/>
+      <p15:sldGuideLst xmlns:p15="http://schemas.microsoft.com/office/powerpoint/2012/main" xmlns=""/>
     </p:ext>
     <p:ext uri="{2D200454-40CA-4A62-9FC3-DE9A4176ACB9}">
-      <p15:notesGuideLst xmlns:p15="http://schemas.microsoft.com/office/powerpoint/2012/main"/>
+      <p15:notesGuideLst xmlns:p15="http://schemas.microsoft.com/office/powerpoint/2012/main" xmlns=""/>
     </p:ext>
   </p:extLst>
 </p:presentation>
@@ -213,7 +215,7 @@
           <a:p>
             <a:fld id="{D63D5444-F62C-42C3-A75A-D9DBA807730F}" type="datetimeFigureOut">
               <a:rPr lang="en-US" smtClean="0"/>
-              <a:t>11/6/2017</a:t>
+              <a:t>1/20/2018</a:t>
             </a:fld>
             <a:endParaRPr lang="en-US"/>
           </a:p>
@@ -378,7 +380,7 @@
           <a:p>
             <a:fld id="{12CAA1FA-7B6A-47D2-8D61-F225D71B51FF}" type="datetimeFigureOut">
               <a:rPr lang="en-US" smtClean="0"/>
-              <a:t>11/6/2017</a:t>
+              <a:t>1/20/2018</a:t>
             </a:fld>
             <a:endParaRPr lang="en-US"/>
           </a:p>
@@ -1331,7 +1333,7 @@
           <a:p>
             <a:fld id="{A79A3335-6331-4872-A8B7-ECD55539F4D0}" type="datetimeFigureOut">
               <a:rPr lang="en-US" smtClean="0"/>
-              <a:t>11/6/2017</a:t>
+              <a:t>1/20/2018</a:t>
             </a:fld>
             <a:endParaRPr lang="en-US"/>
           </a:p>
@@ -1938,7 +1940,7 @@
           <a:p>
             <a:fld id="{A79A3335-6331-4872-A8B7-ECD55539F4D0}" type="datetimeFigureOut">
               <a:rPr lang="en-US" smtClean="0"/>
-              <a:t>11/6/2017</a:t>
+              <a:t>1/20/2018</a:t>
             </a:fld>
             <a:endParaRPr lang="en-US"/>
           </a:p>
@@ -2121,7 +2123,7 @@
           <a:p>
             <a:fld id="{A79A3335-6331-4872-A8B7-ECD55539F4D0}" type="datetimeFigureOut">
               <a:rPr lang="en-US" smtClean="0"/>
-              <a:t>11/6/2017</a:t>
+              <a:t>1/20/2018</a:t>
             </a:fld>
             <a:endParaRPr lang="en-US"/>
           </a:p>
@@ -2455,7 +2457,7 @@
           <a:p>
             <a:fld id="{A79A3335-6331-4872-A8B7-ECD55539F4D0}" type="datetimeFigureOut">
               <a:rPr lang="en-US" smtClean="0"/>
-              <a:t>11/6/2017</a:t>
+              <a:t>1/20/2018</a:t>
             </a:fld>
             <a:endParaRPr lang="en-US"/>
           </a:p>
@@ -2647,7 +2649,7 @@
           <a:p>
             <a:fld id="{A79A3335-6331-4872-A8B7-ECD55539F4D0}" type="datetimeFigureOut">
               <a:rPr lang="en-US" smtClean="0"/>
-              <a:t>11/6/2017</a:t>
+              <a:t>1/20/2018</a:t>
             </a:fld>
             <a:endParaRPr lang="en-US"/>
           </a:p>
@@ -3809,7 +3811,7 @@
           <a:p>
             <a:fld id="{A79A3335-6331-4872-A8B7-ECD55539F4D0}" type="datetimeFigureOut">
               <a:rPr lang="en-US" smtClean="0"/>
-              <a:t>11/6/2017</a:t>
+              <a:t>1/20/2018</a:t>
             </a:fld>
             <a:endParaRPr lang="en-US"/>
           </a:p>
@@ -4193,7 +4195,7 @@
           <a:p>
             <a:fld id="{A79A3335-6331-4872-A8B7-ECD55539F4D0}" type="datetimeFigureOut">
               <a:rPr lang="en-US" smtClean="0"/>
-              <a:t>11/6/2017</a:t>
+              <a:t>1/20/2018</a:t>
             </a:fld>
             <a:endParaRPr lang="en-US"/>
           </a:p>
@@ -4325,7 +4327,7 @@
           <a:p>
             <a:fld id="{A79A3335-6331-4872-A8B7-ECD55539F4D0}" type="datetimeFigureOut">
               <a:rPr lang="en-US" smtClean="0"/>
-              <a:t>11/6/2017</a:t>
+              <a:t>1/20/2018</a:t>
             </a:fld>
             <a:endParaRPr lang="en-US"/>
           </a:p>
@@ -4435,7 +4437,7 @@
           <a:p>
             <a:fld id="{A79A3335-6331-4872-A8B7-ECD55539F4D0}" type="datetimeFigureOut">
               <a:rPr lang="en-US" smtClean="0"/>
-              <a:t>11/6/2017</a:t>
+              <a:t>1/20/2018</a:t>
             </a:fld>
             <a:endParaRPr lang="en-US"/>
           </a:p>
@@ -4728,7 +4730,7 @@
           <a:p>
             <a:fld id="{A79A3335-6331-4872-A8B7-ECD55539F4D0}" type="datetimeFigureOut">
               <a:rPr lang="en-US" smtClean="0"/>
-              <a:t>11/6/2017</a:t>
+              <a:t>1/20/2018</a:t>
             </a:fld>
             <a:endParaRPr lang="en-US"/>
           </a:p>
@@ -5111,7 +5113,7 @@
             <a:fld id="{A79A3335-6331-4872-A8B7-ECD55539F4D0}" type="datetimeFigureOut">
               <a:rPr lang="en-US" smtClean="0"/>
               <a:pPr/>
-              <a:t>11/6/2017</a:t>
+              <a:t>1/20/2018</a:t>
             </a:fld>
             <a:endParaRPr lang="en-US"/>
           </a:p>
@@ -5474,7 +5476,7 @@
   </p:txStyles>
   <p:extLst mod="1">
     <p:ext uri="{27BBF7A9-308A-43DC-89C8-2F10F3537804}">
-      <p15:sldGuideLst xmlns:p15="http://schemas.microsoft.com/office/powerpoint/2012/main">
+      <p15:sldGuideLst xmlns:p15="http://schemas.microsoft.com/office/powerpoint/2012/main" xmlns="">
         <p15:guide id="1" orient="horz" pos="2160" userDrawn="1">
           <p15:clr>
             <a:srgbClr val="F26B43"/>
@@ -5635,23 +5637,12 @@
           <a:lstStyle/>
           <a:p>
             <a:r>
-              <a:rPr lang="en-US" dirty="0"/>
-              <a:t>Add a Slide Title - 6</a:t>
-            </a:r>
-          </a:p>
-        </p:txBody>
-      </p:sp>
-      <p:sp>
-        <p:nvSpPr>
-          <p:cNvPr id="5" name="Picture Placeholder 4" descr="An empty placeholder to add an image. Click on the placeholder and select the image that you wish to add"/>
-          <p:cNvSpPr>
-            <a:spLocks noGrp="1"/>
-          </p:cNvSpPr>
-          <p:nvPr>
-            <p:ph type="pic" idx="1"/>
-          </p:nvPr>
-        </p:nvSpPr>
-        <p:spPr/>
+              <a:rPr lang="en-US" dirty="0" smtClean="0"/>
+              <a:t>NIO.2</a:t>
+            </a:r>
+            <a:endParaRPr lang="en-US" dirty="0"/>
+          </a:p>
+        </p:txBody>
       </p:sp>
       <p:sp>
         <p:nvSpPr>
@@ -5663,12 +5654,36 @@
             <p:ph type="body" sz="half" idx="2"/>
           </p:nvPr>
         </p:nvSpPr>
-        <p:spPr/>
+        <p:spPr>
+          <a:xfrm>
+            <a:off x="1295399" y="1828800"/>
+            <a:ext cx="8840273" cy="4343400"/>
+          </a:xfrm>
+        </p:spPr>
         <p:txBody>
           <a:bodyPr/>
           <a:lstStyle/>
           <a:p>
-            <a:endParaRPr lang="en-US"/>
+            <a:pPr marL="342900" indent="-342900">
+              <a:buFont typeface="Arial" panose="020B0604020202020204" pitchFamily="34" charset="0"/>
+              <a:buChar char="•"/>
+            </a:pPr>
+            <a:r>
+              <a:rPr lang="en-US" dirty="0" err="1" smtClean="0"/>
+              <a:t>FileAttribute</a:t>
+            </a:r>
+            <a:endParaRPr lang="en-US" dirty="0" smtClean="0"/>
+          </a:p>
+          <a:p>
+            <a:pPr marL="342900" indent="-342900">
+              <a:buFont typeface="Arial" panose="020B0604020202020204" pitchFamily="34" charset="0"/>
+              <a:buChar char="•"/>
+            </a:pPr>
+            <a:r>
+              <a:rPr lang="en-US" dirty="0" err="1" smtClean="0"/>
+              <a:t>PosixFilePermission</a:t>
+            </a:r>
+            <a:endParaRPr lang="en-US" dirty="0"/>
           </a:p>
         </p:txBody>
       </p:sp>
@@ -5730,28 +5745,16 @@
           <a:lstStyle/>
           <a:p>
             <a:r>
-              <a:rPr lang="en-US"/>
-              <a:t>Add a Slide Title - 7</a:t>
-            </a:r>
-            <a:endParaRPr lang="en-US" dirty="0"/>
-          </a:p>
-        </p:txBody>
-      </p:sp>
-      <p:sp>
-        <p:nvSpPr>
-          <p:cNvPr id="4" name="Picture Placeholder 3"/>
-          <p:cNvSpPr>
-            <a:spLocks noGrp="1"/>
-          </p:cNvSpPr>
-          <p:nvPr>
-            <p:ph type="pic" idx="1"/>
-          </p:nvPr>
-        </p:nvSpPr>
-        <p:spPr/>
-      </p:sp>
-      <p:sp>
-        <p:nvSpPr>
-          <p:cNvPr id="5" name="Text Placeholder 4"/>
+              <a:rPr lang="en-US" altLang="zh-CN" dirty="0" smtClean="0"/>
+              <a:t>NIO.2</a:t>
+            </a:r>
+            <a:endParaRPr lang="zh-CN" altLang="en-US" dirty="0"/>
+          </a:p>
+        </p:txBody>
+      </p:sp>
+      <p:sp>
+        <p:nvSpPr>
+          <p:cNvPr id="4" name="Text Placeholder 3"/>
           <p:cNvSpPr>
             <a:spLocks noGrp="1"/>
           </p:cNvSpPr>
@@ -5759,50 +5762,329 @@
             <p:ph type="body" sz="half" idx="2"/>
           </p:nvPr>
         </p:nvSpPr>
-        <p:spPr/>
-        <p:txBody>
-          <a:bodyPr/>
-          <a:lstStyle/>
-          <a:p>
-            <a:endParaRPr lang="en-US"/>
-          </a:p>
-        </p:txBody>
-      </p:sp>
-      <p:sp>
-        <p:nvSpPr>
-          <p:cNvPr id="6" name="Picture Placeholder 5"/>
-          <p:cNvSpPr>
-            <a:spLocks noGrp="1"/>
-          </p:cNvSpPr>
-          <p:nvPr>
-            <p:ph type="pic" idx="13"/>
-          </p:nvPr>
-        </p:nvSpPr>
-        <p:spPr/>
-      </p:sp>
-      <p:sp>
-        <p:nvSpPr>
-          <p:cNvPr id="11" name="Text Placeholder 10"/>
-          <p:cNvSpPr>
-            <a:spLocks noGrp="1"/>
-          </p:cNvSpPr>
-          <p:nvPr>
-            <p:ph type="body" sz="half" idx="14"/>
-          </p:nvPr>
-        </p:nvSpPr>
-        <p:spPr/>
-        <p:txBody>
-          <a:bodyPr/>
-          <a:lstStyle/>
-          <a:p>
-            <a:endParaRPr lang="en-US"/>
+        <p:spPr>
+          <a:xfrm>
+            <a:off x="1295400" y="1828800"/>
+            <a:ext cx="9033456" cy="4343400"/>
+          </a:xfrm>
+        </p:spPr>
+        <p:txBody>
+          <a:bodyPr anchor="t"/>
+          <a:lstStyle/>
+          <a:p>
+            <a:r>
+              <a:rPr lang="en-US" altLang="zh-CN" dirty="0"/>
+              <a:t>Be careful when writing filesystem-specific </a:t>
+            </a:r>
+            <a:r>
+              <a:rPr lang="en-US" altLang="zh-CN" dirty="0" smtClean="0"/>
+              <a:t>code.</a:t>
+            </a:r>
+            <a:r>
+              <a:rPr lang="en-US" altLang="zh-CN" dirty="0"/>
+              <a:t> Always ensure that your logic and exception handling covers the case where your code might run on a </a:t>
+            </a:r>
+            <a:r>
+              <a:rPr lang="en-US" altLang="zh-CN" dirty="0">
+                <a:solidFill>
+                  <a:srgbClr val="FF0000"/>
+                </a:solidFill>
+              </a:rPr>
+              <a:t>different filesystem</a:t>
+            </a:r>
+            <a:r>
+              <a:rPr lang="en-US" altLang="zh-CN" dirty="0"/>
+              <a:t>.</a:t>
+            </a:r>
+            <a:endParaRPr lang="zh-CN" altLang="en-US" dirty="0"/>
           </a:p>
         </p:txBody>
       </p:sp>
     </p:spTree>
     <p:extLst>
       <p:ext uri="{BB962C8B-B14F-4D97-AF65-F5344CB8AC3E}">
-        <p14:creationId xmlns:p14="http://schemas.microsoft.com/office/powerpoint/2010/main" val="188841400"/>
+        <p14:creationId xmlns:p14="http://schemas.microsoft.com/office/powerpoint/2010/main" val="468490017"/>
+      </p:ext>
+    </p:extLst>
+  </p:cSld>
+  <p:clrMapOvr>
+    <a:masterClrMapping/>
+  </p:clrMapOvr>
+  <mc:AlternateContent xmlns:mc="http://schemas.openxmlformats.org/markup-compatibility/2006" xmlns:p14="http://schemas.microsoft.com/office/powerpoint/2010/main">
+    <mc:Choice Requires="p14">
+      <p:transition spd="med" p14:dur="700">
+        <p:fade/>
+      </p:transition>
+    </mc:Choice>
+    <mc:Fallback xmlns="">
+      <p:transition spd="med">
+        <p:fade/>
+      </p:transition>
+    </mc:Fallback>
+  </mc:AlternateContent>
+</p:sld>
+</file>
+
+<file path=ppt/slides/slide12.xml><?xml version="1.0" encoding="utf-8"?>
+<p:sld xmlns:a="http://schemas.openxmlformats.org/drawingml/2006/main" xmlns:r="http://schemas.openxmlformats.org/officeDocument/2006/relationships" xmlns:p="http://schemas.openxmlformats.org/presentationml/2006/main">
+  <p:cSld>
+    <p:spTree>
+      <p:nvGrpSpPr>
+        <p:cNvPr id="1" name=""/>
+        <p:cNvGrpSpPr/>
+        <p:nvPr/>
+      </p:nvGrpSpPr>
+      <p:grpSpPr>
+        <a:xfrm>
+          <a:off x="0" y="0"/>
+          <a:ext cx="0" cy="0"/>
+          <a:chOff x="0" y="0"/>
+          <a:chExt cx="0" cy="0"/>
+        </a:xfrm>
+      </p:grpSpPr>
+      <p:sp>
+        <p:nvSpPr>
+          <p:cNvPr id="2" name="Title 1"/>
+          <p:cNvSpPr>
+            <a:spLocks noGrp="1"/>
+          </p:cNvSpPr>
+          <p:nvPr>
+            <p:ph type="title"/>
+          </p:nvPr>
+        </p:nvSpPr>
+        <p:spPr/>
+        <p:txBody>
+          <a:bodyPr/>
+          <a:lstStyle/>
+          <a:p>
+            <a:r>
+              <a:rPr lang="en-US" altLang="zh-CN" dirty="0" smtClean="0"/>
+              <a:t>Reading and writing data</a:t>
+            </a:r>
+            <a:endParaRPr lang="zh-CN" altLang="en-US" dirty="0"/>
+          </a:p>
+        </p:txBody>
+      </p:sp>
+      <p:sp>
+        <p:nvSpPr>
+          <p:cNvPr id="4" name="Text Placeholder 3"/>
+          <p:cNvSpPr>
+            <a:spLocks noGrp="1"/>
+          </p:cNvSpPr>
+          <p:nvPr>
+            <p:ph type="body" sz="half" idx="2"/>
+          </p:nvPr>
+        </p:nvSpPr>
+        <p:spPr>
+          <a:xfrm>
+            <a:off x="1295400" y="1828800"/>
+            <a:ext cx="9316792" cy="4343400"/>
+          </a:xfrm>
+        </p:spPr>
+        <p:txBody>
+          <a:bodyPr/>
+          <a:lstStyle/>
+          <a:p>
+            <a:r>
+              <a:rPr lang="en-US" altLang="zh-CN" dirty="0" smtClean="0"/>
+              <a:t>Provide bridge to </a:t>
+            </a:r>
+            <a:r>
+              <a:rPr lang="en-US" altLang="zh-CN" dirty="0" err="1" smtClean="0"/>
+              <a:t>io</a:t>
+            </a:r>
+            <a:endParaRPr lang="en-US" altLang="zh-CN" dirty="0" smtClean="0"/>
+          </a:p>
+          <a:p>
+            <a:pPr marL="342900" indent="-342900">
+              <a:buFont typeface="Arial" panose="020B0604020202020204" pitchFamily="34" charset="0"/>
+              <a:buChar char="•"/>
+            </a:pPr>
+            <a:r>
+              <a:rPr lang="en-US" altLang="zh-CN" dirty="0" err="1" smtClean="0"/>
+              <a:t>BufferReader</a:t>
+            </a:r>
+            <a:r>
+              <a:rPr lang="en-US" altLang="zh-CN" dirty="0" smtClean="0"/>
+              <a:t> and </a:t>
+            </a:r>
+            <a:r>
+              <a:rPr lang="en-US" altLang="zh-CN" dirty="0" err="1" smtClean="0"/>
+              <a:t>BufferWriter</a:t>
+            </a:r>
+            <a:endParaRPr lang="en-US" altLang="zh-CN" dirty="0" smtClean="0"/>
+          </a:p>
+          <a:p>
+            <a:pPr marL="342900" indent="-342900">
+              <a:buFont typeface="Arial" panose="020B0604020202020204" pitchFamily="34" charset="0"/>
+              <a:buChar char="•"/>
+            </a:pPr>
+            <a:r>
+              <a:rPr lang="en-US" altLang="zh-CN" dirty="0" err="1" smtClean="0"/>
+              <a:t>InputStream</a:t>
+            </a:r>
+            <a:r>
+              <a:rPr lang="en-US" altLang="zh-CN" dirty="0"/>
+              <a:t> </a:t>
+            </a:r>
+            <a:r>
+              <a:rPr lang="en-US" altLang="zh-CN" dirty="0" smtClean="0"/>
+              <a:t>and </a:t>
+            </a:r>
+            <a:r>
+              <a:rPr lang="en-US" altLang="zh-CN" dirty="0" err="1" smtClean="0"/>
+              <a:t>OutputStream</a:t>
+            </a:r>
+            <a:endParaRPr lang="en-US" altLang="zh-CN" dirty="0" smtClean="0"/>
+          </a:p>
+          <a:p>
+            <a:pPr marL="342900" indent="-342900">
+              <a:buFont typeface="Arial" panose="020B0604020202020204" pitchFamily="34" charset="0"/>
+              <a:buChar char="•"/>
+            </a:pPr>
+            <a:endParaRPr lang="en-US" altLang="zh-CN" dirty="0"/>
+          </a:p>
+          <a:p>
+            <a:r>
+              <a:rPr lang="en-US" altLang="zh-CN" dirty="0" smtClean="0"/>
+              <a:t>Provide new reading and writing</a:t>
+            </a:r>
+          </a:p>
+          <a:p>
+            <a:pPr marL="342900" indent="-342900">
+              <a:buFont typeface="Arial" panose="020B0604020202020204" pitchFamily="34" charset="0"/>
+              <a:buChar char="•"/>
+            </a:pPr>
+            <a:r>
+              <a:rPr lang="en-US" altLang="zh-CN" dirty="0" err="1" smtClean="0"/>
+              <a:t>Files.readAllLines</a:t>
+            </a:r>
+            <a:endParaRPr lang="zh-CN" altLang="en-US" dirty="0"/>
+          </a:p>
+        </p:txBody>
+      </p:sp>
+    </p:spTree>
+    <p:extLst>
+      <p:ext uri="{BB962C8B-B14F-4D97-AF65-F5344CB8AC3E}">
+        <p14:creationId xmlns:p14="http://schemas.microsoft.com/office/powerpoint/2010/main" val="2958266849"/>
+      </p:ext>
+    </p:extLst>
+  </p:cSld>
+  <p:clrMapOvr>
+    <a:masterClrMapping/>
+  </p:clrMapOvr>
+  <mc:AlternateContent xmlns:mc="http://schemas.openxmlformats.org/markup-compatibility/2006" xmlns:p14="http://schemas.microsoft.com/office/powerpoint/2010/main">
+    <mc:Choice Requires="p14">
+      <p:transition spd="med" p14:dur="700">
+        <p:fade/>
+      </p:transition>
+    </mc:Choice>
+    <mc:Fallback xmlns="">
+      <p:transition spd="med">
+        <p:fade/>
+      </p:transition>
+    </mc:Fallback>
+  </mc:AlternateContent>
+</p:sld>
+</file>
+
+<file path=ppt/slides/slide13.xml><?xml version="1.0" encoding="utf-8"?>
+<p:sld xmlns:a="http://schemas.openxmlformats.org/drawingml/2006/main" xmlns:r="http://schemas.openxmlformats.org/officeDocument/2006/relationships" xmlns:p="http://schemas.openxmlformats.org/presentationml/2006/main">
+  <p:cSld>
+    <p:spTree>
+      <p:nvGrpSpPr>
+        <p:cNvPr id="1" name=""/>
+        <p:cNvGrpSpPr/>
+        <p:nvPr/>
+      </p:nvGrpSpPr>
+      <p:grpSpPr>
+        <a:xfrm>
+          <a:off x="0" y="0"/>
+          <a:ext cx="0" cy="0"/>
+          <a:chOff x="0" y="0"/>
+          <a:chExt cx="0" cy="0"/>
+        </a:xfrm>
+      </p:grpSpPr>
+      <p:sp>
+        <p:nvSpPr>
+          <p:cNvPr id="2" name="Title 1"/>
+          <p:cNvSpPr>
+            <a:spLocks noGrp="1"/>
+          </p:cNvSpPr>
+          <p:nvPr>
+            <p:ph type="title"/>
+          </p:nvPr>
+        </p:nvSpPr>
+        <p:spPr/>
+        <p:txBody>
+          <a:bodyPr/>
+          <a:lstStyle/>
+          <a:p>
+            <a:r>
+              <a:rPr lang="en-US" altLang="zh-CN" dirty="0" smtClean="0"/>
+              <a:t>File change notification</a:t>
+            </a:r>
+            <a:endParaRPr lang="zh-CN" altLang="en-US" dirty="0"/>
+          </a:p>
+        </p:txBody>
+      </p:sp>
+      <p:sp>
+        <p:nvSpPr>
+          <p:cNvPr id="4" name="Text Placeholder 3"/>
+          <p:cNvSpPr>
+            <a:spLocks noGrp="1"/>
+          </p:cNvSpPr>
+          <p:nvPr>
+            <p:ph type="body" sz="half" idx="2"/>
+          </p:nvPr>
+        </p:nvSpPr>
+        <p:spPr>
+          <a:xfrm>
+            <a:off x="1295400" y="1828800"/>
+            <a:ext cx="9329670" cy="4343400"/>
+          </a:xfrm>
+        </p:spPr>
+        <p:txBody>
+          <a:bodyPr/>
+          <a:lstStyle/>
+          <a:p>
+            <a:r>
+              <a:rPr lang="en-US" altLang="zh-CN" dirty="0" smtClean="0"/>
+              <a:t>Event notification: </a:t>
+            </a:r>
+            <a:r>
+              <a:rPr lang="en-US" altLang="zh-CN" dirty="0"/>
+              <a:t>This class uses client threads to keep an eye on registered files or directories for changes, and will return an event when a change is detected</a:t>
+            </a:r>
+            <a:r>
+              <a:rPr lang="en-US" altLang="zh-CN" dirty="0" smtClean="0"/>
+              <a:t>.</a:t>
+            </a:r>
+          </a:p>
+          <a:p>
+            <a:endParaRPr lang="en-US" altLang="zh-CN" dirty="0"/>
+          </a:p>
+          <a:p>
+            <a:r>
+              <a:rPr lang="en-US" altLang="zh-CN" dirty="0" smtClean="0"/>
+              <a:t>Good </a:t>
+            </a:r>
+            <a:r>
+              <a:rPr lang="en-US" altLang="zh-CN" smtClean="0"/>
+              <a:t>to replace </a:t>
+            </a:r>
+            <a:r>
+              <a:rPr lang="en-US" altLang="zh-CN"/>
+              <a:t>polling mechanisms</a:t>
+            </a:r>
+            <a:endParaRPr lang="zh-CN" altLang="en-US" dirty="0"/>
+          </a:p>
+        </p:txBody>
+      </p:sp>
+    </p:spTree>
+    <p:extLst>
+      <p:ext uri="{BB962C8B-B14F-4D97-AF65-F5344CB8AC3E}">
+        <p14:creationId xmlns:p14="http://schemas.microsoft.com/office/powerpoint/2010/main" val="179790003"/>
       </p:ext>
     </p:extLst>
   </p:cSld>
@@ -5960,7 +6242,7 @@
           <p:cNvPr id="3" name="Content Placeholder 2">
             <a:extLst>
               <a:ext uri="{FF2B5EF4-FFF2-40B4-BE49-F238E27FC236}">
-                <a16:creationId xmlns:a16="http://schemas.microsoft.com/office/drawing/2014/main" id="{1BB810E4-4209-4BB6-9A4F-A32710B5D413}"/>
+                <a16:creationId xmlns:a16="http://schemas.microsoft.com/office/drawing/2014/main" xmlns="" id="{1BB810E4-4209-4BB6-9A4F-A32710B5D413}"/>
               </a:ext>
             </a:extLst>
           </p:cNvPr>
@@ -6161,7 +6443,7 @@
           <p:cNvPr id="4" name="Content Placeholder 3">
             <a:extLst>
               <a:ext uri="{FF2B5EF4-FFF2-40B4-BE49-F238E27FC236}">
-                <a16:creationId xmlns:a16="http://schemas.microsoft.com/office/drawing/2014/main" id="{A030483B-FA9B-4EBE-B6EB-86926AD68801}"/>
+                <a16:creationId xmlns:a16="http://schemas.microsoft.com/office/drawing/2014/main" xmlns="" id="{A030483B-FA9B-4EBE-B6EB-86926AD68801}"/>
               </a:ext>
             </a:extLst>
           </p:cNvPr>
@@ -6193,7 +6475,7 @@
           <p:cNvPr id="7" name="TextBox 6">
             <a:extLst>
               <a:ext uri="{FF2B5EF4-FFF2-40B4-BE49-F238E27FC236}">
-                <a16:creationId xmlns:a16="http://schemas.microsoft.com/office/drawing/2014/main" id="{491D4659-0A55-4B3B-AAD1-829BEF3D5F51}"/>
+                <a16:creationId xmlns:a16="http://schemas.microsoft.com/office/drawing/2014/main" xmlns="" id="{491D4659-0A55-4B3B-AAD1-829BEF3D5F51}"/>
               </a:ext>
             </a:extLst>
           </p:cNvPr>
@@ -6404,7 +6686,7 @@
           <p:cNvPr id="3" name="TextBox 2">
             <a:extLst>
               <a:ext uri="{FF2B5EF4-FFF2-40B4-BE49-F238E27FC236}">
-                <a16:creationId xmlns:a16="http://schemas.microsoft.com/office/drawing/2014/main" id="{8C079C1C-8ABC-40BC-B68B-2AFD4C366610}"/>
+                <a16:creationId xmlns:a16="http://schemas.microsoft.com/office/drawing/2014/main" xmlns="" id="{8C079C1C-8ABC-40BC-B68B-2AFD4C366610}"/>
               </a:ext>
             </a:extLst>
           </p:cNvPr>
@@ -6877,7 +7159,7 @@
   <a:extraClrSchemeLst/>
   <a:extLst>
     <a:ext uri="{05A4C25C-085E-4340-85A3-A5531E510DB2}">
-      <thm15:themeFamily xmlns:thm15="http://schemas.microsoft.com/office/thememl/2012/main" name="Business direction presentation (widescreen).potx" id="{D17AB31B-F25B-45F4-B34E-C6982D129A29}" vid="{B63A7B92-8C2A-4E6A-9062-768A2448E61C}"/>
+      <thm15:themeFamily xmlns:thm15="http://schemas.microsoft.com/office/thememl/2012/main" xmlns="" name="Business direction presentation (widescreen).potx" id="{D17AB31B-F25B-45F4-B34E-C6982D129A29}" vid="{B63A7B92-8C2A-4E6A-9062-768A2448E61C}"/>
     </a:ext>
   </a:extLst>
 </a:theme>
@@ -7078,7 +7360,7 @@
   <a:extraClrSchemeLst/>
   <a:extLst>
     <a:ext uri="{05A4C25C-085E-4340-85A3-A5531E510DB2}">
-      <thm15:themeFamily xmlns:thm15="http://schemas.microsoft.com/office/thememl/2012/main" name="Office Theme" id="{62F939B6-93AF-4DB8-9C6B-D6C7DFDC589F}" vid="{4A3C46E8-61CC-4603-A589-7422A47A8E4A}"/>
+      <thm15:themeFamily xmlns:thm15="http://schemas.microsoft.com/office/thememl/2012/main" xmlns="" name="Office Theme" id="{62F939B6-93AF-4DB8-9C6B-D6C7DFDC589F}" vid="{4A3C46E8-61CC-4603-A589-7422A47A8E4A}"/>
     </a:ext>
   </a:extLst>
 </a:theme>
@@ -7279,7 +7561,7 @@
   <a:extraClrSchemeLst/>
   <a:extLst>
     <a:ext uri="{05A4C25C-085E-4340-85A3-A5531E510DB2}">
-      <thm15:themeFamily xmlns:thm15="http://schemas.microsoft.com/office/thememl/2012/main" name="Office Theme" id="{62F939B6-93AF-4DB8-9C6B-D6C7DFDC589F}" vid="{4A3C46E8-61CC-4603-A589-7422A47A8E4A}"/>
+      <thm15:themeFamily xmlns:thm15="http://schemas.microsoft.com/office/thememl/2012/main" xmlns="" name="Office Theme" id="{62F939B6-93AF-4DB8-9C6B-D6C7DFDC589F}" vid="{4A3C46E8-61CC-4603-A589-7422A47A8E4A}"/>
     </a:ext>
   </a:extLst>
 </a:theme>

--- a/Brief Introduction of Java 7.pptx
+++ b/Brief Introduction of Java 7.pptx
@@ -5,10 +5,10 @@
     <p:sldMasterId id="2147483648" r:id="rId1"/>
   </p:sldMasterIdLst>
   <p:notesMasterIdLst>
-    <p:notesMasterId r:id="rId15"/>
+    <p:notesMasterId r:id="rId26"/>
   </p:notesMasterIdLst>
   <p:handoutMasterIdLst>
-    <p:handoutMasterId r:id="rId16"/>
+    <p:handoutMasterId r:id="rId27"/>
   </p:handoutMasterIdLst>
   <p:sldIdLst>
     <p:sldId id="257" r:id="rId2"/>
@@ -20,10 +20,21 @@
     <p:sldId id="265" r:id="rId8"/>
     <p:sldId id="266" r:id="rId9"/>
     <p:sldId id="267" r:id="rId10"/>
-    <p:sldId id="268" r:id="rId11"/>
-    <p:sldId id="269" r:id="rId12"/>
-    <p:sldId id="270" r:id="rId13"/>
-    <p:sldId id="271" r:id="rId14"/>
+    <p:sldId id="277" r:id="rId11"/>
+    <p:sldId id="278" r:id="rId12"/>
+    <p:sldId id="268" r:id="rId13"/>
+    <p:sldId id="280" r:id="rId14"/>
+    <p:sldId id="279" r:id="rId15"/>
+    <p:sldId id="269" r:id="rId16"/>
+    <p:sldId id="270" r:id="rId17"/>
+    <p:sldId id="282" r:id="rId18"/>
+    <p:sldId id="281" r:id="rId19"/>
+    <p:sldId id="271" r:id="rId20"/>
+    <p:sldId id="272" r:id="rId21"/>
+    <p:sldId id="273" r:id="rId22"/>
+    <p:sldId id="274" r:id="rId23"/>
+    <p:sldId id="275" r:id="rId24"/>
+    <p:sldId id="276" r:id="rId25"/>
   </p:sldIdLst>
   <p:sldSz cx="12192000" cy="6858000"/>
   <p:notesSz cx="6858000" cy="9144000"/>
@@ -124,13 +135,28 @@
   </p:defaultTextStyle>
   <p:extLst>
     <p:ext uri="{EFAFB233-063F-42B5-8137-9DF3F51BA10A}">
-      <p15:sldGuideLst xmlns:p15="http://schemas.microsoft.com/office/powerpoint/2012/main" xmlns=""/>
+      <p15:sldGuideLst xmlns:p15="http://schemas.microsoft.com/office/powerpoint/2012/main">
+        <p15:guide id="1" orient="horz" pos="2160">
+          <p15:clr>
+            <a:srgbClr val="A4A3A4"/>
+          </p15:clr>
+        </p15:guide>
+        <p15:guide id="2" pos="3840">
+          <p15:clr>
+            <a:srgbClr val="A4A3A4"/>
+          </p15:clr>
+        </p15:guide>
+      </p15:sldGuideLst>
     </p:ext>
     <p:ext uri="{2D200454-40CA-4A62-9FC3-DE9A4176ACB9}">
-      <p15:notesGuideLst xmlns:p15="http://schemas.microsoft.com/office/powerpoint/2012/main" xmlns=""/>
+      <p15:notesGuideLst xmlns:p15="http://schemas.microsoft.com/office/powerpoint/2012/main"/>
     </p:ext>
   </p:extLst>
 </p:presentation>
+</file>
+
+<file path=ppt/revisionInfo.xml><?xml version="1.0" encoding="utf-8"?>
+<p1510:revInfo xmlns:a="http://schemas.openxmlformats.org/drawingml/2006/main" xmlns:r="http://schemas.openxmlformats.org/officeDocument/2006/relationships" xmlns:p1510="http://schemas.microsoft.com/office/powerpoint/2015/10/main"/>
 </file>
 
 <file path=ppt/handoutMasters/handoutMaster1.xml><?xml version="1.0" encoding="utf-8"?>
@@ -215,7 +241,7 @@
           <a:p>
             <a:fld id="{D63D5444-F62C-42C3-A75A-D9DBA807730F}" type="datetimeFigureOut">
               <a:rPr lang="en-US" smtClean="0"/>
-              <a:t>1/20/2018</a:t>
+              <a:t>1/23/2018</a:t>
             </a:fld>
             <a:endParaRPr lang="en-US"/>
           </a:p>
@@ -380,7 +406,7 @@
           <a:p>
             <a:fld id="{12CAA1FA-7B6A-47D2-8D61-F225D71B51FF}" type="datetimeFigureOut">
               <a:rPr lang="en-US" smtClean="0"/>
-              <a:t>1/20/2018</a:t>
+              <a:t>1/23/2018</a:t>
             </a:fld>
             <a:endParaRPr lang="en-US"/>
           </a:p>
@@ -1333,7 +1359,7 @@
           <a:p>
             <a:fld id="{A79A3335-6331-4872-A8B7-ECD55539F4D0}" type="datetimeFigureOut">
               <a:rPr lang="en-US" smtClean="0"/>
-              <a:t>1/20/2018</a:t>
+              <a:t>1/23/2018</a:t>
             </a:fld>
             <a:endParaRPr lang="en-US"/>
           </a:p>
@@ -1940,7 +1966,7 @@
           <a:p>
             <a:fld id="{A79A3335-6331-4872-A8B7-ECD55539F4D0}" type="datetimeFigureOut">
               <a:rPr lang="en-US" smtClean="0"/>
-              <a:t>1/20/2018</a:t>
+              <a:t>1/23/2018</a:t>
             </a:fld>
             <a:endParaRPr lang="en-US"/>
           </a:p>
@@ -2123,7 +2149,7 @@
           <a:p>
             <a:fld id="{A79A3335-6331-4872-A8B7-ECD55539F4D0}" type="datetimeFigureOut">
               <a:rPr lang="en-US" smtClean="0"/>
-              <a:t>1/20/2018</a:t>
+              <a:t>1/23/2018</a:t>
             </a:fld>
             <a:endParaRPr lang="en-US"/>
           </a:p>
@@ -2457,7 +2483,7 @@
           <a:p>
             <a:fld id="{A79A3335-6331-4872-A8B7-ECD55539F4D0}" type="datetimeFigureOut">
               <a:rPr lang="en-US" smtClean="0"/>
-              <a:t>1/20/2018</a:t>
+              <a:t>1/23/2018</a:t>
             </a:fld>
             <a:endParaRPr lang="en-US"/>
           </a:p>
@@ -2649,7 +2675,7 @@
           <a:p>
             <a:fld id="{A79A3335-6331-4872-A8B7-ECD55539F4D0}" type="datetimeFigureOut">
               <a:rPr lang="en-US" smtClean="0"/>
-              <a:t>1/20/2018</a:t>
+              <a:t>1/23/2018</a:t>
             </a:fld>
             <a:endParaRPr lang="en-US"/>
           </a:p>
@@ -3811,7 +3837,7 @@
           <a:p>
             <a:fld id="{A79A3335-6331-4872-A8B7-ECD55539F4D0}" type="datetimeFigureOut">
               <a:rPr lang="en-US" smtClean="0"/>
-              <a:t>1/20/2018</a:t>
+              <a:t>1/23/2018</a:t>
             </a:fld>
             <a:endParaRPr lang="en-US"/>
           </a:p>
@@ -4195,7 +4221,7 @@
           <a:p>
             <a:fld id="{A79A3335-6331-4872-A8B7-ECD55539F4D0}" type="datetimeFigureOut">
               <a:rPr lang="en-US" smtClean="0"/>
-              <a:t>1/20/2018</a:t>
+              <a:t>1/23/2018</a:t>
             </a:fld>
             <a:endParaRPr lang="en-US"/>
           </a:p>
@@ -4327,7 +4353,7 @@
           <a:p>
             <a:fld id="{A79A3335-6331-4872-A8B7-ECD55539F4D0}" type="datetimeFigureOut">
               <a:rPr lang="en-US" smtClean="0"/>
-              <a:t>1/20/2018</a:t>
+              <a:t>1/23/2018</a:t>
             </a:fld>
             <a:endParaRPr lang="en-US"/>
           </a:p>
@@ -4437,7 +4463,7 @@
           <a:p>
             <a:fld id="{A79A3335-6331-4872-A8B7-ECD55539F4D0}" type="datetimeFigureOut">
               <a:rPr lang="en-US" smtClean="0"/>
-              <a:t>1/20/2018</a:t>
+              <a:t>1/23/2018</a:t>
             </a:fld>
             <a:endParaRPr lang="en-US"/>
           </a:p>
@@ -4730,7 +4756,7 @@
           <a:p>
             <a:fld id="{A79A3335-6331-4872-A8B7-ECD55539F4D0}" type="datetimeFigureOut">
               <a:rPr lang="en-US" smtClean="0"/>
-              <a:t>1/20/2018</a:t>
+              <a:t>1/23/2018</a:t>
             </a:fld>
             <a:endParaRPr lang="en-US"/>
           </a:p>
@@ -5113,7 +5139,7 @@
             <a:fld id="{A79A3335-6331-4872-A8B7-ECD55539F4D0}" type="datetimeFigureOut">
               <a:rPr lang="en-US" smtClean="0"/>
               <a:pPr/>
-              <a:t>1/20/2018</a:t>
+              <a:t>1/23/2018</a:t>
             </a:fld>
             <a:endParaRPr lang="en-US"/>
           </a:p>
@@ -5476,7 +5502,7 @@
   </p:txStyles>
   <p:extLst mod="1">
     <p:ext uri="{27BBF7A9-308A-43DC-89C8-2F10F3537804}">
-      <p15:sldGuideLst xmlns:p15="http://schemas.microsoft.com/office/powerpoint/2012/main" xmlns="">
+      <p15:sldGuideLst xmlns:p15="http://schemas.microsoft.com/office/powerpoint/2012/main">
         <p15:guide id="1" orient="horz" pos="2160" userDrawn="1">
           <p15:clr>
             <a:srgbClr val="F26B43"/>
@@ -5623,7 +5649,13 @@
       </p:grpSpPr>
       <p:sp>
         <p:nvSpPr>
-          <p:cNvPr id="2" name="Title 1"/>
+          <p:cNvPr id="2" name="Title 1">
+            <a:extLst>
+              <a:ext uri="{FF2B5EF4-FFF2-40B4-BE49-F238E27FC236}">
+                <a16:creationId xmlns:a16="http://schemas.microsoft.com/office/drawing/2014/main" id="{CB42523A-164F-4150-8CE3-DFD936715F5D}"/>
+              </a:ext>
+            </a:extLst>
+          </p:cNvPr>
           <p:cNvSpPr>
             <a:spLocks noGrp="1"/>
           </p:cNvSpPr>
@@ -5637,16 +5669,21 @@
           <a:lstStyle/>
           <a:p>
             <a:r>
-              <a:rPr lang="en-US" dirty="0" smtClean="0"/>
-              <a:t>NIO.2</a:t>
-            </a:r>
-            <a:endParaRPr lang="en-US" dirty="0"/>
-          </a:p>
-        </p:txBody>
-      </p:sp>
-      <p:sp>
-        <p:nvSpPr>
-          <p:cNvPr id="6" name="Text Placeholder 5"/>
+              <a:rPr lang="en-US" dirty="0"/>
+              <a:t>NIO.2 - Path</a:t>
+            </a:r>
+          </a:p>
+        </p:txBody>
+      </p:sp>
+      <p:sp>
+        <p:nvSpPr>
+          <p:cNvPr id="4" name="Text Placeholder 3">
+            <a:extLst>
+              <a:ext uri="{FF2B5EF4-FFF2-40B4-BE49-F238E27FC236}">
+                <a16:creationId xmlns:a16="http://schemas.microsoft.com/office/drawing/2014/main" id="{54D76427-09D4-4EFB-91A5-F0E3655734F1}"/>
+              </a:ext>
+            </a:extLst>
+          </p:cNvPr>
           <p:cNvSpPr>
             <a:spLocks noGrp="1"/>
           </p:cNvSpPr>
@@ -5656,23 +5693,32 @@
         </p:nvSpPr>
         <p:spPr>
           <a:xfrm>
-            <a:off x="1295399" y="1828800"/>
-            <a:ext cx="8840273" cy="4343400"/>
+            <a:off x="1295400" y="1828800"/>
+            <a:ext cx="9335494" cy="4343400"/>
           </a:xfrm>
         </p:spPr>
         <p:txBody>
-          <a:bodyPr/>
-          <a:lstStyle/>
+          <a:bodyPr anchor="t"/>
+          <a:lstStyle/>
+          <a:p>
+            <a:r>
+              <a:rPr lang="en-US" dirty="0"/>
+              <a:t>Useful methods (Most of these methods don’t require that the file corresponding to the Path exists.):</a:t>
+            </a:r>
+          </a:p>
           <a:p>
             <a:pPr marL="342900" indent="-342900">
               <a:buFont typeface="Arial" panose="020B0604020202020204" pitchFamily="34" charset="0"/>
               <a:buChar char="•"/>
             </a:pPr>
             <a:r>
-              <a:rPr lang="en-US" dirty="0" err="1" smtClean="0"/>
-              <a:t>FileAttribute</a:t>
-            </a:r>
-            <a:endParaRPr lang="en-US" dirty="0" smtClean="0"/>
+              <a:rPr lang="en-US" dirty="0" err="1"/>
+              <a:t>getFileName</a:t>
+            </a:r>
+            <a:r>
+              <a:rPr lang="en-US" dirty="0"/>
+              <a:t>()</a:t>
+            </a:r>
           </a:p>
           <a:p>
             <a:pPr marL="342900" indent="-342900">
@@ -5680,17 +5726,76 @@
               <a:buChar char="•"/>
             </a:pPr>
             <a:r>
-              <a:rPr lang="en-US" dirty="0" err="1" smtClean="0"/>
-              <a:t>PosixFilePermission</a:t>
-            </a:r>
-            <a:endParaRPr lang="en-US" dirty="0"/>
+              <a:rPr lang="en-US" dirty="0" err="1"/>
+              <a:t>getName</a:t>
+            </a:r>
+            <a:r>
+              <a:rPr lang="en-US" dirty="0"/>
+              <a:t>(index)</a:t>
+            </a:r>
+          </a:p>
+          <a:p>
+            <a:pPr marL="342900" indent="-342900">
+              <a:buFont typeface="Arial" panose="020B0604020202020204" pitchFamily="34" charset="0"/>
+              <a:buChar char="•"/>
+            </a:pPr>
+            <a:r>
+              <a:rPr lang="en-US" dirty="0" err="1"/>
+              <a:t>getNameCount</a:t>
+            </a:r>
+            <a:r>
+              <a:rPr lang="en-US" dirty="0"/>
+              <a:t>()</a:t>
+            </a:r>
+          </a:p>
+          <a:p>
+            <a:pPr marL="342900" indent="-342900">
+              <a:buFont typeface="Arial" panose="020B0604020202020204" pitchFamily="34" charset="0"/>
+              <a:buChar char="•"/>
+            </a:pPr>
+            <a:r>
+              <a:rPr lang="en-US" dirty="0" err="1"/>
+              <a:t>Subpath</a:t>
+            </a:r>
+            <a:r>
+              <a:rPr lang="en-US" dirty="0"/>
+              <a:t>(start index, end index)</a:t>
+            </a:r>
+          </a:p>
+          <a:p>
+            <a:pPr marL="342900" indent="-342900">
+              <a:buFont typeface="Arial" panose="020B0604020202020204" pitchFamily="34" charset="0"/>
+              <a:buChar char="•"/>
+            </a:pPr>
+            <a:r>
+              <a:rPr lang="en-US" dirty="0" err="1"/>
+              <a:t>getParent</a:t>
+            </a:r>
+            <a:r>
+              <a:rPr lang="en-US" dirty="0"/>
+              <a:t>()</a:t>
+            </a:r>
+          </a:p>
+          <a:p>
+            <a:pPr marL="342900" indent="-342900">
+              <a:buFont typeface="Arial" panose="020B0604020202020204" pitchFamily="34" charset="0"/>
+              <a:buChar char="•"/>
+            </a:pPr>
+            <a:r>
+              <a:rPr lang="en-US" dirty="0" err="1"/>
+              <a:t>getRoot</a:t>
+            </a:r>
+            <a:r>
+              <a:rPr lang="en-US" dirty="0"/>
+              <a:t>()</a:t>
+            </a:r>
           </a:p>
         </p:txBody>
       </p:sp>
     </p:spTree>
     <p:extLst>
       <p:ext uri="{BB962C8B-B14F-4D97-AF65-F5344CB8AC3E}">
-        <p14:creationId xmlns:p14="http://schemas.microsoft.com/office/powerpoint/2010/main" val="4129926194"/>
+        <p14:creationId xmlns:p14="http://schemas.microsoft.com/office/powerpoint/2010/main" val="3826145360"/>
       </p:ext>
     </p:extLst>
   </p:cSld>
@@ -5731,7 +5836,13 @@
       </p:grpSpPr>
       <p:sp>
         <p:nvSpPr>
-          <p:cNvPr id="2" name="Title 1"/>
+          <p:cNvPr id="2" name="Title 1">
+            <a:extLst>
+              <a:ext uri="{FF2B5EF4-FFF2-40B4-BE49-F238E27FC236}">
+                <a16:creationId xmlns:a16="http://schemas.microsoft.com/office/drawing/2014/main" id="{7217AECF-E06C-4F73-852F-5B67C0BFCC32}"/>
+              </a:ext>
+            </a:extLst>
+          </p:cNvPr>
           <p:cNvSpPr>
             <a:spLocks noGrp="1"/>
           </p:cNvSpPr>
@@ -5744,17 +5855,19 @@
           <a:bodyPr/>
           <a:lstStyle/>
           <a:p>
-            <a:r>
-              <a:rPr lang="en-US" altLang="zh-CN" dirty="0" smtClean="0"/>
-              <a:t>NIO.2</a:t>
-            </a:r>
-            <a:endParaRPr lang="zh-CN" altLang="en-US" dirty="0"/>
-          </a:p>
-        </p:txBody>
-      </p:sp>
-      <p:sp>
-        <p:nvSpPr>
-          <p:cNvPr id="4" name="Text Placeholder 3"/>
+            <a:endParaRPr lang="en-US"/>
+          </a:p>
+        </p:txBody>
+      </p:sp>
+      <p:sp>
+        <p:nvSpPr>
+          <p:cNvPr id="4" name="Text Placeholder 3">
+            <a:extLst>
+              <a:ext uri="{FF2B5EF4-FFF2-40B4-BE49-F238E27FC236}">
+                <a16:creationId xmlns:a16="http://schemas.microsoft.com/office/drawing/2014/main" id="{1F11D423-4250-4A6E-9239-AB66ED39ECD6}"/>
+              </a:ext>
+            </a:extLst>
+          </p:cNvPr>
           <p:cNvSpPr>
             <a:spLocks noGrp="1"/>
           </p:cNvSpPr>
@@ -5765,45 +5878,134 @@
         <p:spPr>
           <a:xfrm>
             <a:off x="1295400" y="1828800"/>
-            <a:ext cx="9033456" cy="4343400"/>
+            <a:ext cx="9601200" cy="4343400"/>
           </a:xfrm>
         </p:spPr>
         <p:txBody>
           <a:bodyPr anchor="t"/>
           <a:lstStyle/>
           <a:p>
-            <a:r>
-              <a:rPr lang="en-US" altLang="zh-CN" dirty="0"/>
-              <a:t>Be careful when writing filesystem-specific </a:t>
-            </a:r>
-            <a:r>
-              <a:rPr lang="en-US" altLang="zh-CN" dirty="0" smtClean="0"/>
-              <a:t>code.</a:t>
-            </a:r>
-            <a:r>
-              <a:rPr lang="en-US" altLang="zh-CN" dirty="0"/>
-              <a:t> Always ensure that your logic and exception handling covers the case where your code might run on a </a:t>
-            </a:r>
-            <a:r>
-              <a:rPr lang="en-US" altLang="zh-CN" dirty="0">
-                <a:solidFill>
-                  <a:srgbClr val="FF0000"/>
-                </a:solidFill>
+            <a:pPr marL="342900" indent="-342900">
+              <a:buFont typeface="Arial" panose="020B0604020202020204" pitchFamily="34" charset="0"/>
+              <a:buChar char="•"/>
+            </a:pPr>
+            <a:r>
+              <a:rPr lang="en-US" dirty="0"/>
+              <a:t>normalize()</a:t>
+            </a:r>
+          </a:p>
+          <a:p>
+            <a:pPr marL="342900" indent="-342900">
+              <a:buFont typeface="Arial" panose="020B0604020202020204" pitchFamily="34" charset="0"/>
+              <a:buChar char="•"/>
+            </a:pPr>
+            <a:r>
+              <a:rPr lang="en-US" dirty="0" err="1"/>
+              <a:t>toAbsolutePath</a:t>
+            </a:r>
+            <a:endParaRPr lang="en-US" dirty="0"/>
+          </a:p>
+          <a:p>
+            <a:pPr marL="342900" indent="-342900">
+              <a:buFont typeface="Arial" panose="020B0604020202020204" pitchFamily="34" charset="0"/>
+              <a:buChar char="•"/>
+            </a:pPr>
+            <a:r>
+              <a:rPr lang="en-US" dirty="0" err="1"/>
+              <a:t>toRealPath</a:t>
+            </a:r>
+            <a:r>
+              <a:rPr lang="en-US" dirty="0"/>
+              <a:t>() combines </a:t>
+            </a:r>
+            <a:r>
+              <a:rPr lang="en-US" dirty="0" err="1"/>
+              <a:t>toAbsolutePath</a:t>
+            </a:r>
+            <a:r>
+              <a:rPr lang="en-US" dirty="0"/>
+              <a:t>() and normalize() and could resolve symbolic links. </a:t>
+            </a:r>
+            <a:r>
+              <a:rPr lang="en-US" dirty="0">
+                <a:highlight>
+                  <a:srgbClr val="FFFF00"/>
+                </a:highlight>
               </a:rPr>
-              <a:t>different filesystem</a:t>
-            </a:r>
-            <a:r>
-              <a:rPr lang="en-US" altLang="zh-CN" dirty="0"/>
+              <a:t>This method will check the existence and availability of the file</a:t>
+            </a:r>
+            <a:r>
+              <a:rPr lang="en-US" dirty="0"/>
               <a:t>.</a:t>
             </a:r>
-            <a:endParaRPr lang="zh-CN" altLang="en-US" dirty="0"/>
+          </a:p>
+          <a:p>
+            <a:pPr marL="342900" indent="-342900">
+              <a:buFont typeface="Arial" panose="020B0604020202020204" pitchFamily="34" charset="0"/>
+              <a:buChar char="•"/>
+            </a:pPr>
+            <a:r>
+              <a:rPr lang="en-US" dirty="0"/>
+              <a:t>resolve()</a:t>
+            </a:r>
+          </a:p>
+          <a:p>
+            <a:pPr marL="342900" indent="-342900">
+              <a:buFont typeface="Arial" panose="020B0604020202020204" pitchFamily="34" charset="0"/>
+              <a:buChar char="•"/>
+            </a:pPr>
+            <a:r>
+              <a:rPr lang="en-US" dirty="0"/>
+              <a:t>relativize()</a:t>
+            </a:r>
+          </a:p>
+          <a:p>
+            <a:pPr marL="342900" indent="-342900">
+              <a:buFont typeface="Arial" panose="020B0604020202020204" pitchFamily="34" charset="0"/>
+              <a:buChar char="•"/>
+            </a:pPr>
+            <a:r>
+              <a:rPr lang="en-US" dirty="0"/>
+              <a:t>Support equals, </a:t>
+            </a:r>
+            <a:r>
+              <a:rPr lang="en-US" dirty="0" err="1"/>
+              <a:t>startsWith</a:t>
+            </a:r>
+            <a:r>
+              <a:rPr lang="en-US" dirty="0"/>
+              <a:t> and </a:t>
+            </a:r>
+            <a:r>
+              <a:rPr lang="en-US" dirty="0" err="1"/>
+              <a:t>endWith</a:t>
+            </a:r>
+            <a:endParaRPr lang="en-US" dirty="0"/>
+          </a:p>
+          <a:p>
+            <a:pPr marL="342900" indent="-342900">
+              <a:buFont typeface="Arial" panose="020B0604020202020204" pitchFamily="34" charset="0"/>
+              <a:buChar char="•"/>
+            </a:pPr>
+            <a:r>
+              <a:rPr lang="en-US" dirty="0"/>
+              <a:t>Path also implements the </a:t>
+            </a:r>
+            <a:r>
+              <a:rPr lang="en-US" dirty="0" err="1"/>
+              <a:t>Iterable</a:t>
+            </a:r>
+            <a:r>
+              <a:rPr lang="en-US" dirty="0"/>
+              <a:t>. You can iterate over the name elements in the path through iterator.</a:t>
+            </a:r>
           </a:p>
         </p:txBody>
       </p:sp>
     </p:spTree>
     <p:extLst>
       <p:ext uri="{BB962C8B-B14F-4D97-AF65-F5344CB8AC3E}">
-        <p14:creationId xmlns:p14="http://schemas.microsoft.com/office/powerpoint/2010/main" val="468490017"/>
+        <p14:creationId xmlns:p14="http://schemas.microsoft.com/office/powerpoint/2010/main" val="1701570322"/>
       </p:ext>
     </p:extLst>
   </p:cSld>
@@ -5858,16 +6060,15 @@
           <a:lstStyle/>
           <a:p>
             <a:r>
-              <a:rPr lang="en-US" altLang="zh-CN" dirty="0" smtClean="0"/>
-              <a:t>Reading and writing data</a:t>
-            </a:r>
-            <a:endParaRPr lang="zh-CN" altLang="en-US" dirty="0"/>
-          </a:p>
-        </p:txBody>
-      </p:sp>
-      <p:sp>
-        <p:nvSpPr>
-          <p:cNvPr id="4" name="Text Placeholder 3"/>
+              <a:rPr lang="en-US" dirty="0"/>
+              <a:t>NIO.2 – File Attributes</a:t>
+            </a:r>
+          </a:p>
+        </p:txBody>
+      </p:sp>
+      <p:sp>
+        <p:nvSpPr>
+          <p:cNvPr id="6" name="Text Placeholder 5"/>
           <p:cNvSpPr>
             <a:spLocks noGrp="1"/>
           </p:cNvSpPr>
@@ -5877,42 +6078,23 @@
         </p:nvSpPr>
         <p:spPr>
           <a:xfrm>
-            <a:off x="1295400" y="1828800"/>
-            <a:ext cx="9316792" cy="4343400"/>
+            <a:off x="1295399" y="1828800"/>
+            <a:ext cx="8840273" cy="4343400"/>
           </a:xfrm>
         </p:spPr>
         <p:txBody>
           <a:bodyPr/>
           <a:lstStyle/>
-          <a:p>
-            <a:r>
-              <a:rPr lang="en-US" altLang="zh-CN" dirty="0" smtClean="0"/>
-              <a:t>Provide bridge to </a:t>
-            </a:r>
-            <a:r>
-              <a:rPr lang="en-US" altLang="zh-CN" dirty="0" err="1" smtClean="0"/>
-              <a:t>io</a:t>
-            </a:r>
-            <a:endParaRPr lang="en-US" altLang="zh-CN" dirty="0" smtClean="0"/>
-          </a:p>
           <a:p>
             <a:pPr marL="342900" indent="-342900">
               <a:buFont typeface="Arial" panose="020B0604020202020204" pitchFamily="34" charset="0"/>
               <a:buChar char="•"/>
             </a:pPr>
             <a:r>
-              <a:rPr lang="en-US" altLang="zh-CN" dirty="0" err="1" smtClean="0"/>
-              <a:t>BufferReader</a:t>
-            </a:r>
-            <a:r>
-              <a:rPr lang="en-US" altLang="zh-CN" dirty="0" smtClean="0"/>
-              <a:t> and </a:t>
-            </a:r>
-            <a:r>
-              <a:rPr lang="en-US" altLang="zh-CN" dirty="0" err="1" smtClean="0"/>
-              <a:t>BufferWriter</a:t>
-            </a:r>
-            <a:endParaRPr lang="en-US" altLang="zh-CN" dirty="0" smtClean="0"/>
+              <a:rPr lang="en-US" dirty="0" err="1"/>
+              <a:t>FileAttribute</a:t>
+            </a:r>
+            <a:endParaRPr lang="en-US" dirty="0"/>
           </a:p>
           <a:p>
             <a:pPr marL="342900" indent="-342900">
@@ -5920,53 +6102,17 @@
               <a:buChar char="•"/>
             </a:pPr>
             <a:r>
-              <a:rPr lang="en-US" altLang="zh-CN" dirty="0" err="1" smtClean="0"/>
-              <a:t>InputStream</a:t>
-            </a:r>
-            <a:r>
-              <a:rPr lang="en-US" altLang="zh-CN" dirty="0"/>
-              <a:t> </a:t>
-            </a:r>
-            <a:r>
-              <a:rPr lang="en-US" altLang="zh-CN" dirty="0" smtClean="0"/>
-              <a:t>and </a:t>
-            </a:r>
-            <a:r>
-              <a:rPr lang="en-US" altLang="zh-CN" dirty="0" err="1" smtClean="0"/>
-              <a:t>OutputStream</a:t>
-            </a:r>
-            <a:endParaRPr lang="en-US" altLang="zh-CN" dirty="0" smtClean="0"/>
-          </a:p>
-          <a:p>
-            <a:pPr marL="342900" indent="-342900">
-              <a:buFont typeface="Arial" panose="020B0604020202020204" pitchFamily="34" charset="0"/>
-              <a:buChar char="•"/>
-            </a:pPr>
-            <a:endParaRPr lang="en-US" altLang="zh-CN" dirty="0"/>
-          </a:p>
-          <a:p>
-            <a:r>
-              <a:rPr lang="en-US" altLang="zh-CN" dirty="0" smtClean="0"/>
-              <a:t>Provide new reading and writing</a:t>
-            </a:r>
-          </a:p>
-          <a:p>
-            <a:pPr marL="342900" indent="-342900">
-              <a:buFont typeface="Arial" panose="020B0604020202020204" pitchFamily="34" charset="0"/>
-              <a:buChar char="•"/>
-            </a:pPr>
-            <a:r>
-              <a:rPr lang="en-US" altLang="zh-CN" dirty="0" err="1" smtClean="0"/>
-              <a:t>Files.readAllLines</a:t>
-            </a:r>
-            <a:endParaRPr lang="zh-CN" altLang="en-US" dirty="0"/>
+              <a:rPr lang="en-US" dirty="0" err="1"/>
+              <a:t>PosixFilePermission</a:t>
+            </a:r>
+            <a:endParaRPr lang="en-US" dirty="0"/>
           </a:p>
         </p:txBody>
       </p:sp>
     </p:spTree>
     <p:extLst>
       <p:ext uri="{BB962C8B-B14F-4D97-AF65-F5344CB8AC3E}">
-        <p14:creationId xmlns:p14="http://schemas.microsoft.com/office/powerpoint/2010/main" val="2958266849"/>
+        <p14:creationId xmlns:p14="http://schemas.microsoft.com/office/powerpoint/2010/main" val="4129926194"/>
       </p:ext>
     </p:extLst>
   </p:cSld>
@@ -6007,6 +6153,222 @@
       </p:grpSpPr>
       <p:sp>
         <p:nvSpPr>
+          <p:cNvPr id="2" name="Title 1">
+            <a:extLst>
+              <a:ext uri="{FF2B5EF4-FFF2-40B4-BE49-F238E27FC236}">
+                <a16:creationId xmlns:a16="http://schemas.microsoft.com/office/drawing/2014/main" id="{94997889-84CE-4C63-BB17-8C4925657D40}"/>
+              </a:ext>
+            </a:extLst>
+          </p:cNvPr>
+          <p:cNvSpPr>
+            <a:spLocks noGrp="1"/>
+          </p:cNvSpPr>
+          <p:nvPr>
+            <p:ph type="title"/>
+          </p:nvPr>
+        </p:nvSpPr>
+        <p:spPr/>
+        <p:txBody>
+          <a:bodyPr/>
+          <a:lstStyle/>
+          <a:p>
+            <a:r>
+              <a:rPr lang="en-US" dirty="0"/>
+              <a:t>NIO.2 – Working with Directory</a:t>
+            </a:r>
+          </a:p>
+        </p:txBody>
+      </p:sp>
+      <p:sp>
+        <p:nvSpPr>
+          <p:cNvPr id="3" name="Picture Placeholder 2">
+            <a:extLst>
+              <a:ext uri="{FF2B5EF4-FFF2-40B4-BE49-F238E27FC236}">
+                <a16:creationId xmlns:a16="http://schemas.microsoft.com/office/drawing/2014/main" id="{C991ABE5-ABA0-4000-AE08-67AC4B71E221}"/>
+              </a:ext>
+            </a:extLst>
+          </p:cNvPr>
+          <p:cNvSpPr>
+            <a:spLocks noGrp="1"/>
+          </p:cNvSpPr>
+          <p:nvPr>
+            <p:ph type="pic" idx="1"/>
+          </p:nvPr>
+        </p:nvSpPr>
+        <p:spPr/>
+      </p:sp>
+      <p:sp>
+        <p:nvSpPr>
+          <p:cNvPr id="4" name="Text Placeholder 3">
+            <a:extLst>
+              <a:ext uri="{FF2B5EF4-FFF2-40B4-BE49-F238E27FC236}">
+                <a16:creationId xmlns:a16="http://schemas.microsoft.com/office/drawing/2014/main" id="{277F79F8-2268-4356-9107-C78280E04BCF}"/>
+              </a:ext>
+            </a:extLst>
+          </p:cNvPr>
+          <p:cNvSpPr>
+            <a:spLocks noGrp="1"/>
+          </p:cNvSpPr>
+          <p:nvPr>
+            <p:ph type="body" sz="half" idx="2"/>
+          </p:nvPr>
+        </p:nvSpPr>
+        <p:spPr/>
+        <p:txBody>
+          <a:bodyPr/>
+          <a:lstStyle/>
+          <a:p>
+            <a:endParaRPr lang="en-US"/>
+          </a:p>
+        </p:txBody>
+      </p:sp>
+    </p:spTree>
+    <p:extLst>
+      <p:ext uri="{BB962C8B-B14F-4D97-AF65-F5344CB8AC3E}">
+        <p14:creationId xmlns:p14="http://schemas.microsoft.com/office/powerpoint/2010/main" val="2333252636"/>
+      </p:ext>
+    </p:extLst>
+  </p:cSld>
+  <p:clrMapOvr>
+    <a:masterClrMapping/>
+  </p:clrMapOvr>
+  <mc:AlternateContent xmlns:mc="http://schemas.openxmlformats.org/markup-compatibility/2006" xmlns:p14="http://schemas.microsoft.com/office/powerpoint/2010/main">
+    <mc:Choice Requires="p14">
+      <p:transition spd="med" p14:dur="700">
+        <p:fade/>
+      </p:transition>
+    </mc:Choice>
+    <mc:Fallback xmlns="">
+      <p:transition spd="med">
+        <p:fade/>
+      </p:transition>
+    </mc:Fallback>
+  </mc:AlternateContent>
+</p:sld>
+</file>
+
+<file path=ppt/slides/slide14.xml><?xml version="1.0" encoding="utf-8"?>
+<p:sld xmlns:a="http://schemas.openxmlformats.org/drawingml/2006/main" xmlns:r="http://schemas.openxmlformats.org/officeDocument/2006/relationships" xmlns:p="http://schemas.openxmlformats.org/presentationml/2006/main">
+  <p:cSld>
+    <p:spTree>
+      <p:nvGrpSpPr>
+        <p:cNvPr id="1" name=""/>
+        <p:cNvGrpSpPr/>
+        <p:nvPr/>
+      </p:nvGrpSpPr>
+      <p:grpSpPr>
+        <a:xfrm>
+          <a:off x="0" y="0"/>
+          <a:ext cx="0" cy="0"/>
+          <a:chOff x="0" y="0"/>
+          <a:chExt cx="0" cy="0"/>
+        </a:xfrm>
+      </p:grpSpPr>
+      <p:sp>
+        <p:nvSpPr>
+          <p:cNvPr id="2" name="Title 1">
+            <a:extLst>
+              <a:ext uri="{FF2B5EF4-FFF2-40B4-BE49-F238E27FC236}">
+                <a16:creationId xmlns:a16="http://schemas.microsoft.com/office/drawing/2014/main" id="{EAD17433-299D-4D78-B480-59501E7218F1}"/>
+              </a:ext>
+            </a:extLst>
+          </p:cNvPr>
+          <p:cNvSpPr>
+            <a:spLocks noGrp="1"/>
+          </p:cNvSpPr>
+          <p:nvPr>
+            <p:ph type="title"/>
+          </p:nvPr>
+        </p:nvSpPr>
+        <p:spPr/>
+        <p:txBody>
+          <a:bodyPr/>
+          <a:lstStyle/>
+          <a:p>
+            <a:r>
+              <a:rPr lang="en-US" dirty="0"/>
+              <a:t>NIO.2 - glob</a:t>
+            </a:r>
+          </a:p>
+        </p:txBody>
+      </p:sp>
+      <p:sp>
+        <p:nvSpPr>
+          <p:cNvPr id="4" name="Text Placeholder 3">
+            <a:extLst>
+              <a:ext uri="{FF2B5EF4-FFF2-40B4-BE49-F238E27FC236}">
+                <a16:creationId xmlns:a16="http://schemas.microsoft.com/office/drawing/2014/main" id="{687897E2-E03E-424B-8FA9-6DA919D78A31}"/>
+              </a:ext>
+            </a:extLst>
+          </p:cNvPr>
+          <p:cNvSpPr>
+            <a:spLocks noGrp="1"/>
+          </p:cNvSpPr>
+          <p:nvPr>
+            <p:ph type="body" sz="half" idx="2"/>
+          </p:nvPr>
+        </p:nvSpPr>
+        <p:spPr>
+          <a:xfrm>
+            <a:off x="1295399" y="1828800"/>
+            <a:ext cx="9198429" cy="4343400"/>
+          </a:xfrm>
+        </p:spPr>
+        <p:txBody>
+          <a:bodyPr anchor="t"/>
+          <a:lstStyle/>
+          <a:p>
+            <a:r>
+              <a:rPr lang="en-US" dirty="0"/>
+              <a:t>You can use glob syntax to specify pattern-matching behavior.</a:t>
+            </a:r>
+          </a:p>
+        </p:txBody>
+      </p:sp>
+    </p:spTree>
+    <p:extLst>
+      <p:ext uri="{BB962C8B-B14F-4D97-AF65-F5344CB8AC3E}">
+        <p14:creationId xmlns:p14="http://schemas.microsoft.com/office/powerpoint/2010/main" val="2806462168"/>
+      </p:ext>
+    </p:extLst>
+  </p:cSld>
+  <p:clrMapOvr>
+    <a:masterClrMapping/>
+  </p:clrMapOvr>
+  <mc:AlternateContent xmlns:mc="http://schemas.openxmlformats.org/markup-compatibility/2006" xmlns:p14="http://schemas.microsoft.com/office/powerpoint/2010/main">
+    <mc:Choice Requires="p14">
+      <p:transition spd="med" p14:dur="700">
+        <p:fade/>
+      </p:transition>
+    </mc:Choice>
+    <mc:Fallback xmlns="">
+      <p:transition spd="med">
+        <p:fade/>
+      </p:transition>
+    </mc:Fallback>
+  </mc:AlternateContent>
+</p:sld>
+</file>
+
+<file path=ppt/slides/slide15.xml><?xml version="1.0" encoding="utf-8"?>
+<p:sld xmlns:a="http://schemas.openxmlformats.org/drawingml/2006/main" xmlns:r="http://schemas.openxmlformats.org/officeDocument/2006/relationships" xmlns:p="http://schemas.openxmlformats.org/presentationml/2006/main">
+  <p:cSld>
+    <p:spTree>
+      <p:nvGrpSpPr>
+        <p:cNvPr id="1" name=""/>
+        <p:cNvGrpSpPr/>
+        <p:nvPr/>
+      </p:nvGrpSpPr>
+      <p:grpSpPr>
+        <a:xfrm>
+          <a:off x="0" y="0"/>
+          <a:ext cx="0" cy="0"/>
+          <a:chOff x="0" y="0"/>
+          <a:chExt cx="0" cy="0"/>
+        </a:xfrm>
+      </p:grpSpPr>
+      <p:sp>
+        <p:nvSpPr>
           <p:cNvPr id="2" name="Title 1"/>
           <p:cNvSpPr>
             <a:spLocks noGrp="1"/>
@@ -6021,7 +6383,1186 @@
           <a:lstStyle/>
           <a:p>
             <a:r>
-              <a:rPr lang="en-US" altLang="zh-CN" dirty="0" smtClean="0"/>
+              <a:rPr lang="en-US" altLang="zh-CN" dirty="0"/>
+              <a:t>NIO.2</a:t>
+            </a:r>
+            <a:endParaRPr lang="zh-CN" altLang="en-US" dirty="0"/>
+          </a:p>
+        </p:txBody>
+      </p:sp>
+      <p:sp>
+        <p:nvSpPr>
+          <p:cNvPr id="4" name="Text Placeholder 3"/>
+          <p:cNvSpPr>
+            <a:spLocks noGrp="1"/>
+          </p:cNvSpPr>
+          <p:nvPr>
+            <p:ph type="body" sz="half" idx="2"/>
+          </p:nvPr>
+        </p:nvSpPr>
+        <p:spPr>
+          <a:xfrm>
+            <a:off x="1295400" y="1828800"/>
+            <a:ext cx="9033456" cy="4343400"/>
+          </a:xfrm>
+        </p:spPr>
+        <p:txBody>
+          <a:bodyPr anchor="t"/>
+          <a:lstStyle/>
+          <a:p>
+            <a:r>
+              <a:rPr lang="en-US" altLang="zh-CN" dirty="0"/>
+              <a:t>Be careful when writing filesystem-specific code. Always ensure that your logic and exception handling covers the case where your code might run on a </a:t>
+            </a:r>
+            <a:r>
+              <a:rPr lang="en-US" altLang="zh-CN" dirty="0">
+                <a:solidFill>
+                  <a:srgbClr val="FF0000"/>
+                </a:solidFill>
+              </a:rPr>
+              <a:t>different filesystem</a:t>
+            </a:r>
+            <a:r>
+              <a:rPr lang="en-US" altLang="zh-CN" dirty="0"/>
+              <a:t>.</a:t>
+            </a:r>
+            <a:endParaRPr lang="zh-CN" altLang="en-US" dirty="0"/>
+          </a:p>
+        </p:txBody>
+      </p:sp>
+    </p:spTree>
+    <p:extLst>
+      <p:ext uri="{BB962C8B-B14F-4D97-AF65-F5344CB8AC3E}">
+        <p14:creationId xmlns:p14="http://schemas.microsoft.com/office/powerpoint/2010/main" val="468490017"/>
+      </p:ext>
+    </p:extLst>
+  </p:cSld>
+  <p:clrMapOvr>
+    <a:masterClrMapping/>
+  </p:clrMapOvr>
+  <mc:AlternateContent xmlns:mc="http://schemas.openxmlformats.org/markup-compatibility/2006" xmlns:p14="http://schemas.microsoft.com/office/powerpoint/2010/main">
+    <mc:Choice Requires="p14">
+      <p:transition spd="med" p14:dur="700">
+        <p:fade/>
+      </p:transition>
+    </mc:Choice>
+    <mc:Fallback xmlns="">
+      <p:transition spd="med">
+        <p:fade/>
+      </p:transition>
+    </mc:Fallback>
+  </mc:AlternateContent>
+</p:sld>
+</file>
+
+<file path=ppt/slides/slide16.xml><?xml version="1.0" encoding="utf-8"?>
+<p:sld xmlns:a="http://schemas.openxmlformats.org/drawingml/2006/main" xmlns:r="http://schemas.openxmlformats.org/officeDocument/2006/relationships" xmlns:p="http://schemas.openxmlformats.org/presentationml/2006/main">
+  <p:cSld>
+    <p:spTree>
+      <p:nvGrpSpPr>
+        <p:cNvPr id="1" name=""/>
+        <p:cNvGrpSpPr/>
+        <p:nvPr/>
+      </p:nvGrpSpPr>
+      <p:grpSpPr>
+        <a:xfrm>
+          <a:off x="0" y="0"/>
+          <a:ext cx="0" cy="0"/>
+          <a:chOff x="0" y="0"/>
+          <a:chExt cx="0" cy="0"/>
+        </a:xfrm>
+      </p:grpSpPr>
+      <p:sp>
+        <p:nvSpPr>
+          <p:cNvPr id="2" name="Title 1"/>
+          <p:cNvSpPr>
+            <a:spLocks noGrp="1"/>
+          </p:cNvSpPr>
+          <p:nvPr>
+            <p:ph type="title"/>
+          </p:nvPr>
+        </p:nvSpPr>
+        <p:spPr/>
+        <p:txBody>
+          <a:bodyPr/>
+          <a:lstStyle/>
+          <a:p>
+            <a:r>
+              <a:rPr lang="en-US" altLang="zh-CN" dirty="0"/>
+              <a:t>Reading and writing files</a:t>
+            </a:r>
+            <a:endParaRPr lang="zh-CN" altLang="en-US" dirty="0"/>
+          </a:p>
+        </p:txBody>
+      </p:sp>
+      <p:sp>
+        <p:nvSpPr>
+          <p:cNvPr id="4" name="Text Placeholder 3"/>
+          <p:cNvSpPr>
+            <a:spLocks noGrp="1"/>
+          </p:cNvSpPr>
+          <p:nvPr>
+            <p:ph type="body" sz="half" idx="2"/>
+          </p:nvPr>
+        </p:nvSpPr>
+        <p:spPr>
+          <a:xfrm>
+            <a:off x="1295400" y="1828800"/>
+            <a:ext cx="4659086" cy="4343400"/>
+          </a:xfrm>
+        </p:spPr>
+        <p:txBody>
+          <a:bodyPr/>
+          <a:lstStyle/>
+          <a:p>
+            <a:r>
+              <a:rPr lang="en-US" altLang="zh-CN" dirty="0"/>
+              <a:t>Provide bridge to </a:t>
+            </a:r>
+            <a:r>
+              <a:rPr lang="en-US" altLang="zh-CN" dirty="0" err="1"/>
+              <a:t>io</a:t>
+            </a:r>
+            <a:endParaRPr lang="en-US" altLang="zh-CN" dirty="0"/>
+          </a:p>
+          <a:p>
+            <a:pPr marL="342900" indent="-342900">
+              <a:buFont typeface="Arial" panose="020B0604020202020204" pitchFamily="34" charset="0"/>
+              <a:buChar char="•"/>
+            </a:pPr>
+            <a:r>
+              <a:rPr lang="en-US" altLang="zh-CN" dirty="0" err="1"/>
+              <a:t>BufferReader</a:t>
+            </a:r>
+            <a:r>
+              <a:rPr lang="en-US" altLang="zh-CN" dirty="0"/>
+              <a:t> and </a:t>
+            </a:r>
+            <a:r>
+              <a:rPr lang="en-US" altLang="zh-CN" dirty="0" err="1"/>
+              <a:t>BufferWriter</a:t>
+            </a:r>
+            <a:endParaRPr lang="en-US" altLang="zh-CN" dirty="0"/>
+          </a:p>
+          <a:p>
+            <a:pPr marL="342900" indent="-342900">
+              <a:buFont typeface="Arial" panose="020B0604020202020204" pitchFamily="34" charset="0"/>
+              <a:buChar char="•"/>
+            </a:pPr>
+            <a:r>
+              <a:rPr lang="en-US" altLang="zh-CN" dirty="0" err="1"/>
+              <a:t>InputStream</a:t>
+            </a:r>
+            <a:r>
+              <a:rPr lang="en-US" altLang="zh-CN" dirty="0"/>
+              <a:t> and </a:t>
+            </a:r>
+            <a:r>
+              <a:rPr lang="en-US" altLang="zh-CN" dirty="0" err="1"/>
+              <a:t>OutputStream</a:t>
+            </a:r>
+            <a:endParaRPr lang="en-US" altLang="zh-CN" dirty="0"/>
+          </a:p>
+          <a:p>
+            <a:pPr marL="342900" indent="-342900">
+              <a:buFont typeface="Arial" panose="020B0604020202020204" pitchFamily="34" charset="0"/>
+              <a:buChar char="•"/>
+            </a:pPr>
+            <a:endParaRPr lang="en-US" altLang="zh-CN" dirty="0"/>
+          </a:p>
+          <a:p>
+            <a:r>
+              <a:rPr lang="en-US" altLang="zh-CN" dirty="0"/>
+              <a:t>Provide new reading and writing</a:t>
+            </a:r>
+          </a:p>
+          <a:p>
+            <a:pPr marL="342900" indent="-342900">
+              <a:buFont typeface="Arial" panose="020B0604020202020204" pitchFamily="34" charset="0"/>
+              <a:buChar char="•"/>
+            </a:pPr>
+            <a:r>
+              <a:rPr lang="en-US" altLang="zh-CN" dirty="0" err="1"/>
+              <a:t>Files.readAllLines</a:t>
+            </a:r>
+            <a:endParaRPr lang="zh-CN" altLang="en-US" dirty="0"/>
+          </a:p>
+        </p:txBody>
+      </p:sp>
+      <p:pic>
+        <p:nvPicPr>
+          <p:cNvPr id="3074" name="Picture 2" descr="Line drawing with file I/O methods arranged from least complex (on the left) to most complex (on the right).">
+            <a:extLst>
+              <a:ext uri="{FF2B5EF4-FFF2-40B4-BE49-F238E27FC236}">
+                <a16:creationId xmlns:a16="http://schemas.microsoft.com/office/drawing/2014/main" id="{D70B1AB6-4682-4ABC-AF3A-6891165B9662}"/>
+              </a:ext>
+            </a:extLst>
+          </p:cNvPr>
+          <p:cNvPicPr>
+            <a:picLocks noChangeAspect="1" noChangeArrowheads="1"/>
+          </p:cNvPicPr>
+          <p:nvPr/>
+        </p:nvPicPr>
+        <p:blipFill>
+          <a:blip r:embed="rId2">
+            <a:extLst>
+              <a:ext uri="{28A0092B-C50C-407E-A947-70E740481C1C}">
+                <a14:useLocalDpi xmlns:a14="http://schemas.microsoft.com/office/drawing/2010/main" val="0"/>
+              </a:ext>
+            </a:extLst>
+          </a:blip>
+          <a:srcRect/>
+          <a:stretch>
+            <a:fillRect/>
+          </a:stretch>
+        </p:blipFill>
+        <p:spPr bwMode="auto">
+          <a:xfrm>
+            <a:off x="6345692" y="2773136"/>
+            <a:ext cx="4333875" cy="2247900"/>
+          </a:xfrm>
+          <a:prstGeom prst="rect">
+            <a:avLst/>
+          </a:prstGeom>
+          <a:noFill/>
+          <a:extLst>
+            <a:ext uri="{909E8E84-426E-40DD-AFC4-6F175D3DCCD1}">
+              <a14:hiddenFill xmlns:a14="http://schemas.microsoft.com/office/drawing/2010/main">
+                <a:solidFill>
+                  <a:srgbClr val="FFFFFF"/>
+                </a:solidFill>
+              </a14:hiddenFill>
+            </a:ext>
+          </a:extLst>
+        </p:spPr>
+      </p:pic>
+    </p:spTree>
+    <p:extLst>
+      <p:ext uri="{BB962C8B-B14F-4D97-AF65-F5344CB8AC3E}">
+        <p14:creationId xmlns:p14="http://schemas.microsoft.com/office/powerpoint/2010/main" val="2958266849"/>
+      </p:ext>
+    </p:extLst>
+  </p:cSld>
+  <p:clrMapOvr>
+    <a:masterClrMapping/>
+  </p:clrMapOvr>
+  <mc:AlternateContent xmlns:mc="http://schemas.openxmlformats.org/markup-compatibility/2006" xmlns:p14="http://schemas.microsoft.com/office/powerpoint/2010/main">
+    <mc:Choice Requires="p14">
+      <p:transition spd="med" p14:dur="700">
+        <p:fade/>
+      </p:transition>
+    </mc:Choice>
+    <mc:Fallback xmlns="">
+      <p:transition spd="med">
+        <p:fade/>
+      </p:transition>
+    </mc:Fallback>
+  </mc:AlternateContent>
+</p:sld>
+</file>
+
+<file path=ppt/slides/slide17.xml><?xml version="1.0" encoding="utf-8"?>
+<p:sld xmlns:a="http://schemas.openxmlformats.org/drawingml/2006/main" xmlns:r="http://schemas.openxmlformats.org/officeDocument/2006/relationships" xmlns:p="http://schemas.openxmlformats.org/presentationml/2006/main">
+  <p:cSld>
+    <p:spTree>
+      <p:nvGrpSpPr>
+        <p:cNvPr id="1" name=""/>
+        <p:cNvGrpSpPr/>
+        <p:nvPr/>
+      </p:nvGrpSpPr>
+      <p:grpSpPr>
+        <a:xfrm>
+          <a:off x="0" y="0"/>
+          <a:ext cx="0" cy="0"/>
+          <a:chOff x="0" y="0"/>
+          <a:chExt cx="0" cy="0"/>
+        </a:xfrm>
+      </p:grpSpPr>
+      <p:sp>
+        <p:nvSpPr>
+          <p:cNvPr id="2" name="Title 1">
+            <a:extLst>
+              <a:ext uri="{FF2B5EF4-FFF2-40B4-BE49-F238E27FC236}">
+                <a16:creationId xmlns:a16="http://schemas.microsoft.com/office/drawing/2014/main" id="{FB6B6309-1B43-4FE4-B3DF-81662EF73AE1}"/>
+              </a:ext>
+            </a:extLst>
+          </p:cNvPr>
+          <p:cNvSpPr>
+            <a:spLocks noGrp="1"/>
+          </p:cNvSpPr>
+          <p:nvPr>
+            <p:ph type="title"/>
+          </p:nvPr>
+        </p:nvSpPr>
+        <p:spPr/>
+        <p:txBody>
+          <a:bodyPr/>
+          <a:lstStyle/>
+          <a:p>
+            <a:r>
+              <a:rPr lang="en-US" dirty="0"/>
+              <a:t>NIO.2 – Reading and writing Files</a:t>
+            </a:r>
+          </a:p>
+        </p:txBody>
+      </p:sp>
+      <p:sp>
+        <p:nvSpPr>
+          <p:cNvPr id="4" name="Text Placeholder 3">
+            <a:extLst>
+              <a:ext uri="{FF2B5EF4-FFF2-40B4-BE49-F238E27FC236}">
+                <a16:creationId xmlns:a16="http://schemas.microsoft.com/office/drawing/2014/main" id="{E5EC84D1-DE77-4087-843A-D69611EB5CF2}"/>
+              </a:ext>
+            </a:extLst>
+          </p:cNvPr>
+          <p:cNvSpPr>
+            <a:spLocks noGrp="1"/>
+          </p:cNvSpPr>
+          <p:nvPr>
+            <p:ph type="body" sz="half" idx="2"/>
+          </p:nvPr>
+        </p:nvSpPr>
+        <p:spPr>
+          <a:xfrm>
+            <a:off x="914401" y="1828800"/>
+            <a:ext cx="4060370" cy="4343400"/>
+          </a:xfrm>
+        </p:spPr>
+        <p:txBody>
+          <a:bodyPr anchor="t"/>
+          <a:lstStyle/>
+          <a:p>
+            <a:r>
+              <a:rPr lang="en-US" dirty="0"/>
+              <a:t>For small Files:</a:t>
+            </a:r>
+          </a:p>
+          <a:p>
+            <a:pPr marL="342900" indent="-342900">
+              <a:buFont typeface="Arial" panose="020B0604020202020204" pitchFamily="34" charset="0"/>
+              <a:buChar char="•"/>
+            </a:pPr>
+            <a:r>
+              <a:rPr lang="en-US" dirty="0" err="1"/>
+              <a:t>Files.readAllBytes</a:t>
+            </a:r>
+            <a:r>
+              <a:rPr lang="en-US" dirty="0"/>
+              <a:t>(Path)</a:t>
+            </a:r>
+          </a:p>
+          <a:p>
+            <a:pPr marL="342900" indent="-342900">
+              <a:buFont typeface="Arial" panose="020B0604020202020204" pitchFamily="34" charset="0"/>
+              <a:buChar char="•"/>
+            </a:pPr>
+            <a:r>
+              <a:rPr lang="en-US" dirty="0" err="1"/>
+              <a:t>Files.readAllLines</a:t>
+            </a:r>
+            <a:r>
+              <a:rPr lang="en-US" dirty="0"/>
+              <a:t>(Path, Charset)</a:t>
+            </a:r>
+          </a:p>
+          <a:p>
+            <a:pPr marL="342900" indent="-342900">
+              <a:buFont typeface="Arial" panose="020B0604020202020204" pitchFamily="34" charset="0"/>
+              <a:buChar char="•"/>
+            </a:pPr>
+            <a:r>
+              <a:rPr lang="en-US" dirty="0" err="1"/>
+              <a:t>Files.write</a:t>
+            </a:r>
+            <a:r>
+              <a:rPr lang="en-US" dirty="0"/>
+              <a:t>(Path, byte[])</a:t>
+            </a:r>
+          </a:p>
+          <a:p>
+            <a:pPr marL="342900" indent="-342900">
+              <a:buFont typeface="Arial" panose="020B0604020202020204" pitchFamily="34" charset="0"/>
+              <a:buChar char="•"/>
+            </a:pPr>
+            <a:r>
+              <a:rPr lang="en-US" dirty="0" err="1"/>
+              <a:t>Files.write</a:t>
+            </a:r>
+            <a:r>
+              <a:rPr lang="en-US" dirty="0"/>
+              <a:t>(Path, </a:t>
+            </a:r>
+            <a:r>
+              <a:rPr lang="en-US" dirty="0" err="1"/>
+              <a:t>Iterable</a:t>
+            </a:r>
+            <a:r>
+              <a:rPr lang="en-US" dirty="0"/>
+              <a:t>&lt;? </a:t>
+            </a:r>
+            <a:r>
+              <a:rPr lang="en-US" dirty="0" err="1"/>
+              <a:t>Extens</a:t>
+            </a:r>
+            <a:r>
+              <a:rPr lang="en-US" dirty="0"/>
+              <a:t> </a:t>
+            </a:r>
+            <a:r>
+              <a:rPr lang="en-US" dirty="0" err="1"/>
+              <a:t>CharSequence</a:t>
+            </a:r>
+            <a:r>
+              <a:rPr lang="en-US" dirty="0"/>
+              <a:t>&gt;)</a:t>
+            </a:r>
+          </a:p>
+        </p:txBody>
+      </p:sp>
+      <p:sp>
+        <p:nvSpPr>
+          <p:cNvPr id="5" name="Text Placeholder 3">
+            <a:extLst>
+              <a:ext uri="{FF2B5EF4-FFF2-40B4-BE49-F238E27FC236}">
+                <a16:creationId xmlns:a16="http://schemas.microsoft.com/office/drawing/2014/main" id="{0691994D-4ABA-4694-983A-0AF72FC1CA7A}"/>
+              </a:ext>
+            </a:extLst>
+          </p:cNvPr>
+          <p:cNvSpPr txBox="1">
+            <a:spLocks/>
+          </p:cNvSpPr>
+          <p:nvPr/>
+        </p:nvSpPr>
+        <p:spPr>
+          <a:xfrm>
+            <a:off x="6096000" y="1828800"/>
+            <a:ext cx="4691743" cy="2209800"/>
+          </a:xfrm>
+          <a:prstGeom prst="rect">
+            <a:avLst/>
+          </a:prstGeom>
+        </p:spPr>
+        <p:txBody>
+          <a:bodyPr vert="horz" lIns="91440" tIns="45720" rIns="91440" bIns="45720" rtlCol="0" anchor="t">
+            <a:normAutofit/>
+          </a:bodyPr>
+          <a:lstStyle>
+            <a:lvl1pPr marL="0" indent="0" algn="l" defTabSz="914400" rtl="0" eaLnBrk="1" latinLnBrk="0" hangingPunct="1">
+              <a:lnSpc>
+                <a:spcPct val="90000"/>
+              </a:lnSpc>
+              <a:spcBef>
+                <a:spcPts val="1200"/>
+              </a:spcBef>
+              <a:buFont typeface="Arial" panose="020B0604020202020204" pitchFamily="34" charset="0"/>
+              <a:buNone/>
+              <a:defRPr sz="2000" kern="1200">
+                <a:solidFill>
+                  <a:schemeClr val="tx1"/>
+                </a:solidFill>
+                <a:latin typeface="+mn-lt"/>
+                <a:ea typeface="+mn-ea"/>
+                <a:cs typeface="+mn-cs"/>
+              </a:defRPr>
+            </a:lvl1pPr>
+            <a:lvl2pPr marL="457200" indent="0" algn="l" defTabSz="914400" rtl="0" eaLnBrk="1" latinLnBrk="0" hangingPunct="1">
+              <a:lnSpc>
+                <a:spcPct val="90000"/>
+              </a:lnSpc>
+              <a:spcBef>
+                <a:spcPts val="1000"/>
+              </a:spcBef>
+              <a:buFont typeface="Arial" panose="020B0604020202020204" pitchFamily="34" charset="0"/>
+              <a:buNone/>
+              <a:defRPr sz="1400" kern="1200">
+                <a:solidFill>
+                  <a:schemeClr val="tx1"/>
+                </a:solidFill>
+                <a:latin typeface="+mn-lt"/>
+                <a:ea typeface="+mn-ea"/>
+                <a:cs typeface="+mn-cs"/>
+              </a:defRPr>
+            </a:lvl2pPr>
+            <a:lvl3pPr marL="914400" indent="0" algn="l" defTabSz="914400" rtl="0" eaLnBrk="1" latinLnBrk="0" hangingPunct="1">
+              <a:lnSpc>
+                <a:spcPct val="90000"/>
+              </a:lnSpc>
+              <a:spcBef>
+                <a:spcPts val="800"/>
+              </a:spcBef>
+              <a:buFont typeface="Arial" panose="020B0604020202020204" pitchFamily="34" charset="0"/>
+              <a:buNone/>
+              <a:defRPr sz="1200" kern="1200">
+                <a:solidFill>
+                  <a:schemeClr val="tx1"/>
+                </a:solidFill>
+                <a:latin typeface="+mn-lt"/>
+                <a:ea typeface="+mn-ea"/>
+                <a:cs typeface="+mn-cs"/>
+              </a:defRPr>
+            </a:lvl3pPr>
+            <a:lvl4pPr marL="1371600" indent="0" algn="l" defTabSz="914400" rtl="0" eaLnBrk="1" latinLnBrk="0" hangingPunct="1">
+              <a:lnSpc>
+                <a:spcPct val="90000"/>
+              </a:lnSpc>
+              <a:spcBef>
+                <a:spcPts val="800"/>
+              </a:spcBef>
+              <a:buFont typeface="Arial" panose="020B0604020202020204" pitchFamily="34" charset="0"/>
+              <a:buNone/>
+              <a:defRPr sz="1000" kern="1200">
+                <a:solidFill>
+                  <a:schemeClr val="tx1"/>
+                </a:solidFill>
+                <a:latin typeface="+mn-lt"/>
+                <a:ea typeface="+mn-ea"/>
+                <a:cs typeface="+mn-cs"/>
+              </a:defRPr>
+            </a:lvl4pPr>
+            <a:lvl5pPr marL="1828800" indent="0" algn="l" defTabSz="914400" rtl="0" eaLnBrk="1" latinLnBrk="0" hangingPunct="1">
+              <a:lnSpc>
+                <a:spcPct val="90000"/>
+              </a:lnSpc>
+              <a:spcBef>
+                <a:spcPts val="800"/>
+              </a:spcBef>
+              <a:buFont typeface="Arial" panose="020B0604020202020204" pitchFamily="34" charset="0"/>
+              <a:buNone/>
+              <a:defRPr sz="1000" kern="1200">
+                <a:solidFill>
+                  <a:schemeClr val="tx1"/>
+                </a:solidFill>
+                <a:latin typeface="+mn-lt"/>
+                <a:ea typeface="+mn-ea"/>
+                <a:cs typeface="+mn-cs"/>
+              </a:defRPr>
+            </a:lvl5pPr>
+            <a:lvl6pPr marL="2286000" indent="0" algn="l" defTabSz="914400" rtl="0" eaLnBrk="1" latinLnBrk="0" hangingPunct="1">
+              <a:lnSpc>
+                <a:spcPct val="90000"/>
+              </a:lnSpc>
+              <a:spcBef>
+                <a:spcPts val="800"/>
+              </a:spcBef>
+              <a:buFont typeface="Arial" panose="020B0604020202020204" pitchFamily="34" charset="0"/>
+              <a:buNone/>
+              <a:defRPr sz="1000" kern="1200">
+                <a:solidFill>
+                  <a:schemeClr val="tx1"/>
+                </a:solidFill>
+                <a:latin typeface="+mn-lt"/>
+                <a:ea typeface="+mn-ea"/>
+                <a:cs typeface="+mn-cs"/>
+              </a:defRPr>
+            </a:lvl6pPr>
+            <a:lvl7pPr marL="2743200" indent="0" algn="l" defTabSz="914400" rtl="0" eaLnBrk="1" latinLnBrk="0" hangingPunct="1">
+              <a:lnSpc>
+                <a:spcPct val="90000"/>
+              </a:lnSpc>
+              <a:spcBef>
+                <a:spcPts val="800"/>
+              </a:spcBef>
+              <a:buFont typeface="Arial" panose="020B0604020202020204" pitchFamily="34" charset="0"/>
+              <a:buNone/>
+              <a:defRPr sz="1000" kern="1200">
+                <a:solidFill>
+                  <a:schemeClr val="tx1"/>
+                </a:solidFill>
+                <a:latin typeface="+mn-lt"/>
+                <a:ea typeface="+mn-ea"/>
+                <a:cs typeface="+mn-cs"/>
+              </a:defRPr>
+            </a:lvl7pPr>
+            <a:lvl8pPr marL="3200400" indent="0" algn="l" defTabSz="914400" rtl="0" eaLnBrk="1" latinLnBrk="0" hangingPunct="1">
+              <a:lnSpc>
+                <a:spcPct val="90000"/>
+              </a:lnSpc>
+              <a:spcBef>
+                <a:spcPts val="800"/>
+              </a:spcBef>
+              <a:buFont typeface="Arial" panose="020B0604020202020204" pitchFamily="34" charset="0"/>
+              <a:buNone/>
+              <a:defRPr sz="1000" kern="1200">
+                <a:solidFill>
+                  <a:schemeClr val="tx1"/>
+                </a:solidFill>
+                <a:latin typeface="+mn-lt"/>
+                <a:ea typeface="+mn-ea"/>
+                <a:cs typeface="+mn-cs"/>
+              </a:defRPr>
+            </a:lvl8pPr>
+            <a:lvl9pPr marL="3657600" indent="0" algn="l" defTabSz="914400" rtl="0" eaLnBrk="1" latinLnBrk="0" hangingPunct="1">
+              <a:lnSpc>
+                <a:spcPct val="90000"/>
+              </a:lnSpc>
+              <a:spcBef>
+                <a:spcPts val="800"/>
+              </a:spcBef>
+              <a:buFont typeface="Arial" panose="020B0604020202020204" pitchFamily="34" charset="0"/>
+              <a:buNone/>
+              <a:defRPr sz="1000" kern="1200">
+                <a:solidFill>
+                  <a:schemeClr val="tx1"/>
+                </a:solidFill>
+                <a:latin typeface="+mn-lt"/>
+                <a:ea typeface="+mn-ea"/>
+                <a:cs typeface="+mn-cs"/>
+              </a:defRPr>
+            </a:lvl9pPr>
+          </a:lstStyle>
+          <a:p>
+            <a:r>
+              <a:rPr lang="en-US" dirty="0"/>
+              <a:t>Buffered I/O for text file:</a:t>
+            </a:r>
+          </a:p>
+          <a:p>
+            <a:pPr marL="342900" indent="-342900">
+              <a:buFont typeface="Arial" panose="020B0604020202020204" pitchFamily="34" charset="0"/>
+              <a:buChar char="•"/>
+            </a:pPr>
+            <a:r>
+              <a:rPr lang="en-US" dirty="0"/>
+              <a:t>Files. </a:t>
+            </a:r>
+            <a:r>
+              <a:rPr lang="en-US" dirty="0" err="1"/>
+              <a:t>newBufferedReader</a:t>
+            </a:r>
+            <a:r>
+              <a:rPr lang="en-US" dirty="0"/>
+              <a:t>(Path, Charset)</a:t>
+            </a:r>
+          </a:p>
+          <a:p>
+            <a:pPr marL="342900" indent="-342900">
+              <a:buFont typeface="Arial" panose="020B0604020202020204" pitchFamily="34" charset="0"/>
+              <a:buChar char="•"/>
+            </a:pPr>
+            <a:r>
+              <a:rPr lang="en-US" dirty="0"/>
+              <a:t>Files. </a:t>
+            </a:r>
+            <a:r>
+              <a:rPr lang="en-US" dirty="0" err="1"/>
+              <a:t>newBufferedWriter</a:t>
+            </a:r>
+            <a:r>
+              <a:rPr lang="en-US" dirty="0"/>
+              <a:t>(Path, Charset, </a:t>
+            </a:r>
+            <a:r>
+              <a:rPr lang="en-US" dirty="0" err="1"/>
+              <a:t>OpenOption</a:t>
+            </a:r>
+            <a:r>
+              <a:rPr lang="en-US" dirty="0"/>
+              <a:t>...)</a:t>
+            </a:r>
+          </a:p>
+        </p:txBody>
+      </p:sp>
+      <p:sp>
+        <p:nvSpPr>
+          <p:cNvPr id="7" name="Text Placeholder 3">
+            <a:extLst>
+              <a:ext uri="{FF2B5EF4-FFF2-40B4-BE49-F238E27FC236}">
+                <a16:creationId xmlns:a16="http://schemas.microsoft.com/office/drawing/2014/main" id="{2E7F0CBC-D0B7-4920-943E-48B9333F3CD2}"/>
+              </a:ext>
+            </a:extLst>
+          </p:cNvPr>
+          <p:cNvSpPr txBox="1">
+            <a:spLocks/>
+          </p:cNvSpPr>
+          <p:nvPr/>
+        </p:nvSpPr>
+        <p:spPr>
+          <a:xfrm>
+            <a:off x="6096000" y="3788229"/>
+            <a:ext cx="4691743" cy="2209800"/>
+          </a:xfrm>
+          <a:prstGeom prst="rect">
+            <a:avLst/>
+          </a:prstGeom>
+        </p:spPr>
+        <p:txBody>
+          <a:bodyPr vert="horz" lIns="91440" tIns="45720" rIns="91440" bIns="45720" rtlCol="0" anchor="t">
+            <a:normAutofit/>
+          </a:bodyPr>
+          <a:lstStyle>
+            <a:lvl1pPr marL="0" indent="0" algn="l" defTabSz="914400" rtl="0" eaLnBrk="1" latinLnBrk="0" hangingPunct="1">
+              <a:lnSpc>
+                <a:spcPct val="90000"/>
+              </a:lnSpc>
+              <a:spcBef>
+                <a:spcPts val="1200"/>
+              </a:spcBef>
+              <a:buFont typeface="Arial" panose="020B0604020202020204" pitchFamily="34" charset="0"/>
+              <a:buNone/>
+              <a:defRPr sz="2000" kern="1200">
+                <a:solidFill>
+                  <a:schemeClr val="tx1"/>
+                </a:solidFill>
+                <a:latin typeface="+mn-lt"/>
+                <a:ea typeface="+mn-ea"/>
+                <a:cs typeface="+mn-cs"/>
+              </a:defRPr>
+            </a:lvl1pPr>
+            <a:lvl2pPr marL="457200" indent="0" algn="l" defTabSz="914400" rtl="0" eaLnBrk="1" latinLnBrk="0" hangingPunct="1">
+              <a:lnSpc>
+                <a:spcPct val="90000"/>
+              </a:lnSpc>
+              <a:spcBef>
+                <a:spcPts val="1000"/>
+              </a:spcBef>
+              <a:buFont typeface="Arial" panose="020B0604020202020204" pitchFamily="34" charset="0"/>
+              <a:buNone/>
+              <a:defRPr sz="1400" kern="1200">
+                <a:solidFill>
+                  <a:schemeClr val="tx1"/>
+                </a:solidFill>
+                <a:latin typeface="+mn-lt"/>
+                <a:ea typeface="+mn-ea"/>
+                <a:cs typeface="+mn-cs"/>
+              </a:defRPr>
+            </a:lvl2pPr>
+            <a:lvl3pPr marL="914400" indent="0" algn="l" defTabSz="914400" rtl="0" eaLnBrk="1" latinLnBrk="0" hangingPunct="1">
+              <a:lnSpc>
+                <a:spcPct val="90000"/>
+              </a:lnSpc>
+              <a:spcBef>
+                <a:spcPts val="800"/>
+              </a:spcBef>
+              <a:buFont typeface="Arial" panose="020B0604020202020204" pitchFamily="34" charset="0"/>
+              <a:buNone/>
+              <a:defRPr sz="1200" kern="1200">
+                <a:solidFill>
+                  <a:schemeClr val="tx1"/>
+                </a:solidFill>
+                <a:latin typeface="+mn-lt"/>
+                <a:ea typeface="+mn-ea"/>
+                <a:cs typeface="+mn-cs"/>
+              </a:defRPr>
+            </a:lvl3pPr>
+            <a:lvl4pPr marL="1371600" indent="0" algn="l" defTabSz="914400" rtl="0" eaLnBrk="1" latinLnBrk="0" hangingPunct="1">
+              <a:lnSpc>
+                <a:spcPct val="90000"/>
+              </a:lnSpc>
+              <a:spcBef>
+                <a:spcPts val="800"/>
+              </a:spcBef>
+              <a:buFont typeface="Arial" panose="020B0604020202020204" pitchFamily="34" charset="0"/>
+              <a:buNone/>
+              <a:defRPr sz="1000" kern="1200">
+                <a:solidFill>
+                  <a:schemeClr val="tx1"/>
+                </a:solidFill>
+                <a:latin typeface="+mn-lt"/>
+                <a:ea typeface="+mn-ea"/>
+                <a:cs typeface="+mn-cs"/>
+              </a:defRPr>
+            </a:lvl4pPr>
+            <a:lvl5pPr marL="1828800" indent="0" algn="l" defTabSz="914400" rtl="0" eaLnBrk="1" latinLnBrk="0" hangingPunct="1">
+              <a:lnSpc>
+                <a:spcPct val="90000"/>
+              </a:lnSpc>
+              <a:spcBef>
+                <a:spcPts val="800"/>
+              </a:spcBef>
+              <a:buFont typeface="Arial" panose="020B0604020202020204" pitchFamily="34" charset="0"/>
+              <a:buNone/>
+              <a:defRPr sz="1000" kern="1200">
+                <a:solidFill>
+                  <a:schemeClr val="tx1"/>
+                </a:solidFill>
+                <a:latin typeface="+mn-lt"/>
+                <a:ea typeface="+mn-ea"/>
+                <a:cs typeface="+mn-cs"/>
+              </a:defRPr>
+            </a:lvl5pPr>
+            <a:lvl6pPr marL="2286000" indent="0" algn="l" defTabSz="914400" rtl="0" eaLnBrk="1" latinLnBrk="0" hangingPunct="1">
+              <a:lnSpc>
+                <a:spcPct val="90000"/>
+              </a:lnSpc>
+              <a:spcBef>
+                <a:spcPts val="800"/>
+              </a:spcBef>
+              <a:buFont typeface="Arial" panose="020B0604020202020204" pitchFamily="34" charset="0"/>
+              <a:buNone/>
+              <a:defRPr sz="1000" kern="1200">
+                <a:solidFill>
+                  <a:schemeClr val="tx1"/>
+                </a:solidFill>
+                <a:latin typeface="+mn-lt"/>
+                <a:ea typeface="+mn-ea"/>
+                <a:cs typeface="+mn-cs"/>
+              </a:defRPr>
+            </a:lvl6pPr>
+            <a:lvl7pPr marL="2743200" indent="0" algn="l" defTabSz="914400" rtl="0" eaLnBrk="1" latinLnBrk="0" hangingPunct="1">
+              <a:lnSpc>
+                <a:spcPct val="90000"/>
+              </a:lnSpc>
+              <a:spcBef>
+                <a:spcPts val="800"/>
+              </a:spcBef>
+              <a:buFont typeface="Arial" panose="020B0604020202020204" pitchFamily="34" charset="0"/>
+              <a:buNone/>
+              <a:defRPr sz="1000" kern="1200">
+                <a:solidFill>
+                  <a:schemeClr val="tx1"/>
+                </a:solidFill>
+                <a:latin typeface="+mn-lt"/>
+                <a:ea typeface="+mn-ea"/>
+                <a:cs typeface="+mn-cs"/>
+              </a:defRPr>
+            </a:lvl7pPr>
+            <a:lvl8pPr marL="3200400" indent="0" algn="l" defTabSz="914400" rtl="0" eaLnBrk="1" latinLnBrk="0" hangingPunct="1">
+              <a:lnSpc>
+                <a:spcPct val="90000"/>
+              </a:lnSpc>
+              <a:spcBef>
+                <a:spcPts val="800"/>
+              </a:spcBef>
+              <a:buFont typeface="Arial" panose="020B0604020202020204" pitchFamily="34" charset="0"/>
+              <a:buNone/>
+              <a:defRPr sz="1000" kern="1200">
+                <a:solidFill>
+                  <a:schemeClr val="tx1"/>
+                </a:solidFill>
+                <a:latin typeface="+mn-lt"/>
+                <a:ea typeface="+mn-ea"/>
+                <a:cs typeface="+mn-cs"/>
+              </a:defRPr>
+            </a:lvl8pPr>
+            <a:lvl9pPr marL="3657600" indent="0" algn="l" defTabSz="914400" rtl="0" eaLnBrk="1" latinLnBrk="0" hangingPunct="1">
+              <a:lnSpc>
+                <a:spcPct val="90000"/>
+              </a:lnSpc>
+              <a:spcBef>
+                <a:spcPts val="800"/>
+              </a:spcBef>
+              <a:buFont typeface="Arial" panose="020B0604020202020204" pitchFamily="34" charset="0"/>
+              <a:buNone/>
+              <a:defRPr sz="1000" kern="1200">
+                <a:solidFill>
+                  <a:schemeClr val="tx1"/>
+                </a:solidFill>
+                <a:latin typeface="+mn-lt"/>
+                <a:ea typeface="+mn-ea"/>
+                <a:cs typeface="+mn-cs"/>
+              </a:defRPr>
+            </a:lvl9pPr>
+          </a:lstStyle>
+          <a:p>
+            <a:r>
+              <a:rPr lang="en-US" dirty="0"/>
+              <a:t>Interoperable with Streams:</a:t>
+            </a:r>
+          </a:p>
+          <a:p>
+            <a:pPr marL="342900" indent="-342900">
+              <a:buFont typeface="Arial" panose="020B0604020202020204" pitchFamily="34" charset="0"/>
+              <a:buChar char="•"/>
+            </a:pPr>
+            <a:r>
+              <a:rPr lang="en-US" dirty="0"/>
+              <a:t>Files. </a:t>
+            </a:r>
+            <a:r>
+              <a:rPr lang="en-US" dirty="0" err="1"/>
+              <a:t>newInputStream</a:t>
+            </a:r>
+            <a:r>
+              <a:rPr lang="en-US" dirty="0"/>
+              <a:t>(Path, </a:t>
+            </a:r>
+            <a:r>
+              <a:rPr lang="en-US" dirty="0" err="1"/>
+              <a:t>OpenOption</a:t>
+            </a:r>
+            <a:r>
+              <a:rPr lang="en-US" dirty="0"/>
+              <a:t>...)</a:t>
+            </a:r>
+          </a:p>
+          <a:p>
+            <a:pPr marL="342900" indent="-342900">
+              <a:buFont typeface="Arial" panose="020B0604020202020204" pitchFamily="34" charset="0"/>
+              <a:buChar char="•"/>
+            </a:pPr>
+            <a:r>
+              <a:rPr lang="en-US" dirty="0"/>
+              <a:t>Files. </a:t>
+            </a:r>
+            <a:r>
+              <a:rPr lang="en-US" dirty="0" err="1"/>
+              <a:t>newOutputStream</a:t>
+            </a:r>
+            <a:r>
+              <a:rPr lang="en-US" dirty="0"/>
+              <a:t>(Path, </a:t>
+            </a:r>
+            <a:r>
+              <a:rPr lang="en-US" dirty="0" err="1"/>
+              <a:t>OpenOption</a:t>
+            </a:r>
+            <a:r>
+              <a:rPr lang="en-US" dirty="0"/>
+              <a:t>...)</a:t>
+            </a:r>
+          </a:p>
+        </p:txBody>
+      </p:sp>
+    </p:spTree>
+    <p:extLst>
+      <p:ext uri="{BB962C8B-B14F-4D97-AF65-F5344CB8AC3E}">
+        <p14:creationId xmlns:p14="http://schemas.microsoft.com/office/powerpoint/2010/main" val="2300574560"/>
+      </p:ext>
+    </p:extLst>
+  </p:cSld>
+  <p:clrMapOvr>
+    <a:masterClrMapping/>
+  </p:clrMapOvr>
+  <mc:AlternateContent xmlns:mc="http://schemas.openxmlformats.org/markup-compatibility/2006" xmlns:p14="http://schemas.microsoft.com/office/powerpoint/2010/main">
+    <mc:Choice Requires="p14">
+      <p:transition spd="med" p14:dur="700">
+        <p:fade/>
+      </p:transition>
+    </mc:Choice>
+    <mc:Fallback xmlns="">
+      <p:transition spd="med">
+        <p:fade/>
+      </p:transition>
+    </mc:Fallback>
+  </mc:AlternateContent>
+</p:sld>
+</file>
+
+<file path=ppt/slides/slide18.xml><?xml version="1.0" encoding="utf-8"?>
+<p:sld xmlns:a="http://schemas.openxmlformats.org/drawingml/2006/main" xmlns:r="http://schemas.openxmlformats.org/officeDocument/2006/relationships" xmlns:p="http://schemas.openxmlformats.org/presentationml/2006/main">
+  <p:cSld>
+    <p:spTree>
+      <p:nvGrpSpPr>
+        <p:cNvPr id="1" name=""/>
+        <p:cNvGrpSpPr/>
+        <p:nvPr/>
+      </p:nvGrpSpPr>
+      <p:grpSpPr>
+        <a:xfrm>
+          <a:off x="0" y="0"/>
+          <a:ext cx="0" cy="0"/>
+          <a:chOff x="0" y="0"/>
+          <a:chExt cx="0" cy="0"/>
+        </a:xfrm>
+      </p:grpSpPr>
+      <p:sp>
+        <p:nvSpPr>
+          <p:cNvPr id="2" name="Title 1">
+            <a:extLst>
+              <a:ext uri="{FF2B5EF4-FFF2-40B4-BE49-F238E27FC236}">
+                <a16:creationId xmlns:a16="http://schemas.microsoft.com/office/drawing/2014/main" id="{FF050BE1-54A9-45DF-97FE-984D44C678C6}"/>
+              </a:ext>
+            </a:extLst>
+          </p:cNvPr>
+          <p:cNvSpPr>
+            <a:spLocks noGrp="1"/>
+          </p:cNvSpPr>
+          <p:nvPr>
+            <p:ph type="title"/>
+          </p:nvPr>
+        </p:nvSpPr>
+        <p:spPr/>
+        <p:txBody>
+          <a:bodyPr/>
+          <a:lstStyle/>
+          <a:p>
+            <a:r>
+              <a:rPr lang="en-US" dirty="0"/>
+              <a:t>NIO.2 – Channels and </a:t>
+            </a:r>
+            <a:r>
+              <a:rPr lang="en-US" dirty="0" err="1"/>
+              <a:t>ByteBuffers</a:t>
+            </a:r>
+            <a:endParaRPr lang="en-US" dirty="0"/>
+          </a:p>
+        </p:txBody>
+      </p:sp>
+      <p:sp>
+        <p:nvSpPr>
+          <p:cNvPr id="4" name="Text Placeholder 3">
+            <a:extLst>
+              <a:ext uri="{FF2B5EF4-FFF2-40B4-BE49-F238E27FC236}">
+                <a16:creationId xmlns:a16="http://schemas.microsoft.com/office/drawing/2014/main" id="{10633700-EED0-4694-9D28-13C45254A123}"/>
+              </a:ext>
+            </a:extLst>
+          </p:cNvPr>
+          <p:cNvSpPr>
+            <a:spLocks noGrp="1"/>
+          </p:cNvSpPr>
+          <p:nvPr>
+            <p:ph type="body" sz="half" idx="2"/>
+          </p:nvPr>
+        </p:nvSpPr>
+        <p:spPr>
+          <a:xfrm>
+            <a:off x="1295400" y="1828800"/>
+            <a:ext cx="9296400" cy="4343400"/>
+          </a:xfrm>
+        </p:spPr>
+        <p:txBody>
+          <a:bodyPr anchor="t"/>
+          <a:lstStyle/>
+          <a:p>
+            <a:r>
+              <a:rPr lang="en-US" dirty="0"/>
+              <a:t>Channel I/O reads a buffer at a time. The </a:t>
+            </a:r>
+            <a:r>
+              <a:rPr lang="en-US" dirty="0" err="1"/>
+              <a:t>ByteChannel</a:t>
+            </a:r>
+            <a:r>
+              <a:rPr lang="en-US" dirty="0"/>
+              <a:t> interface </a:t>
+            </a:r>
+            <a:r>
+              <a:rPr lang="en-US" dirty="0" err="1"/>
+              <a:t>provices</a:t>
+            </a:r>
+            <a:r>
+              <a:rPr lang="en-US" dirty="0"/>
+              <a:t> basic read and write functionality. </a:t>
+            </a:r>
+          </a:p>
+          <a:p>
+            <a:r>
+              <a:rPr lang="en-US" dirty="0"/>
+              <a:t>Example: </a:t>
+            </a:r>
+            <a:r>
+              <a:rPr lang="en-US" dirty="0" err="1"/>
+              <a:t>SeekableByteChannel</a:t>
+            </a:r>
+            <a:r>
+              <a:rPr lang="en-US" dirty="0"/>
+              <a:t> – a </a:t>
+            </a:r>
+            <a:r>
+              <a:rPr lang="en-US" dirty="0" err="1"/>
+              <a:t>ByteChannel</a:t>
+            </a:r>
+            <a:r>
+              <a:rPr lang="en-US" dirty="0"/>
+              <a:t> that can maintain a position in the channel and to change the position.</a:t>
+            </a:r>
+          </a:p>
+          <a:p>
+            <a:endParaRPr lang="en-US" dirty="0"/>
+          </a:p>
+          <a:p>
+            <a:r>
+              <a:rPr lang="en-US" dirty="0"/>
+              <a:t>The </a:t>
+            </a:r>
+            <a:r>
+              <a:rPr lang="en-US" dirty="0" err="1"/>
+              <a:t>newByteChannel</a:t>
+            </a:r>
+            <a:r>
+              <a:rPr lang="en-US" dirty="0"/>
+              <a:t> methods return an instance of a </a:t>
+            </a:r>
+            <a:r>
+              <a:rPr lang="en-US" dirty="0" err="1"/>
+              <a:t>SeekableByteChannel</a:t>
+            </a:r>
+            <a:r>
+              <a:rPr lang="en-US" dirty="0"/>
+              <a:t>. With a default file system, you can cast this </a:t>
+            </a:r>
+            <a:r>
+              <a:rPr lang="en-US" dirty="0" err="1"/>
+              <a:t>seekable</a:t>
+            </a:r>
+            <a:r>
+              <a:rPr lang="en-US" dirty="0"/>
+              <a:t> byte channel to a </a:t>
+            </a:r>
+            <a:r>
+              <a:rPr lang="en-US" dirty="0" err="1">
+                <a:highlight>
+                  <a:srgbClr val="FFFF00"/>
+                </a:highlight>
+              </a:rPr>
+              <a:t>FileChannel</a:t>
+            </a:r>
+            <a:r>
+              <a:rPr lang="en-US" dirty="0"/>
+              <a:t> providing access to more advanced features such mapping a region of the file directly into memory for faster access, locking a region of the file so other processes cannot access it, or reading and writing bytes from an absolute position without affecting the channel's current position.</a:t>
+            </a:r>
+          </a:p>
+        </p:txBody>
+      </p:sp>
+    </p:spTree>
+    <p:extLst>
+      <p:ext uri="{BB962C8B-B14F-4D97-AF65-F5344CB8AC3E}">
+        <p14:creationId xmlns:p14="http://schemas.microsoft.com/office/powerpoint/2010/main" val="3947858273"/>
+      </p:ext>
+    </p:extLst>
+  </p:cSld>
+  <p:clrMapOvr>
+    <a:masterClrMapping/>
+  </p:clrMapOvr>
+  <mc:AlternateContent xmlns:mc="http://schemas.openxmlformats.org/markup-compatibility/2006" xmlns:p14="http://schemas.microsoft.com/office/powerpoint/2010/main">
+    <mc:Choice Requires="p14">
+      <p:transition spd="med" p14:dur="700">
+        <p:fade/>
+      </p:transition>
+    </mc:Choice>
+    <mc:Fallback xmlns="">
+      <p:transition spd="med">
+        <p:fade/>
+      </p:transition>
+    </mc:Fallback>
+  </mc:AlternateContent>
+</p:sld>
+</file>
+
+<file path=ppt/slides/slide19.xml><?xml version="1.0" encoding="utf-8"?>
+<p:sld xmlns:a="http://schemas.openxmlformats.org/drawingml/2006/main" xmlns:r="http://schemas.openxmlformats.org/officeDocument/2006/relationships" xmlns:p="http://schemas.openxmlformats.org/presentationml/2006/main">
+  <p:cSld>
+    <p:spTree>
+      <p:nvGrpSpPr>
+        <p:cNvPr id="1" name=""/>
+        <p:cNvGrpSpPr/>
+        <p:nvPr/>
+      </p:nvGrpSpPr>
+      <p:grpSpPr>
+        <a:xfrm>
+          <a:off x="0" y="0"/>
+          <a:ext cx="0" cy="0"/>
+          <a:chOff x="0" y="0"/>
+          <a:chExt cx="0" cy="0"/>
+        </a:xfrm>
+      </p:grpSpPr>
+      <p:sp>
+        <p:nvSpPr>
+          <p:cNvPr id="2" name="Title 1"/>
+          <p:cNvSpPr>
+            <a:spLocks noGrp="1"/>
+          </p:cNvSpPr>
+          <p:nvPr>
+            <p:ph type="title"/>
+          </p:nvPr>
+        </p:nvSpPr>
+        <p:spPr/>
+        <p:txBody>
+          <a:bodyPr/>
+          <a:lstStyle/>
+          <a:p>
+            <a:r>
+              <a:rPr lang="en-US" altLang="zh-CN" dirty="0"/>
               <a:t>File change notification</a:t>
             </a:r>
             <a:endParaRPr lang="zh-CN" altLang="en-US" dirty="0"/>
@@ -6049,16 +7590,8 @@
           <a:lstStyle/>
           <a:p>
             <a:r>
-              <a:rPr lang="en-US" altLang="zh-CN" dirty="0" smtClean="0"/>
-              <a:t>Event notification: </a:t>
-            </a:r>
-            <a:r>
               <a:rPr lang="en-US" altLang="zh-CN" dirty="0"/>
-              <a:t>This class uses client threads to keep an eye on registered files or directories for changes, and will return an event when a change is detected</a:t>
-            </a:r>
-            <a:r>
-              <a:rPr lang="en-US" altLang="zh-CN" dirty="0" smtClean="0"/>
-              <a:t>.</a:t>
+              <a:t>Event notification: This class uses client threads to keep an eye on registered files or directories for changes, and will return an event when a change is detected.</a:t>
             </a:r>
           </a:p>
           <a:p>
@@ -6066,16 +7599,12 @@
           </a:p>
           <a:p>
             <a:r>
-              <a:rPr lang="en-US" altLang="zh-CN" dirty="0" smtClean="0"/>
+              <a:rPr lang="en-US" altLang="zh-CN" dirty="0"/>
               <a:t>Good </a:t>
             </a:r>
             <a:r>
-              <a:rPr lang="en-US" altLang="zh-CN" smtClean="0"/>
-              <a:t>to replace </a:t>
-            </a:r>
-            <a:r>
               <a:rPr lang="en-US" altLang="zh-CN"/>
-              <a:t>polling mechanisms</a:t>
+              <a:t>to replace polling mechanisms</a:t>
             </a:r>
             <a:endParaRPr lang="zh-CN" altLang="en-US" dirty="0"/>
           </a:p>
@@ -6198,6 +7727,712 @@
 </p:sld>
 </file>
 
+<file path=ppt/slides/slide20.xml><?xml version="1.0" encoding="utf-8"?>
+<p:sld xmlns:a="http://schemas.openxmlformats.org/drawingml/2006/main" xmlns:r="http://schemas.openxmlformats.org/officeDocument/2006/relationships" xmlns:p="http://schemas.openxmlformats.org/presentationml/2006/main">
+  <p:cSld>
+    <p:spTree>
+      <p:nvGrpSpPr>
+        <p:cNvPr id="1" name=""/>
+        <p:cNvGrpSpPr/>
+        <p:nvPr/>
+      </p:nvGrpSpPr>
+      <p:grpSpPr>
+        <a:xfrm>
+          <a:off x="0" y="0"/>
+          <a:ext cx="0" cy="0"/>
+          <a:chOff x="0" y="0"/>
+          <a:chExt cx="0" cy="0"/>
+        </a:xfrm>
+      </p:grpSpPr>
+      <p:sp>
+        <p:nvSpPr>
+          <p:cNvPr id="2" name="Title 1">
+            <a:extLst>
+              <a:ext uri="{FF2B5EF4-FFF2-40B4-BE49-F238E27FC236}">
+                <a16:creationId xmlns:a16="http://schemas.microsoft.com/office/drawing/2014/main" id="{F6DC4B06-1BDF-47F0-9A4A-4961F384F3D2}"/>
+              </a:ext>
+            </a:extLst>
+          </p:cNvPr>
+          <p:cNvSpPr>
+            <a:spLocks noGrp="1"/>
+          </p:cNvSpPr>
+          <p:nvPr>
+            <p:ph type="title"/>
+          </p:nvPr>
+        </p:nvSpPr>
+        <p:spPr/>
+        <p:txBody>
+          <a:bodyPr/>
+          <a:lstStyle/>
+          <a:p>
+            <a:endParaRPr lang="en-US" dirty="0"/>
+          </a:p>
+        </p:txBody>
+      </p:sp>
+      <p:sp>
+        <p:nvSpPr>
+          <p:cNvPr id="4" name="Text Placeholder 3">
+            <a:extLst>
+              <a:ext uri="{FF2B5EF4-FFF2-40B4-BE49-F238E27FC236}">
+                <a16:creationId xmlns:a16="http://schemas.microsoft.com/office/drawing/2014/main" id="{38094C3B-9979-4597-B5B1-9B42168D528B}"/>
+              </a:ext>
+            </a:extLst>
+          </p:cNvPr>
+          <p:cNvSpPr>
+            <a:spLocks noGrp="1"/>
+          </p:cNvSpPr>
+          <p:nvPr>
+            <p:ph type="body" sz="half" idx="2"/>
+          </p:nvPr>
+        </p:nvSpPr>
+        <p:spPr>
+          <a:xfrm>
+            <a:off x="1295399" y="1828800"/>
+            <a:ext cx="9685351" cy="4343400"/>
+          </a:xfrm>
+        </p:spPr>
+        <p:txBody>
+          <a:bodyPr anchor="t">
+            <a:normAutofit/>
+          </a:bodyPr>
+          <a:lstStyle/>
+          <a:p>
+            <a:r>
+              <a:rPr lang="en-US" sz="1600" dirty="0"/>
+              <a:t>Use </a:t>
+            </a:r>
+            <a:r>
+              <a:rPr lang="en-US" sz="1600" dirty="0" err="1"/>
+              <a:t>WatchService</a:t>
+            </a:r>
+            <a:r>
+              <a:rPr lang="en-US" sz="1600" dirty="0"/>
+              <a:t> to monitor directory:</a:t>
+            </a:r>
+          </a:p>
+          <a:p>
+            <a:pPr marL="342900" indent="-342900">
+              <a:buFont typeface="Arial" panose="020B0604020202020204" pitchFamily="34" charset="0"/>
+              <a:buChar char="•"/>
+            </a:pPr>
+            <a:r>
+              <a:rPr lang="en-US" sz="1600" dirty="0"/>
+              <a:t>Watchable object</a:t>
+            </a:r>
+          </a:p>
+          <a:p>
+            <a:pPr marL="342900" indent="-342900">
+              <a:buFont typeface="Arial" panose="020B0604020202020204" pitchFamily="34" charset="0"/>
+              <a:buChar char="•"/>
+            </a:pPr>
+            <a:r>
+              <a:rPr lang="en-US" sz="1600" dirty="0" err="1"/>
+              <a:t>WatchKey</a:t>
+            </a:r>
+            <a:endParaRPr lang="en-US" sz="1600" dirty="0"/>
+          </a:p>
+          <a:p>
+            <a:endParaRPr lang="en-US" sz="1600" dirty="0"/>
+          </a:p>
+          <a:p>
+            <a:r>
+              <a:rPr lang="en-US" sz="1600" dirty="0"/>
+              <a:t>A watch service is safe for use by multiple concurrent consumers. To ensure that only one consumer processes the events for a particular object at any time then care should be taken to ensure that the key's reset method is only invoked after its events have been processed.</a:t>
+            </a:r>
+          </a:p>
+          <a:p>
+            <a:r>
+              <a:rPr lang="en-US" sz="1600" dirty="0"/>
+              <a:t>ready—(event happen)-&gt;signaled—(reset)-&gt;ready</a:t>
+            </a:r>
+          </a:p>
+          <a:p>
+            <a:r>
+              <a:rPr lang="en-US" sz="1600" dirty="0"/>
+              <a:t>The key remains valid until:</a:t>
+            </a:r>
+          </a:p>
+          <a:p>
+            <a:r>
+              <a:rPr lang="en-US" sz="1600" dirty="0"/>
+              <a:t>1. It is cancelled, explicitly, by invoking its cancel method, or</a:t>
+            </a:r>
+          </a:p>
+          <a:p>
+            <a:r>
+              <a:rPr lang="en-US" sz="1600" dirty="0"/>
+              <a:t>2. Cancelled implicitly, because the object is no longer accessible, or</a:t>
+            </a:r>
+          </a:p>
+          <a:p>
+            <a:r>
+              <a:rPr lang="en-US" sz="1600" dirty="0"/>
+              <a:t>3. By closing the watch service.</a:t>
+            </a:r>
+          </a:p>
+        </p:txBody>
+      </p:sp>
+    </p:spTree>
+    <p:extLst>
+      <p:ext uri="{BB962C8B-B14F-4D97-AF65-F5344CB8AC3E}">
+        <p14:creationId xmlns:p14="http://schemas.microsoft.com/office/powerpoint/2010/main" val="2029392325"/>
+      </p:ext>
+    </p:extLst>
+  </p:cSld>
+  <p:clrMapOvr>
+    <a:masterClrMapping/>
+  </p:clrMapOvr>
+  <mc:AlternateContent xmlns:mc="http://schemas.openxmlformats.org/markup-compatibility/2006" xmlns:p14="http://schemas.microsoft.com/office/powerpoint/2010/main">
+    <mc:Choice Requires="p14">
+      <p:transition spd="med" p14:dur="700">
+        <p:fade/>
+      </p:transition>
+    </mc:Choice>
+    <mc:Fallback xmlns="">
+      <p:transition spd="med">
+        <p:fade/>
+      </p:transition>
+    </mc:Fallback>
+  </mc:AlternateContent>
+</p:sld>
+</file>
+
+<file path=ppt/slides/slide21.xml><?xml version="1.0" encoding="utf-8"?>
+<p:sld xmlns:a="http://schemas.openxmlformats.org/drawingml/2006/main" xmlns:r="http://schemas.openxmlformats.org/officeDocument/2006/relationships" xmlns:p="http://schemas.openxmlformats.org/presentationml/2006/main">
+  <p:cSld>
+    <p:spTree>
+      <p:nvGrpSpPr>
+        <p:cNvPr id="1" name=""/>
+        <p:cNvGrpSpPr/>
+        <p:nvPr/>
+      </p:nvGrpSpPr>
+      <p:grpSpPr>
+        <a:xfrm>
+          <a:off x="0" y="0"/>
+          <a:ext cx="0" cy="0"/>
+          <a:chOff x="0" y="0"/>
+          <a:chExt cx="0" cy="0"/>
+        </a:xfrm>
+      </p:grpSpPr>
+      <p:sp>
+        <p:nvSpPr>
+          <p:cNvPr id="2" name="Title 1">
+            <a:extLst>
+              <a:ext uri="{FF2B5EF4-FFF2-40B4-BE49-F238E27FC236}">
+                <a16:creationId xmlns:a16="http://schemas.microsoft.com/office/drawing/2014/main" id="{62CB7A97-7077-435A-8577-87DE25DC1A88}"/>
+              </a:ext>
+            </a:extLst>
+          </p:cNvPr>
+          <p:cNvSpPr>
+            <a:spLocks noGrp="1"/>
+          </p:cNvSpPr>
+          <p:nvPr>
+            <p:ph type="title"/>
+          </p:nvPr>
+        </p:nvSpPr>
+        <p:spPr/>
+        <p:txBody>
+          <a:bodyPr/>
+          <a:lstStyle/>
+          <a:p>
+            <a:r>
+              <a:rPr lang="en-US" dirty="0"/>
+              <a:t>Asynchronous I/O Operations</a:t>
+            </a:r>
+          </a:p>
+        </p:txBody>
+      </p:sp>
+      <p:sp>
+        <p:nvSpPr>
+          <p:cNvPr id="4" name="Text Placeholder 3">
+            <a:extLst>
+              <a:ext uri="{FF2B5EF4-FFF2-40B4-BE49-F238E27FC236}">
+                <a16:creationId xmlns:a16="http://schemas.microsoft.com/office/drawing/2014/main" id="{07CEF51B-DC23-4BA9-9A35-1D06FF5CEF0D}"/>
+              </a:ext>
+            </a:extLst>
+          </p:cNvPr>
+          <p:cNvSpPr>
+            <a:spLocks noGrp="1"/>
+          </p:cNvSpPr>
+          <p:nvPr>
+            <p:ph type="body" sz="half" idx="2"/>
+          </p:nvPr>
+        </p:nvSpPr>
+        <p:spPr>
+          <a:xfrm>
+            <a:off x="1295400" y="1828800"/>
+            <a:ext cx="9263932" cy="4343400"/>
+          </a:xfrm>
+        </p:spPr>
+        <p:txBody>
+          <a:bodyPr/>
+          <a:lstStyle/>
+          <a:p>
+            <a:r>
+              <a:rPr lang="en-US" dirty="0"/>
+              <a:t>Paradigms</a:t>
+            </a:r>
+          </a:p>
+          <a:p>
+            <a:pPr marL="342900" indent="-342900">
+              <a:buFont typeface="Arial" panose="020B0604020202020204" pitchFamily="34" charset="0"/>
+              <a:buChar char="•"/>
+            </a:pPr>
+            <a:r>
+              <a:rPr lang="en-US" dirty="0"/>
+              <a:t>Future</a:t>
+            </a:r>
+          </a:p>
+          <a:p>
+            <a:pPr marL="342900" indent="-342900">
+              <a:buFont typeface="Arial" panose="020B0604020202020204" pitchFamily="34" charset="0"/>
+              <a:buChar char="•"/>
+            </a:pPr>
+            <a:r>
+              <a:rPr lang="en-US" dirty="0"/>
+              <a:t>Callback</a:t>
+            </a:r>
+          </a:p>
+        </p:txBody>
+      </p:sp>
+    </p:spTree>
+    <p:extLst>
+      <p:ext uri="{BB962C8B-B14F-4D97-AF65-F5344CB8AC3E}">
+        <p14:creationId xmlns:p14="http://schemas.microsoft.com/office/powerpoint/2010/main" val="4233755081"/>
+      </p:ext>
+    </p:extLst>
+  </p:cSld>
+  <p:clrMapOvr>
+    <a:masterClrMapping/>
+  </p:clrMapOvr>
+  <mc:AlternateContent xmlns:mc="http://schemas.openxmlformats.org/markup-compatibility/2006" xmlns:p14="http://schemas.microsoft.com/office/powerpoint/2010/main">
+    <mc:Choice Requires="p14">
+      <p:transition spd="med" p14:dur="700">
+        <p:fade/>
+      </p:transition>
+    </mc:Choice>
+    <mc:Fallback xmlns="">
+      <p:transition spd="med">
+        <p:fade/>
+      </p:transition>
+    </mc:Fallback>
+  </mc:AlternateContent>
+</p:sld>
+</file>
+
+<file path=ppt/slides/slide22.xml><?xml version="1.0" encoding="utf-8"?>
+<p:sld xmlns:a="http://schemas.openxmlformats.org/drawingml/2006/main" xmlns:r="http://schemas.openxmlformats.org/officeDocument/2006/relationships" xmlns:p="http://schemas.openxmlformats.org/presentationml/2006/main">
+  <p:cSld>
+    <p:spTree>
+      <p:nvGrpSpPr>
+        <p:cNvPr id="1" name=""/>
+        <p:cNvGrpSpPr/>
+        <p:nvPr/>
+      </p:nvGrpSpPr>
+      <p:grpSpPr>
+        <a:xfrm>
+          <a:off x="0" y="0"/>
+          <a:ext cx="0" cy="0"/>
+          <a:chOff x="0" y="0"/>
+          <a:chExt cx="0" cy="0"/>
+        </a:xfrm>
+      </p:grpSpPr>
+      <p:sp>
+        <p:nvSpPr>
+          <p:cNvPr id="2" name="Title 1">
+            <a:extLst>
+              <a:ext uri="{FF2B5EF4-FFF2-40B4-BE49-F238E27FC236}">
+                <a16:creationId xmlns:a16="http://schemas.microsoft.com/office/drawing/2014/main" id="{0A0AD9A1-B319-401B-9017-177AEC3C818B}"/>
+              </a:ext>
+            </a:extLst>
+          </p:cNvPr>
+          <p:cNvSpPr>
+            <a:spLocks noGrp="1"/>
+          </p:cNvSpPr>
+          <p:nvPr>
+            <p:ph type="title"/>
+          </p:nvPr>
+        </p:nvSpPr>
+        <p:spPr/>
+        <p:txBody>
+          <a:bodyPr/>
+          <a:lstStyle/>
+          <a:p>
+            <a:r>
+              <a:rPr lang="en-US" dirty="0"/>
+              <a:t>Future</a:t>
+            </a:r>
+          </a:p>
+        </p:txBody>
+      </p:sp>
+      <p:sp>
+        <p:nvSpPr>
+          <p:cNvPr id="4" name="Text Placeholder 3">
+            <a:extLst>
+              <a:ext uri="{FF2B5EF4-FFF2-40B4-BE49-F238E27FC236}">
+                <a16:creationId xmlns:a16="http://schemas.microsoft.com/office/drawing/2014/main" id="{4DEA2FF5-E42C-4E20-B31E-A56275395E15}"/>
+              </a:ext>
+            </a:extLst>
+          </p:cNvPr>
+          <p:cNvSpPr>
+            <a:spLocks noGrp="1"/>
+          </p:cNvSpPr>
+          <p:nvPr>
+            <p:ph type="body" sz="half" idx="2"/>
+          </p:nvPr>
+        </p:nvSpPr>
+        <p:spPr/>
+        <p:txBody>
+          <a:bodyPr/>
+          <a:lstStyle/>
+          <a:p>
+            <a:r>
+              <a:rPr lang="en-US" dirty="0"/>
+              <a:t>You’ll typically want a Future style of asynchronous processing if you want your main thread of control to initiate the I/O and then poll for the results of that I/O.</a:t>
+            </a:r>
+          </a:p>
+        </p:txBody>
+      </p:sp>
+      <p:pic>
+        <p:nvPicPr>
+          <p:cNvPr id="2052" name="Picture 4" descr="https://www.safaribooksonline.com/library/view/the-well-grounded-java/9781617290060/02fig03_alt.jpg">
+            <a:extLst>
+              <a:ext uri="{FF2B5EF4-FFF2-40B4-BE49-F238E27FC236}">
+                <a16:creationId xmlns:a16="http://schemas.microsoft.com/office/drawing/2014/main" id="{74B7E732-82EC-4842-876E-D2FDE4363325}"/>
+              </a:ext>
+            </a:extLst>
+          </p:cNvPr>
+          <p:cNvPicPr>
+            <a:picLocks noChangeAspect="1" noChangeArrowheads="1"/>
+          </p:cNvPicPr>
+          <p:nvPr/>
+        </p:nvPicPr>
+        <p:blipFill>
+          <a:blip r:embed="rId2">
+            <a:extLst>
+              <a:ext uri="{28A0092B-C50C-407E-A947-70E740481C1C}">
+                <a14:useLocalDpi xmlns:a14="http://schemas.microsoft.com/office/drawing/2010/main" val="0"/>
+              </a:ext>
+            </a:extLst>
+          </a:blip>
+          <a:srcRect/>
+          <a:stretch>
+            <a:fillRect/>
+          </a:stretch>
+        </p:blipFill>
+        <p:spPr bwMode="auto">
+          <a:xfrm>
+            <a:off x="5464411" y="1585705"/>
+            <a:ext cx="5191125" cy="5153025"/>
+          </a:xfrm>
+          <a:prstGeom prst="rect">
+            <a:avLst/>
+          </a:prstGeom>
+          <a:noFill/>
+          <a:extLst>
+            <a:ext uri="{909E8E84-426E-40DD-AFC4-6F175D3DCCD1}">
+              <a14:hiddenFill xmlns:a14="http://schemas.microsoft.com/office/drawing/2010/main">
+                <a:solidFill>
+                  <a:srgbClr val="FFFFFF"/>
+                </a:solidFill>
+              </a14:hiddenFill>
+            </a:ext>
+          </a:extLst>
+        </p:spPr>
+      </p:pic>
+    </p:spTree>
+    <p:extLst>
+      <p:ext uri="{BB962C8B-B14F-4D97-AF65-F5344CB8AC3E}">
+        <p14:creationId xmlns:p14="http://schemas.microsoft.com/office/powerpoint/2010/main" val="1919874763"/>
+      </p:ext>
+    </p:extLst>
+  </p:cSld>
+  <p:clrMapOvr>
+    <a:masterClrMapping/>
+  </p:clrMapOvr>
+  <mc:AlternateContent xmlns:mc="http://schemas.openxmlformats.org/markup-compatibility/2006" xmlns:p14="http://schemas.microsoft.com/office/powerpoint/2010/main">
+    <mc:Choice Requires="p14">
+      <p:transition spd="med" p14:dur="700">
+        <p:fade/>
+      </p:transition>
+    </mc:Choice>
+    <mc:Fallback xmlns="">
+      <p:transition spd="med">
+        <p:fade/>
+      </p:transition>
+    </mc:Fallback>
+  </mc:AlternateContent>
+</p:sld>
+</file>
+
+<file path=ppt/slides/slide23.xml><?xml version="1.0" encoding="utf-8"?>
+<p:sld xmlns:a="http://schemas.openxmlformats.org/drawingml/2006/main" xmlns:r="http://schemas.openxmlformats.org/officeDocument/2006/relationships" xmlns:p="http://schemas.openxmlformats.org/presentationml/2006/main">
+  <p:cSld>
+    <p:spTree>
+      <p:nvGrpSpPr>
+        <p:cNvPr id="1" name=""/>
+        <p:cNvGrpSpPr/>
+        <p:nvPr/>
+      </p:nvGrpSpPr>
+      <p:grpSpPr>
+        <a:xfrm>
+          <a:off x="0" y="0"/>
+          <a:ext cx="0" cy="0"/>
+          <a:chOff x="0" y="0"/>
+          <a:chExt cx="0" cy="0"/>
+        </a:xfrm>
+      </p:grpSpPr>
+      <p:sp>
+        <p:nvSpPr>
+          <p:cNvPr id="2" name="Title 1">
+            <a:extLst>
+              <a:ext uri="{FF2B5EF4-FFF2-40B4-BE49-F238E27FC236}">
+                <a16:creationId xmlns:a16="http://schemas.microsoft.com/office/drawing/2014/main" id="{8213C354-D796-4F69-8E89-D22D6B793C14}"/>
+              </a:ext>
+            </a:extLst>
+          </p:cNvPr>
+          <p:cNvSpPr>
+            <a:spLocks noGrp="1"/>
+          </p:cNvSpPr>
+          <p:nvPr>
+            <p:ph type="title"/>
+          </p:nvPr>
+        </p:nvSpPr>
+        <p:spPr/>
+        <p:txBody>
+          <a:bodyPr/>
+          <a:lstStyle/>
+          <a:p>
+            <a:r>
+              <a:rPr lang="en-US" dirty="0"/>
+              <a:t>Callback style</a:t>
+            </a:r>
+          </a:p>
+        </p:txBody>
+      </p:sp>
+      <p:sp>
+        <p:nvSpPr>
+          <p:cNvPr id="4" name="Text Placeholder 3">
+            <a:extLst>
+              <a:ext uri="{FF2B5EF4-FFF2-40B4-BE49-F238E27FC236}">
+                <a16:creationId xmlns:a16="http://schemas.microsoft.com/office/drawing/2014/main" id="{309718AE-524F-4FB7-ACD0-1E93EA3BEE8D}"/>
+              </a:ext>
+            </a:extLst>
+          </p:cNvPr>
+          <p:cNvSpPr>
+            <a:spLocks noGrp="1"/>
+          </p:cNvSpPr>
+          <p:nvPr>
+            <p:ph type="body" sz="half" idx="2"/>
+          </p:nvPr>
+        </p:nvSpPr>
+        <p:spPr/>
+        <p:txBody>
+          <a:bodyPr/>
+          <a:lstStyle/>
+          <a:p>
+            <a:r>
+              <a:rPr lang="en-US" dirty="0"/>
+              <a:t>This style is typically used when you want to immediately act upon the success or failure of an asynchronous event. </a:t>
+            </a:r>
+          </a:p>
+        </p:txBody>
+      </p:sp>
+      <p:pic>
+        <p:nvPicPr>
+          <p:cNvPr id="3074" name="Picture 2" descr="https://www.safaribooksonline.com/library/view/the-well-grounded-java/9781617290060/02fig04.jpg">
+            <a:extLst>
+              <a:ext uri="{FF2B5EF4-FFF2-40B4-BE49-F238E27FC236}">
+                <a16:creationId xmlns:a16="http://schemas.microsoft.com/office/drawing/2014/main" id="{4EEC67D4-BCD5-4716-B823-81E0005C836D}"/>
+              </a:ext>
+            </a:extLst>
+          </p:cNvPr>
+          <p:cNvPicPr>
+            <a:picLocks noChangeAspect="1" noChangeArrowheads="1"/>
+          </p:cNvPicPr>
+          <p:nvPr/>
+        </p:nvPicPr>
+        <p:blipFill>
+          <a:blip r:embed="rId2">
+            <a:extLst>
+              <a:ext uri="{28A0092B-C50C-407E-A947-70E740481C1C}">
+                <a14:useLocalDpi xmlns:a14="http://schemas.microsoft.com/office/drawing/2010/main" val="0"/>
+              </a:ext>
+            </a:extLst>
+          </a:blip>
+          <a:srcRect/>
+          <a:stretch>
+            <a:fillRect/>
+          </a:stretch>
+        </p:blipFill>
+        <p:spPr bwMode="auto">
+          <a:xfrm>
+            <a:off x="5859782" y="1828800"/>
+            <a:ext cx="4038600" cy="4762500"/>
+          </a:xfrm>
+          <a:prstGeom prst="rect">
+            <a:avLst/>
+          </a:prstGeom>
+          <a:noFill/>
+          <a:extLst>
+            <a:ext uri="{909E8E84-426E-40DD-AFC4-6F175D3DCCD1}">
+              <a14:hiddenFill xmlns:a14="http://schemas.microsoft.com/office/drawing/2010/main">
+                <a:solidFill>
+                  <a:srgbClr val="FFFFFF"/>
+                </a:solidFill>
+              </a14:hiddenFill>
+            </a:ext>
+          </a:extLst>
+        </p:spPr>
+      </p:pic>
+    </p:spTree>
+    <p:extLst>
+      <p:ext uri="{BB962C8B-B14F-4D97-AF65-F5344CB8AC3E}">
+        <p14:creationId xmlns:p14="http://schemas.microsoft.com/office/powerpoint/2010/main" val="2033165759"/>
+      </p:ext>
+    </p:extLst>
+  </p:cSld>
+  <p:clrMapOvr>
+    <a:masterClrMapping/>
+  </p:clrMapOvr>
+  <mc:AlternateContent xmlns:mc="http://schemas.openxmlformats.org/markup-compatibility/2006" xmlns:p14="http://schemas.microsoft.com/office/powerpoint/2010/main">
+    <mc:Choice Requires="p14">
+      <p:transition spd="med" p14:dur="700">
+        <p:fade/>
+      </p:transition>
+    </mc:Choice>
+    <mc:Fallback xmlns="">
+      <p:transition spd="med">
+        <p:fade/>
+      </p:transition>
+    </mc:Fallback>
+  </mc:AlternateContent>
+</p:sld>
+</file>
+
+<file path=ppt/slides/slide24.xml><?xml version="1.0" encoding="utf-8"?>
+<p:sld xmlns:a="http://schemas.openxmlformats.org/drawingml/2006/main" xmlns:r="http://schemas.openxmlformats.org/officeDocument/2006/relationships" xmlns:p="http://schemas.openxmlformats.org/presentationml/2006/main">
+  <p:cSld>
+    <p:spTree>
+      <p:nvGrpSpPr>
+        <p:cNvPr id="1" name=""/>
+        <p:cNvGrpSpPr/>
+        <p:nvPr/>
+      </p:nvGrpSpPr>
+      <p:grpSpPr>
+        <a:xfrm>
+          <a:off x="0" y="0"/>
+          <a:ext cx="0" cy="0"/>
+          <a:chOff x="0" y="0"/>
+          <a:chExt cx="0" cy="0"/>
+        </a:xfrm>
+      </p:grpSpPr>
+      <p:sp>
+        <p:nvSpPr>
+          <p:cNvPr id="2" name="Title 1">
+            <a:extLst>
+              <a:ext uri="{FF2B5EF4-FFF2-40B4-BE49-F238E27FC236}">
+                <a16:creationId xmlns:a16="http://schemas.microsoft.com/office/drawing/2014/main" id="{610CFE12-E3C8-4446-9903-37AC59719E66}"/>
+              </a:ext>
+            </a:extLst>
+          </p:cNvPr>
+          <p:cNvSpPr>
+            <a:spLocks noGrp="1"/>
+          </p:cNvSpPr>
+          <p:nvPr>
+            <p:ph type="title"/>
+          </p:nvPr>
+        </p:nvSpPr>
+        <p:spPr/>
+        <p:txBody>
+          <a:bodyPr/>
+          <a:lstStyle/>
+          <a:p>
+            <a:endParaRPr lang="en-US"/>
+          </a:p>
+        </p:txBody>
+      </p:sp>
+      <p:sp>
+        <p:nvSpPr>
+          <p:cNvPr id="4" name="Text Placeholder 3">
+            <a:extLst>
+              <a:ext uri="{FF2B5EF4-FFF2-40B4-BE49-F238E27FC236}">
+                <a16:creationId xmlns:a16="http://schemas.microsoft.com/office/drawing/2014/main" id="{30E7C004-37DF-4841-BCDD-6A8B7CBE4053}"/>
+              </a:ext>
+            </a:extLst>
+          </p:cNvPr>
+          <p:cNvSpPr>
+            <a:spLocks noGrp="1"/>
+          </p:cNvSpPr>
+          <p:nvPr>
+            <p:ph type="body" sz="half" idx="2"/>
+          </p:nvPr>
+        </p:nvSpPr>
+        <p:spPr>
+          <a:xfrm>
+            <a:off x="1295399" y="1828800"/>
+            <a:ext cx="9601199" cy="4343400"/>
+          </a:xfrm>
+        </p:spPr>
+        <p:txBody>
+          <a:bodyPr anchor="t"/>
+          <a:lstStyle/>
+          <a:p>
+            <a:r>
+              <a:rPr lang="en-US" dirty="0"/>
+              <a:t>References:</a:t>
+            </a:r>
+          </a:p>
+          <a:p>
+            <a:pPr marL="342900" indent="-342900">
+              <a:buFont typeface="Arial" panose="020B0604020202020204" pitchFamily="34" charset="0"/>
+              <a:buChar char="•"/>
+            </a:pPr>
+            <a:r>
+              <a:rPr lang="en-US" dirty="0">
+                <a:hlinkClick r:id="rId2"/>
+              </a:rPr>
+              <a:t>https://docs.oracle.com/javase/tutorial/essential/io/index.html</a:t>
+            </a:r>
+            <a:endParaRPr lang="en-US" dirty="0"/>
+          </a:p>
+          <a:p>
+            <a:pPr marL="342900" indent="-342900">
+              <a:buFont typeface="Arial" panose="020B0604020202020204" pitchFamily="34" charset="0"/>
+              <a:buChar char="•"/>
+            </a:pPr>
+            <a:r>
+              <a:rPr lang="en-US" dirty="0"/>
+              <a:t>https://www.safaribooksonline.com/library/view/the-well-grounded-java/</a:t>
+            </a:r>
+          </a:p>
+        </p:txBody>
+      </p:sp>
+    </p:spTree>
+    <p:extLst>
+      <p:ext uri="{BB962C8B-B14F-4D97-AF65-F5344CB8AC3E}">
+        <p14:creationId xmlns:p14="http://schemas.microsoft.com/office/powerpoint/2010/main" val="141398305"/>
+      </p:ext>
+    </p:extLst>
+  </p:cSld>
+  <p:clrMapOvr>
+    <a:masterClrMapping/>
+  </p:clrMapOvr>
+  <mc:AlternateContent xmlns:mc="http://schemas.openxmlformats.org/markup-compatibility/2006" xmlns:p14="http://schemas.microsoft.com/office/powerpoint/2010/main">
+    <mc:Choice Requires="p14">
+      <p:transition spd="med" p14:dur="700">
+        <p:fade/>
+      </p:transition>
+    </mc:Choice>
+    <mc:Fallback xmlns="">
+      <p:transition spd="med">
+        <p:fade/>
+      </p:transition>
+    </mc:Fallback>
+  </mc:AlternateContent>
+</p:sld>
+</file>
+
 <file path=ppt/slides/slide3.xml><?xml version="1.0" encoding="utf-8"?>
 <p:sld xmlns:a="http://schemas.openxmlformats.org/drawingml/2006/main" xmlns:r="http://schemas.openxmlformats.org/officeDocument/2006/relationships" xmlns:p="http://schemas.openxmlformats.org/presentationml/2006/main">
   <p:cSld>
@@ -6242,7 +8477,7 @@
           <p:cNvPr id="3" name="Content Placeholder 2">
             <a:extLst>
               <a:ext uri="{FF2B5EF4-FFF2-40B4-BE49-F238E27FC236}">
-                <a16:creationId xmlns:a16="http://schemas.microsoft.com/office/drawing/2014/main" xmlns="" id="{1BB810E4-4209-4BB6-9A4F-A32710B5D413}"/>
+                <a16:creationId xmlns:a16="http://schemas.microsoft.com/office/drawing/2014/main" id="{1BB810E4-4209-4BB6-9A4F-A32710B5D413}"/>
               </a:ext>
             </a:extLst>
           </p:cNvPr>
@@ -6443,7 +8678,7 @@
           <p:cNvPr id="4" name="Content Placeholder 3">
             <a:extLst>
               <a:ext uri="{FF2B5EF4-FFF2-40B4-BE49-F238E27FC236}">
-                <a16:creationId xmlns:a16="http://schemas.microsoft.com/office/drawing/2014/main" xmlns="" id="{A030483B-FA9B-4EBE-B6EB-86926AD68801}"/>
+                <a16:creationId xmlns:a16="http://schemas.microsoft.com/office/drawing/2014/main" id="{A030483B-FA9B-4EBE-B6EB-86926AD68801}"/>
               </a:ext>
             </a:extLst>
           </p:cNvPr>
@@ -6475,7 +8710,7 @@
           <p:cNvPr id="7" name="TextBox 6">
             <a:extLst>
               <a:ext uri="{FF2B5EF4-FFF2-40B4-BE49-F238E27FC236}">
-                <a16:creationId xmlns:a16="http://schemas.microsoft.com/office/drawing/2014/main" xmlns="" id="{491D4659-0A55-4B3B-AAD1-829BEF3D5F51}"/>
+                <a16:creationId xmlns:a16="http://schemas.microsoft.com/office/drawing/2014/main" id="{491D4659-0A55-4B3B-AAD1-829BEF3D5F51}"/>
               </a:ext>
             </a:extLst>
           </p:cNvPr>
@@ -6686,7 +8921,7 @@
           <p:cNvPr id="3" name="TextBox 2">
             <a:extLst>
               <a:ext uri="{FF2B5EF4-FFF2-40B4-BE49-F238E27FC236}">
-                <a16:creationId xmlns:a16="http://schemas.microsoft.com/office/drawing/2014/main" xmlns="" id="{8C079C1C-8ABC-40BC-B68B-2AFD4C366610}"/>
+                <a16:creationId xmlns:a16="http://schemas.microsoft.com/office/drawing/2014/main" id="{8C079C1C-8ABC-40BC-B68B-2AFD4C366610}"/>
               </a:ext>
             </a:extLst>
           </p:cNvPr>
@@ -6885,7 +9120,7 @@
           <a:p>
             <a:r>
               <a:rPr lang="en-US" dirty="0"/>
-              <a:t>Path</a:t>
+              <a:t>NIO2 - Path</a:t>
             </a:r>
           </a:p>
         </p:txBody>
@@ -6910,6 +9145,20 @@
               <a:t>JVM only binds a Path to the physical location at runtime</a:t>
             </a:r>
           </a:p>
+          <a:p>
+            <a:r>
+              <a:rPr lang="en-US" dirty="0"/>
+              <a:t>This interface extends Watchable interface so that a directory located by a path can be registered with a </a:t>
+            </a:r>
+            <a:r>
+              <a:rPr lang="en-US" dirty="0" err="1"/>
+              <a:t>WatchService</a:t>
+            </a:r>
+            <a:r>
+              <a:rPr lang="en-US" dirty="0"/>
+              <a:t> and entries in the directory watched.</a:t>
+            </a:r>
+          </a:p>
         </p:txBody>
       </p:sp>
       <p:sp>
@@ -6929,11 +9178,11 @@
           <a:p>
             <a:r>
               <a:rPr lang="en-US" dirty="0"/>
-              <a:t>The concept of </a:t>
-            </a:r>
-            <a:r>
-              <a:rPr lang="en-US"/>
-              <a:t>a location</a:t>
+              <a:t>The concept of a location </a:t>
+            </a:r>
+            <a:r>
+              <a:rPr lang="en-US" altLang="zh-CN" dirty="0"/>
+              <a:t>- the Path class is a programmatic representation of a path in the file system</a:t>
             </a:r>
             <a:endParaRPr lang="en-US" dirty="0"/>
           </a:p>
@@ -7159,7 +9408,7 @@
   <a:extraClrSchemeLst/>
   <a:extLst>
     <a:ext uri="{05A4C25C-085E-4340-85A3-A5531E510DB2}">
-      <thm15:themeFamily xmlns:thm15="http://schemas.microsoft.com/office/thememl/2012/main" xmlns="" name="Business direction presentation (widescreen).potx" id="{D17AB31B-F25B-45F4-B34E-C6982D129A29}" vid="{B63A7B92-8C2A-4E6A-9062-768A2448E61C}"/>
+      <thm15:themeFamily xmlns:thm15="http://schemas.microsoft.com/office/thememl/2012/main" name="Business direction presentation (widescreen).potx" id="{D17AB31B-F25B-45F4-B34E-C6982D129A29}" vid="{B63A7B92-8C2A-4E6A-9062-768A2448E61C}"/>
     </a:ext>
   </a:extLst>
 </a:theme>
@@ -7360,7 +9609,7 @@
   <a:extraClrSchemeLst/>
   <a:extLst>
     <a:ext uri="{05A4C25C-085E-4340-85A3-A5531E510DB2}">
-      <thm15:themeFamily xmlns:thm15="http://schemas.microsoft.com/office/thememl/2012/main" xmlns="" name="Office Theme" id="{62F939B6-93AF-4DB8-9C6B-D6C7DFDC589F}" vid="{4A3C46E8-61CC-4603-A589-7422A47A8E4A}"/>
+      <thm15:themeFamily xmlns:thm15="http://schemas.microsoft.com/office/thememl/2012/main" name="Office Theme" id="{62F939B6-93AF-4DB8-9C6B-D6C7DFDC589F}" vid="{4A3C46E8-61CC-4603-A589-7422A47A8E4A}"/>
     </a:ext>
   </a:extLst>
 </a:theme>
@@ -7561,7 +9810,7 @@
   <a:extraClrSchemeLst/>
   <a:extLst>
     <a:ext uri="{05A4C25C-085E-4340-85A3-A5531E510DB2}">
-      <thm15:themeFamily xmlns:thm15="http://schemas.microsoft.com/office/thememl/2012/main" xmlns="" name="Office Theme" id="{62F939B6-93AF-4DB8-9C6B-D6C7DFDC589F}" vid="{4A3C46E8-61CC-4603-A589-7422A47A8E4A}"/>
+      <thm15:themeFamily xmlns:thm15="http://schemas.microsoft.com/office/thememl/2012/main" name="Office Theme" id="{62F939B6-93AF-4DB8-9C6B-D6C7DFDC589F}" vid="{4A3C46E8-61CC-4603-A589-7422A47A8E4A}"/>
     </a:ext>
   </a:extLst>
 </a:theme>

--- a/Brief Introduction of Java 7.pptx
+++ b/Brief Introduction of Java 7.pptx
@@ -5,36 +5,45 @@
     <p:sldMasterId id="2147483648" r:id="rId1"/>
   </p:sldMasterIdLst>
   <p:notesMasterIdLst>
-    <p:notesMasterId r:id="rId26"/>
+    <p:notesMasterId r:id="rId35"/>
   </p:notesMasterIdLst>
   <p:handoutMasterIdLst>
-    <p:handoutMasterId r:id="rId27"/>
+    <p:handoutMasterId r:id="rId36"/>
   </p:handoutMasterIdLst>
   <p:sldIdLst>
     <p:sldId id="257" r:id="rId2"/>
     <p:sldId id="258" r:id="rId3"/>
     <p:sldId id="259" r:id="rId4"/>
-    <p:sldId id="260" r:id="rId5"/>
-    <p:sldId id="261" r:id="rId6"/>
-    <p:sldId id="264" r:id="rId7"/>
-    <p:sldId id="265" r:id="rId8"/>
-    <p:sldId id="266" r:id="rId9"/>
-    <p:sldId id="267" r:id="rId10"/>
-    <p:sldId id="277" r:id="rId11"/>
-    <p:sldId id="278" r:id="rId12"/>
-    <p:sldId id="268" r:id="rId13"/>
-    <p:sldId id="280" r:id="rId14"/>
-    <p:sldId id="279" r:id="rId15"/>
-    <p:sldId id="269" r:id="rId16"/>
-    <p:sldId id="270" r:id="rId17"/>
-    <p:sldId id="282" r:id="rId18"/>
-    <p:sldId id="281" r:id="rId19"/>
-    <p:sldId id="271" r:id="rId20"/>
-    <p:sldId id="272" r:id="rId21"/>
-    <p:sldId id="273" r:id="rId22"/>
-    <p:sldId id="274" r:id="rId23"/>
-    <p:sldId id="275" r:id="rId24"/>
-    <p:sldId id="276" r:id="rId25"/>
+    <p:sldId id="261" r:id="rId5"/>
+    <p:sldId id="264" r:id="rId6"/>
+    <p:sldId id="265" r:id="rId7"/>
+    <p:sldId id="286" r:id="rId8"/>
+    <p:sldId id="287" r:id="rId9"/>
+    <p:sldId id="288" r:id="rId10"/>
+    <p:sldId id="289" r:id="rId11"/>
+    <p:sldId id="290" r:id="rId12"/>
+    <p:sldId id="291" r:id="rId13"/>
+    <p:sldId id="292" r:id="rId14"/>
+    <p:sldId id="267" r:id="rId15"/>
+    <p:sldId id="277" r:id="rId16"/>
+    <p:sldId id="278" r:id="rId17"/>
+    <p:sldId id="268" r:id="rId18"/>
+    <p:sldId id="280" r:id="rId19"/>
+    <p:sldId id="279" r:id="rId20"/>
+    <p:sldId id="269" r:id="rId21"/>
+    <p:sldId id="270" r:id="rId22"/>
+    <p:sldId id="282" r:id="rId23"/>
+    <p:sldId id="281" r:id="rId24"/>
+    <p:sldId id="285" r:id="rId25"/>
+    <p:sldId id="283" r:id="rId26"/>
+    <p:sldId id="284" r:id="rId27"/>
+    <p:sldId id="271" r:id="rId28"/>
+    <p:sldId id="272" r:id="rId29"/>
+    <p:sldId id="273" r:id="rId30"/>
+    <p:sldId id="274" r:id="rId31"/>
+    <p:sldId id="275" r:id="rId32"/>
+    <p:sldId id="276" r:id="rId33"/>
+    <p:sldId id="293" r:id="rId34"/>
   </p:sldIdLst>
   <p:sldSz cx="12192000" cy="6858000"/>
   <p:notesSz cx="6858000" cy="9144000"/>
@@ -241,7 +250,7 @@
           <a:p>
             <a:fld id="{D63D5444-F62C-42C3-A75A-D9DBA807730F}" type="datetimeFigureOut">
               <a:rPr lang="en-US" smtClean="0"/>
-              <a:t>1/23/2018</a:t>
+              <a:t>1/25/2018</a:t>
             </a:fld>
             <a:endParaRPr lang="en-US"/>
           </a:p>
@@ -406,7 +415,7 @@
           <a:p>
             <a:fld id="{12CAA1FA-7B6A-47D2-8D61-F225D71B51FF}" type="datetimeFigureOut">
               <a:rPr lang="en-US" smtClean="0"/>
-              <a:t>1/23/2018</a:t>
+              <a:t>1/25/2018</a:t>
             </a:fld>
             <a:endParaRPr lang="en-US"/>
           </a:p>
@@ -1359,7 +1368,7 @@
           <a:p>
             <a:fld id="{A79A3335-6331-4872-A8B7-ECD55539F4D0}" type="datetimeFigureOut">
               <a:rPr lang="en-US" smtClean="0"/>
-              <a:t>1/23/2018</a:t>
+              <a:t>1/25/2018</a:t>
             </a:fld>
             <a:endParaRPr lang="en-US"/>
           </a:p>
@@ -1966,7 +1975,7 @@
           <a:p>
             <a:fld id="{A79A3335-6331-4872-A8B7-ECD55539F4D0}" type="datetimeFigureOut">
               <a:rPr lang="en-US" smtClean="0"/>
-              <a:t>1/23/2018</a:t>
+              <a:t>1/25/2018</a:t>
             </a:fld>
             <a:endParaRPr lang="en-US"/>
           </a:p>
@@ -2149,7 +2158,7 @@
           <a:p>
             <a:fld id="{A79A3335-6331-4872-A8B7-ECD55539F4D0}" type="datetimeFigureOut">
               <a:rPr lang="en-US" smtClean="0"/>
-              <a:t>1/23/2018</a:t>
+              <a:t>1/25/2018</a:t>
             </a:fld>
             <a:endParaRPr lang="en-US"/>
           </a:p>
@@ -2483,7 +2492,7 @@
           <a:p>
             <a:fld id="{A79A3335-6331-4872-A8B7-ECD55539F4D0}" type="datetimeFigureOut">
               <a:rPr lang="en-US" smtClean="0"/>
-              <a:t>1/23/2018</a:t>
+              <a:t>1/25/2018</a:t>
             </a:fld>
             <a:endParaRPr lang="en-US"/>
           </a:p>
@@ -2675,7 +2684,7 @@
           <a:p>
             <a:fld id="{A79A3335-6331-4872-A8B7-ECD55539F4D0}" type="datetimeFigureOut">
               <a:rPr lang="en-US" smtClean="0"/>
-              <a:t>1/23/2018</a:t>
+              <a:t>1/25/2018</a:t>
             </a:fld>
             <a:endParaRPr lang="en-US"/>
           </a:p>
@@ -3837,7 +3846,7 @@
           <a:p>
             <a:fld id="{A79A3335-6331-4872-A8B7-ECD55539F4D0}" type="datetimeFigureOut">
               <a:rPr lang="en-US" smtClean="0"/>
-              <a:t>1/23/2018</a:t>
+              <a:t>1/25/2018</a:t>
             </a:fld>
             <a:endParaRPr lang="en-US"/>
           </a:p>
@@ -4221,7 +4230,7 @@
           <a:p>
             <a:fld id="{A79A3335-6331-4872-A8B7-ECD55539F4D0}" type="datetimeFigureOut">
               <a:rPr lang="en-US" smtClean="0"/>
-              <a:t>1/23/2018</a:t>
+              <a:t>1/25/2018</a:t>
             </a:fld>
             <a:endParaRPr lang="en-US"/>
           </a:p>
@@ -4353,7 +4362,7 @@
           <a:p>
             <a:fld id="{A79A3335-6331-4872-A8B7-ECD55539F4D0}" type="datetimeFigureOut">
               <a:rPr lang="en-US" smtClean="0"/>
-              <a:t>1/23/2018</a:t>
+              <a:t>1/25/2018</a:t>
             </a:fld>
             <a:endParaRPr lang="en-US"/>
           </a:p>
@@ -4463,7 +4472,7 @@
           <a:p>
             <a:fld id="{A79A3335-6331-4872-A8B7-ECD55539F4D0}" type="datetimeFigureOut">
               <a:rPr lang="en-US" smtClean="0"/>
-              <a:t>1/23/2018</a:t>
+              <a:t>1/25/2018</a:t>
             </a:fld>
             <a:endParaRPr lang="en-US"/>
           </a:p>
@@ -4756,7 +4765,7 @@
           <a:p>
             <a:fld id="{A79A3335-6331-4872-A8B7-ECD55539F4D0}" type="datetimeFigureOut">
               <a:rPr lang="en-US" smtClean="0"/>
-              <a:t>1/23/2018</a:t>
+              <a:t>1/25/2018</a:t>
             </a:fld>
             <a:endParaRPr lang="en-US"/>
           </a:p>
@@ -5139,7 +5148,7 @@
             <a:fld id="{A79A3335-6331-4872-A8B7-ECD55539F4D0}" type="datetimeFigureOut">
               <a:rPr lang="en-US" smtClean="0"/>
               <a:pPr/>
-              <a:t>1/23/2018</a:t>
+              <a:t>1/25/2018</a:t>
             </a:fld>
             <a:endParaRPr lang="en-US"/>
           </a:p>
@@ -5598,10 +5607,14 @@
           <a:bodyPr/>
           <a:lstStyle/>
           <a:p>
-            <a:r>
-              <a:rPr lang="en-US" dirty="0"/>
-              <a:t>Subtitle</a:t>
-            </a:r>
+            <a:endParaRPr lang="en-US" dirty="0"/>
+          </a:p>
+          <a:p>
+            <a:r>
+              <a:rPr lang="en-US"/>
+              <a:t>Kun Zhou</a:t>
+            </a:r>
+            <a:endParaRPr lang="en-US" dirty="0"/>
           </a:p>
         </p:txBody>
       </p:sp>
@@ -5652,7 +5665,7 @@
           <p:cNvPr id="2" name="Title 1">
             <a:extLst>
               <a:ext uri="{FF2B5EF4-FFF2-40B4-BE49-F238E27FC236}">
-                <a16:creationId xmlns:a16="http://schemas.microsoft.com/office/drawing/2014/main" id="{CB42523A-164F-4150-8CE3-DFD936715F5D}"/>
+                <a16:creationId xmlns:a16="http://schemas.microsoft.com/office/drawing/2014/main" id="{AFE4CECE-AC04-4843-914C-339355F2E74F}"/>
               </a:ext>
             </a:extLst>
           </p:cNvPr>
@@ -5670,124 +5683,156 @@
           <a:p>
             <a:r>
               <a:rPr lang="en-US" dirty="0"/>
-              <a:t>NIO.2 - Path</a:t>
-            </a:r>
-          </a:p>
-        </p:txBody>
-      </p:sp>
-      <p:sp>
-        <p:nvSpPr>
-          <p:cNvPr id="4" name="Text Placeholder 3">
+              <a:t>Project Coin – Try-with-resources</a:t>
+            </a:r>
+          </a:p>
+        </p:txBody>
+      </p:sp>
+      <p:pic>
+        <p:nvPicPr>
+          <p:cNvPr id="3" name="Picture 2">
             <a:extLst>
               <a:ext uri="{FF2B5EF4-FFF2-40B4-BE49-F238E27FC236}">
-                <a16:creationId xmlns:a16="http://schemas.microsoft.com/office/drawing/2014/main" id="{54D76427-09D4-4EFB-91A5-F0E3655734F1}"/>
+                <a16:creationId xmlns:a16="http://schemas.microsoft.com/office/drawing/2014/main" id="{D98CD14C-6241-4198-A4F0-BB3B262F2FC6}"/>
               </a:ext>
             </a:extLst>
           </p:cNvPr>
-          <p:cNvSpPr>
-            <a:spLocks noGrp="1"/>
-          </p:cNvSpPr>
-          <p:nvPr>
-            <p:ph type="body" sz="half" idx="2"/>
-          </p:nvPr>
-        </p:nvSpPr>
+          <p:cNvPicPr>
+            <a:picLocks noChangeAspect="1"/>
+          </p:cNvPicPr>
+          <p:nvPr/>
+        </p:nvPicPr>
+        <p:blipFill>
+          <a:blip r:embed="rId2"/>
+          <a:stretch>
+            <a:fillRect/>
+          </a:stretch>
+        </p:blipFill>
         <p:spPr>
           <a:xfrm>
-            <a:off x="1295400" y="1828800"/>
-            <a:ext cx="9335494" cy="4343400"/>
+            <a:off x="678180" y="2386220"/>
+            <a:ext cx="5054139" cy="3672674"/>
           </a:xfrm>
+          <a:prstGeom prst="rect">
+            <a:avLst/>
+          </a:prstGeom>
         </p:spPr>
-        <p:txBody>
-          <a:bodyPr anchor="t"/>
-          <a:lstStyle/>
-          <a:p>
-            <a:r>
-              <a:rPr lang="en-US" dirty="0"/>
-              <a:t>Useful methods (Most of these methods don’t require that the file corresponding to the Path exists.):</a:t>
-            </a:r>
-          </a:p>
-          <a:p>
-            <a:pPr marL="342900" indent="-342900">
-              <a:buFont typeface="Arial" panose="020B0604020202020204" pitchFamily="34" charset="0"/>
-              <a:buChar char="•"/>
-            </a:pPr>
+      </p:pic>
+      <p:pic>
+        <p:nvPicPr>
+          <p:cNvPr id="4" name="Picture 3">
+            <a:extLst>
+              <a:ext uri="{FF2B5EF4-FFF2-40B4-BE49-F238E27FC236}">
+                <a16:creationId xmlns:a16="http://schemas.microsoft.com/office/drawing/2014/main" id="{33953B28-70F6-4583-8033-D5CCB2B49743}"/>
+              </a:ext>
+            </a:extLst>
+          </p:cNvPr>
+          <p:cNvPicPr>
+            <a:picLocks noChangeAspect="1"/>
+          </p:cNvPicPr>
+          <p:nvPr/>
+        </p:nvPicPr>
+        <p:blipFill>
+          <a:blip r:embed="rId3"/>
+          <a:stretch>
+            <a:fillRect/>
+          </a:stretch>
+        </p:blipFill>
+        <p:spPr>
+          <a:xfrm>
+            <a:off x="7257636" y="3349652"/>
+            <a:ext cx="3924105" cy="1755085"/>
+          </a:xfrm>
+          <a:prstGeom prst="rect">
+            <a:avLst/>
+          </a:prstGeom>
+        </p:spPr>
+      </p:pic>
+      <p:sp>
+        <p:nvSpPr>
+          <p:cNvPr id="5" name="Arrow: Right 4">
+            <a:extLst>
+              <a:ext uri="{FF2B5EF4-FFF2-40B4-BE49-F238E27FC236}">
+                <a16:creationId xmlns:a16="http://schemas.microsoft.com/office/drawing/2014/main" id="{D6CB1698-7DE0-4ED0-A483-187813EE2A9D}"/>
+              </a:ext>
+            </a:extLst>
+          </p:cNvPr>
+          <p:cNvSpPr/>
+          <p:nvPr/>
+        </p:nvSpPr>
+        <p:spPr>
+          <a:xfrm>
+            <a:off x="6002483" y="4063117"/>
+            <a:ext cx="914400" cy="373711"/>
+          </a:xfrm>
+          <a:prstGeom prst="rightArrow">
+            <a:avLst/>
+          </a:prstGeom>
+        </p:spPr>
+        <p:style>
+          <a:lnRef idx="2">
+            <a:schemeClr val="accent1">
+              <a:shade val="50000"/>
+            </a:schemeClr>
+          </a:lnRef>
+          <a:fillRef idx="1">
+            <a:schemeClr val="accent1"/>
+          </a:fillRef>
+          <a:effectRef idx="0">
+            <a:schemeClr val="accent1"/>
+          </a:effectRef>
+          <a:fontRef idx="minor">
+            <a:schemeClr val="lt1"/>
+          </a:fontRef>
+        </p:style>
+        <p:txBody>
+          <a:bodyPr rtlCol="0" anchor="ctr"/>
+          <a:lstStyle/>
+          <a:p>
+            <a:pPr algn="ctr"/>
+            <a:endParaRPr lang="en-US"/>
+          </a:p>
+        </p:txBody>
+      </p:sp>
+      <p:sp>
+        <p:nvSpPr>
+          <p:cNvPr id="6" name="TextBox 5">
+            <a:extLst>
+              <a:ext uri="{FF2B5EF4-FFF2-40B4-BE49-F238E27FC236}">
+                <a16:creationId xmlns:a16="http://schemas.microsoft.com/office/drawing/2014/main" id="{467A1879-30FF-49AC-9317-0359FEF3E0FF}"/>
+              </a:ext>
+            </a:extLst>
+          </p:cNvPr>
+          <p:cNvSpPr txBox="1"/>
+          <p:nvPr/>
+        </p:nvSpPr>
+        <p:spPr>
+          <a:xfrm>
+            <a:off x="1295400" y="1765190"/>
+            <a:ext cx="7808843" cy="369332"/>
+          </a:xfrm>
+          <a:prstGeom prst="rect">
+            <a:avLst/>
+          </a:prstGeom>
+          <a:noFill/>
+        </p:spPr>
+        <p:txBody>
+          <a:bodyPr wrap="square" rtlCol="0">
+            <a:spAutoFit/>
+          </a:bodyPr>
+          <a:lstStyle/>
+          <a:p>
+            <a:r>
+              <a:rPr lang="en-US" dirty="0"/>
+              <a:t>Implement </a:t>
+            </a:r>
             <a:r>
               <a:rPr lang="en-US" dirty="0" err="1"/>
-              <a:t>getFileName</a:t>
-            </a:r>
-            <a:r>
-              <a:rPr lang="en-US" dirty="0"/>
-              <a:t>()</a:t>
-            </a:r>
-          </a:p>
-          <a:p>
-            <a:pPr marL="342900" indent="-342900">
-              <a:buFont typeface="Arial" panose="020B0604020202020204" pitchFamily="34" charset="0"/>
-              <a:buChar char="•"/>
-            </a:pPr>
-            <a:r>
-              <a:rPr lang="en-US" dirty="0" err="1"/>
-              <a:t>getName</a:t>
-            </a:r>
-            <a:r>
-              <a:rPr lang="en-US" dirty="0"/>
-              <a:t>(index)</a:t>
-            </a:r>
-          </a:p>
-          <a:p>
-            <a:pPr marL="342900" indent="-342900">
-              <a:buFont typeface="Arial" panose="020B0604020202020204" pitchFamily="34" charset="0"/>
-              <a:buChar char="•"/>
-            </a:pPr>
-            <a:r>
-              <a:rPr lang="en-US" dirty="0" err="1"/>
-              <a:t>getNameCount</a:t>
-            </a:r>
-            <a:r>
-              <a:rPr lang="en-US" dirty="0"/>
-              <a:t>()</a:t>
-            </a:r>
-          </a:p>
-          <a:p>
-            <a:pPr marL="342900" indent="-342900">
-              <a:buFont typeface="Arial" panose="020B0604020202020204" pitchFamily="34" charset="0"/>
-              <a:buChar char="•"/>
-            </a:pPr>
-            <a:r>
-              <a:rPr lang="en-US" dirty="0" err="1"/>
-              <a:t>Subpath</a:t>
-            </a:r>
-            <a:r>
-              <a:rPr lang="en-US" dirty="0"/>
-              <a:t>(start index, end index)</a:t>
-            </a:r>
-          </a:p>
-          <a:p>
-            <a:pPr marL="342900" indent="-342900">
-              <a:buFont typeface="Arial" panose="020B0604020202020204" pitchFamily="34" charset="0"/>
-              <a:buChar char="•"/>
-            </a:pPr>
-            <a:r>
-              <a:rPr lang="en-US" dirty="0" err="1"/>
-              <a:t>getParent</a:t>
-            </a:r>
-            <a:r>
-              <a:rPr lang="en-US" dirty="0"/>
-              <a:t>()</a:t>
-            </a:r>
-          </a:p>
-          <a:p>
-            <a:pPr marL="342900" indent="-342900">
-              <a:buFont typeface="Arial" panose="020B0604020202020204" pitchFamily="34" charset="0"/>
-              <a:buChar char="•"/>
-            </a:pPr>
-            <a:r>
-              <a:rPr lang="en-US" dirty="0" err="1"/>
-              <a:t>getRoot</a:t>
-            </a:r>
-            <a:r>
-              <a:rPr lang="en-US" dirty="0"/>
-              <a:t>()</a:t>
+              <a:t>AutoCloseable</a:t>
+            </a:r>
+            <a:r>
+              <a:rPr lang="en-US" dirty="0"/>
+              <a:t> to use the TWR feature</a:t>
             </a:r>
           </a:p>
         </p:txBody>
@@ -5795,7 +5840,7 @@
     </p:spTree>
     <p:extLst>
       <p:ext uri="{BB962C8B-B14F-4D97-AF65-F5344CB8AC3E}">
-        <p14:creationId xmlns:p14="http://schemas.microsoft.com/office/powerpoint/2010/main" val="3826145360"/>
+        <p14:creationId xmlns:p14="http://schemas.microsoft.com/office/powerpoint/2010/main" val="1812608090"/>
       </p:ext>
     </p:extLst>
   </p:cSld>
@@ -5814,6 +5859,130 @@
       </p:transition>
     </mc:Fallback>
   </mc:AlternateContent>
+  <p:timing>
+    <p:tnLst>
+      <p:par>
+        <p:cTn id="1" dur="indefinite" restart="never" nodeType="tmRoot">
+          <p:childTnLst>
+            <p:seq concurrent="1" nextAc="seek">
+              <p:cTn id="2" dur="indefinite" nodeType="mainSeq">
+                <p:childTnLst>
+                  <p:par>
+                    <p:cTn id="3" fill="hold">
+                      <p:stCondLst>
+                        <p:cond delay="indefinite"/>
+                      </p:stCondLst>
+                      <p:childTnLst>
+                        <p:par>
+                          <p:cTn id="4" fill="hold">
+                            <p:stCondLst>
+                              <p:cond delay="0"/>
+                            </p:stCondLst>
+                            <p:childTnLst>
+                              <p:par>
+                                <p:cTn id="5" presetID="2" presetClass="entr" presetSubtype="4" fill="hold" grpId="0" nodeType="clickEffect">
+                                  <p:stCondLst>
+                                    <p:cond delay="0"/>
+                                  </p:stCondLst>
+                                  <p:childTnLst>
+                                    <p:set>
+                                      <p:cBhvr>
+                                        <p:cTn id="6" dur="1" fill="hold">
+                                          <p:stCondLst>
+                                            <p:cond delay="0"/>
+                                          </p:stCondLst>
+                                        </p:cTn>
+                                        <p:tgtEl>
+                                          <p:spTgt spid="6"/>
+                                        </p:tgtEl>
+                                        <p:attrNameLst>
+                                          <p:attrName>style.visibility</p:attrName>
+                                        </p:attrNameLst>
+                                      </p:cBhvr>
+                                      <p:to>
+                                        <p:strVal val="visible"/>
+                                      </p:to>
+                                    </p:set>
+                                    <p:anim calcmode="lin" valueType="num">
+                                      <p:cBhvr additive="base">
+                                        <p:cTn id="7" dur="500" fill="hold"/>
+                                        <p:tgtEl>
+                                          <p:spTgt spid="6"/>
+                                        </p:tgtEl>
+                                        <p:attrNameLst>
+                                          <p:attrName>ppt_x</p:attrName>
+                                        </p:attrNameLst>
+                                      </p:cBhvr>
+                                      <p:tavLst>
+                                        <p:tav tm="0">
+                                          <p:val>
+                                            <p:strVal val="#ppt_x"/>
+                                          </p:val>
+                                        </p:tav>
+                                        <p:tav tm="100000">
+                                          <p:val>
+                                            <p:strVal val="#ppt_x"/>
+                                          </p:val>
+                                        </p:tav>
+                                      </p:tavLst>
+                                    </p:anim>
+                                    <p:anim calcmode="lin" valueType="num">
+                                      <p:cBhvr additive="base">
+                                        <p:cTn id="8" dur="500" fill="hold"/>
+                                        <p:tgtEl>
+                                          <p:spTgt spid="6"/>
+                                        </p:tgtEl>
+                                        <p:attrNameLst>
+                                          <p:attrName>ppt_y</p:attrName>
+                                        </p:attrNameLst>
+                                      </p:cBhvr>
+                                      <p:tavLst>
+                                        <p:tav tm="0">
+                                          <p:val>
+                                            <p:strVal val="1+#ppt_h/2"/>
+                                          </p:val>
+                                        </p:tav>
+                                        <p:tav tm="100000">
+                                          <p:val>
+                                            <p:strVal val="#ppt_y"/>
+                                          </p:val>
+                                        </p:tav>
+                                      </p:tavLst>
+                                    </p:anim>
+                                  </p:childTnLst>
+                                </p:cTn>
+                              </p:par>
+                            </p:childTnLst>
+                          </p:cTn>
+                        </p:par>
+                      </p:childTnLst>
+                    </p:cTn>
+                  </p:par>
+                </p:childTnLst>
+              </p:cTn>
+              <p:prevCondLst>
+                <p:cond evt="onPrev" delay="0">
+                  <p:tgtEl>
+                    <p:sldTgt/>
+                  </p:tgtEl>
+                </p:cond>
+              </p:prevCondLst>
+              <p:nextCondLst>
+                <p:cond evt="onNext" delay="0">
+                  <p:tgtEl>
+                    <p:sldTgt/>
+                  </p:tgtEl>
+                </p:cond>
+              </p:nextCondLst>
+            </p:seq>
+          </p:childTnLst>
+        </p:cTn>
+      </p:par>
+    </p:tnLst>
+    <p:bldLst>
+      <p:bldP spid="6" grpId="0"/>
+    </p:bldLst>
+  </p:timing>
 </p:sld>
 </file>
 
@@ -5839,7 +6008,7 @@
           <p:cNvPr id="2" name="Title 1">
             <a:extLst>
               <a:ext uri="{FF2B5EF4-FFF2-40B4-BE49-F238E27FC236}">
-                <a16:creationId xmlns:a16="http://schemas.microsoft.com/office/drawing/2014/main" id="{7217AECF-E06C-4F73-852F-5B67C0BFCC32}"/>
+                <a16:creationId xmlns:a16="http://schemas.microsoft.com/office/drawing/2014/main" id="{796796F1-62B8-4C20-A96F-A9C8D4B898B2}"/>
               </a:ext>
             </a:extLst>
           </p:cNvPr>
@@ -5855,157 +6024,169 @@
           <a:bodyPr/>
           <a:lstStyle/>
           <a:p>
-            <a:endParaRPr lang="en-US"/>
-          </a:p>
-        </p:txBody>
-      </p:sp>
-      <p:sp>
-        <p:nvSpPr>
-          <p:cNvPr id="4" name="Text Placeholder 3">
+            <a:r>
+              <a:rPr lang="en-US" dirty="0"/>
+              <a:t>Project Coin – Try-with-resources</a:t>
+            </a:r>
+          </a:p>
+        </p:txBody>
+      </p:sp>
+      <p:pic>
+        <p:nvPicPr>
+          <p:cNvPr id="3" name="Picture 2">
             <a:extLst>
               <a:ext uri="{FF2B5EF4-FFF2-40B4-BE49-F238E27FC236}">
-                <a16:creationId xmlns:a16="http://schemas.microsoft.com/office/drawing/2014/main" id="{1F11D423-4250-4A6E-9239-AB66ED39ECD6}"/>
+                <a16:creationId xmlns:a16="http://schemas.microsoft.com/office/drawing/2014/main" id="{BFD2DF1B-F912-4D97-8876-01ACD2230C98}"/>
               </a:ext>
             </a:extLst>
           </p:cNvPr>
-          <p:cNvSpPr>
-            <a:spLocks noGrp="1"/>
-          </p:cNvSpPr>
-          <p:nvPr>
-            <p:ph type="body" sz="half" idx="2"/>
-          </p:nvPr>
-        </p:nvSpPr>
+          <p:cNvPicPr>
+            <a:picLocks noChangeAspect="1"/>
+          </p:cNvPicPr>
+          <p:nvPr/>
+        </p:nvPicPr>
+        <p:blipFill>
+          <a:blip r:embed="rId2"/>
+          <a:stretch>
+            <a:fillRect/>
+          </a:stretch>
+        </p:blipFill>
         <p:spPr>
           <a:xfrm>
-            <a:off x="1295400" y="1828800"/>
-            <a:ext cx="9601200" cy="4343400"/>
+            <a:off x="573986" y="3595976"/>
+            <a:ext cx="4762500" cy="1076325"/>
           </a:xfrm>
+          <a:prstGeom prst="rect">
+            <a:avLst/>
+          </a:prstGeom>
         </p:spPr>
-        <p:txBody>
-          <a:bodyPr anchor="t"/>
-          <a:lstStyle/>
-          <a:p>
-            <a:pPr marL="342900" indent="-342900">
-              <a:buFont typeface="Arial" panose="020B0604020202020204" pitchFamily="34" charset="0"/>
-              <a:buChar char="•"/>
-            </a:pPr>
-            <a:r>
-              <a:rPr lang="en-US" dirty="0"/>
-              <a:t>normalize()</a:t>
-            </a:r>
-          </a:p>
-          <a:p>
-            <a:pPr marL="342900" indent="-342900">
-              <a:buFont typeface="Arial" panose="020B0604020202020204" pitchFamily="34" charset="0"/>
-              <a:buChar char="•"/>
-            </a:pPr>
-            <a:r>
-              <a:rPr lang="en-US" dirty="0" err="1"/>
-              <a:t>toAbsolutePath</a:t>
-            </a:r>
-            <a:endParaRPr lang="en-US" dirty="0"/>
-          </a:p>
-          <a:p>
-            <a:pPr marL="342900" indent="-342900">
-              <a:buFont typeface="Arial" panose="020B0604020202020204" pitchFamily="34" charset="0"/>
-              <a:buChar char="•"/>
-            </a:pPr>
-            <a:r>
-              <a:rPr lang="en-US" dirty="0" err="1"/>
-              <a:t>toRealPath</a:t>
-            </a:r>
-            <a:r>
-              <a:rPr lang="en-US" dirty="0"/>
-              <a:t>() combines </a:t>
-            </a:r>
-            <a:r>
-              <a:rPr lang="en-US" dirty="0" err="1"/>
-              <a:t>toAbsolutePath</a:t>
-            </a:r>
-            <a:r>
-              <a:rPr lang="en-US" dirty="0"/>
-              <a:t>() and normalize() and could resolve symbolic links. </a:t>
-            </a:r>
-            <a:r>
-              <a:rPr lang="en-US" dirty="0">
-                <a:highlight>
-                  <a:srgbClr val="FFFF00"/>
-                </a:highlight>
-              </a:rPr>
-              <a:t>This method will check the existence and availability of the file</a:t>
-            </a:r>
-            <a:r>
-              <a:rPr lang="en-US" dirty="0"/>
-              <a:t>.</a:t>
-            </a:r>
-          </a:p>
-          <a:p>
-            <a:pPr marL="342900" indent="-342900">
-              <a:buFont typeface="Arial" panose="020B0604020202020204" pitchFamily="34" charset="0"/>
-              <a:buChar char="•"/>
-            </a:pPr>
-            <a:r>
-              <a:rPr lang="en-US" dirty="0"/>
-              <a:t>resolve()</a:t>
-            </a:r>
-          </a:p>
-          <a:p>
-            <a:pPr marL="342900" indent="-342900">
-              <a:buFont typeface="Arial" panose="020B0604020202020204" pitchFamily="34" charset="0"/>
-              <a:buChar char="•"/>
-            </a:pPr>
-            <a:r>
-              <a:rPr lang="en-US" dirty="0"/>
-              <a:t>relativize()</a:t>
-            </a:r>
-          </a:p>
-          <a:p>
-            <a:pPr marL="342900" indent="-342900">
-              <a:buFont typeface="Arial" panose="020B0604020202020204" pitchFamily="34" charset="0"/>
-              <a:buChar char="•"/>
-            </a:pPr>
-            <a:r>
-              <a:rPr lang="en-US" dirty="0"/>
-              <a:t>Support equals, </a:t>
-            </a:r>
-            <a:r>
-              <a:rPr lang="en-US" dirty="0" err="1"/>
-              <a:t>startsWith</a:t>
-            </a:r>
-            <a:r>
-              <a:rPr lang="en-US" dirty="0"/>
-              <a:t> and </a:t>
-            </a:r>
-            <a:r>
-              <a:rPr lang="en-US" dirty="0" err="1"/>
-              <a:t>endWith</a:t>
-            </a:r>
-            <a:endParaRPr lang="en-US" dirty="0"/>
-          </a:p>
-          <a:p>
-            <a:pPr marL="342900" indent="-342900">
-              <a:buFont typeface="Arial" panose="020B0604020202020204" pitchFamily="34" charset="0"/>
-              <a:buChar char="•"/>
-            </a:pPr>
-            <a:r>
-              <a:rPr lang="en-US" dirty="0"/>
-              <a:t>Path also implements the </a:t>
-            </a:r>
-            <a:r>
-              <a:rPr lang="en-US" dirty="0" err="1"/>
-              <a:t>Iterable</a:t>
-            </a:r>
-            <a:r>
-              <a:rPr lang="en-US" dirty="0"/>
-              <a:t>. You can iterate over the name elements in the path through iterator.</a:t>
-            </a:r>
+      </p:pic>
+      <p:sp>
+        <p:nvSpPr>
+          <p:cNvPr id="4" name="Lightning Bolt 3">
+            <a:extLst>
+              <a:ext uri="{FF2B5EF4-FFF2-40B4-BE49-F238E27FC236}">
+                <a16:creationId xmlns:a16="http://schemas.microsoft.com/office/drawing/2014/main" id="{C913FA46-005E-4C87-9FC1-38F113026E78}"/>
+              </a:ext>
+            </a:extLst>
+          </p:cNvPr>
+          <p:cNvSpPr/>
+          <p:nvPr/>
+        </p:nvSpPr>
+        <p:spPr>
+          <a:xfrm>
+            <a:off x="2170044" y="2735249"/>
+            <a:ext cx="589059" cy="628153"/>
+          </a:xfrm>
+          <a:prstGeom prst="lightningBolt">
+            <a:avLst/>
+          </a:prstGeom>
+        </p:spPr>
+        <p:style>
+          <a:lnRef idx="2">
+            <a:schemeClr val="accent1">
+              <a:shade val="50000"/>
+            </a:schemeClr>
+          </a:lnRef>
+          <a:fillRef idx="1">
+            <a:schemeClr val="accent1"/>
+          </a:fillRef>
+          <a:effectRef idx="0">
+            <a:schemeClr val="accent1"/>
+          </a:effectRef>
+          <a:fontRef idx="minor">
+            <a:schemeClr val="lt1"/>
+          </a:fontRef>
+        </p:style>
+        <p:txBody>
+          <a:bodyPr rtlCol="0" anchor="ctr"/>
+          <a:lstStyle/>
+          <a:p>
+            <a:pPr algn="ctr"/>
+            <a:endParaRPr lang="en-US"/>
+          </a:p>
+        </p:txBody>
+      </p:sp>
+      <p:pic>
+        <p:nvPicPr>
+          <p:cNvPr id="5" name="Picture 4">
+            <a:extLst>
+              <a:ext uri="{FF2B5EF4-FFF2-40B4-BE49-F238E27FC236}">
+                <a16:creationId xmlns:a16="http://schemas.microsoft.com/office/drawing/2014/main" id="{F5AEA387-22CF-4843-95B7-8972D296B742}"/>
+              </a:ext>
+            </a:extLst>
+          </p:cNvPr>
+          <p:cNvPicPr>
+            <a:picLocks noChangeAspect="1"/>
+          </p:cNvPicPr>
+          <p:nvPr/>
+        </p:nvPicPr>
+        <p:blipFill>
+          <a:blip r:embed="rId3"/>
+          <a:stretch>
+            <a:fillRect/>
+          </a:stretch>
+        </p:blipFill>
+        <p:spPr>
+          <a:xfrm>
+            <a:off x="6096000" y="3595976"/>
+            <a:ext cx="5078441" cy="949561"/>
+          </a:xfrm>
+          <a:prstGeom prst="rect">
+            <a:avLst/>
+          </a:prstGeom>
+        </p:spPr>
+      </p:pic>
+      <p:sp>
+        <p:nvSpPr>
+          <p:cNvPr id="6" name="Smiley Face 5">
+            <a:extLst>
+              <a:ext uri="{FF2B5EF4-FFF2-40B4-BE49-F238E27FC236}">
+                <a16:creationId xmlns:a16="http://schemas.microsoft.com/office/drawing/2014/main" id="{C67F0946-18C8-4210-9FC5-F6CC9D35D41A}"/>
+              </a:ext>
+            </a:extLst>
+          </p:cNvPr>
+          <p:cNvSpPr/>
+          <p:nvPr/>
+        </p:nvSpPr>
+        <p:spPr>
+          <a:xfrm>
+            <a:off x="7808181" y="2965837"/>
+            <a:ext cx="516835" cy="463163"/>
+          </a:xfrm>
+          <a:prstGeom prst="smileyFace">
+            <a:avLst/>
+          </a:prstGeom>
+        </p:spPr>
+        <p:style>
+          <a:lnRef idx="2">
+            <a:schemeClr val="accent1">
+              <a:shade val="50000"/>
+            </a:schemeClr>
+          </a:lnRef>
+          <a:fillRef idx="1">
+            <a:schemeClr val="accent1"/>
+          </a:fillRef>
+          <a:effectRef idx="0">
+            <a:schemeClr val="accent1"/>
+          </a:effectRef>
+          <a:fontRef idx="minor">
+            <a:schemeClr val="lt1"/>
+          </a:fontRef>
+        </p:style>
+        <p:txBody>
+          <a:bodyPr rtlCol="0" anchor="ctr"/>
+          <a:lstStyle/>
+          <a:p>
+            <a:pPr algn="ctr"/>
+            <a:endParaRPr lang="en-US"/>
           </a:p>
         </p:txBody>
       </p:sp>
     </p:spTree>
     <p:extLst>
       <p:ext uri="{BB962C8B-B14F-4D97-AF65-F5344CB8AC3E}">
-        <p14:creationId xmlns:p14="http://schemas.microsoft.com/office/powerpoint/2010/main" val="1701570322"/>
+        <p14:creationId xmlns:p14="http://schemas.microsoft.com/office/powerpoint/2010/main" val="3068200223"/>
       </p:ext>
     </p:extLst>
   </p:cSld>
@@ -6024,6 +6205,366 @@
       </p:transition>
     </mc:Fallback>
   </mc:AlternateContent>
+  <p:timing>
+    <p:tnLst>
+      <p:par>
+        <p:cTn id="1" dur="indefinite" restart="never" nodeType="tmRoot">
+          <p:childTnLst>
+            <p:seq concurrent="1" nextAc="seek">
+              <p:cTn id="2" dur="indefinite" nodeType="mainSeq">
+                <p:childTnLst>
+                  <p:par>
+                    <p:cTn id="3" fill="hold">
+                      <p:stCondLst>
+                        <p:cond delay="indefinite"/>
+                      </p:stCondLst>
+                      <p:childTnLst>
+                        <p:par>
+                          <p:cTn id="4" fill="hold">
+                            <p:stCondLst>
+                              <p:cond delay="0"/>
+                            </p:stCondLst>
+                            <p:childTnLst>
+                              <p:par>
+                                <p:cTn id="5" presetID="1" presetClass="entr" presetSubtype="0" fill="hold" nodeType="clickEffect">
+                                  <p:stCondLst>
+                                    <p:cond delay="0"/>
+                                  </p:stCondLst>
+                                  <p:childTnLst>
+                                    <p:set>
+                                      <p:cBhvr>
+                                        <p:cTn id="6" dur="1" fill="hold">
+                                          <p:stCondLst>
+                                            <p:cond delay="0"/>
+                                          </p:stCondLst>
+                                        </p:cTn>
+                                        <p:tgtEl>
+                                          <p:spTgt spid="3"/>
+                                        </p:tgtEl>
+                                        <p:attrNameLst>
+                                          <p:attrName>style.visibility</p:attrName>
+                                        </p:attrNameLst>
+                                      </p:cBhvr>
+                                      <p:to>
+                                        <p:strVal val="visible"/>
+                                      </p:to>
+                                    </p:set>
+                                  </p:childTnLst>
+                                </p:cTn>
+                              </p:par>
+                            </p:childTnLst>
+                          </p:cTn>
+                        </p:par>
+                      </p:childTnLst>
+                    </p:cTn>
+                  </p:par>
+                  <p:par>
+                    <p:cTn id="7" fill="hold">
+                      <p:stCondLst>
+                        <p:cond delay="indefinite"/>
+                      </p:stCondLst>
+                      <p:childTnLst>
+                        <p:par>
+                          <p:cTn id="8" fill="hold">
+                            <p:stCondLst>
+                              <p:cond delay="0"/>
+                            </p:stCondLst>
+                            <p:childTnLst>
+                              <p:par>
+                                <p:cTn id="9" presetID="2" presetClass="entr" presetSubtype="4" fill="hold" grpId="0" nodeType="clickEffect">
+                                  <p:stCondLst>
+                                    <p:cond delay="0"/>
+                                  </p:stCondLst>
+                                  <p:childTnLst>
+                                    <p:set>
+                                      <p:cBhvr>
+                                        <p:cTn id="10" dur="1" fill="hold">
+                                          <p:stCondLst>
+                                            <p:cond delay="0"/>
+                                          </p:stCondLst>
+                                        </p:cTn>
+                                        <p:tgtEl>
+                                          <p:spTgt spid="4"/>
+                                        </p:tgtEl>
+                                        <p:attrNameLst>
+                                          <p:attrName>style.visibility</p:attrName>
+                                        </p:attrNameLst>
+                                      </p:cBhvr>
+                                      <p:to>
+                                        <p:strVal val="visible"/>
+                                      </p:to>
+                                    </p:set>
+                                    <p:anim calcmode="lin" valueType="num">
+                                      <p:cBhvr additive="base">
+                                        <p:cTn id="11" dur="500" fill="hold"/>
+                                        <p:tgtEl>
+                                          <p:spTgt spid="4"/>
+                                        </p:tgtEl>
+                                        <p:attrNameLst>
+                                          <p:attrName>ppt_x</p:attrName>
+                                        </p:attrNameLst>
+                                      </p:cBhvr>
+                                      <p:tavLst>
+                                        <p:tav tm="0">
+                                          <p:val>
+                                            <p:strVal val="#ppt_x"/>
+                                          </p:val>
+                                        </p:tav>
+                                        <p:tav tm="100000">
+                                          <p:val>
+                                            <p:strVal val="#ppt_x"/>
+                                          </p:val>
+                                        </p:tav>
+                                      </p:tavLst>
+                                    </p:anim>
+                                    <p:anim calcmode="lin" valueType="num">
+                                      <p:cBhvr additive="base">
+                                        <p:cTn id="12" dur="500" fill="hold"/>
+                                        <p:tgtEl>
+                                          <p:spTgt spid="4"/>
+                                        </p:tgtEl>
+                                        <p:attrNameLst>
+                                          <p:attrName>ppt_y</p:attrName>
+                                        </p:attrNameLst>
+                                      </p:cBhvr>
+                                      <p:tavLst>
+                                        <p:tav tm="0">
+                                          <p:val>
+                                            <p:strVal val="1+#ppt_h/2"/>
+                                          </p:val>
+                                        </p:tav>
+                                        <p:tav tm="100000">
+                                          <p:val>
+                                            <p:strVal val="#ppt_y"/>
+                                          </p:val>
+                                        </p:tav>
+                                      </p:tavLst>
+                                    </p:anim>
+                                  </p:childTnLst>
+                                </p:cTn>
+                              </p:par>
+                            </p:childTnLst>
+                          </p:cTn>
+                        </p:par>
+                      </p:childTnLst>
+                    </p:cTn>
+                  </p:par>
+                  <p:par>
+                    <p:cTn id="13" fill="hold">
+                      <p:stCondLst>
+                        <p:cond delay="indefinite"/>
+                      </p:stCondLst>
+                      <p:childTnLst>
+                        <p:par>
+                          <p:cTn id="14" fill="hold">
+                            <p:stCondLst>
+                              <p:cond delay="0"/>
+                            </p:stCondLst>
+                            <p:childTnLst>
+                              <p:par>
+                                <p:cTn id="15" presetID="2" presetClass="entr" presetSubtype="4" fill="hold" nodeType="clickEffect">
+                                  <p:stCondLst>
+                                    <p:cond delay="0"/>
+                                  </p:stCondLst>
+                                  <p:childTnLst>
+                                    <p:set>
+                                      <p:cBhvr>
+                                        <p:cTn id="16" dur="1" fill="hold">
+                                          <p:stCondLst>
+                                            <p:cond delay="0"/>
+                                          </p:stCondLst>
+                                        </p:cTn>
+                                        <p:tgtEl>
+                                          <p:spTgt spid="5"/>
+                                        </p:tgtEl>
+                                        <p:attrNameLst>
+                                          <p:attrName>style.visibility</p:attrName>
+                                        </p:attrNameLst>
+                                      </p:cBhvr>
+                                      <p:to>
+                                        <p:strVal val="visible"/>
+                                      </p:to>
+                                    </p:set>
+                                    <p:anim calcmode="lin" valueType="num">
+                                      <p:cBhvr additive="base">
+                                        <p:cTn id="17" dur="500" fill="hold"/>
+                                        <p:tgtEl>
+                                          <p:spTgt spid="5"/>
+                                        </p:tgtEl>
+                                        <p:attrNameLst>
+                                          <p:attrName>ppt_x</p:attrName>
+                                        </p:attrNameLst>
+                                      </p:cBhvr>
+                                      <p:tavLst>
+                                        <p:tav tm="0">
+                                          <p:val>
+                                            <p:strVal val="#ppt_x"/>
+                                          </p:val>
+                                        </p:tav>
+                                        <p:tav tm="100000">
+                                          <p:val>
+                                            <p:strVal val="#ppt_x"/>
+                                          </p:val>
+                                        </p:tav>
+                                      </p:tavLst>
+                                    </p:anim>
+                                    <p:anim calcmode="lin" valueType="num">
+                                      <p:cBhvr additive="base">
+                                        <p:cTn id="18" dur="500" fill="hold"/>
+                                        <p:tgtEl>
+                                          <p:spTgt spid="5"/>
+                                        </p:tgtEl>
+                                        <p:attrNameLst>
+                                          <p:attrName>ppt_y</p:attrName>
+                                        </p:attrNameLst>
+                                      </p:cBhvr>
+                                      <p:tavLst>
+                                        <p:tav tm="0">
+                                          <p:val>
+                                            <p:strVal val="1+#ppt_h/2"/>
+                                          </p:val>
+                                        </p:tav>
+                                        <p:tav tm="100000">
+                                          <p:val>
+                                            <p:strVal val="#ppt_y"/>
+                                          </p:val>
+                                        </p:tav>
+                                      </p:tavLst>
+                                    </p:anim>
+                                  </p:childTnLst>
+                                </p:cTn>
+                              </p:par>
+                            </p:childTnLst>
+                          </p:cTn>
+                        </p:par>
+                      </p:childTnLst>
+                    </p:cTn>
+                  </p:par>
+                  <p:par>
+                    <p:cTn id="19" fill="hold">
+                      <p:stCondLst>
+                        <p:cond delay="indefinite"/>
+                      </p:stCondLst>
+                      <p:childTnLst>
+                        <p:par>
+                          <p:cTn id="20" fill="hold">
+                            <p:stCondLst>
+                              <p:cond delay="0"/>
+                            </p:stCondLst>
+                            <p:childTnLst>
+                              <p:par>
+                                <p:cTn id="21" presetID="45" presetClass="entr" presetSubtype="0" fill="hold" grpId="0" nodeType="clickEffect">
+                                  <p:stCondLst>
+                                    <p:cond delay="0"/>
+                                  </p:stCondLst>
+                                  <p:childTnLst>
+                                    <p:set>
+                                      <p:cBhvr>
+                                        <p:cTn id="22" dur="1" fill="hold">
+                                          <p:stCondLst>
+                                            <p:cond delay="0"/>
+                                          </p:stCondLst>
+                                        </p:cTn>
+                                        <p:tgtEl>
+                                          <p:spTgt spid="6"/>
+                                        </p:tgtEl>
+                                        <p:attrNameLst>
+                                          <p:attrName>style.visibility</p:attrName>
+                                        </p:attrNameLst>
+                                      </p:cBhvr>
+                                      <p:to>
+                                        <p:strVal val="visible"/>
+                                      </p:to>
+                                    </p:set>
+                                    <p:animEffect transition="in" filter="fade">
+                                      <p:cBhvr>
+                                        <p:cTn id="23" dur="2000"/>
+                                        <p:tgtEl>
+                                          <p:spTgt spid="6"/>
+                                        </p:tgtEl>
+                                      </p:cBhvr>
+                                    </p:animEffect>
+                                    <p:anim calcmode="lin" valueType="num">
+                                      <p:cBhvr>
+                                        <p:cTn id="24" dur="2000" fill="hold"/>
+                                        <p:tgtEl>
+                                          <p:spTgt spid="6"/>
+                                        </p:tgtEl>
+                                        <p:attrNameLst>
+                                          <p:attrName>ppt_w</p:attrName>
+                                        </p:attrNameLst>
+                                      </p:cBhvr>
+                                      <p:tavLst>
+                                        <p:tav tm="0" fmla="#ppt_w*sin(2.5*pi*$)">
+                                          <p:val>
+                                            <p:fltVal val="0"/>
+                                          </p:val>
+                                        </p:tav>
+                                        <p:tav tm="100000">
+                                          <p:val>
+                                            <p:fltVal val="1"/>
+                                          </p:val>
+                                        </p:tav>
+                                      </p:tavLst>
+                                    </p:anim>
+                                    <p:anim calcmode="lin" valueType="num">
+                                      <p:cBhvr>
+                                        <p:cTn id="25" dur="2000" fill="hold"/>
+                                        <p:tgtEl>
+                                          <p:spTgt spid="6"/>
+                                        </p:tgtEl>
+                                        <p:attrNameLst>
+                                          <p:attrName>ppt_h</p:attrName>
+                                        </p:attrNameLst>
+                                      </p:cBhvr>
+                                      <p:tavLst>
+                                        <p:tav tm="0">
+                                          <p:val>
+                                            <p:strVal val="#ppt_h"/>
+                                          </p:val>
+                                        </p:tav>
+                                        <p:tav tm="100000">
+                                          <p:val>
+                                            <p:strVal val="#ppt_h"/>
+                                          </p:val>
+                                        </p:tav>
+                                      </p:tavLst>
+                                    </p:anim>
+                                  </p:childTnLst>
+                                </p:cTn>
+                              </p:par>
+                            </p:childTnLst>
+                          </p:cTn>
+                        </p:par>
+                      </p:childTnLst>
+                    </p:cTn>
+                  </p:par>
+                </p:childTnLst>
+              </p:cTn>
+              <p:prevCondLst>
+                <p:cond evt="onPrev" delay="0">
+                  <p:tgtEl>
+                    <p:sldTgt/>
+                  </p:tgtEl>
+                </p:cond>
+              </p:prevCondLst>
+              <p:nextCondLst>
+                <p:cond evt="onNext" delay="0">
+                  <p:tgtEl>
+                    <p:sldTgt/>
+                  </p:tgtEl>
+                </p:cond>
+              </p:nextCondLst>
+            </p:seq>
+          </p:childTnLst>
+        </p:cTn>
+      </p:par>
+    </p:tnLst>
+    <p:bldLst>
+      <p:bldP spid="4" grpId="0" animBg="1"/>
+      <p:bldP spid="6" grpId="0" animBg="1"/>
+    </p:bldLst>
+  </p:timing>
 </p:sld>
 </file>
 
@@ -6046,7 +6587,13 @@
       </p:grpSpPr>
       <p:sp>
         <p:nvSpPr>
-          <p:cNvPr id="2" name="Title 1"/>
+          <p:cNvPr id="2" name="Title 1">
+            <a:extLst>
+              <a:ext uri="{FF2B5EF4-FFF2-40B4-BE49-F238E27FC236}">
+                <a16:creationId xmlns:a16="http://schemas.microsoft.com/office/drawing/2014/main" id="{3669ACB1-A4FB-4CC3-B53E-E41D637572F6}"/>
+              </a:ext>
+            </a:extLst>
+          </p:cNvPr>
           <p:cNvSpPr>
             <a:spLocks noGrp="1"/>
           </p:cNvSpPr>
@@ -6061,58 +6608,121 @@
           <a:p>
             <a:r>
               <a:rPr lang="en-US" dirty="0"/>
-              <a:t>NIO.2 – File Attributes</a:t>
-            </a:r>
-          </a:p>
-        </p:txBody>
-      </p:sp>
-      <p:sp>
-        <p:nvSpPr>
-          <p:cNvPr id="6" name="Text Placeholder 5"/>
-          <p:cNvSpPr>
-            <a:spLocks noGrp="1"/>
-          </p:cNvSpPr>
-          <p:nvPr>
-            <p:ph type="body" sz="half" idx="2"/>
-          </p:nvPr>
-        </p:nvSpPr>
+              <a:t>Project Coin – Diamond syntax</a:t>
+            </a:r>
+          </a:p>
+        </p:txBody>
+      </p:sp>
+      <p:pic>
+        <p:nvPicPr>
+          <p:cNvPr id="3" name="Picture 2">
+            <a:extLst>
+              <a:ext uri="{FF2B5EF4-FFF2-40B4-BE49-F238E27FC236}">
+                <a16:creationId xmlns:a16="http://schemas.microsoft.com/office/drawing/2014/main" id="{DE175BEA-C0ED-42EE-9E39-FA9556793645}"/>
+              </a:ext>
+            </a:extLst>
+          </p:cNvPr>
+          <p:cNvPicPr>
+            <a:picLocks noChangeAspect="1"/>
+          </p:cNvPicPr>
+          <p:nvPr/>
+        </p:nvPicPr>
+        <p:blipFill>
+          <a:blip r:embed="rId2"/>
+          <a:stretch>
+            <a:fillRect/>
+          </a:stretch>
+        </p:blipFill>
         <p:spPr>
           <a:xfrm>
-            <a:off x="1295399" y="1828800"/>
-            <a:ext cx="8840273" cy="4343400"/>
+            <a:off x="773719" y="3555185"/>
+            <a:ext cx="4029075" cy="638175"/>
           </a:xfrm>
+          <a:prstGeom prst="rect">
+            <a:avLst/>
+          </a:prstGeom>
         </p:spPr>
-        <p:txBody>
-          <a:bodyPr/>
-          <a:lstStyle/>
-          <a:p>
-            <a:pPr marL="342900" indent="-342900">
-              <a:buFont typeface="Arial" panose="020B0604020202020204" pitchFamily="34" charset="0"/>
-              <a:buChar char="•"/>
-            </a:pPr>
-            <a:r>
-              <a:rPr lang="en-US" dirty="0" err="1"/>
-              <a:t>FileAttribute</a:t>
-            </a:r>
-            <a:endParaRPr lang="en-US" dirty="0"/>
-          </a:p>
-          <a:p>
-            <a:pPr marL="342900" indent="-342900">
-              <a:buFont typeface="Arial" panose="020B0604020202020204" pitchFamily="34" charset="0"/>
-              <a:buChar char="•"/>
-            </a:pPr>
-            <a:r>
-              <a:rPr lang="en-US" dirty="0" err="1"/>
-              <a:t>PosixFilePermission</a:t>
-            </a:r>
-            <a:endParaRPr lang="en-US" dirty="0"/>
-          </a:p>
-        </p:txBody>
-      </p:sp>
+      </p:pic>
+      <p:sp>
+        <p:nvSpPr>
+          <p:cNvPr id="4" name="Arrow: Right 3">
+            <a:extLst>
+              <a:ext uri="{FF2B5EF4-FFF2-40B4-BE49-F238E27FC236}">
+                <a16:creationId xmlns:a16="http://schemas.microsoft.com/office/drawing/2014/main" id="{867D86F0-FC47-4AF9-B9FB-2AA0F1AAA2ED}"/>
+              </a:ext>
+            </a:extLst>
+          </p:cNvPr>
+          <p:cNvSpPr/>
+          <p:nvPr/>
+        </p:nvSpPr>
+        <p:spPr>
+          <a:xfrm>
+            <a:off x="5096786" y="3697356"/>
+            <a:ext cx="1129085" cy="310101"/>
+          </a:xfrm>
+          <a:prstGeom prst="rightArrow">
+            <a:avLst/>
+          </a:prstGeom>
+        </p:spPr>
+        <p:style>
+          <a:lnRef idx="2">
+            <a:schemeClr val="accent1">
+              <a:shade val="50000"/>
+            </a:schemeClr>
+          </a:lnRef>
+          <a:fillRef idx="1">
+            <a:schemeClr val="accent1"/>
+          </a:fillRef>
+          <a:effectRef idx="0">
+            <a:schemeClr val="accent1"/>
+          </a:effectRef>
+          <a:fontRef idx="minor">
+            <a:schemeClr val="lt1"/>
+          </a:fontRef>
+        </p:style>
+        <p:txBody>
+          <a:bodyPr rtlCol="0" anchor="ctr"/>
+          <a:lstStyle/>
+          <a:p>
+            <a:pPr algn="ctr"/>
+            <a:endParaRPr lang="en-US"/>
+          </a:p>
+        </p:txBody>
+      </p:sp>
+      <p:pic>
+        <p:nvPicPr>
+          <p:cNvPr id="5" name="Picture 4">
+            <a:extLst>
+              <a:ext uri="{FF2B5EF4-FFF2-40B4-BE49-F238E27FC236}">
+                <a16:creationId xmlns:a16="http://schemas.microsoft.com/office/drawing/2014/main" id="{4C7DB157-D09F-4DF3-8821-552D883F4CD1}"/>
+              </a:ext>
+            </a:extLst>
+          </p:cNvPr>
+          <p:cNvPicPr>
+            <a:picLocks noChangeAspect="1"/>
+          </p:cNvPicPr>
+          <p:nvPr/>
+        </p:nvPicPr>
+        <p:blipFill>
+          <a:blip r:embed="rId3"/>
+          <a:stretch>
+            <a:fillRect/>
+          </a:stretch>
+        </p:blipFill>
+        <p:spPr>
+          <a:xfrm>
+            <a:off x="6442089" y="3656501"/>
+            <a:ext cx="4878070" cy="435542"/>
+          </a:xfrm>
+          <a:prstGeom prst="rect">
+            <a:avLst/>
+          </a:prstGeom>
+        </p:spPr>
+      </p:pic>
     </p:spTree>
     <p:extLst>
       <p:ext uri="{BB962C8B-B14F-4D97-AF65-F5344CB8AC3E}">
-        <p14:creationId xmlns:p14="http://schemas.microsoft.com/office/powerpoint/2010/main" val="4129926194"/>
+        <p14:creationId xmlns:p14="http://schemas.microsoft.com/office/powerpoint/2010/main" val="3768861470"/>
       </p:ext>
     </p:extLst>
   </p:cSld>
@@ -6156,7 +6766,7 @@
           <p:cNvPr id="2" name="Title 1">
             <a:extLst>
               <a:ext uri="{FF2B5EF4-FFF2-40B4-BE49-F238E27FC236}">
-                <a16:creationId xmlns:a16="http://schemas.microsoft.com/office/drawing/2014/main" id="{94997889-84CE-4C63-BB17-8C4925657D40}"/>
+                <a16:creationId xmlns:a16="http://schemas.microsoft.com/office/drawing/2014/main" id="{39E83D86-131A-438E-96E5-10C065DE7FA4}"/>
               </a:ext>
             </a:extLst>
           </p:cNvPr>
@@ -6174,58 +6784,15 @@
           <a:p>
             <a:r>
               <a:rPr lang="en-US" dirty="0"/>
-              <a:t>NIO.2 – Working with Directory</a:t>
-            </a:r>
-          </a:p>
-        </p:txBody>
-      </p:sp>
-      <p:sp>
-        <p:nvSpPr>
-          <p:cNvPr id="3" name="Picture Placeholder 2">
-            <a:extLst>
-              <a:ext uri="{FF2B5EF4-FFF2-40B4-BE49-F238E27FC236}">
-                <a16:creationId xmlns:a16="http://schemas.microsoft.com/office/drawing/2014/main" id="{C991ABE5-ABA0-4000-AE08-67AC4B71E221}"/>
-              </a:ext>
-            </a:extLst>
-          </p:cNvPr>
-          <p:cNvSpPr>
-            <a:spLocks noGrp="1"/>
-          </p:cNvSpPr>
-          <p:nvPr>
-            <p:ph type="pic" idx="1"/>
-          </p:nvPr>
-        </p:nvSpPr>
-        <p:spPr/>
-      </p:sp>
-      <p:sp>
-        <p:nvSpPr>
-          <p:cNvPr id="4" name="Text Placeholder 3">
-            <a:extLst>
-              <a:ext uri="{FF2B5EF4-FFF2-40B4-BE49-F238E27FC236}">
-                <a16:creationId xmlns:a16="http://schemas.microsoft.com/office/drawing/2014/main" id="{277F79F8-2268-4356-9107-C78280E04BCF}"/>
-              </a:ext>
-            </a:extLst>
-          </p:cNvPr>
-          <p:cNvSpPr>
-            <a:spLocks noGrp="1"/>
-          </p:cNvSpPr>
-          <p:nvPr>
-            <p:ph type="body" sz="half" idx="2"/>
-          </p:nvPr>
-        </p:nvSpPr>
-        <p:spPr/>
-        <p:txBody>
-          <a:bodyPr/>
-          <a:lstStyle/>
-          <a:p>
-            <a:endParaRPr lang="en-US"/>
+              <a:t>NIO.2</a:t>
+            </a:r>
           </a:p>
         </p:txBody>
       </p:sp>
     </p:spTree>
     <p:extLst>
       <p:ext uri="{BB962C8B-B14F-4D97-AF65-F5344CB8AC3E}">
-        <p14:creationId xmlns:p14="http://schemas.microsoft.com/office/powerpoint/2010/main" val="2333252636"/>
+        <p14:creationId xmlns:p14="http://schemas.microsoft.com/office/powerpoint/2010/main" val="659414118"/>
       </p:ext>
     </p:extLst>
   </p:cSld>
@@ -6266,13 +6833,7 @@
       </p:grpSpPr>
       <p:sp>
         <p:nvSpPr>
-          <p:cNvPr id="2" name="Title 1">
-            <a:extLst>
-              <a:ext uri="{FF2B5EF4-FFF2-40B4-BE49-F238E27FC236}">
-                <a16:creationId xmlns:a16="http://schemas.microsoft.com/office/drawing/2014/main" id="{EAD17433-299D-4D78-B480-59501E7218F1}"/>
-              </a:ext>
-            </a:extLst>
-          </p:cNvPr>
+          <p:cNvPr id="2" name="Title 1"/>
           <p:cNvSpPr>
             <a:spLocks noGrp="1"/>
           </p:cNvSpPr>
@@ -6287,40 +6848,106 @@
           <a:p>
             <a:r>
               <a:rPr lang="en-US" dirty="0"/>
-              <a:t>NIO.2 - glob</a:t>
-            </a:r>
-          </a:p>
-        </p:txBody>
-      </p:sp>
-      <p:sp>
-        <p:nvSpPr>
-          <p:cNvPr id="4" name="Text Placeholder 3">
-            <a:extLst>
-              <a:ext uri="{FF2B5EF4-FFF2-40B4-BE49-F238E27FC236}">
-                <a16:creationId xmlns:a16="http://schemas.microsoft.com/office/drawing/2014/main" id="{687897E2-E03E-424B-8FA9-6DA919D78A31}"/>
-              </a:ext>
-            </a:extLst>
-          </p:cNvPr>
-          <p:cNvSpPr>
-            <a:spLocks noGrp="1"/>
-          </p:cNvSpPr>
-          <p:nvPr>
-            <p:ph type="body" sz="half" idx="2"/>
+              <a:t>NIO2 - Path</a:t>
+            </a:r>
+          </a:p>
+        </p:txBody>
+      </p:sp>
+      <p:sp>
+        <p:nvSpPr>
+          <p:cNvPr id="5" name="Content Placeholder 4"/>
+          <p:cNvSpPr>
+            <a:spLocks noGrp="1"/>
+          </p:cNvSpPr>
+          <p:nvPr>
+            <p:ph idx="1"/>
           </p:nvPr>
         </p:nvSpPr>
         <p:spPr>
           <a:xfrm>
-            <a:off x="1295399" y="1828800"/>
-            <a:ext cx="9198429" cy="4343400"/>
+            <a:off x="1295400" y="4438123"/>
+            <a:ext cx="6126480" cy="2164743"/>
           </a:xfrm>
         </p:spPr>
         <p:txBody>
+          <a:bodyPr>
+            <a:normAutofit/>
+          </a:bodyPr>
+          <a:lstStyle/>
+          <a:p>
+            <a:r>
+              <a:rPr lang="en-US" sz="2000" dirty="0"/>
+              <a:t>JVM only binds a Path to the physical location at runtime</a:t>
+            </a:r>
+          </a:p>
+          <a:p>
+            <a:r>
+              <a:rPr lang="en-US" sz="2000" dirty="0"/>
+              <a:t>This interface extends Watchable interface so that a directory located by a path can be registered with a </a:t>
+            </a:r>
+            <a:r>
+              <a:rPr lang="en-US" sz="2000" dirty="0" err="1"/>
+              <a:t>WatchService</a:t>
+            </a:r>
+            <a:r>
+              <a:rPr lang="en-US" sz="2000" dirty="0"/>
+              <a:t> and entries in the directory watched.</a:t>
+            </a:r>
+          </a:p>
+        </p:txBody>
+      </p:sp>
+      <p:sp>
+        <p:nvSpPr>
+          <p:cNvPr id="6" name="Text Placeholder 5"/>
+          <p:cNvSpPr>
+            <a:spLocks noGrp="1"/>
+          </p:cNvSpPr>
+          <p:nvPr>
+            <p:ph type="body" sz="half" idx="2"/>
+          </p:nvPr>
+        </p:nvSpPr>
+        <p:spPr>
+          <a:xfrm>
+            <a:off x="1295400" y="1828800"/>
+            <a:ext cx="7554402" cy="1868557"/>
+          </a:xfrm>
+        </p:spPr>
+        <p:txBody>
           <a:bodyPr anchor="t"/>
           <a:lstStyle/>
           <a:p>
             <a:r>
               <a:rPr lang="en-US" dirty="0"/>
-              <a:t>You can use glob syntax to specify pattern-matching behavior.</a:t>
+              <a:t>The concept of a location </a:t>
+            </a:r>
+            <a:r>
+              <a:rPr lang="en-US" altLang="zh-CN" dirty="0"/>
+              <a:t>- the Path class is a programmatic representation of a path in the file system. It is the new foundation for file and directory based I/O.</a:t>
+            </a:r>
+          </a:p>
+          <a:p>
+            <a:endParaRPr lang="en-US" dirty="0"/>
+          </a:p>
+          <a:p>
+            <a:r>
+              <a:rPr lang="en-US" dirty="0"/>
+              <a:t>Path </a:t>
+            </a:r>
+            <a:r>
+              <a:rPr lang="en-US" dirty="0" err="1"/>
+              <a:t>path</a:t>
+            </a:r>
+            <a:r>
+              <a:rPr lang="en-US" dirty="0"/>
+              <a:t> = </a:t>
+            </a:r>
+            <a:r>
+              <a:rPr lang="en-US" dirty="0" err="1"/>
+              <a:t>Paths.get</a:t>
+            </a:r>
+            <a:r>
+              <a:rPr lang="en-US" dirty="0"/>
+              <a:t>(“root/element1/element2/…”); </a:t>
             </a:r>
           </a:p>
         </p:txBody>
@@ -6328,7 +6955,7 @@
     </p:spTree>
     <p:extLst>
       <p:ext uri="{BB962C8B-B14F-4D97-AF65-F5344CB8AC3E}">
-        <p14:creationId xmlns:p14="http://schemas.microsoft.com/office/powerpoint/2010/main" val="2806462168"/>
+        <p14:creationId xmlns:p14="http://schemas.microsoft.com/office/powerpoint/2010/main" val="332843759"/>
       </p:ext>
     </p:extLst>
   </p:cSld>
@@ -6369,7 +6996,13 @@
       </p:grpSpPr>
       <p:sp>
         <p:nvSpPr>
-          <p:cNvPr id="2" name="Title 1"/>
+          <p:cNvPr id="2" name="Title 1">
+            <a:extLst>
+              <a:ext uri="{FF2B5EF4-FFF2-40B4-BE49-F238E27FC236}">
+                <a16:creationId xmlns:a16="http://schemas.microsoft.com/office/drawing/2014/main" id="{CB42523A-164F-4150-8CE3-DFD936715F5D}"/>
+              </a:ext>
+            </a:extLst>
+          </p:cNvPr>
           <p:cNvSpPr>
             <a:spLocks noGrp="1"/>
           </p:cNvSpPr>
@@ -6383,16 +7016,21 @@
           <a:lstStyle/>
           <a:p>
             <a:r>
-              <a:rPr lang="en-US" altLang="zh-CN" dirty="0"/>
-              <a:t>NIO.2</a:t>
-            </a:r>
-            <a:endParaRPr lang="zh-CN" altLang="en-US" dirty="0"/>
-          </a:p>
-        </p:txBody>
-      </p:sp>
-      <p:sp>
-        <p:nvSpPr>
-          <p:cNvPr id="4" name="Text Placeholder 3"/>
+              <a:rPr lang="en-US" dirty="0"/>
+              <a:t>NIO.2 - Path</a:t>
+            </a:r>
+          </a:p>
+        </p:txBody>
+      </p:sp>
+      <p:sp>
+        <p:nvSpPr>
+          <p:cNvPr id="4" name="Text Placeholder 3">
+            <a:extLst>
+              <a:ext uri="{FF2B5EF4-FFF2-40B4-BE49-F238E27FC236}">
+                <a16:creationId xmlns:a16="http://schemas.microsoft.com/office/drawing/2014/main" id="{54D76427-09D4-4EFB-91A5-F0E3655734F1}"/>
+              </a:ext>
+            </a:extLst>
+          </p:cNvPr>
           <p:cNvSpPr>
             <a:spLocks noGrp="1"/>
           </p:cNvSpPr>
@@ -6403,7 +7041,7 @@
         <p:spPr>
           <a:xfrm>
             <a:off x="1295400" y="1828800"/>
-            <a:ext cx="9033456" cy="4343400"/>
+            <a:ext cx="9335494" cy="4343400"/>
           </a:xfrm>
         </p:spPr>
         <p:txBody>
@@ -6411,29 +7049,100 @@
           <a:lstStyle/>
           <a:p>
             <a:r>
-              <a:rPr lang="en-US" altLang="zh-CN" dirty="0"/>
-              <a:t>Be careful when writing filesystem-specific code. Always ensure that your logic and exception handling covers the case where your code might run on a </a:t>
-            </a:r>
-            <a:r>
-              <a:rPr lang="en-US" altLang="zh-CN" dirty="0">
-                <a:solidFill>
-                  <a:srgbClr val="FF0000"/>
-                </a:solidFill>
-              </a:rPr>
-              <a:t>different filesystem</a:t>
-            </a:r>
-            <a:r>
-              <a:rPr lang="en-US" altLang="zh-CN" dirty="0"/>
-              <a:t>.</a:t>
-            </a:r>
-            <a:endParaRPr lang="zh-CN" altLang="en-US" dirty="0"/>
+              <a:rPr lang="en-US" dirty="0"/>
+              <a:t>Useful methods (Most of these methods don’t require that the file corresponding to the Path exists.):</a:t>
+            </a:r>
+          </a:p>
+          <a:p>
+            <a:pPr marL="342900" indent="-342900">
+              <a:buFont typeface="Arial" panose="020B0604020202020204" pitchFamily="34" charset="0"/>
+              <a:buChar char="•"/>
+            </a:pPr>
+            <a:r>
+              <a:rPr lang="en-US" dirty="0" err="1"/>
+              <a:t>getFileName</a:t>
+            </a:r>
+            <a:r>
+              <a:rPr lang="en-US" dirty="0"/>
+              <a:t>()</a:t>
+            </a:r>
+          </a:p>
+          <a:p>
+            <a:pPr marL="342900" indent="-342900">
+              <a:buFont typeface="Arial" panose="020B0604020202020204" pitchFamily="34" charset="0"/>
+              <a:buChar char="•"/>
+            </a:pPr>
+            <a:r>
+              <a:rPr lang="en-US" dirty="0" err="1"/>
+              <a:t>getName</a:t>
+            </a:r>
+            <a:r>
+              <a:rPr lang="en-US" dirty="0"/>
+              <a:t>(index)</a:t>
+            </a:r>
+          </a:p>
+          <a:p>
+            <a:pPr marL="342900" indent="-342900">
+              <a:buFont typeface="Arial" panose="020B0604020202020204" pitchFamily="34" charset="0"/>
+              <a:buChar char="•"/>
+            </a:pPr>
+            <a:r>
+              <a:rPr lang="en-US" dirty="0" err="1"/>
+              <a:t>getNameCount</a:t>
+            </a:r>
+            <a:r>
+              <a:rPr lang="en-US" dirty="0"/>
+              <a:t>()</a:t>
+            </a:r>
+          </a:p>
+          <a:p>
+            <a:pPr marL="342900" indent="-342900">
+              <a:buFont typeface="Arial" panose="020B0604020202020204" pitchFamily="34" charset="0"/>
+              <a:buChar char="•"/>
+            </a:pPr>
+            <a:r>
+              <a:rPr lang="en-US" dirty="0" err="1"/>
+              <a:t>Subpath</a:t>
+            </a:r>
+            <a:r>
+              <a:rPr lang="en-US" dirty="0"/>
+              <a:t>(start index, end index)</a:t>
+            </a:r>
+          </a:p>
+          <a:p>
+            <a:pPr marL="342900" indent="-342900">
+              <a:buFont typeface="Arial" panose="020B0604020202020204" pitchFamily="34" charset="0"/>
+              <a:buChar char="•"/>
+            </a:pPr>
+            <a:r>
+              <a:rPr lang="en-US" dirty="0" err="1"/>
+              <a:t>getParent</a:t>
+            </a:r>
+            <a:r>
+              <a:rPr lang="en-US" dirty="0"/>
+              <a:t>()</a:t>
+            </a:r>
+          </a:p>
+          <a:p>
+            <a:pPr marL="342900" indent="-342900">
+              <a:buFont typeface="Arial" panose="020B0604020202020204" pitchFamily="34" charset="0"/>
+              <a:buChar char="•"/>
+            </a:pPr>
+            <a:r>
+              <a:rPr lang="en-US" dirty="0" err="1"/>
+              <a:t>getRoot</a:t>
+            </a:r>
+            <a:r>
+              <a:rPr lang="en-US" dirty="0"/>
+              <a:t>()</a:t>
+            </a:r>
           </a:p>
         </p:txBody>
       </p:sp>
     </p:spTree>
     <p:extLst>
       <p:ext uri="{BB962C8B-B14F-4D97-AF65-F5344CB8AC3E}">
-        <p14:creationId xmlns:p14="http://schemas.microsoft.com/office/powerpoint/2010/main" val="468490017"/>
+        <p14:creationId xmlns:p14="http://schemas.microsoft.com/office/powerpoint/2010/main" val="3826145360"/>
       </p:ext>
     </p:extLst>
   </p:cSld>
@@ -6474,7 +7183,13 @@
       </p:grpSpPr>
       <p:sp>
         <p:nvSpPr>
-          <p:cNvPr id="2" name="Title 1"/>
+          <p:cNvPr id="2" name="Title 1">
+            <a:extLst>
+              <a:ext uri="{FF2B5EF4-FFF2-40B4-BE49-F238E27FC236}">
+                <a16:creationId xmlns:a16="http://schemas.microsoft.com/office/drawing/2014/main" id="{7217AECF-E06C-4F73-852F-5B67C0BFCC32}"/>
+              </a:ext>
+            </a:extLst>
+          </p:cNvPr>
           <p:cNvSpPr>
             <a:spLocks noGrp="1"/>
           </p:cNvSpPr>
@@ -6488,16 +7203,21 @@
           <a:lstStyle/>
           <a:p>
             <a:r>
-              <a:rPr lang="en-US" altLang="zh-CN" dirty="0"/>
-              <a:t>Reading and writing files</a:t>
-            </a:r>
-            <a:endParaRPr lang="zh-CN" altLang="en-US" dirty="0"/>
-          </a:p>
-        </p:txBody>
-      </p:sp>
-      <p:sp>
-        <p:nvSpPr>
-          <p:cNvPr id="4" name="Text Placeholder 3"/>
+              <a:rPr lang="en-US" dirty="0"/>
+              <a:t>NIO.2 - Path</a:t>
+            </a:r>
+          </a:p>
+        </p:txBody>
+      </p:sp>
+      <p:sp>
+        <p:nvSpPr>
+          <p:cNvPr id="4" name="Text Placeholder 3">
+            <a:extLst>
+              <a:ext uri="{FF2B5EF4-FFF2-40B4-BE49-F238E27FC236}">
+                <a16:creationId xmlns:a16="http://schemas.microsoft.com/office/drawing/2014/main" id="{1F11D423-4250-4A6E-9239-AB66ED39ECD6}"/>
+              </a:ext>
+            </a:extLst>
+          </p:cNvPr>
           <p:cNvSpPr>
             <a:spLocks noGrp="1"/>
           </p:cNvSpPr>
@@ -6508,41 +7228,21 @@
         <p:spPr>
           <a:xfrm>
             <a:off x="1295400" y="1828800"/>
-            <a:ext cx="4659086" cy="4343400"/>
+            <a:ext cx="9601200" cy="4343400"/>
           </a:xfrm>
         </p:spPr>
         <p:txBody>
-          <a:bodyPr/>
-          <a:lstStyle/>
-          <a:p>
-            <a:r>
-              <a:rPr lang="en-US" altLang="zh-CN" dirty="0"/>
-              <a:t>Provide bridge to </a:t>
-            </a:r>
-            <a:r>
-              <a:rPr lang="en-US" altLang="zh-CN" dirty="0" err="1"/>
-              <a:t>io</a:t>
-            </a:r>
-            <a:endParaRPr lang="en-US" altLang="zh-CN" dirty="0"/>
-          </a:p>
+          <a:bodyPr anchor="t"/>
+          <a:lstStyle/>
           <a:p>
             <a:pPr marL="342900" indent="-342900">
               <a:buFont typeface="Arial" panose="020B0604020202020204" pitchFamily="34" charset="0"/>
               <a:buChar char="•"/>
             </a:pPr>
             <a:r>
-              <a:rPr lang="en-US" altLang="zh-CN" dirty="0" err="1"/>
-              <a:t>BufferReader</a:t>
-            </a:r>
-            <a:r>
-              <a:rPr lang="en-US" altLang="zh-CN" dirty="0"/>
-              <a:t> and </a:t>
-            </a:r>
-            <a:r>
-              <a:rPr lang="en-US" altLang="zh-CN" dirty="0" err="1"/>
-              <a:t>BufferWriter</a:t>
-            </a:r>
-            <a:endParaRPr lang="en-US" altLang="zh-CN" dirty="0"/>
+              <a:rPr lang="en-US" dirty="0"/>
+              <a:t>normalize()</a:t>
+            </a:r>
           </a:p>
           <a:p>
             <a:pPr marL="342900" indent="-342900">
@@ -6550,30 +7250,43 @@
               <a:buChar char="•"/>
             </a:pPr>
             <a:r>
-              <a:rPr lang="en-US" altLang="zh-CN" dirty="0" err="1"/>
-              <a:t>InputStream</a:t>
-            </a:r>
-            <a:r>
-              <a:rPr lang="en-US" altLang="zh-CN" dirty="0"/>
-              <a:t> and </a:t>
-            </a:r>
-            <a:r>
-              <a:rPr lang="en-US" altLang="zh-CN" dirty="0" err="1"/>
-              <a:t>OutputStream</a:t>
-            </a:r>
-            <a:endParaRPr lang="en-US" altLang="zh-CN" dirty="0"/>
+              <a:rPr lang="en-US" dirty="0" err="1"/>
+              <a:t>toAbsolutePath</a:t>
+            </a:r>
+            <a:endParaRPr lang="en-US" dirty="0"/>
           </a:p>
           <a:p>
             <a:pPr marL="342900" indent="-342900">
               <a:buFont typeface="Arial" panose="020B0604020202020204" pitchFamily="34" charset="0"/>
               <a:buChar char="•"/>
             </a:pPr>
-            <a:endParaRPr lang="en-US" altLang="zh-CN" dirty="0"/>
-          </a:p>
-          <a:p>
-            <a:r>
-              <a:rPr lang="en-US" altLang="zh-CN" dirty="0"/>
-              <a:t>Provide new reading and writing</a:t>
+            <a:r>
+              <a:rPr lang="en-US" dirty="0" err="1"/>
+              <a:t>toRealPath</a:t>
+            </a:r>
+            <a:r>
+              <a:rPr lang="en-US" dirty="0"/>
+              <a:t>() combines </a:t>
+            </a:r>
+            <a:r>
+              <a:rPr lang="en-US" dirty="0" err="1"/>
+              <a:t>toAbsolutePath</a:t>
+            </a:r>
+            <a:r>
+              <a:rPr lang="en-US" dirty="0"/>
+              <a:t>() and normalize() and could resolve symbolic links. </a:t>
+            </a:r>
+            <a:r>
+              <a:rPr lang="en-US" dirty="0">
+                <a:highlight>
+                  <a:srgbClr val="FFFF00"/>
+                </a:highlight>
+              </a:rPr>
+              <a:t>This method will check the existence and availability of the file</a:t>
+            </a:r>
+            <a:r>
+              <a:rPr lang="en-US" dirty="0"/>
+              <a:t>.</a:t>
             </a:r>
           </a:p>
           <a:p>
@@ -6582,64 +7295,67 @@
               <a:buChar char="•"/>
             </a:pPr>
             <a:r>
-              <a:rPr lang="en-US" altLang="zh-CN" dirty="0" err="1"/>
-              <a:t>Files.readAllLines</a:t>
-            </a:r>
-            <a:endParaRPr lang="zh-CN" altLang="en-US" dirty="0"/>
-          </a:p>
-        </p:txBody>
-      </p:sp>
-      <p:pic>
-        <p:nvPicPr>
-          <p:cNvPr id="3074" name="Picture 2" descr="Line drawing with file I/O methods arranged from least complex (on the left) to most complex (on the right).">
-            <a:extLst>
-              <a:ext uri="{FF2B5EF4-FFF2-40B4-BE49-F238E27FC236}">
-                <a16:creationId xmlns:a16="http://schemas.microsoft.com/office/drawing/2014/main" id="{D70B1AB6-4682-4ABC-AF3A-6891165B9662}"/>
-              </a:ext>
-            </a:extLst>
-          </p:cNvPr>
-          <p:cNvPicPr>
-            <a:picLocks noChangeAspect="1" noChangeArrowheads="1"/>
-          </p:cNvPicPr>
-          <p:nvPr/>
-        </p:nvPicPr>
-        <p:blipFill>
-          <a:blip r:embed="rId2">
-            <a:extLst>
-              <a:ext uri="{28A0092B-C50C-407E-A947-70E740481C1C}">
-                <a14:useLocalDpi xmlns:a14="http://schemas.microsoft.com/office/drawing/2010/main" val="0"/>
-              </a:ext>
-            </a:extLst>
-          </a:blip>
-          <a:srcRect/>
-          <a:stretch>
-            <a:fillRect/>
-          </a:stretch>
-        </p:blipFill>
-        <p:spPr bwMode="auto">
-          <a:xfrm>
-            <a:off x="6345692" y="2773136"/>
-            <a:ext cx="4333875" cy="2247900"/>
-          </a:xfrm>
-          <a:prstGeom prst="rect">
-            <a:avLst/>
-          </a:prstGeom>
-          <a:noFill/>
-          <a:extLst>
-            <a:ext uri="{909E8E84-426E-40DD-AFC4-6F175D3DCCD1}">
-              <a14:hiddenFill xmlns:a14="http://schemas.microsoft.com/office/drawing/2010/main">
-                <a:solidFill>
-                  <a:srgbClr val="FFFFFF"/>
-                </a:solidFill>
-              </a14:hiddenFill>
-            </a:ext>
-          </a:extLst>
-        </p:spPr>
-      </p:pic>
+              <a:rPr lang="en-US" dirty="0"/>
+              <a:t>resolve()</a:t>
+            </a:r>
+          </a:p>
+          <a:p>
+            <a:pPr marL="342900" indent="-342900">
+              <a:buFont typeface="Arial" panose="020B0604020202020204" pitchFamily="34" charset="0"/>
+              <a:buChar char="•"/>
+            </a:pPr>
+            <a:r>
+              <a:rPr lang="en-US" dirty="0"/>
+              <a:t>relativize()</a:t>
+            </a:r>
+          </a:p>
+          <a:p>
+            <a:pPr marL="342900" indent="-342900">
+              <a:buFont typeface="Arial" panose="020B0604020202020204" pitchFamily="34" charset="0"/>
+              <a:buChar char="•"/>
+            </a:pPr>
+            <a:r>
+              <a:rPr lang="en-US" dirty="0"/>
+              <a:t>Support equals, </a:t>
+            </a:r>
+            <a:r>
+              <a:rPr lang="en-US" dirty="0" err="1"/>
+              <a:t>startsWith</a:t>
+            </a:r>
+            <a:r>
+              <a:rPr lang="en-US" dirty="0"/>
+              <a:t> and </a:t>
+            </a:r>
+            <a:r>
+              <a:rPr lang="en-US" dirty="0" err="1"/>
+              <a:t>endWith</a:t>
+            </a:r>
+            <a:endParaRPr lang="en-US" dirty="0"/>
+          </a:p>
+          <a:p>
+            <a:pPr marL="342900" indent="-342900">
+              <a:buFont typeface="Arial" panose="020B0604020202020204" pitchFamily="34" charset="0"/>
+              <a:buChar char="•"/>
+            </a:pPr>
+            <a:r>
+              <a:rPr lang="en-US" dirty="0"/>
+              <a:t>Path also implements the </a:t>
+            </a:r>
+            <a:r>
+              <a:rPr lang="en-US" dirty="0" err="1"/>
+              <a:t>Iterable</a:t>
+            </a:r>
+            <a:r>
+              <a:rPr lang="en-US" dirty="0"/>
+              <a:t>. You can iterate over the name elements in the path through iterator.</a:t>
+            </a:r>
+          </a:p>
+        </p:txBody>
+      </p:sp>
     </p:spTree>
     <p:extLst>
       <p:ext uri="{BB962C8B-B14F-4D97-AF65-F5344CB8AC3E}">
-        <p14:creationId xmlns:p14="http://schemas.microsoft.com/office/powerpoint/2010/main" val="2958266849"/>
+        <p14:creationId xmlns:p14="http://schemas.microsoft.com/office/powerpoint/2010/main" val="1701570322"/>
       </p:ext>
     </p:extLst>
   </p:cSld>
@@ -6680,13 +7396,7 @@
       </p:grpSpPr>
       <p:sp>
         <p:nvSpPr>
-          <p:cNvPr id="2" name="Title 1">
-            <a:extLst>
-              <a:ext uri="{FF2B5EF4-FFF2-40B4-BE49-F238E27FC236}">
-                <a16:creationId xmlns:a16="http://schemas.microsoft.com/office/drawing/2014/main" id="{FB6B6309-1B43-4FE4-B3DF-81662EF73AE1}"/>
-              </a:ext>
-            </a:extLst>
-          </p:cNvPr>
+          <p:cNvPr id="2" name="Title 1"/>
           <p:cNvSpPr>
             <a:spLocks noGrp="1"/>
           </p:cNvSpPr>
@@ -6701,20 +7411,14 @@
           <a:p>
             <a:r>
               <a:rPr lang="en-US" dirty="0"/>
-              <a:t>NIO.2 – Reading and writing Files</a:t>
-            </a:r>
-          </a:p>
-        </p:txBody>
-      </p:sp>
-      <p:sp>
-        <p:nvSpPr>
-          <p:cNvPr id="4" name="Text Placeholder 3">
-            <a:extLst>
-              <a:ext uri="{FF2B5EF4-FFF2-40B4-BE49-F238E27FC236}">
-                <a16:creationId xmlns:a16="http://schemas.microsoft.com/office/drawing/2014/main" id="{E5EC84D1-DE77-4087-843A-D69611EB5CF2}"/>
-              </a:ext>
-            </a:extLst>
-          </p:cNvPr>
+              <a:t>NIO.2 – File Operation and File Attributes</a:t>
+            </a:r>
+          </a:p>
+        </p:txBody>
+      </p:sp>
+      <p:sp>
+        <p:nvSpPr>
+          <p:cNvPr id="6" name="Text Placeholder 5"/>
           <p:cNvSpPr>
             <a:spLocks noGrp="1"/>
           </p:cNvSpPr>
@@ -6724,19 +7428,13 @@
         </p:nvSpPr>
         <p:spPr>
           <a:xfrm>
-            <a:off x="914401" y="1828800"/>
-            <a:ext cx="4060370" cy="4343400"/>
+            <a:off x="1295399" y="1828800"/>
+            <a:ext cx="8840273" cy="4343400"/>
           </a:xfrm>
         </p:spPr>
         <p:txBody>
-          <a:bodyPr anchor="t"/>
-          <a:lstStyle/>
-          <a:p>
-            <a:r>
-              <a:rPr lang="en-US" dirty="0"/>
-              <a:t>For small Files:</a:t>
-            </a:r>
-          </a:p>
+          <a:bodyPr/>
+          <a:lstStyle/>
           <a:p>
             <a:pPr marL="342900" indent="-342900">
               <a:buFont typeface="Arial" panose="020B0604020202020204" pitchFamily="34" charset="0"/>
@@ -6744,11 +7442,19 @@
             </a:pPr>
             <a:r>
               <a:rPr lang="en-US" dirty="0" err="1"/>
-              <a:t>Files.readAllBytes</a:t>
-            </a:r>
-            <a:r>
-              <a:rPr lang="en-US" dirty="0"/>
-              <a:t>(Path)</a:t>
+              <a:t>Files.createFile</a:t>
+            </a:r>
+            <a:r>
+              <a:rPr lang="en-US" dirty="0"/>
+              <a:t>(path, </a:t>
+            </a:r>
+            <a:r>
+              <a:rPr lang="en-US" dirty="0" err="1"/>
+              <a:t>attr</a:t>
+            </a:r>
+            <a:r>
+              <a:rPr lang="en-US" dirty="0"/>
+              <a:t>)</a:t>
             </a:r>
           </a:p>
           <a:p>
@@ -6758,11 +7464,11 @@
             </a:pPr>
             <a:r>
               <a:rPr lang="en-US" dirty="0" err="1"/>
-              <a:t>Files.readAllLines</a:t>
-            </a:r>
-            <a:r>
-              <a:rPr lang="en-US" dirty="0"/>
-              <a:t>(Path, Charset)</a:t>
+              <a:t>Files.delete</a:t>
+            </a:r>
+            <a:r>
+              <a:rPr lang="en-US" dirty="0"/>
+              <a:t>(path)</a:t>
             </a:r>
           </a:p>
           <a:p>
@@ -6772,11 +7478,11 @@
             </a:pPr>
             <a:r>
               <a:rPr lang="en-US" dirty="0" err="1"/>
-              <a:t>Files.write</a:t>
-            </a:r>
-            <a:r>
-              <a:rPr lang="en-US" dirty="0"/>
-              <a:t>(Path, byte[])</a:t>
+              <a:t>Files.copy</a:t>
+            </a:r>
+            <a:r>
+              <a:rPr lang="en-US" dirty="0"/>
+              <a:t>(path, path)</a:t>
             </a:r>
           </a:p>
           <a:p>
@@ -6786,234 +7492,11 @@
             </a:pPr>
             <a:r>
               <a:rPr lang="en-US" dirty="0" err="1"/>
-              <a:t>Files.write</a:t>
-            </a:r>
-            <a:r>
-              <a:rPr lang="en-US" dirty="0"/>
-              <a:t>(Path, </a:t>
-            </a:r>
-            <a:r>
-              <a:rPr lang="en-US" dirty="0" err="1"/>
-              <a:t>Iterable</a:t>
-            </a:r>
-            <a:r>
-              <a:rPr lang="en-US" dirty="0"/>
-              <a:t>&lt;? </a:t>
-            </a:r>
-            <a:r>
-              <a:rPr lang="en-US" dirty="0" err="1"/>
-              <a:t>Extens</a:t>
-            </a:r>
-            <a:r>
-              <a:rPr lang="en-US" dirty="0"/>
-              <a:t> </a:t>
-            </a:r>
-            <a:r>
-              <a:rPr lang="en-US" dirty="0" err="1"/>
-              <a:t>CharSequence</a:t>
-            </a:r>
-            <a:r>
-              <a:rPr lang="en-US" dirty="0"/>
-              <a:t>&gt;)</a:t>
-            </a:r>
-          </a:p>
-        </p:txBody>
-      </p:sp>
-      <p:sp>
-        <p:nvSpPr>
-          <p:cNvPr id="5" name="Text Placeholder 3">
-            <a:extLst>
-              <a:ext uri="{FF2B5EF4-FFF2-40B4-BE49-F238E27FC236}">
-                <a16:creationId xmlns:a16="http://schemas.microsoft.com/office/drawing/2014/main" id="{0691994D-4ABA-4694-983A-0AF72FC1CA7A}"/>
-              </a:ext>
-            </a:extLst>
-          </p:cNvPr>
-          <p:cNvSpPr txBox="1">
-            <a:spLocks/>
-          </p:cNvSpPr>
-          <p:nvPr/>
-        </p:nvSpPr>
-        <p:spPr>
-          <a:xfrm>
-            <a:off x="6096000" y="1828800"/>
-            <a:ext cx="4691743" cy="2209800"/>
-          </a:xfrm>
-          <a:prstGeom prst="rect">
-            <a:avLst/>
-          </a:prstGeom>
-        </p:spPr>
-        <p:txBody>
-          <a:bodyPr vert="horz" lIns="91440" tIns="45720" rIns="91440" bIns="45720" rtlCol="0" anchor="t">
-            <a:normAutofit/>
-          </a:bodyPr>
-          <a:lstStyle>
-            <a:lvl1pPr marL="0" indent="0" algn="l" defTabSz="914400" rtl="0" eaLnBrk="1" latinLnBrk="0" hangingPunct="1">
-              <a:lnSpc>
-                <a:spcPct val="90000"/>
-              </a:lnSpc>
-              <a:spcBef>
-                <a:spcPts val="1200"/>
-              </a:spcBef>
-              <a:buFont typeface="Arial" panose="020B0604020202020204" pitchFamily="34" charset="0"/>
-              <a:buNone/>
-              <a:defRPr sz="2000" kern="1200">
-                <a:solidFill>
-                  <a:schemeClr val="tx1"/>
-                </a:solidFill>
-                <a:latin typeface="+mn-lt"/>
-                <a:ea typeface="+mn-ea"/>
-                <a:cs typeface="+mn-cs"/>
-              </a:defRPr>
-            </a:lvl1pPr>
-            <a:lvl2pPr marL="457200" indent="0" algn="l" defTabSz="914400" rtl="0" eaLnBrk="1" latinLnBrk="0" hangingPunct="1">
-              <a:lnSpc>
-                <a:spcPct val="90000"/>
-              </a:lnSpc>
-              <a:spcBef>
-                <a:spcPts val="1000"/>
-              </a:spcBef>
-              <a:buFont typeface="Arial" panose="020B0604020202020204" pitchFamily="34" charset="0"/>
-              <a:buNone/>
-              <a:defRPr sz="1400" kern="1200">
-                <a:solidFill>
-                  <a:schemeClr val="tx1"/>
-                </a:solidFill>
-                <a:latin typeface="+mn-lt"/>
-                <a:ea typeface="+mn-ea"/>
-                <a:cs typeface="+mn-cs"/>
-              </a:defRPr>
-            </a:lvl2pPr>
-            <a:lvl3pPr marL="914400" indent="0" algn="l" defTabSz="914400" rtl="0" eaLnBrk="1" latinLnBrk="0" hangingPunct="1">
-              <a:lnSpc>
-                <a:spcPct val="90000"/>
-              </a:lnSpc>
-              <a:spcBef>
-                <a:spcPts val="800"/>
-              </a:spcBef>
-              <a:buFont typeface="Arial" panose="020B0604020202020204" pitchFamily="34" charset="0"/>
-              <a:buNone/>
-              <a:defRPr sz="1200" kern="1200">
-                <a:solidFill>
-                  <a:schemeClr val="tx1"/>
-                </a:solidFill>
-                <a:latin typeface="+mn-lt"/>
-                <a:ea typeface="+mn-ea"/>
-                <a:cs typeface="+mn-cs"/>
-              </a:defRPr>
-            </a:lvl3pPr>
-            <a:lvl4pPr marL="1371600" indent="0" algn="l" defTabSz="914400" rtl="0" eaLnBrk="1" latinLnBrk="0" hangingPunct="1">
-              <a:lnSpc>
-                <a:spcPct val="90000"/>
-              </a:lnSpc>
-              <a:spcBef>
-                <a:spcPts val="800"/>
-              </a:spcBef>
-              <a:buFont typeface="Arial" panose="020B0604020202020204" pitchFamily="34" charset="0"/>
-              <a:buNone/>
-              <a:defRPr sz="1000" kern="1200">
-                <a:solidFill>
-                  <a:schemeClr val="tx1"/>
-                </a:solidFill>
-                <a:latin typeface="+mn-lt"/>
-                <a:ea typeface="+mn-ea"/>
-                <a:cs typeface="+mn-cs"/>
-              </a:defRPr>
-            </a:lvl4pPr>
-            <a:lvl5pPr marL="1828800" indent="0" algn="l" defTabSz="914400" rtl="0" eaLnBrk="1" latinLnBrk="0" hangingPunct="1">
-              <a:lnSpc>
-                <a:spcPct val="90000"/>
-              </a:lnSpc>
-              <a:spcBef>
-                <a:spcPts val="800"/>
-              </a:spcBef>
-              <a:buFont typeface="Arial" panose="020B0604020202020204" pitchFamily="34" charset="0"/>
-              <a:buNone/>
-              <a:defRPr sz="1000" kern="1200">
-                <a:solidFill>
-                  <a:schemeClr val="tx1"/>
-                </a:solidFill>
-                <a:latin typeface="+mn-lt"/>
-                <a:ea typeface="+mn-ea"/>
-                <a:cs typeface="+mn-cs"/>
-              </a:defRPr>
-            </a:lvl5pPr>
-            <a:lvl6pPr marL="2286000" indent="0" algn="l" defTabSz="914400" rtl="0" eaLnBrk="1" latinLnBrk="0" hangingPunct="1">
-              <a:lnSpc>
-                <a:spcPct val="90000"/>
-              </a:lnSpc>
-              <a:spcBef>
-                <a:spcPts val="800"/>
-              </a:spcBef>
-              <a:buFont typeface="Arial" panose="020B0604020202020204" pitchFamily="34" charset="0"/>
-              <a:buNone/>
-              <a:defRPr sz="1000" kern="1200">
-                <a:solidFill>
-                  <a:schemeClr val="tx1"/>
-                </a:solidFill>
-                <a:latin typeface="+mn-lt"/>
-                <a:ea typeface="+mn-ea"/>
-                <a:cs typeface="+mn-cs"/>
-              </a:defRPr>
-            </a:lvl6pPr>
-            <a:lvl7pPr marL="2743200" indent="0" algn="l" defTabSz="914400" rtl="0" eaLnBrk="1" latinLnBrk="0" hangingPunct="1">
-              <a:lnSpc>
-                <a:spcPct val="90000"/>
-              </a:lnSpc>
-              <a:spcBef>
-                <a:spcPts val="800"/>
-              </a:spcBef>
-              <a:buFont typeface="Arial" panose="020B0604020202020204" pitchFamily="34" charset="0"/>
-              <a:buNone/>
-              <a:defRPr sz="1000" kern="1200">
-                <a:solidFill>
-                  <a:schemeClr val="tx1"/>
-                </a:solidFill>
-                <a:latin typeface="+mn-lt"/>
-                <a:ea typeface="+mn-ea"/>
-                <a:cs typeface="+mn-cs"/>
-              </a:defRPr>
-            </a:lvl7pPr>
-            <a:lvl8pPr marL="3200400" indent="0" algn="l" defTabSz="914400" rtl="0" eaLnBrk="1" latinLnBrk="0" hangingPunct="1">
-              <a:lnSpc>
-                <a:spcPct val="90000"/>
-              </a:lnSpc>
-              <a:spcBef>
-                <a:spcPts val="800"/>
-              </a:spcBef>
-              <a:buFont typeface="Arial" panose="020B0604020202020204" pitchFamily="34" charset="0"/>
-              <a:buNone/>
-              <a:defRPr sz="1000" kern="1200">
-                <a:solidFill>
-                  <a:schemeClr val="tx1"/>
-                </a:solidFill>
-                <a:latin typeface="+mn-lt"/>
-                <a:ea typeface="+mn-ea"/>
-                <a:cs typeface="+mn-cs"/>
-              </a:defRPr>
-            </a:lvl8pPr>
-            <a:lvl9pPr marL="3657600" indent="0" algn="l" defTabSz="914400" rtl="0" eaLnBrk="1" latinLnBrk="0" hangingPunct="1">
-              <a:lnSpc>
-                <a:spcPct val="90000"/>
-              </a:lnSpc>
-              <a:spcBef>
-                <a:spcPts val="800"/>
-              </a:spcBef>
-              <a:buFont typeface="Arial" panose="020B0604020202020204" pitchFamily="34" charset="0"/>
-              <a:buNone/>
-              <a:defRPr sz="1000" kern="1200">
-                <a:solidFill>
-                  <a:schemeClr val="tx1"/>
-                </a:solidFill>
-                <a:latin typeface="+mn-lt"/>
-                <a:ea typeface="+mn-ea"/>
-                <a:cs typeface="+mn-cs"/>
-              </a:defRPr>
-            </a:lvl9pPr>
-          </a:lstStyle>
-          <a:p>
-            <a:r>
-              <a:rPr lang="en-US" dirty="0"/>
-              <a:t>Buffered I/O for text file:</a:t>
+              <a:t>Files.move</a:t>
+            </a:r>
+            <a:r>
+              <a:rPr lang="en-US" dirty="0"/>
+              <a:t>(path, path)</a:t>
             </a:r>
           </a:p>
           <a:p>
@@ -7022,16 +7505,12 @@
               <a:buChar char="•"/>
             </a:pPr>
             <a:r>
-              <a:rPr lang="en-US" dirty="0"/>
-              <a:t>Files. </a:t>
-            </a:r>
-            <a:r>
               <a:rPr lang="en-US" dirty="0" err="1"/>
-              <a:t>newBufferedReader</a:t>
-            </a:r>
-            <a:r>
-              <a:rPr lang="en-US" dirty="0"/>
-              <a:t>(Path, Charset)</a:t>
+              <a:t>BasicFileAttributes</a:t>
+            </a:r>
+            <a:r>
+              <a:rPr lang="en-US" dirty="0"/>
+              <a:t> defines the common set of attributes most filesystems support</a:t>
             </a:r>
           </a:p>
           <a:p>
@@ -7040,275 +7519,12 @@
               <a:buChar char="•"/>
             </a:pPr>
             <a:r>
-              <a:rPr lang="en-US" dirty="0"/>
-              <a:t>Files. </a:t>
-            </a:r>
-            <a:r>
               <a:rPr lang="en-US" dirty="0" err="1"/>
-              <a:t>newBufferedWriter</a:t>
-            </a:r>
-            <a:r>
-              <a:rPr lang="en-US" dirty="0"/>
-              <a:t>(Path, Charset, </a:t>
-            </a:r>
-            <a:r>
-              <a:rPr lang="en-US" dirty="0" err="1"/>
-              <a:t>OpenOption</a:t>
-            </a:r>
-            <a:r>
-              <a:rPr lang="en-US" dirty="0"/>
-              <a:t>...)</a:t>
-            </a:r>
-          </a:p>
-        </p:txBody>
-      </p:sp>
-      <p:sp>
-        <p:nvSpPr>
-          <p:cNvPr id="7" name="Text Placeholder 3">
-            <a:extLst>
-              <a:ext uri="{FF2B5EF4-FFF2-40B4-BE49-F238E27FC236}">
-                <a16:creationId xmlns:a16="http://schemas.microsoft.com/office/drawing/2014/main" id="{2E7F0CBC-D0B7-4920-943E-48B9333F3CD2}"/>
-              </a:ext>
-            </a:extLst>
-          </p:cNvPr>
-          <p:cNvSpPr txBox="1">
-            <a:spLocks/>
-          </p:cNvSpPr>
-          <p:nvPr/>
-        </p:nvSpPr>
-        <p:spPr>
-          <a:xfrm>
-            <a:off x="6096000" y="3788229"/>
-            <a:ext cx="4691743" cy="2209800"/>
-          </a:xfrm>
-          <a:prstGeom prst="rect">
-            <a:avLst/>
-          </a:prstGeom>
-        </p:spPr>
-        <p:txBody>
-          <a:bodyPr vert="horz" lIns="91440" tIns="45720" rIns="91440" bIns="45720" rtlCol="0" anchor="t">
-            <a:normAutofit/>
-          </a:bodyPr>
-          <a:lstStyle>
-            <a:lvl1pPr marL="0" indent="0" algn="l" defTabSz="914400" rtl="0" eaLnBrk="1" latinLnBrk="0" hangingPunct="1">
-              <a:lnSpc>
-                <a:spcPct val="90000"/>
-              </a:lnSpc>
-              <a:spcBef>
-                <a:spcPts val="1200"/>
-              </a:spcBef>
-              <a:buFont typeface="Arial" panose="020B0604020202020204" pitchFamily="34" charset="0"/>
-              <a:buNone/>
-              <a:defRPr sz="2000" kern="1200">
-                <a:solidFill>
-                  <a:schemeClr val="tx1"/>
-                </a:solidFill>
-                <a:latin typeface="+mn-lt"/>
-                <a:ea typeface="+mn-ea"/>
-                <a:cs typeface="+mn-cs"/>
-              </a:defRPr>
-            </a:lvl1pPr>
-            <a:lvl2pPr marL="457200" indent="0" algn="l" defTabSz="914400" rtl="0" eaLnBrk="1" latinLnBrk="0" hangingPunct="1">
-              <a:lnSpc>
-                <a:spcPct val="90000"/>
-              </a:lnSpc>
-              <a:spcBef>
-                <a:spcPts val="1000"/>
-              </a:spcBef>
-              <a:buFont typeface="Arial" panose="020B0604020202020204" pitchFamily="34" charset="0"/>
-              <a:buNone/>
-              <a:defRPr sz="1400" kern="1200">
-                <a:solidFill>
-                  <a:schemeClr val="tx1"/>
-                </a:solidFill>
-                <a:latin typeface="+mn-lt"/>
-                <a:ea typeface="+mn-ea"/>
-                <a:cs typeface="+mn-cs"/>
-              </a:defRPr>
-            </a:lvl2pPr>
-            <a:lvl3pPr marL="914400" indent="0" algn="l" defTabSz="914400" rtl="0" eaLnBrk="1" latinLnBrk="0" hangingPunct="1">
-              <a:lnSpc>
-                <a:spcPct val="90000"/>
-              </a:lnSpc>
-              <a:spcBef>
-                <a:spcPts val="800"/>
-              </a:spcBef>
-              <a:buFont typeface="Arial" panose="020B0604020202020204" pitchFamily="34" charset="0"/>
-              <a:buNone/>
-              <a:defRPr sz="1200" kern="1200">
-                <a:solidFill>
-                  <a:schemeClr val="tx1"/>
-                </a:solidFill>
-                <a:latin typeface="+mn-lt"/>
-                <a:ea typeface="+mn-ea"/>
-                <a:cs typeface="+mn-cs"/>
-              </a:defRPr>
-            </a:lvl3pPr>
-            <a:lvl4pPr marL="1371600" indent="0" algn="l" defTabSz="914400" rtl="0" eaLnBrk="1" latinLnBrk="0" hangingPunct="1">
-              <a:lnSpc>
-                <a:spcPct val="90000"/>
-              </a:lnSpc>
-              <a:spcBef>
-                <a:spcPts val="800"/>
-              </a:spcBef>
-              <a:buFont typeface="Arial" panose="020B0604020202020204" pitchFamily="34" charset="0"/>
-              <a:buNone/>
-              <a:defRPr sz="1000" kern="1200">
-                <a:solidFill>
-                  <a:schemeClr val="tx1"/>
-                </a:solidFill>
-                <a:latin typeface="+mn-lt"/>
-                <a:ea typeface="+mn-ea"/>
-                <a:cs typeface="+mn-cs"/>
-              </a:defRPr>
-            </a:lvl4pPr>
-            <a:lvl5pPr marL="1828800" indent="0" algn="l" defTabSz="914400" rtl="0" eaLnBrk="1" latinLnBrk="0" hangingPunct="1">
-              <a:lnSpc>
-                <a:spcPct val="90000"/>
-              </a:lnSpc>
-              <a:spcBef>
-                <a:spcPts val="800"/>
-              </a:spcBef>
-              <a:buFont typeface="Arial" panose="020B0604020202020204" pitchFamily="34" charset="0"/>
-              <a:buNone/>
-              <a:defRPr sz="1000" kern="1200">
-                <a:solidFill>
-                  <a:schemeClr val="tx1"/>
-                </a:solidFill>
-                <a:latin typeface="+mn-lt"/>
-                <a:ea typeface="+mn-ea"/>
-                <a:cs typeface="+mn-cs"/>
-              </a:defRPr>
-            </a:lvl5pPr>
-            <a:lvl6pPr marL="2286000" indent="0" algn="l" defTabSz="914400" rtl="0" eaLnBrk="1" latinLnBrk="0" hangingPunct="1">
-              <a:lnSpc>
-                <a:spcPct val="90000"/>
-              </a:lnSpc>
-              <a:spcBef>
-                <a:spcPts val="800"/>
-              </a:spcBef>
-              <a:buFont typeface="Arial" panose="020B0604020202020204" pitchFamily="34" charset="0"/>
-              <a:buNone/>
-              <a:defRPr sz="1000" kern="1200">
-                <a:solidFill>
-                  <a:schemeClr val="tx1"/>
-                </a:solidFill>
-                <a:latin typeface="+mn-lt"/>
-                <a:ea typeface="+mn-ea"/>
-                <a:cs typeface="+mn-cs"/>
-              </a:defRPr>
-            </a:lvl6pPr>
-            <a:lvl7pPr marL="2743200" indent="0" algn="l" defTabSz="914400" rtl="0" eaLnBrk="1" latinLnBrk="0" hangingPunct="1">
-              <a:lnSpc>
-                <a:spcPct val="90000"/>
-              </a:lnSpc>
-              <a:spcBef>
-                <a:spcPts val="800"/>
-              </a:spcBef>
-              <a:buFont typeface="Arial" panose="020B0604020202020204" pitchFamily="34" charset="0"/>
-              <a:buNone/>
-              <a:defRPr sz="1000" kern="1200">
-                <a:solidFill>
-                  <a:schemeClr val="tx1"/>
-                </a:solidFill>
-                <a:latin typeface="+mn-lt"/>
-                <a:ea typeface="+mn-ea"/>
-                <a:cs typeface="+mn-cs"/>
-              </a:defRPr>
-            </a:lvl7pPr>
-            <a:lvl8pPr marL="3200400" indent="0" algn="l" defTabSz="914400" rtl="0" eaLnBrk="1" latinLnBrk="0" hangingPunct="1">
-              <a:lnSpc>
-                <a:spcPct val="90000"/>
-              </a:lnSpc>
-              <a:spcBef>
-                <a:spcPts val="800"/>
-              </a:spcBef>
-              <a:buFont typeface="Arial" panose="020B0604020202020204" pitchFamily="34" charset="0"/>
-              <a:buNone/>
-              <a:defRPr sz="1000" kern="1200">
-                <a:solidFill>
-                  <a:schemeClr val="tx1"/>
-                </a:solidFill>
-                <a:latin typeface="+mn-lt"/>
-                <a:ea typeface="+mn-ea"/>
-                <a:cs typeface="+mn-cs"/>
-              </a:defRPr>
-            </a:lvl8pPr>
-            <a:lvl9pPr marL="3657600" indent="0" algn="l" defTabSz="914400" rtl="0" eaLnBrk="1" latinLnBrk="0" hangingPunct="1">
-              <a:lnSpc>
-                <a:spcPct val="90000"/>
-              </a:lnSpc>
-              <a:spcBef>
-                <a:spcPts val="800"/>
-              </a:spcBef>
-              <a:buFont typeface="Arial" panose="020B0604020202020204" pitchFamily="34" charset="0"/>
-              <a:buNone/>
-              <a:defRPr sz="1000" kern="1200">
-                <a:solidFill>
-                  <a:schemeClr val="tx1"/>
-                </a:solidFill>
-                <a:latin typeface="+mn-lt"/>
-                <a:ea typeface="+mn-ea"/>
-                <a:cs typeface="+mn-cs"/>
-              </a:defRPr>
-            </a:lvl9pPr>
-          </a:lstStyle>
-          <a:p>
-            <a:r>
-              <a:rPr lang="en-US" dirty="0"/>
-              <a:t>Interoperable with Streams:</a:t>
-            </a:r>
-          </a:p>
-          <a:p>
-            <a:pPr marL="342900" indent="-342900">
-              <a:buFont typeface="Arial" panose="020B0604020202020204" pitchFamily="34" charset="0"/>
-              <a:buChar char="•"/>
-            </a:pPr>
-            <a:r>
-              <a:rPr lang="en-US" dirty="0"/>
-              <a:t>Files. </a:t>
-            </a:r>
-            <a:r>
-              <a:rPr lang="en-US" dirty="0" err="1"/>
-              <a:t>newInputStream</a:t>
-            </a:r>
-            <a:r>
-              <a:rPr lang="en-US" dirty="0"/>
-              <a:t>(Path, </a:t>
-            </a:r>
-            <a:r>
-              <a:rPr lang="en-US" dirty="0" err="1"/>
-              <a:t>OpenOption</a:t>
-            </a:r>
-            <a:r>
-              <a:rPr lang="en-US" dirty="0"/>
-              <a:t>...)</a:t>
-            </a:r>
-          </a:p>
-          <a:p>
-            <a:pPr marL="342900" indent="-342900">
-              <a:buFont typeface="Arial" panose="020B0604020202020204" pitchFamily="34" charset="0"/>
-              <a:buChar char="•"/>
-            </a:pPr>
-            <a:r>
-              <a:rPr lang="en-US" dirty="0"/>
-              <a:t>Files. </a:t>
-            </a:r>
-            <a:r>
-              <a:rPr lang="en-US" dirty="0" err="1"/>
-              <a:t>newOutputStream</a:t>
-            </a:r>
-            <a:r>
-              <a:rPr lang="en-US" dirty="0"/>
-              <a:t>(Path, </a:t>
-            </a:r>
-            <a:r>
-              <a:rPr lang="en-US" dirty="0" err="1"/>
-              <a:t>OpenOption</a:t>
-            </a:r>
-            <a:r>
-              <a:rPr lang="en-US" dirty="0"/>
-              <a:t>...)</a:t>
+              <a:t>java.nio.file.attribute</a:t>
+            </a:r>
+            <a:r>
+              <a:rPr lang="en-US" dirty="0"/>
+              <a:t> package contains a list of provided file permission classes</a:t>
             </a:r>
           </a:p>
         </p:txBody>
@@ -7316,7 +7532,7 @@
     </p:spTree>
     <p:extLst>
       <p:ext uri="{BB962C8B-B14F-4D97-AF65-F5344CB8AC3E}">
-        <p14:creationId xmlns:p14="http://schemas.microsoft.com/office/powerpoint/2010/main" val="2300574560"/>
+        <p14:creationId xmlns:p14="http://schemas.microsoft.com/office/powerpoint/2010/main" val="4129926194"/>
       </p:ext>
     </p:extLst>
   </p:cSld>
@@ -7360,7 +7576,7 @@
           <p:cNvPr id="2" name="Title 1">
             <a:extLst>
               <a:ext uri="{FF2B5EF4-FFF2-40B4-BE49-F238E27FC236}">
-                <a16:creationId xmlns:a16="http://schemas.microsoft.com/office/drawing/2014/main" id="{FF050BE1-54A9-45DF-97FE-984D44C678C6}"/>
+                <a16:creationId xmlns:a16="http://schemas.microsoft.com/office/drawing/2014/main" id="{94997889-84CE-4C63-BB17-8C4925657D40}"/>
               </a:ext>
             </a:extLst>
           </p:cNvPr>
@@ -7378,13 +7594,8 @@
           <a:p>
             <a:r>
               <a:rPr lang="en-US" dirty="0"/>
-              <a:t>NIO.2 – Channels and </a:t>
-            </a:r>
-            <a:r>
-              <a:rPr lang="en-US" dirty="0" err="1"/>
-              <a:t>ByteBuffers</a:t>
-            </a:r>
-            <a:endParaRPr lang="en-US" dirty="0"/>
+              <a:t>NIO.2 – Working with Directory</a:t>
+            </a:r>
           </a:p>
         </p:txBody>
       </p:sp>
@@ -7393,7 +7604,7 @@
           <p:cNvPr id="4" name="Text Placeholder 3">
             <a:extLst>
               <a:ext uri="{FF2B5EF4-FFF2-40B4-BE49-F238E27FC236}">
-                <a16:creationId xmlns:a16="http://schemas.microsoft.com/office/drawing/2014/main" id="{10633700-EED0-4694-9D28-13C45254A123}"/>
+                <a16:creationId xmlns:a16="http://schemas.microsoft.com/office/drawing/2014/main" id="{277F79F8-2268-4356-9107-C78280E04BCF}"/>
               </a:ext>
             </a:extLst>
           </p:cNvPr>
@@ -7406,100 +7617,75 @@
         </p:nvSpPr>
         <p:spPr>
           <a:xfrm>
-            <a:off x="1295400" y="1828800"/>
-            <a:ext cx="9296400" cy="4343400"/>
+            <a:off x="1295399" y="1828800"/>
+            <a:ext cx="9133115" cy="4343400"/>
           </a:xfrm>
         </p:spPr>
         <p:txBody>
-          <a:bodyPr anchor="t"/>
-          <a:lstStyle/>
-          <a:p>
-            <a:r>
-              <a:rPr lang="en-US" dirty="0"/>
-              <a:t>Channel I/O reads a buffer at a time. The </a:t>
-            </a:r>
+          <a:bodyPr/>
+          <a:lstStyle/>
+          <a:p>
+            <a:pPr marL="342900" indent="-342900">
+              <a:buFont typeface="Arial" panose="020B0604020202020204" pitchFamily="34" charset="0"/>
+              <a:buChar char="•"/>
+            </a:pPr>
             <a:r>
               <a:rPr lang="en-US" dirty="0" err="1"/>
-              <a:t>ByteChannel</a:t>
-            </a:r>
-            <a:r>
-              <a:rPr lang="en-US" dirty="0"/>
-              <a:t> interface </a:t>
+              <a:t>DirectoryStream</a:t>
+            </a:r>
+            <a:endParaRPr lang="en-US" dirty="0"/>
+          </a:p>
+          <a:p>
+            <a:r>
+              <a:rPr lang="en-US" dirty="0"/>
+              <a:t>      Iterate over entries in a directory. </a:t>
             </a:r>
             <a:r>
               <a:rPr lang="en-US" dirty="0" err="1"/>
-              <a:t>provices</a:t>
-            </a:r>
-            <a:r>
-              <a:rPr lang="en-US" dirty="0"/>
-              <a:t> basic read and write functionality. </a:t>
-            </a:r>
-          </a:p>
-          <a:p>
-            <a:r>
-              <a:rPr lang="en-US" dirty="0"/>
-              <a:t>Example: </a:t>
-            </a:r>
+              <a:t>Files.newDirectoryStream</a:t>
+            </a:r>
+            <a:r>
+              <a:rPr lang="en-US" dirty="0"/>
+              <a:t>(path,   glob)</a:t>
+            </a:r>
+          </a:p>
+          <a:p>
+            <a:endParaRPr lang="en-US" dirty="0"/>
+          </a:p>
+          <a:p>
+            <a:pPr marL="342900" indent="-342900">
+              <a:buFont typeface="Arial" panose="020B0604020202020204" pitchFamily="34" charset="0"/>
+              <a:buChar char="•"/>
+            </a:pPr>
             <a:r>
               <a:rPr lang="en-US" dirty="0" err="1"/>
-              <a:t>SeekableByteChannel</a:t>
-            </a:r>
-            <a:r>
-              <a:rPr lang="en-US" dirty="0"/>
-              <a:t> – a </a:t>
+              <a:t>Files.walkFileTree</a:t>
+            </a:r>
+            <a:r>
+              <a:rPr lang="en-US" dirty="0"/>
+              <a:t>(path, </a:t>
             </a:r>
             <a:r>
               <a:rPr lang="en-US" dirty="0" err="1"/>
-              <a:t>ByteChannel</a:t>
-            </a:r>
-            <a:r>
-              <a:rPr lang="en-US" dirty="0"/>
-              <a:t> that can maintain a position in the channel and to change the position.</a:t>
-            </a:r>
-          </a:p>
-          <a:p>
-            <a:endParaRPr lang="en-US" dirty="0"/>
-          </a:p>
-          <a:p>
-            <a:r>
-              <a:rPr lang="en-US" dirty="0"/>
-              <a:t>The </a:t>
+              <a:t>FileVisitor</a:t>
+            </a:r>
+            <a:r>
+              <a:rPr lang="en-US" dirty="0"/>
+              <a:t>&lt;&gt;)</a:t>
+            </a:r>
+          </a:p>
+          <a:p>
+            <a:r>
+              <a:rPr lang="en-US" dirty="0"/>
+              <a:t>      Walking the directory tree recursively. Need to implement </a:t>
             </a:r>
             <a:r>
               <a:rPr lang="en-US" dirty="0" err="1"/>
-              <a:t>newByteChannel</a:t>
-            </a:r>
-            <a:r>
-              <a:rPr lang="en-US" dirty="0"/>
-              <a:t> methods return an instance of a </a:t>
-            </a:r>
-            <a:r>
-              <a:rPr lang="en-US" dirty="0" err="1"/>
-              <a:t>SeekableByteChannel</a:t>
-            </a:r>
-            <a:r>
-              <a:rPr lang="en-US" dirty="0"/>
-              <a:t>. With a default file system, you can cast this </a:t>
-            </a:r>
-            <a:r>
-              <a:rPr lang="en-US" dirty="0" err="1"/>
-              <a:t>seekable</a:t>
-            </a:r>
-            <a:r>
-              <a:rPr lang="en-US" dirty="0"/>
-              <a:t> byte channel to a </a:t>
-            </a:r>
-            <a:r>
-              <a:rPr lang="en-US" dirty="0" err="1">
-                <a:highlight>
-                  <a:srgbClr val="FFFF00"/>
-                </a:highlight>
-              </a:rPr>
-              <a:t>FileChannel</a:t>
-            </a:r>
-            <a:r>
-              <a:rPr lang="en-US" dirty="0"/>
-              <a:t> providing access to more advanced features such mapping a region of the file directly into memory for faster access, locking a region of the file so other processes cannot access it, or reading and writing bytes from an absolute position without affecting the channel's current position.</a:t>
+              <a:t>FileVisitor</a:t>
+            </a:r>
+            <a:r>
+              <a:rPr lang="en-US" dirty="0"/>
+              <a:t>.</a:t>
             </a:r>
           </a:p>
         </p:txBody>
@@ -7507,7 +7693,7 @@
     </p:spTree>
     <p:extLst>
       <p:ext uri="{BB962C8B-B14F-4D97-AF65-F5344CB8AC3E}">
-        <p14:creationId xmlns:p14="http://schemas.microsoft.com/office/powerpoint/2010/main" val="3947858273"/>
+        <p14:creationId xmlns:p14="http://schemas.microsoft.com/office/powerpoint/2010/main" val="2333252636"/>
       </p:ext>
     </p:extLst>
   </p:cSld>
@@ -7548,7 +7734,13 @@
       </p:grpSpPr>
       <p:sp>
         <p:nvSpPr>
-          <p:cNvPr id="2" name="Title 1"/>
+          <p:cNvPr id="2" name="Title 1">
+            <a:extLst>
+              <a:ext uri="{FF2B5EF4-FFF2-40B4-BE49-F238E27FC236}">
+                <a16:creationId xmlns:a16="http://schemas.microsoft.com/office/drawing/2014/main" id="{EAD17433-299D-4D78-B480-59501E7218F1}"/>
+              </a:ext>
+            </a:extLst>
+          </p:cNvPr>
           <p:cNvSpPr>
             <a:spLocks noGrp="1"/>
           </p:cNvSpPr>
@@ -7562,16 +7754,21 @@
           <a:lstStyle/>
           <a:p>
             <a:r>
-              <a:rPr lang="en-US" altLang="zh-CN" dirty="0"/>
-              <a:t>File change notification</a:t>
-            </a:r>
-            <a:endParaRPr lang="zh-CN" altLang="en-US" dirty="0"/>
-          </a:p>
-        </p:txBody>
-      </p:sp>
-      <p:sp>
-        <p:nvSpPr>
-          <p:cNvPr id="4" name="Text Placeholder 3"/>
+              <a:rPr lang="en-US" dirty="0"/>
+              <a:t>NIO.2 - glob</a:t>
+            </a:r>
+          </a:p>
+        </p:txBody>
+      </p:sp>
+      <p:sp>
+        <p:nvSpPr>
+          <p:cNvPr id="4" name="Text Placeholder 3">
+            <a:extLst>
+              <a:ext uri="{FF2B5EF4-FFF2-40B4-BE49-F238E27FC236}">
+                <a16:creationId xmlns:a16="http://schemas.microsoft.com/office/drawing/2014/main" id="{687897E2-E03E-424B-8FA9-6DA919D78A31}"/>
+              </a:ext>
+            </a:extLst>
+          </p:cNvPr>
           <p:cNvSpPr>
             <a:spLocks noGrp="1"/>
           </p:cNvSpPr>
@@ -7581,39 +7778,40 @@
         </p:nvSpPr>
         <p:spPr>
           <a:xfrm>
-            <a:off x="1295400" y="1828800"/>
-            <a:ext cx="9329670" cy="4343400"/>
+            <a:off x="1295399" y="1828800"/>
+            <a:ext cx="9198429" cy="4343400"/>
           </a:xfrm>
         </p:spPr>
         <p:txBody>
-          <a:bodyPr/>
-          <a:lstStyle/>
-          <a:p>
-            <a:r>
-              <a:rPr lang="en-US" altLang="zh-CN" dirty="0"/>
-              <a:t>Event notification: This class uses client threads to keep an eye on registered files or directories for changes, and will return an event when a change is detected.</a:t>
-            </a:r>
-          </a:p>
-          <a:p>
-            <a:endParaRPr lang="en-US" altLang="zh-CN" dirty="0"/>
-          </a:p>
-          <a:p>
-            <a:r>
-              <a:rPr lang="en-US" altLang="zh-CN" dirty="0"/>
-              <a:t>Good </a:t>
-            </a:r>
-            <a:r>
-              <a:rPr lang="en-US" altLang="zh-CN"/>
-              <a:t>to replace polling mechanisms</a:t>
-            </a:r>
-            <a:endParaRPr lang="zh-CN" altLang="en-US" dirty="0"/>
+          <a:bodyPr anchor="t"/>
+          <a:lstStyle/>
+          <a:p>
+            <a:r>
+              <a:rPr lang="en-US" dirty="0"/>
+              <a:t>A glob pattern is specified as a string and is matched against other strings, such as directory or file names. It’s something like wildcard</a:t>
+            </a:r>
+          </a:p>
+          <a:p>
+            <a:r>
+              <a:rPr lang="en-US" dirty="0"/>
+              <a:t>You can use glob syntax to specify pattern-matching behavior.</a:t>
+            </a:r>
+          </a:p>
+          <a:p>
+            <a:endParaRPr lang="en-US" dirty="0"/>
+          </a:p>
+          <a:p>
+            <a:r>
+              <a:rPr lang="en-US" dirty="0"/>
+              <a:t>Examples: “*.html” , “???”, “a?*.java”</a:t>
+            </a:r>
           </a:p>
         </p:txBody>
       </p:sp>
     </p:spTree>
     <p:extLst>
       <p:ext uri="{BB962C8B-B14F-4D97-AF65-F5344CB8AC3E}">
-        <p14:creationId xmlns:p14="http://schemas.microsoft.com/office/powerpoint/2010/main" val="179790003"/>
+        <p14:creationId xmlns:p14="http://schemas.microsoft.com/office/powerpoint/2010/main" val="2806462168"/>
       </p:ext>
     </p:extLst>
   </p:cSld>
@@ -7669,7 +7867,7 @@
           <a:p>
             <a:r>
               <a:rPr lang="en-US" dirty="0"/>
-              <a:t>Contents</a:t>
+              <a:t>Agenda</a:t>
             </a:r>
           </a:p>
         </p:txBody>
@@ -7684,21 +7882,86 @@
             <p:ph idx="1"/>
           </p:nvPr>
         </p:nvSpPr>
-        <p:spPr/>
-        <p:txBody>
-          <a:bodyPr/>
-          <a:lstStyle/>
-          <a:p>
-            <a:r>
-              <a:rPr lang="en-US" dirty="0"/>
+        <p:spPr>
+          <a:xfrm>
+            <a:off x="1295400" y="1654629"/>
+            <a:ext cx="9601200" cy="4948237"/>
+          </a:xfrm>
+        </p:spPr>
+        <p:txBody>
+          <a:bodyPr>
+            <a:normAutofit/>
+          </a:bodyPr>
+          <a:lstStyle/>
+          <a:p>
+            <a:pPr marL="0" indent="0">
+              <a:buNone/>
+            </a:pPr>
+            <a:r>
+              <a:rPr lang="en-US" sz="2000" dirty="0"/>
               <a:t>Introducing Java 7</a:t>
             </a:r>
           </a:p>
           <a:p>
             <a:r>
-              <a:rPr lang="en-US" dirty="0"/>
+              <a:rPr lang="en-US" sz="2000" dirty="0"/>
+              <a:t>Project Coin</a:t>
+            </a:r>
+          </a:p>
+          <a:p>
+            <a:r>
+              <a:rPr lang="en-US" sz="2000" dirty="0"/>
+              <a:t>Small changes brought by Project Coin</a:t>
+            </a:r>
+          </a:p>
+          <a:p>
+            <a:pPr marL="0" indent="0">
+              <a:buNone/>
+            </a:pPr>
+            <a:r>
+              <a:rPr lang="en-US" sz="2000" dirty="0"/>
               <a:t>NIO2</a:t>
             </a:r>
+          </a:p>
+          <a:p>
+            <a:r>
+              <a:rPr lang="en-US" sz="2000" dirty="0"/>
+              <a:t>Path</a:t>
+            </a:r>
+          </a:p>
+          <a:p>
+            <a:r>
+              <a:rPr lang="en-US" sz="2000" dirty="0"/>
+              <a:t>File Operations and File Attributes</a:t>
+            </a:r>
+          </a:p>
+          <a:p>
+            <a:r>
+              <a:rPr lang="en-US" sz="2000" dirty="0"/>
+              <a:t>Working with Directory</a:t>
+            </a:r>
+          </a:p>
+          <a:p>
+            <a:r>
+              <a:rPr lang="en-US" sz="2000" dirty="0"/>
+              <a:t>Reading and writing files</a:t>
+            </a:r>
+          </a:p>
+          <a:p>
+            <a:r>
+              <a:rPr lang="en-US" sz="2000" dirty="0" err="1"/>
+              <a:t>WatchService</a:t>
+            </a:r>
+            <a:endParaRPr lang="en-US" sz="2000" dirty="0"/>
+          </a:p>
+          <a:p>
+            <a:r>
+              <a:rPr lang="en-US" sz="2000" dirty="0"/>
+              <a:t>Asynchronous I/O</a:t>
+            </a:r>
+          </a:p>
+          <a:p>
+            <a:endParaRPr lang="en-US" sz="2000" dirty="0"/>
           </a:p>
         </p:txBody>
       </p:sp>
@@ -7746,13 +8009,7 @@
       </p:grpSpPr>
       <p:sp>
         <p:nvSpPr>
-          <p:cNvPr id="2" name="Title 1">
-            <a:extLst>
-              <a:ext uri="{FF2B5EF4-FFF2-40B4-BE49-F238E27FC236}">
-                <a16:creationId xmlns:a16="http://schemas.microsoft.com/office/drawing/2014/main" id="{F6DC4B06-1BDF-47F0-9A4A-4961F384F3D2}"/>
-              </a:ext>
-            </a:extLst>
-          </p:cNvPr>
+          <p:cNvPr id="2" name="Title 1"/>
           <p:cNvSpPr>
             <a:spLocks noGrp="1"/>
           </p:cNvSpPr>
@@ -7765,19 +8022,17 @@
           <a:bodyPr/>
           <a:lstStyle/>
           <a:p>
-            <a:endParaRPr lang="en-US" dirty="0"/>
-          </a:p>
-        </p:txBody>
-      </p:sp>
-      <p:sp>
-        <p:nvSpPr>
-          <p:cNvPr id="4" name="Text Placeholder 3">
-            <a:extLst>
-              <a:ext uri="{FF2B5EF4-FFF2-40B4-BE49-F238E27FC236}">
-                <a16:creationId xmlns:a16="http://schemas.microsoft.com/office/drawing/2014/main" id="{38094C3B-9979-4597-B5B1-9B42168D528B}"/>
-              </a:ext>
-            </a:extLst>
-          </p:cNvPr>
+            <a:r>
+              <a:rPr lang="en-US" altLang="zh-CN" dirty="0"/>
+              <a:t>NIO.2</a:t>
+            </a:r>
+            <a:endParaRPr lang="zh-CN" altLang="en-US" dirty="0"/>
+          </a:p>
+        </p:txBody>
+      </p:sp>
+      <p:sp>
+        <p:nvSpPr>
+          <p:cNvPr id="4" name="Text Placeholder 3"/>
           <p:cNvSpPr>
             <a:spLocks noGrp="1"/>
           </p:cNvSpPr>
@@ -7787,95 +8042,38 @@
         </p:nvSpPr>
         <p:spPr>
           <a:xfrm>
-            <a:off x="1295399" y="1828800"/>
-            <a:ext cx="9685351" cy="4343400"/>
+            <a:off x="1295400" y="1828800"/>
+            <a:ext cx="9033456" cy="4343400"/>
           </a:xfrm>
         </p:spPr>
         <p:txBody>
-          <a:bodyPr anchor="t">
-            <a:normAutofit/>
-          </a:bodyPr>
-          <a:lstStyle/>
-          <a:p>
-            <a:r>
-              <a:rPr lang="en-US" sz="1600" dirty="0"/>
-              <a:t>Use </a:t>
-            </a:r>
-            <a:r>
-              <a:rPr lang="en-US" sz="1600" dirty="0" err="1"/>
-              <a:t>WatchService</a:t>
-            </a:r>
-            <a:r>
-              <a:rPr lang="en-US" sz="1600" dirty="0"/>
-              <a:t> to monitor directory:</a:t>
-            </a:r>
-          </a:p>
-          <a:p>
-            <a:pPr marL="342900" indent="-342900">
-              <a:buFont typeface="Arial" panose="020B0604020202020204" pitchFamily="34" charset="0"/>
-              <a:buChar char="•"/>
-            </a:pPr>
-            <a:r>
-              <a:rPr lang="en-US" sz="1600" dirty="0"/>
-              <a:t>Watchable object</a:t>
-            </a:r>
-          </a:p>
-          <a:p>
-            <a:pPr marL="342900" indent="-342900">
-              <a:buFont typeface="Arial" panose="020B0604020202020204" pitchFamily="34" charset="0"/>
-              <a:buChar char="•"/>
-            </a:pPr>
-            <a:r>
-              <a:rPr lang="en-US" sz="1600" dirty="0" err="1"/>
-              <a:t>WatchKey</a:t>
-            </a:r>
-            <a:endParaRPr lang="en-US" sz="1600" dirty="0"/>
-          </a:p>
-          <a:p>
-            <a:endParaRPr lang="en-US" sz="1600" dirty="0"/>
-          </a:p>
-          <a:p>
-            <a:r>
-              <a:rPr lang="en-US" sz="1600" dirty="0"/>
-              <a:t>A watch service is safe for use by multiple concurrent consumers. To ensure that only one consumer processes the events for a particular object at any time then care should be taken to ensure that the key's reset method is only invoked after its events have been processed.</a:t>
-            </a:r>
-          </a:p>
-          <a:p>
-            <a:r>
-              <a:rPr lang="en-US" sz="1600" dirty="0"/>
-              <a:t>ready—(event happen)-&gt;signaled—(reset)-&gt;ready</a:t>
-            </a:r>
-          </a:p>
-          <a:p>
-            <a:r>
-              <a:rPr lang="en-US" sz="1600" dirty="0"/>
-              <a:t>The key remains valid until:</a:t>
-            </a:r>
-          </a:p>
-          <a:p>
-            <a:r>
-              <a:rPr lang="en-US" sz="1600" dirty="0"/>
-              <a:t>1. It is cancelled, explicitly, by invoking its cancel method, or</a:t>
-            </a:r>
-          </a:p>
-          <a:p>
-            <a:r>
-              <a:rPr lang="en-US" sz="1600" dirty="0"/>
-              <a:t>2. Cancelled implicitly, because the object is no longer accessible, or</a:t>
-            </a:r>
-          </a:p>
-          <a:p>
-            <a:r>
-              <a:rPr lang="en-US" sz="1600" dirty="0"/>
-              <a:t>3. By closing the watch service.</a:t>
-            </a:r>
+          <a:bodyPr anchor="t"/>
+          <a:lstStyle/>
+          <a:p>
+            <a:r>
+              <a:rPr lang="en-US" altLang="zh-CN" dirty="0"/>
+              <a:t>Be careful when writing filesystem-specific code. Always ensure that your logic and exception handling covers the case where your code might run on a </a:t>
+            </a:r>
+            <a:r>
+              <a:rPr lang="en-US" altLang="zh-CN" dirty="0">
+                <a:solidFill>
+                  <a:srgbClr val="FF0000"/>
+                </a:solidFill>
+              </a:rPr>
+              <a:t>different filesystem</a:t>
+            </a:r>
+            <a:r>
+              <a:rPr lang="en-US" altLang="zh-CN" dirty="0"/>
+              <a:t>.</a:t>
+            </a:r>
+            <a:endParaRPr lang="zh-CN" altLang="en-US" dirty="0"/>
           </a:p>
         </p:txBody>
       </p:sp>
     </p:spTree>
     <p:extLst>
       <p:ext uri="{BB962C8B-B14F-4D97-AF65-F5344CB8AC3E}">
-        <p14:creationId xmlns:p14="http://schemas.microsoft.com/office/powerpoint/2010/main" val="2029392325"/>
+        <p14:creationId xmlns:p14="http://schemas.microsoft.com/office/powerpoint/2010/main" val="468490017"/>
       </p:ext>
     </p:extLst>
   </p:cSld>
@@ -7916,13 +8114,7 @@
       </p:grpSpPr>
       <p:sp>
         <p:nvSpPr>
-          <p:cNvPr id="2" name="Title 1">
-            <a:extLst>
-              <a:ext uri="{FF2B5EF4-FFF2-40B4-BE49-F238E27FC236}">
-                <a16:creationId xmlns:a16="http://schemas.microsoft.com/office/drawing/2014/main" id="{62CB7A97-7077-435A-8577-87DE25DC1A88}"/>
-              </a:ext>
-            </a:extLst>
-          </p:cNvPr>
+          <p:cNvPr id="2" name="Title 1"/>
           <p:cNvSpPr>
             <a:spLocks noGrp="1"/>
           </p:cNvSpPr>
@@ -7936,21 +8128,16 @@
           <a:lstStyle/>
           <a:p>
             <a:r>
-              <a:rPr lang="en-US" dirty="0"/>
-              <a:t>Asynchronous I/O Operations</a:t>
-            </a:r>
-          </a:p>
-        </p:txBody>
-      </p:sp>
-      <p:sp>
-        <p:nvSpPr>
-          <p:cNvPr id="4" name="Text Placeholder 3">
-            <a:extLst>
-              <a:ext uri="{FF2B5EF4-FFF2-40B4-BE49-F238E27FC236}">
-                <a16:creationId xmlns:a16="http://schemas.microsoft.com/office/drawing/2014/main" id="{07CEF51B-DC23-4BA9-9A35-1D06FF5CEF0D}"/>
-              </a:ext>
-            </a:extLst>
-          </p:cNvPr>
+              <a:rPr lang="en-US" altLang="zh-CN" dirty="0"/>
+              <a:t>NIO.2 - Reading and writing files</a:t>
+            </a:r>
+            <a:endParaRPr lang="zh-CN" altLang="en-US" dirty="0"/>
+          </a:p>
+        </p:txBody>
+      </p:sp>
+      <p:sp>
+        <p:nvSpPr>
+          <p:cNvPr id="4" name="Text Placeholder 3"/>
           <p:cNvSpPr>
             <a:spLocks noGrp="1"/>
           </p:cNvSpPr>
@@ -7961,7 +8148,7 @@
         <p:spPr>
           <a:xfrm>
             <a:off x="1295400" y="1828800"/>
-            <a:ext cx="9263932" cy="4343400"/>
+            <a:ext cx="4659086" cy="4343400"/>
           </a:xfrm>
         </p:spPr>
         <p:txBody>
@@ -7969,8 +8156,8 @@
           <a:lstStyle/>
           <a:p>
             <a:r>
-              <a:rPr lang="en-US" dirty="0"/>
-              <a:t>Paradigms</a:t>
+              <a:rPr lang="en-US" altLang="zh-CN" dirty="0"/>
+              <a:t>Provide bridge to old I/O</a:t>
             </a:r>
           </a:p>
           <a:p>
@@ -7979,9 +8166,18 @@
               <a:buChar char="•"/>
             </a:pPr>
             <a:r>
-              <a:rPr lang="en-US" dirty="0"/>
-              <a:t>Future</a:t>
-            </a:r>
+              <a:rPr lang="en-US" altLang="zh-CN" dirty="0" err="1"/>
+              <a:t>BufferReader</a:t>
+            </a:r>
+            <a:r>
+              <a:rPr lang="en-US" altLang="zh-CN" dirty="0"/>
+              <a:t> and </a:t>
+            </a:r>
+            <a:r>
+              <a:rPr lang="en-US" altLang="zh-CN" dirty="0" err="1"/>
+              <a:t>BufferWriter</a:t>
+            </a:r>
+            <a:endParaRPr lang="en-US" altLang="zh-CN" dirty="0"/>
           </a:p>
           <a:p>
             <a:pPr marL="342900" indent="-342900">
@@ -7989,16 +8185,107 @@
               <a:buChar char="•"/>
             </a:pPr>
             <a:r>
-              <a:rPr lang="en-US" dirty="0"/>
-              <a:t>Callback</a:t>
-            </a:r>
-          </a:p>
-        </p:txBody>
-      </p:sp>
+              <a:rPr lang="en-US" altLang="zh-CN" dirty="0" err="1"/>
+              <a:t>InputStream</a:t>
+            </a:r>
+            <a:r>
+              <a:rPr lang="en-US" altLang="zh-CN" dirty="0"/>
+              <a:t> and </a:t>
+            </a:r>
+            <a:r>
+              <a:rPr lang="en-US" altLang="zh-CN" dirty="0" err="1"/>
+              <a:t>OutputStream</a:t>
+            </a:r>
+            <a:endParaRPr lang="en-US" altLang="zh-CN" dirty="0"/>
+          </a:p>
+          <a:p>
+            <a:pPr marL="342900" indent="-342900">
+              <a:buFont typeface="Arial" panose="020B0604020202020204" pitchFamily="34" charset="0"/>
+              <a:buChar char="•"/>
+            </a:pPr>
+            <a:endParaRPr lang="en-US" altLang="zh-CN" dirty="0"/>
+          </a:p>
+          <a:p>
+            <a:r>
+              <a:rPr lang="en-US" altLang="zh-CN" dirty="0"/>
+              <a:t>Provide new reading and writing helpers</a:t>
+            </a:r>
+          </a:p>
+          <a:p>
+            <a:pPr marL="342900" indent="-342900">
+              <a:buFont typeface="Arial" panose="020B0604020202020204" pitchFamily="34" charset="0"/>
+              <a:buChar char="•"/>
+            </a:pPr>
+            <a:r>
+              <a:rPr lang="en-US" altLang="zh-CN" dirty="0" err="1"/>
+              <a:t>Files.readAllLines</a:t>
+            </a:r>
+            <a:endParaRPr lang="en-US" altLang="zh-CN" dirty="0"/>
+          </a:p>
+          <a:p>
+            <a:pPr marL="342900" indent="-342900">
+              <a:buFont typeface="Arial" panose="020B0604020202020204" pitchFamily="34" charset="0"/>
+              <a:buChar char="•"/>
+            </a:pPr>
+            <a:r>
+              <a:rPr lang="en-US" altLang="zh-CN" dirty="0" err="1"/>
+              <a:t>Files.write</a:t>
+            </a:r>
+            <a:endParaRPr lang="zh-CN" altLang="en-US" dirty="0"/>
+          </a:p>
+        </p:txBody>
+      </p:sp>
+      <p:pic>
+        <p:nvPicPr>
+          <p:cNvPr id="3074" name="Picture 2" descr="Line drawing with file I/O methods arranged from least complex (on the left) to most complex (on the right).">
+            <a:extLst>
+              <a:ext uri="{FF2B5EF4-FFF2-40B4-BE49-F238E27FC236}">
+                <a16:creationId xmlns:a16="http://schemas.microsoft.com/office/drawing/2014/main" id="{D70B1AB6-4682-4ABC-AF3A-6891165B9662}"/>
+              </a:ext>
+            </a:extLst>
+          </p:cNvPr>
+          <p:cNvPicPr>
+            <a:picLocks noChangeAspect="1" noChangeArrowheads="1"/>
+          </p:cNvPicPr>
+          <p:nvPr/>
+        </p:nvPicPr>
+        <p:blipFill>
+          <a:blip r:embed="rId2">
+            <a:extLst>
+              <a:ext uri="{28A0092B-C50C-407E-A947-70E740481C1C}">
+                <a14:useLocalDpi xmlns:a14="http://schemas.microsoft.com/office/drawing/2010/main" val="0"/>
+              </a:ext>
+            </a:extLst>
+          </a:blip>
+          <a:srcRect/>
+          <a:stretch>
+            <a:fillRect/>
+          </a:stretch>
+        </p:blipFill>
+        <p:spPr bwMode="auto">
+          <a:xfrm>
+            <a:off x="6237516" y="2696935"/>
+            <a:ext cx="5273055" cy="2735035"/>
+          </a:xfrm>
+          <a:prstGeom prst="rect">
+            <a:avLst/>
+          </a:prstGeom>
+          <a:noFill/>
+          <a:extLst>
+            <a:ext uri="{909E8E84-426E-40DD-AFC4-6F175D3DCCD1}">
+              <a14:hiddenFill xmlns:a14="http://schemas.microsoft.com/office/drawing/2010/main">
+                <a:solidFill>
+                  <a:srgbClr val="FFFFFF"/>
+                </a:solidFill>
+              </a14:hiddenFill>
+            </a:ext>
+          </a:extLst>
+        </p:spPr>
+      </p:pic>
     </p:spTree>
     <p:extLst>
       <p:ext uri="{BB962C8B-B14F-4D97-AF65-F5344CB8AC3E}">
-        <p14:creationId xmlns:p14="http://schemas.microsoft.com/office/powerpoint/2010/main" val="4233755081"/>
+        <p14:creationId xmlns:p14="http://schemas.microsoft.com/office/powerpoint/2010/main" val="2958266849"/>
       </p:ext>
     </p:extLst>
   </p:cSld>
@@ -8042,6 +8329,1958 @@
           <p:cNvPr id="2" name="Title 1">
             <a:extLst>
               <a:ext uri="{FF2B5EF4-FFF2-40B4-BE49-F238E27FC236}">
+                <a16:creationId xmlns:a16="http://schemas.microsoft.com/office/drawing/2014/main" id="{FB6B6309-1B43-4FE4-B3DF-81662EF73AE1}"/>
+              </a:ext>
+            </a:extLst>
+          </p:cNvPr>
+          <p:cNvSpPr>
+            <a:spLocks noGrp="1"/>
+          </p:cNvSpPr>
+          <p:nvPr>
+            <p:ph type="title"/>
+          </p:nvPr>
+        </p:nvSpPr>
+        <p:spPr/>
+        <p:txBody>
+          <a:bodyPr/>
+          <a:lstStyle/>
+          <a:p>
+            <a:r>
+              <a:rPr lang="en-US" dirty="0"/>
+              <a:t>NIO.2 – Reading and writing Files</a:t>
+            </a:r>
+          </a:p>
+        </p:txBody>
+      </p:sp>
+      <p:sp>
+        <p:nvSpPr>
+          <p:cNvPr id="4" name="Text Placeholder 3">
+            <a:extLst>
+              <a:ext uri="{FF2B5EF4-FFF2-40B4-BE49-F238E27FC236}">
+                <a16:creationId xmlns:a16="http://schemas.microsoft.com/office/drawing/2014/main" id="{E5EC84D1-DE77-4087-843A-D69611EB5CF2}"/>
+              </a:ext>
+            </a:extLst>
+          </p:cNvPr>
+          <p:cNvSpPr>
+            <a:spLocks noGrp="1"/>
+          </p:cNvSpPr>
+          <p:nvPr>
+            <p:ph type="body" sz="half" idx="2"/>
+          </p:nvPr>
+        </p:nvSpPr>
+        <p:spPr>
+          <a:xfrm>
+            <a:off x="914401" y="1828800"/>
+            <a:ext cx="4060370" cy="4343400"/>
+          </a:xfrm>
+        </p:spPr>
+        <p:txBody>
+          <a:bodyPr anchor="t"/>
+          <a:lstStyle/>
+          <a:p>
+            <a:r>
+              <a:rPr lang="en-US" dirty="0"/>
+              <a:t>For small Files:</a:t>
+            </a:r>
+          </a:p>
+          <a:p>
+            <a:pPr marL="342900" indent="-342900">
+              <a:buFont typeface="Arial" panose="020B0604020202020204" pitchFamily="34" charset="0"/>
+              <a:buChar char="•"/>
+            </a:pPr>
+            <a:r>
+              <a:rPr lang="en-US" dirty="0" err="1"/>
+              <a:t>Files.readAllBytes</a:t>
+            </a:r>
+            <a:r>
+              <a:rPr lang="en-US" dirty="0"/>
+              <a:t>(Path)</a:t>
+            </a:r>
+          </a:p>
+          <a:p>
+            <a:pPr marL="342900" indent="-342900">
+              <a:buFont typeface="Arial" panose="020B0604020202020204" pitchFamily="34" charset="0"/>
+              <a:buChar char="•"/>
+            </a:pPr>
+            <a:r>
+              <a:rPr lang="en-US" dirty="0" err="1"/>
+              <a:t>Files.readAllLines</a:t>
+            </a:r>
+            <a:r>
+              <a:rPr lang="en-US" dirty="0"/>
+              <a:t>(Path, Charset)</a:t>
+            </a:r>
+          </a:p>
+          <a:p>
+            <a:pPr marL="342900" indent="-342900">
+              <a:buFont typeface="Arial" panose="020B0604020202020204" pitchFamily="34" charset="0"/>
+              <a:buChar char="•"/>
+            </a:pPr>
+            <a:r>
+              <a:rPr lang="en-US" dirty="0" err="1"/>
+              <a:t>Files.write</a:t>
+            </a:r>
+            <a:r>
+              <a:rPr lang="en-US" dirty="0"/>
+              <a:t>(Path, byte[])</a:t>
+            </a:r>
+          </a:p>
+          <a:p>
+            <a:pPr marL="342900" indent="-342900">
+              <a:buFont typeface="Arial" panose="020B0604020202020204" pitchFamily="34" charset="0"/>
+              <a:buChar char="•"/>
+            </a:pPr>
+            <a:r>
+              <a:rPr lang="en-US" dirty="0" err="1"/>
+              <a:t>Files.write</a:t>
+            </a:r>
+            <a:r>
+              <a:rPr lang="en-US" dirty="0"/>
+              <a:t>(Path, </a:t>
+            </a:r>
+            <a:r>
+              <a:rPr lang="en-US" dirty="0" err="1"/>
+              <a:t>Iterable</a:t>
+            </a:r>
+            <a:r>
+              <a:rPr lang="en-US" dirty="0"/>
+              <a:t>&lt;? </a:t>
+            </a:r>
+            <a:r>
+              <a:rPr lang="en-US" dirty="0" err="1"/>
+              <a:t>Extens</a:t>
+            </a:r>
+            <a:r>
+              <a:rPr lang="en-US" dirty="0"/>
+              <a:t> </a:t>
+            </a:r>
+            <a:r>
+              <a:rPr lang="en-US" dirty="0" err="1"/>
+              <a:t>CharSequence</a:t>
+            </a:r>
+            <a:r>
+              <a:rPr lang="en-US" dirty="0"/>
+              <a:t>&gt;)</a:t>
+            </a:r>
+          </a:p>
+        </p:txBody>
+      </p:sp>
+      <p:sp>
+        <p:nvSpPr>
+          <p:cNvPr id="5" name="Text Placeholder 3">
+            <a:extLst>
+              <a:ext uri="{FF2B5EF4-FFF2-40B4-BE49-F238E27FC236}">
+                <a16:creationId xmlns:a16="http://schemas.microsoft.com/office/drawing/2014/main" id="{0691994D-4ABA-4694-983A-0AF72FC1CA7A}"/>
+              </a:ext>
+            </a:extLst>
+          </p:cNvPr>
+          <p:cNvSpPr txBox="1">
+            <a:spLocks/>
+          </p:cNvSpPr>
+          <p:nvPr/>
+        </p:nvSpPr>
+        <p:spPr>
+          <a:xfrm>
+            <a:off x="6096000" y="1828800"/>
+            <a:ext cx="4691743" cy="2209800"/>
+          </a:xfrm>
+          <a:prstGeom prst="rect">
+            <a:avLst/>
+          </a:prstGeom>
+        </p:spPr>
+        <p:txBody>
+          <a:bodyPr vert="horz" lIns="91440" tIns="45720" rIns="91440" bIns="45720" rtlCol="0" anchor="t">
+            <a:normAutofit/>
+          </a:bodyPr>
+          <a:lstStyle>
+            <a:lvl1pPr marL="0" indent="0" algn="l" defTabSz="914400" rtl="0" eaLnBrk="1" latinLnBrk="0" hangingPunct="1">
+              <a:lnSpc>
+                <a:spcPct val="90000"/>
+              </a:lnSpc>
+              <a:spcBef>
+                <a:spcPts val="1200"/>
+              </a:spcBef>
+              <a:buFont typeface="Arial" panose="020B0604020202020204" pitchFamily="34" charset="0"/>
+              <a:buNone/>
+              <a:defRPr sz="2000" kern="1200">
+                <a:solidFill>
+                  <a:schemeClr val="tx1"/>
+                </a:solidFill>
+                <a:latin typeface="+mn-lt"/>
+                <a:ea typeface="+mn-ea"/>
+                <a:cs typeface="+mn-cs"/>
+              </a:defRPr>
+            </a:lvl1pPr>
+            <a:lvl2pPr marL="457200" indent="0" algn="l" defTabSz="914400" rtl="0" eaLnBrk="1" latinLnBrk="0" hangingPunct="1">
+              <a:lnSpc>
+                <a:spcPct val="90000"/>
+              </a:lnSpc>
+              <a:spcBef>
+                <a:spcPts val="1000"/>
+              </a:spcBef>
+              <a:buFont typeface="Arial" panose="020B0604020202020204" pitchFamily="34" charset="0"/>
+              <a:buNone/>
+              <a:defRPr sz="1400" kern="1200">
+                <a:solidFill>
+                  <a:schemeClr val="tx1"/>
+                </a:solidFill>
+                <a:latin typeface="+mn-lt"/>
+                <a:ea typeface="+mn-ea"/>
+                <a:cs typeface="+mn-cs"/>
+              </a:defRPr>
+            </a:lvl2pPr>
+            <a:lvl3pPr marL="914400" indent="0" algn="l" defTabSz="914400" rtl="0" eaLnBrk="1" latinLnBrk="0" hangingPunct="1">
+              <a:lnSpc>
+                <a:spcPct val="90000"/>
+              </a:lnSpc>
+              <a:spcBef>
+                <a:spcPts val="800"/>
+              </a:spcBef>
+              <a:buFont typeface="Arial" panose="020B0604020202020204" pitchFamily="34" charset="0"/>
+              <a:buNone/>
+              <a:defRPr sz="1200" kern="1200">
+                <a:solidFill>
+                  <a:schemeClr val="tx1"/>
+                </a:solidFill>
+                <a:latin typeface="+mn-lt"/>
+                <a:ea typeface="+mn-ea"/>
+                <a:cs typeface="+mn-cs"/>
+              </a:defRPr>
+            </a:lvl3pPr>
+            <a:lvl4pPr marL="1371600" indent="0" algn="l" defTabSz="914400" rtl="0" eaLnBrk="1" latinLnBrk="0" hangingPunct="1">
+              <a:lnSpc>
+                <a:spcPct val="90000"/>
+              </a:lnSpc>
+              <a:spcBef>
+                <a:spcPts val="800"/>
+              </a:spcBef>
+              <a:buFont typeface="Arial" panose="020B0604020202020204" pitchFamily="34" charset="0"/>
+              <a:buNone/>
+              <a:defRPr sz="1000" kern="1200">
+                <a:solidFill>
+                  <a:schemeClr val="tx1"/>
+                </a:solidFill>
+                <a:latin typeface="+mn-lt"/>
+                <a:ea typeface="+mn-ea"/>
+                <a:cs typeface="+mn-cs"/>
+              </a:defRPr>
+            </a:lvl4pPr>
+            <a:lvl5pPr marL="1828800" indent="0" algn="l" defTabSz="914400" rtl="0" eaLnBrk="1" latinLnBrk="0" hangingPunct="1">
+              <a:lnSpc>
+                <a:spcPct val="90000"/>
+              </a:lnSpc>
+              <a:spcBef>
+                <a:spcPts val="800"/>
+              </a:spcBef>
+              <a:buFont typeface="Arial" panose="020B0604020202020204" pitchFamily="34" charset="0"/>
+              <a:buNone/>
+              <a:defRPr sz="1000" kern="1200">
+                <a:solidFill>
+                  <a:schemeClr val="tx1"/>
+                </a:solidFill>
+                <a:latin typeface="+mn-lt"/>
+                <a:ea typeface="+mn-ea"/>
+                <a:cs typeface="+mn-cs"/>
+              </a:defRPr>
+            </a:lvl5pPr>
+            <a:lvl6pPr marL="2286000" indent="0" algn="l" defTabSz="914400" rtl="0" eaLnBrk="1" latinLnBrk="0" hangingPunct="1">
+              <a:lnSpc>
+                <a:spcPct val="90000"/>
+              </a:lnSpc>
+              <a:spcBef>
+                <a:spcPts val="800"/>
+              </a:spcBef>
+              <a:buFont typeface="Arial" panose="020B0604020202020204" pitchFamily="34" charset="0"/>
+              <a:buNone/>
+              <a:defRPr sz="1000" kern="1200">
+                <a:solidFill>
+                  <a:schemeClr val="tx1"/>
+                </a:solidFill>
+                <a:latin typeface="+mn-lt"/>
+                <a:ea typeface="+mn-ea"/>
+                <a:cs typeface="+mn-cs"/>
+              </a:defRPr>
+            </a:lvl6pPr>
+            <a:lvl7pPr marL="2743200" indent="0" algn="l" defTabSz="914400" rtl="0" eaLnBrk="1" latinLnBrk="0" hangingPunct="1">
+              <a:lnSpc>
+                <a:spcPct val="90000"/>
+              </a:lnSpc>
+              <a:spcBef>
+                <a:spcPts val="800"/>
+              </a:spcBef>
+              <a:buFont typeface="Arial" panose="020B0604020202020204" pitchFamily="34" charset="0"/>
+              <a:buNone/>
+              <a:defRPr sz="1000" kern="1200">
+                <a:solidFill>
+                  <a:schemeClr val="tx1"/>
+                </a:solidFill>
+                <a:latin typeface="+mn-lt"/>
+                <a:ea typeface="+mn-ea"/>
+                <a:cs typeface="+mn-cs"/>
+              </a:defRPr>
+            </a:lvl7pPr>
+            <a:lvl8pPr marL="3200400" indent="0" algn="l" defTabSz="914400" rtl="0" eaLnBrk="1" latinLnBrk="0" hangingPunct="1">
+              <a:lnSpc>
+                <a:spcPct val="90000"/>
+              </a:lnSpc>
+              <a:spcBef>
+                <a:spcPts val="800"/>
+              </a:spcBef>
+              <a:buFont typeface="Arial" panose="020B0604020202020204" pitchFamily="34" charset="0"/>
+              <a:buNone/>
+              <a:defRPr sz="1000" kern="1200">
+                <a:solidFill>
+                  <a:schemeClr val="tx1"/>
+                </a:solidFill>
+                <a:latin typeface="+mn-lt"/>
+                <a:ea typeface="+mn-ea"/>
+                <a:cs typeface="+mn-cs"/>
+              </a:defRPr>
+            </a:lvl8pPr>
+            <a:lvl9pPr marL="3657600" indent="0" algn="l" defTabSz="914400" rtl="0" eaLnBrk="1" latinLnBrk="0" hangingPunct="1">
+              <a:lnSpc>
+                <a:spcPct val="90000"/>
+              </a:lnSpc>
+              <a:spcBef>
+                <a:spcPts val="800"/>
+              </a:spcBef>
+              <a:buFont typeface="Arial" panose="020B0604020202020204" pitchFamily="34" charset="0"/>
+              <a:buNone/>
+              <a:defRPr sz="1000" kern="1200">
+                <a:solidFill>
+                  <a:schemeClr val="tx1"/>
+                </a:solidFill>
+                <a:latin typeface="+mn-lt"/>
+                <a:ea typeface="+mn-ea"/>
+                <a:cs typeface="+mn-cs"/>
+              </a:defRPr>
+            </a:lvl9pPr>
+          </a:lstStyle>
+          <a:p>
+            <a:r>
+              <a:rPr lang="en-US" dirty="0"/>
+              <a:t>Buffered I/O for text file:</a:t>
+            </a:r>
+          </a:p>
+          <a:p>
+            <a:pPr marL="342900" indent="-342900">
+              <a:buFont typeface="Arial" panose="020B0604020202020204" pitchFamily="34" charset="0"/>
+              <a:buChar char="•"/>
+            </a:pPr>
+            <a:r>
+              <a:rPr lang="en-US" dirty="0"/>
+              <a:t>Files. </a:t>
+            </a:r>
+            <a:r>
+              <a:rPr lang="en-US" dirty="0" err="1"/>
+              <a:t>newBufferedReader</a:t>
+            </a:r>
+            <a:r>
+              <a:rPr lang="en-US" dirty="0"/>
+              <a:t>(Path, Charset)</a:t>
+            </a:r>
+          </a:p>
+          <a:p>
+            <a:pPr marL="342900" indent="-342900">
+              <a:buFont typeface="Arial" panose="020B0604020202020204" pitchFamily="34" charset="0"/>
+              <a:buChar char="•"/>
+            </a:pPr>
+            <a:r>
+              <a:rPr lang="en-US" dirty="0"/>
+              <a:t>Files. </a:t>
+            </a:r>
+            <a:r>
+              <a:rPr lang="en-US" dirty="0" err="1"/>
+              <a:t>newBufferedWriter</a:t>
+            </a:r>
+            <a:r>
+              <a:rPr lang="en-US" dirty="0"/>
+              <a:t>(Path, Charset, </a:t>
+            </a:r>
+            <a:r>
+              <a:rPr lang="en-US" dirty="0" err="1"/>
+              <a:t>OpenOption</a:t>
+            </a:r>
+            <a:r>
+              <a:rPr lang="en-US" dirty="0"/>
+              <a:t>...)</a:t>
+            </a:r>
+          </a:p>
+        </p:txBody>
+      </p:sp>
+      <p:sp>
+        <p:nvSpPr>
+          <p:cNvPr id="7" name="Text Placeholder 3">
+            <a:extLst>
+              <a:ext uri="{FF2B5EF4-FFF2-40B4-BE49-F238E27FC236}">
+                <a16:creationId xmlns:a16="http://schemas.microsoft.com/office/drawing/2014/main" id="{2E7F0CBC-D0B7-4920-943E-48B9333F3CD2}"/>
+              </a:ext>
+            </a:extLst>
+          </p:cNvPr>
+          <p:cNvSpPr txBox="1">
+            <a:spLocks/>
+          </p:cNvSpPr>
+          <p:nvPr/>
+        </p:nvSpPr>
+        <p:spPr>
+          <a:xfrm>
+            <a:off x="6096000" y="3788229"/>
+            <a:ext cx="4691743" cy="2209800"/>
+          </a:xfrm>
+          <a:prstGeom prst="rect">
+            <a:avLst/>
+          </a:prstGeom>
+        </p:spPr>
+        <p:txBody>
+          <a:bodyPr vert="horz" lIns="91440" tIns="45720" rIns="91440" bIns="45720" rtlCol="0" anchor="t">
+            <a:normAutofit/>
+          </a:bodyPr>
+          <a:lstStyle>
+            <a:lvl1pPr marL="0" indent="0" algn="l" defTabSz="914400" rtl="0" eaLnBrk="1" latinLnBrk="0" hangingPunct="1">
+              <a:lnSpc>
+                <a:spcPct val="90000"/>
+              </a:lnSpc>
+              <a:spcBef>
+                <a:spcPts val="1200"/>
+              </a:spcBef>
+              <a:buFont typeface="Arial" panose="020B0604020202020204" pitchFamily="34" charset="0"/>
+              <a:buNone/>
+              <a:defRPr sz="2000" kern="1200">
+                <a:solidFill>
+                  <a:schemeClr val="tx1"/>
+                </a:solidFill>
+                <a:latin typeface="+mn-lt"/>
+                <a:ea typeface="+mn-ea"/>
+                <a:cs typeface="+mn-cs"/>
+              </a:defRPr>
+            </a:lvl1pPr>
+            <a:lvl2pPr marL="457200" indent="0" algn="l" defTabSz="914400" rtl="0" eaLnBrk="1" latinLnBrk="0" hangingPunct="1">
+              <a:lnSpc>
+                <a:spcPct val="90000"/>
+              </a:lnSpc>
+              <a:spcBef>
+                <a:spcPts val="1000"/>
+              </a:spcBef>
+              <a:buFont typeface="Arial" panose="020B0604020202020204" pitchFamily="34" charset="0"/>
+              <a:buNone/>
+              <a:defRPr sz="1400" kern="1200">
+                <a:solidFill>
+                  <a:schemeClr val="tx1"/>
+                </a:solidFill>
+                <a:latin typeface="+mn-lt"/>
+                <a:ea typeface="+mn-ea"/>
+                <a:cs typeface="+mn-cs"/>
+              </a:defRPr>
+            </a:lvl2pPr>
+            <a:lvl3pPr marL="914400" indent="0" algn="l" defTabSz="914400" rtl="0" eaLnBrk="1" latinLnBrk="0" hangingPunct="1">
+              <a:lnSpc>
+                <a:spcPct val="90000"/>
+              </a:lnSpc>
+              <a:spcBef>
+                <a:spcPts val="800"/>
+              </a:spcBef>
+              <a:buFont typeface="Arial" panose="020B0604020202020204" pitchFamily="34" charset="0"/>
+              <a:buNone/>
+              <a:defRPr sz="1200" kern="1200">
+                <a:solidFill>
+                  <a:schemeClr val="tx1"/>
+                </a:solidFill>
+                <a:latin typeface="+mn-lt"/>
+                <a:ea typeface="+mn-ea"/>
+                <a:cs typeface="+mn-cs"/>
+              </a:defRPr>
+            </a:lvl3pPr>
+            <a:lvl4pPr marL="1371600" indent="0" algn="l" defTabSz="914400" rtl="0" eaLnBrk="1" latinLnBrk="0" hangingPunct="1">
+              <a:lnSpc>
+                <a:spcPct val="90000"/>
+              </a:lnSpc>
+              <a:spcBef>
+                <a:spcPts val="800"/>
+              </a:spcBef>
+              <a:buFont typeface="Arial" panose="020B0604020202020204" pitchFamily="34" charset="0"/>
+              <a:buNone/>
+              <a:defRPr sz="1000" kern="1200">
+                <a:solidFill>
+                  <a:schemeClr val="tx1"/>
+                </a:solidFill>
+                <a:latin typeface="+mn-lt"/>
+                <a:ea typeface="+mn-ea"/>
+                <a:cs typeface="+mn-cs"/>
+              </a:defRPr>
+            </a:lvl4pPr>
+            <a:lvl5pPr marL="1828800" indent="0" algn="l" defTabSz="914400" rtl="0" eaLnBrk="1" latinLnBrk="0" hangingPunct="1">
+              <a:lnSpc>
+                <a:spcPct val="90000"/>
+              </a:lnSpc>
+              <a:spcBef>
+                <a:spcPts val="800"/>
+              </a:spcBef>
+              <a:buFont typeface="Arial" panose="020B0604020202020204" pitchFamily="34" charset="0"/>
+              <a:buNone/>
+              <a:defRPr sz="1000" kern="1200">
+                <a:solidFill>
+                  <a:schemeClr val="tx1"/>
+                </a:solidFill>
+                <a:latin typeface="+mn-lt"/>
+                <a:ea typeface="+mn-ea"/>
+                <a:cs typeface="+mn-cs"/>
+              </a:defRPr>
+            </a:lvl5pPr>
+            <a:lvl6pPr marL="2286000" indent="0" algn="l" defTabSz="914400" rtl="0" eaLnBrk="1" latinLnBrk="0" hangingPunct="1">
+              <a:lnSpc>
+                <a:spcPct val="90000"/>
+              </a:lnSpc>
+              <a:spcBef>
+                <a:spcPts val="800"/>
+              </a:spcBef>
+              <a:buFont typeface="Arial" panose="020B0604020202020204" pitchFamily="34" charset="0"/>
+              <a:buNone/>
+              <a:defRPr sz="1000" kern="1200">
+                <a:solidFill>
+                  <a:schemeClr val="tx1"/>
+                </a:solidFill>
+                <a:latin typeface="+mn-lt"/>
+                <a:ea typeface="+mn-ea"/>
+                <a:cs typeface="+mn-cs"/>
+              </a:defRPr>
+            </a:lvl6pPr>
+            <a:lvl7pPr marL="2743200" indent="0" algn="l" defTabSz="914400" rtl="0" eaLnBrk="1" latinLnBrk="0" hangingPunct="1">
+              <a:lnSpc>
+                <a:spcPct val="90000"/>
+              </a:lnSpc>
+              <a:spcBef>
+                <a:spcPts val="800"/>
+              </a:spcBef>
+              <a:buFont typeface="Arial" panose="020B0604020202020204" pitchFamily="34" charset="0"/>
+              <a:buNone/>
+              <a:defRPr sz="1000" kern="1200">
+                <a:solidFill>
+                  <a:schemeClr val="tx1"/>
+                </a:solidFill>
+                <a:latin typeface="+mn-lt"/>
+                <a:ea typeface="+mn-ea"/>
+                <a:cs typeface="+mn-cs"/>
+              </a:defRPr>
+            </a:lvl7pPr>
+            <a:lvl8pPr marL="3200400" indent="0" algn="l" defTabSz="914400" rtl="0" eaLnBrk="1" latinLnBrk="0" hangingPunct="1">
+              <a:lnSpc>
+                <a:spcPct val="90000"/>
+              </a:lnSpc>
+              <a:spcBef>
+                <a:spcPts val="800"/>
+              </a:spcBef>
+              <a:buFont typeface="Arial" panose="020B0604020202020204" pitchFamily="34" charset="0"/>
+              <a:buNone/>
+              <a:defRPr sz="1000" kern="1200">
+                <a:solidFill>
+                  <a:schemeClr val="tx1"/>
+                </a:solidFill>
+                <a:latin typeface="+mn-lt"/>
+                <a:ea typeface="+mn-ea"/>
+                <a:cs typeface="+mn-cs"/>
+              </a:defRPr>
+            </a:lvl8pPr>
+            <a:lvl9pPr marL="3657600" indent="0" algn="l" defTabSz="914400" rtl="0" eaLnBrk="1" latinLnBrk="0" hangingPunct="1">
+              <a:lnSpc>
+                <a:spcPct val="90000"/>
+              </a:lnSpc>
+              <a:spcBef>
+                <a:spcPts val="800"/>
+              </a:spcBef>
+              <a:buFont typeface="Arial" panose="020B0604020202020204" pitchFamily="34" charset="0"/>
+              <a:buNone/>
+              <a:defRPr sz="1000" kern="1200">
+                <a:solidFill>
+                  <a:schemeClr val="tx1"/>
+                </a:solidFill>
+                <a:latin typeface="+mn-lt"/>
+                <a:ea typeface="+mn-ea"/>
+                <a:cs typeface="+mn-cs"/>
+              </a:defRPr>
+            </a:lvl9pPr>
+          </a:lstStyle>
+          <a:p>
+            <a:r>
+              <a:rPr lang="en-US" dirty="0"/>
+              <a:t>Interoperable with Streams:</a:t>
+            </a:r>
+          </a:p>
+          <a:p>
+            <a:pPr marL="342900" indent="-342900">
+              <a:buFont typeface="Arial" panose="020B0604020202020204" pitchFamily="34" charset="0"/>
+              <a:buChar char="•"/>
+            </a:pPr>
+            <a:r>
+              <a:rPr lang="en-US" dirty="0"/>
+              <a:t>Files. </a:t>
+            </a:r>
+            <a:r>
+              <a:rPr lang="en-US" dirty="0" err="1"/>
+              <a:t>newInputStream</a:t>
+            </a:r>
+            <a:r>
+              <a:rPr lang="en-US" dirty="0"/>
+              <a:t>(Path, </a:t>
+            </a:r>
+            <a:r>
+              <a:rPr lang="en-US" dirty="0" err="1"/>
+              <a:t>OpenOption</a:t>
+            </a:r>
+            <a:r>
+              <a:rPr lang="en-US" dirty="0"/>
+              <a:t>...)</a:t>
+            </a:r>
+          </a:p>
+          <a:p>
+            <a:pPr marL="342900" indent="-342900">
+              <a:buFont typeface="Arial" panose="020B0604020202020204" pitchFamily="34" charset="0"/>
+              <a:buChar char="•"/>
+            </a:pPr>
+            <a:r>
+              <a:rPr lang="en-US" dirty="0"/>
+              <a:t>Files. </a:t>
+            </a:r>
+            <a:r>
+              <a:rPr lang="en-US" dirty="0" err="1"/>
+              <a:t>newOutputStream</a:t>
+            </a:r>
+            <a:r>
+              <a:rPr lang="en-US" dirty="0"/>
+              <a:t>(Path, </a:t>
+            </a:r>
+            <a:r>
+              <a:rPr lang="en-US" dirty="0" err="1"/>
+              <a:t>OpenOption</a:t>
+            </a:r>
+            <a:r>
+              <a:rPr lang="en-US" dirty="0"/>
+              <a:t>...)</a:t>
+            </a:r>
+          </a:p>
+        </p:txBody>
+      </p:sp>
+    </p:spTree>
+    <p:extLst>
+      <p:ext uri="{BB962C8B-B14F-4D97-AF65-F5344CB8AC3E}">
+        <p14:creationId xmlns:p14="http://schemas.microsoft.com/office/powerpoint/2010/main" val="2300574560"/>
+      </p:ext>
+    </p:extLst>
+  </p:cSld>
+  <p:clrMapOvr>
+    <a:masterClrMapping/>
+  </p:clrMapOvr>
+  <mc:AlternateContent xmlns:mc="http://schemas.openxmlformats.org/markup-compatibility/2006" xmlns:p14="http://schemas.microsoft.com/office/powerpoint/2010/main">
+    <mc:Choice Requires="p14">
+      <p:transition spd="med" p14:dur="700">
+        <p:fade/>
+      </p:transition>
+    </mc:Choice>
+    <mc:Fallback xmlns="">
+      <p:transition spd="med">
+        <p:fade/>
+      </p:transition>
+    </mc:Fallback>
+  </mc:AlternateContent>
+</p:sld>
+</file>
+
+<file path=ppt/slides/slide23.xml><?xml version="1.0" encoding="utf-8"?>
+<p:sld xmlns:a="http://schemas.openxmlformats.org/drawingml/2006/main" xmlns:r="http://schemas.openxmlformats.org/officeDocument/2006/relationships" xmlns:p="http://schemas.openxmlformats.org/presentationml/2006/main">
+  <p:cSld>
+    <p:spTree>
+      <p:nvGrpSpPr>
+        <p:cNvPr id="1" name=""/>
+        <p:cNvGrpSpPr/>
+        <p:nvPr/>
+      </p:nvGrpSpPr>
+      <p:grpSpPr>
+        <a:xfrm>
+          <a:off x="0" y="0"/>
+          <a:ext cx="0" cy="0"/>
+          <a:chOff x="0" y="0"/>
+          <a:chExt cx="0" cy="0"/>
+        </a:xfrm>
+      </p:grpSpPr>
+      <p:sp>
+        <p:nvSpPr>
+          <p:cNvPr id="2" name="Title 1">
+            <a:extLst>
+              <a:ext uri="{FF2B5EF4-FFF2-40B4-BE49-F238E27FC236}">
+                <a16:creationId xmlns:a16="http://schemas.microsoft.com/office/drawing/2014/main" id="{FF050BE1-54A9-45DF-97FE-984D44C678C6}"/>
+              </a:ext>
+            </a:extLst>
+          </p:cNvPr>
+          <p:cNvSpPr>
+            <a:spLocks noGrp="1"/>
+          </p:cNvSpPr>
+          <p:nvPr>
+            <p:ph type="title"/>
+          </p:nvPr>
+        </p:nvSpPr>
+        <p:spPr/>
+        <p:txBody>
+          <a:bodyPr/>
+          <a:lstStyle/>
+          <a:p>
+            <a:r>
+              <a:rPr lang="en-US" dirty="0"/>
+              <a:t>NIO.2 – Channels </a:t>
+            </a:r>
+          </a:p>
+        </p:txBody>
+      </p:sp>
+      <p:sp>
+        <p:nvSpPr>
+          <p:cNvPr id="4" name="Text Placeholder 3">
+            <a:extLst>
+              <a:ext uri="{FF2B5EF4-FFF2-40B4-BE49-F238E27FC236}">
+                <a16:creationId xmlns:a16="http://schemas.microsoft.com/office/drawing/2014/main" id="{10633700-EED0-4694-9D28-13C45254A123}"/>
+              </a:ext>
+            </a:extLst>
+          </p:cNvPr>
+          <p:cNvSpPr>
+            <a:spLocks noGrp="1"/>
+          </p:cNvSpPr>
+          <p:nvPr>
+            <p:ph type="body" sz="half" idx="2"/>
+          </p:nvPr>
+        </p:nvSpPr>
+        <p:spPr>
+          <a:xfrm>
+            <a:off x="1295400" y="1828800"/>
+            <a:ext cx="9296400" cy="2416629"/>
+          </a:xfrm>
+        </p:spPr>
+        <p:txBody>
+          <a:bodyPr anchor="t"/>
+          <a:lstStyle/>
+          <a:p>
+            <a:r>
+              <a:rPr lang="en-US" dirty="0"/>
+              <a:t>While stream I/O reads a character at a time, channel I/O reads a buffer at a time. The </a:t>
+            </a:r>
+            <a:r>
+              <a:rPr lang="en-US" dirty="0" err="1"/>
+              <a:t>ByteChannel</a:t>
+            </a:r>
+            <a:r>
+              <a:rPr lang="en-US" dirty="0"/>
+              <a:t> interface </a:t>
+            </a:r>
+            <a:r>
+              <a:rPr lang="en-US" dirty="0" err="1"/>
+              <a:t>provices</a:t>
+            </a:r>
+            <a:r>
+              <a:rPr lang="en-US" dirty="0"/>
+              <a:t> basic read and write functionality. </a:t>
+            </a:r>
+          </a:p>
+          <a:p>
+            <a:endParaRPr lang="en-US" dirty="0"/>
+          </a:p>
+          <a:p>
+            <a:endParaRPr lang="en-US" dirty="0"/>
+          </a:p>
+          <a:p>
+            <a:r>
+              <a:rPr lang="en-US" dirty="0"/>
+              <a:t>NIO – buffer oriented IO</a:t>
+            </a:r>
+          </a:p>
+        </p:txBody>
+      </p:sp>
+      <p:pic>
+        <p:nvPicPr>
+          <p:cNvPr id="2050" name="Picture 2" descr="Java NIO: Channels and Buffers">
+            <a:extLst>
+              <a:ext uri="{FF2B5EF4-FFF2-40B4-BE49-F238E27FC236}">
+                <a16:creationId xmlns:a16="http://schemas.microsoft.com/office/drawing/2014/main" id="{728121F8-C0BA-45A3-B105-13A6C9B49234}"/>
+              </a:ext>
+            </a:extLst>
+          </p:cNvPr>
+          <p:cNvPicPr>
+            <a:picLocks noChangeAspect="1" noChangeArrowheads="1"/>
+          </p:cNvPicPr>
+          <p:nvPr/>
+        </p:nvPicPr>
+        <p:blipFill>
+          <a:blip r:embed="rId2">
+            <a:extLst>
+              <a:ext uri="{28A0092B-C50C-407E-A947-70E740481C1C}">
+                <a14:useLocalDpi xmlns:a14="http://schemas.microsoft.com/office/drawing/2010/main" val="0"/>
+              </a:ext>
+            </a:extLst>
+          </a:blip>
+          <a:srcRect/>
+          <a:stretch>
+            <a:fillRect/>
+          </a:stretch>
+        </p:blipFill>
+        <p:spPr bwMode="auto">
+          <a:xfrm>
+            <a:off x="5411562" y="3037114"/>
+            <a:ext cx="4331152" cy="2960048"/>
+          </a:xfrm>
+          <a:prstGeom prst="rect">
+            <a:avLst/>
+          </a:prstGeom>
+          <a:noFill/>
+          <a:extLst>
+            <a:ext uri="{909E8E84-426E-40DD-AFC4-6F175D3DCCD1}">
+              <a14:hiddenFill xmlns:a14="http://schemas.microsoft.com/office/drawing/2010/main">
+                <a:solidFill>
+                  <a:srgbClr val="FFFFFF"/>
+                </a:solidFill>
+              </a14:hiddenFill>
+            </a:ext>
+          </a:extLst>
+        </p:spPr>
+      </p:pic>
+    </p:spTree>
+    <p:extLst>
+      <p:ext uri="{BB962C8B-B14F-4D97-AF65-F5344CB8AC3E}">
+        <p14:creationId xmlns:p14="http://schemas.microsoft.com/office/powerpoint/2010/main" val="3947858273"/>
+      </p:ext>
+    </p:extLst>
+  </p:cSld>
+  <p:clrMapOvr>
+    <a:masterClrMapping/>
+  </p:clrMapOvr>
+  <mc:AlternateContent xmlns:mc="http://schemas.openxmlformats.org/markup-compatibility/2006" xmlns:p14="http://schemas.microsoft.com/office/powerpoint/2010/main">
+    <mc:Choice Requires="p14">
+      <p:transition spd="med" p14:dur="700">
+        <p:fade/>
+      </p:transition>
+    </mc:Choice>
+    <mc:Fallback xmlns="">
+      <p:transition spd="med">
+        <p:fade/>
+      </p:transition>
+    </mc:Fallback>
+  </mc:AlternateContent>
+</p:sld>
+</file>
+
+<file path=ppt/slides/slide24.xml><?xml version="1.0" encoding="utf-8"?>
+<p:sld xmlns:a="http://schemas.openxmlformats.org/drawingml/2006/main" xmlns:r="http://schemas.openxmlformats.org/officeDocument/2006/relationships" xmlns:p="http://schemas.openxmlformats.org/presentationml/2006/main">
+  <p:cSld>
+    <p:spTree>
+      <p:nvGrpSpPr>
+        <p:cNvPr id="1" name=""/>
+        <p:cNvGrpSpPr/>
+        <p:nvPr/>
+      </p:nvGrpSpPr>
+      <p:grpSpPr>
+        <a:xfrm>
+          <a:off x="0" y="0"/>
+          <a:ext cx="0" cy="0"/>
+          <a:chOff x="0" y="0"/>
+          <a:chExt cx="0" cy="0"/>
+        </a:xfrm>
+      </p:grpSpPr>
+      <p:sp>
+        <p:nvSpPr>
+          <p:cNvPr id="2" name="Title 1">
+            <a:extLst>
+              <a:ext uri="{FF2B5EF4-FFF2-40B4-BE49-F238E27FC236}">
+                <a16:creationId xmlns:a16="http://schemas.microsoft.com/office/drawing/2014/main" id="{D4F48A62-CBA3-4125-98C0-300DE7F34377}"/>
+              </a:ext>
+            </a:extLst>
+          </p:cNvPr>
+          <p:cNvSpPr>
+            <a:spLocks noGrp="1"/>
+          </p:cNvSpPr>
+          <p:nvPr>
+            <p:ph type="title"/>
+          </p:nvPr>
+        </p:nvSpPr>
+        <p:spPr/>
+        <p:txBody>
+          <a:bodyPr/>
+          <a:lstStyle/>
+          <a:p>
+            <a:r>
+              <a:rPr lang="en-US" dirty="0"/>
+              <a:t>NIO.2 - Channels</a:t>
+            </a:r>
+          </a:p>
+        </p:txBody>
+      </p:sp>
+      <p:sp>
+        <p:nvSpPr>
+          <p:cNvPr id="4" name="Text Placeholder 3">
+            <a:extLst>
+              <a:ext uri="{FF2B5EF4-FFF2-40B4-BE49-F238E27FC236}">
+                <a16:creationId xmlns:a16="http://schemas.microsoft.com/office/drawing/2014/main" id="{812F3837-7C4C-4A8F-8FA0-088D98FF42AE}"/>
+              </a:ext>
+            </a:extLst>
+          </p:cNvPr>
+          <p:cNvSpPr>
+            <a:spLocks noGrp="1"/>
+          </p:cNvSpPr>
+          <p:nvPr>
+            <p:ph type="body" sz="half" idx="2"/>
+          </p:nvPr>
+        </p:nvSpPr>
+        <p:spPr>
+          <a:xfrm>
+            <a:off x="1295399" y="1828800"/>
+            <a:ext cx="9601199" cy="4343400"/>
+          </a:xfrm>
+        </p:spPr>
+        <p:txBody>
+          <a:bodyPr anchor="t"/>
+          <a:lstStyle/>
+          <a:p>
+            <a:r>
+              <a:rPr lang="en-US" dirty="0" err="1"/>
+              <a:t>SeekableByteChannel</a:t>
+            </a:r>
+            <a:r>
+              <a:rPr lang="en-US" dirty="0"/>
+              <a:t> – a </a:t>
+            </a:r>
+            <a:r>
+              <a:rPr lang="en-US" dirty="0" err="1"/>
+              <a:t>ByteChannel</a:t>
+            </a:r>
+            <a:r>
+              <a:rPr lang="en-US" dirty="0"/>
+              <a:t> that can maintain a position in the channel and allows the position to be changed. (the </a:t>
+            </a:r>
+            <a:r>
+              <a:rPr lang="en-US" dirty="0" err="1"/>
+              <a:t>newByteChannel</a:t>
+            </a:r>
+            <a:r>
+              <a:rPr lang="en-US" dirty="0"/>
+              <a:t> method will return an instance of </a:t>
+            </a:r>
+            <a:r>
+              <a:rPr lang="en-US" dirty="0" err="1"/>
+              <a:t>SeekableByteChannel</a:t>
+            </a:r>
+            <a:r>
+              <a:rPr lang="en-US" dirty="0"/>
+              <a:t> which by default is </a:t>
+            </a:r>
+            <a:r>
+              <a:rPr lang="en-US" dirty="0" err="1"/>
+              <a:t>FileChannel</a:t>
+            </a:r>
+            <a:r>
+              <a:rPr lang="en-US" dirty="0"/>
+              <a:t> )</a:t>
+            </a:r>
+          </a:p>
+          <a:p>
+            <a:endParaRPr lang="en-US" dirty="0"/>
+          </a:p>
+          <a:p>
+            <a:pPr marL="342900" indent="-342900">
+              <a:buFont typeface="Arial" panose="020B0604020202020204" pitchFamily="34" charset="0"/>
+              <a:buChar char="•"/>
+            </a:pPr>
+            <a:r>
+              <a:rPr lang="en-US" dirty="0" err="1"/>
+              <a:t>Files.newByteChannel</a:t>
+            </a:r>
+            <a:r>
+              <a:rPr lang="en-US" dirty="0"/>
+              <a:t>()</a:t>
+            </a:r>
+          </a:p>
+          <a:p>
+            <a:pPr marL="342900" indent="-342900">
+              <a:buFont typeface="Arial" panose="020B0604020202020204" pitchFamily="34" charset="0"/>
+              <a:buChar char="•"/>
+            </a:pPr>
+            <a:r>
+              <a:rPr lang="en-US" dirty="0"/>
+              <a:t>read()</a:t>
+            </a:r>
+          </a:p>
+          <a:p>
+            <a:pPr marL="342900" indent="-342900">
+              <a:buFont typeface="Arial" panose="020B0604020202020204" pitchFamily="34" charset="0"/>
+              <a:buChar char="•"/>
+            </a:pPr>
+            <a:r>
+              <a:rPr lang="en-US" dirty="0"/>
+              <a:t>write()</a:t>
+            </a:r>
+          </a:p>
+          <a:p>
+            <a:endParaRPr lang="en-US" dirty="0"/>
+          </a:p>
+          <a:p>
+            <a:r>
+              <a:rPr lang="en-US" dirty="0" err="1"/>
+              <a:t>FileChannel</a:t>
+            </a:r>
+            <a:r>
+              <a:rPr lang="en-US" dirty="0"/>
+              <a:t> can specify the absolute position to read or write.</a:t>
+            </a:r>
+          </a:p>
+        </p:txBody>
+      </p:sp>
+    </p:spTree>
+    <p:extLst>
+      <p:ext uri="{BB962C8B-B14F-4D97-AF65-F5344CB8AC3E}">
+        <p14:creationId xmlns:p14="http://schemas.microsoft.com/office/powerpoint/2010/main" val="1449600908"/>
+      </p:ext>
+    </p:extLst>
+  </p:cSld>
+  <p:clrMapOvr>
+    <a:masterClrMapping/>
+  </p:clrMapOvr>
+  <mc:AlternateContent xmlns:mc="http://schemas.openxmlformats.org/markup-compatibility/2006" xmlns:p14="http://schemas.microsoft.com/office/powerpoint/2010/main">
+    <mc:Choice Requires="p14">
+      <p:transition spd="med" p14:dur="700">
+        <p:fade/>
+      </p:transition>
+    </mc:Choice>
+    <mc:Fallback xmlns="">
+      <p:transition spd="med">
+        <p:fade/>
+      </p:transition>
+    </mc:Fallback>
+  </mc:AlternateContent>
+</p:sld>
+</file>
+
+<file path=ppt/slides/slide25.xml><?xml version="1.0" encoding="utf-8"?>
+<p:sld xmlns:a="http://schemas.openxmlformats.org/drawingml/2006/main" xmlns:r="http://schemas.openxmlformats.org/officeDocument/2006/relationships" xmlns:p="http://schemas.openxmlformats.org/presentationml/2006/main">
+  <p:cSld>
+    <p:spTree>
+      <p:nvGrpSpPr>
+        <p:cNvPr id="1" name=""/>
+        <p:cNvGrpSpPr/>
+        <p:nvPr/>
+      </p:nvGrpSpPr>
+      <p:grpSpPr>
+        <a:xfrm>
+          <a:off x="0" y="0"/>
+          <a:ext cx="0" cy="0"/>
+          <a:chOff x="0" y="0"/>
+          <a:chExt cx="0" cy="0"/>
+        </a:xfrm>
+      </p:grpSpPr>
+      <p:sp>
+        <p:nvSpPr>
+          <p:cNvPr id="2" name="Title 1">
+            <a:extLst>
+              <a:ext uri="{FF2B5EF4-FFF2-40B4-BE49-F238E27FC236}">
+                <a16:creationId xmlns:a16="http://schemas.microsoft.com/office/drawing/2014/main" id="{CBC5ED08-2F05-487E-8AF6-377B7DA644BA}"/>
+              </a:ext>
+            </a:extLst>
+          </p:cNvPr>
+          <p:cNvSpPr>
+            <a:spLocks noGrp="1"/>
+          </p:cNvSpPr>
+          <p:nvPr>
+            <p:ph type="title"/>
+          </p:nvPr>
+        </p:nvSpPr>
+        <p:spPr/>
+        <p:txBody>
+          <a:bodyPr/>
+          <a:lstStyle/>
+          <a:p>
+            <a:r>
+              <a:rPr lang="en-US" altLang="zh-CN" dirty="0"/>
+              <a:t>NIO.2 - </a:t>
+            </a:r>
+            <a:r>
+              <a:rPr lang="en-US" altLang="zh-CN" dirty="0" err="1"/>
+              <a:t>ByteBuffer</a:t>
+            </a:r>
+            <a:endParaRPr lang="en-US" dirty="0"/>
+          </a:p>
+        </p:txBody>
+      </p:sp>
+      <p:sp>
+        <p:nvSpPr>
+          <p:cNvPr id="4" name="Text Placeholder 3">
+            <a:extLst>
+              <a:ext uri="{FF2B5EF4-FFF2-40B4-BE49-F238E27FC236}">
+                <a16:creationId xmlns:a16="http://schemas.microsoft.com/office/drawing/2014/main" id="{9A1B750B-E67A-42B7-A337-53C37DD6279F}"/>
+              </a:ext>
+            </a:extLst>
+          </p:cNvPr>
+          <p:cNvSpPr>
+            <a:spLocks noGrp="1"/>
+          </p:cNvSpPr>
+          <p:nvPr>
+            <p:ph type="body" sz="half" idx="2"/>
+          </p:nvPr>
+        </p:nvSpPr>
+        <p:spPr>
+          <a:xfrm>
+            <a:off x="925286" y="1828800"/>
+            <a:ext cx="3387634" cy="4343400"/>
+          </a:xfrm>
+        </p:spPr>
+        <p:txBody>
+          <a:bodyPr anchor="t"/>
+          <a:lstStyle/>
+          <a:p>
+            <a:r>
+              <a:rPr lang="en-US" dirty="0"/>
+              <a:t>NIO provides a bunch of Buffers to perform fast low level I/O. Usually it is used with channels.</a:t>
+            </a:r>
+          </a:p>
+          <a:p>
+            <a:endParaRPr lang="en-US" dirty="0"/>
+          </a:p>
+          <a:p>
+            <a:pPr marL="342900" indent="-342900">
+              <a:buFont typeface="Arial" panose="020B0604020202020204" pitchFamily="34" charset="0"/>
+              <a:buChar char="•"/>
+            </a:pPr>
+            <a:r>
+              <a:rPr lang="en-US" dirty="0"/>
+              <a:t>Capacity</a:t>
+            </a:r>
+          </a:p>
+          <a:p>
+            <a:pPr marL="342900" indent="-342900">
+              <a:buFont typeface="Arial" panose="020B0604020202020204" pitchFamily="34" charset="0"/>
+              <a:buChar char="•"/>
+            </a:pPr>
+            <a:r>
+              <a:rPr lang="en-US" dirty="0"/>
+              <a:t>Limit</a:t>
+            </a:r>
+          </a:p>
+          <a:p>
+            <a:pPr marL="342900" indent="-342900">
+              <a:buFont typeface="Arial" panose="020B0604020202020204" pitchFamily="34" charset="0"/>
+              <a:buChar char="•"/>
+            </a:pPr>
+            <a:r>
+              <a:rPr lang="en-US" dirty="0"/>
+              <a:t>Position</a:t>
+            </a:r>
+          </a:p>
+          <a:p>
+            <a:pPr marL="342900" indent="-342900">
+              <a:buFont typeface="Arial" panose="020B0604020202020204" pitchFamily="34" charset="0"/>
+              <a:buChar char="•"/>
+            </a:pPr>
+            <a:r>
+              <a:rPr lang="en-US" dirty="0"/>
+              <a:t>Mark</a:t>
+            </a:r>
+          </a:p>
+        </p:txBody>
+      </p:sp>
+      <p:pic>
+        <p:nvPicPr>
+          <p:cNvPr id="1030" name="Picture 6" descr="Java NIO: Buffer capacity, position and limit in write and read mode.">
+            <a:extLst>
+              <a:ext uri="{FF2B5EF4-FFF2-40B4-BE49-F238E27FC236}">
+                <a16:creationId xmlns:a16="http://schemas.microsoft.com/office/drawing/2014/main" id="{5CD0F794-B304-4AEF-B4FB-4AA10EB5BD29}"/>
+              </a:ext>
+            </a:extLst>
+          </p:cNvPr>
+          <p:cNvPicPr>
+            <a:picLocks noChangeAspect="1" noChangeArrowheads="1"/>
+          </p:cNvPicPr>
+          <p:nvPr/>
+        </p:nvPicPr>
+        <p:blipFill>
+          <a:blip r:embed="rId2">
+            <a:extLst>
+              <a:ext uri="{28A0092B-C50C-407E-A947-70E740481C1C}">
+                <a14:useLocalDpi xmlns:a14="http://schemas.microsoft.com/office/drawing/2010/main" val="0"/>
+              </a:ext>
+            </a:extLst>
+          </a:blip>
+          <a:srcRect/>
+          <a:stretch>
+            <a:fillRect/>
+          </a:stretch>
+        </p:blipFill>
+        <p:spPr bwMode="auto">
+          <a:xfrm>
+            <a:off x="5591175" y="1974396"/>
+            <a:ext cx="4819650" cy="3257550"/>
+          </a:xfrm>
+          <a:prstGeom prst="rect">
+            <a:avLst/>
+          </a:prstGeom>
+          <a:noFill/>
+          <a:extLst>
+            <a:ext uri="{909E8E84-426E-40DD-AFC4-6F175D3DCCD1}">
+              <a14:hiddenFill xmlns:a14="http://schemas.microsoft.com/office/drawing/2010/main">
+                <a:solidFill>
+                  <a:srgbClr val="FFFFFF"/>
+                </a:solidFill>
+              </a14:hiddenFill>
+            </a:ext>
+          </a:extLst>
+        </p:spPr>
+      </p:pic>
+    </p:spTree>
+    <p:extLst>
+      <p:ext uri="{BB962C8B-B14F-4D97-AF65-F5344CB8AC3E}">
+        <p14:creationId xmlns:p14="http://schemas.microsoft.com/office/powerpoint/2010/main" val="3530042825"/>
+      </p:ext>
+    </p:extLst>
+  </p:cSld>
+  <p:clrMapOvr>
+    <a:masterClrMapping/>
+  </p:clrMapOvr>
+  <mc:AlternateContent xmlns:mc="http://schemas.openxmlformats.org/markup-compatibility/2006" xmlns:p14="http://schemas.microsoft.com/office/powerpoint/2010/main">
+    <mc:Choice Requires="p14">
+      <p:transition spd="med" p14:dur="700">
+        <p:fade/>
+      </p:transition>
+    </mc:Choice>
+    <mc:Fallback xmlns="">
+      <p:transition spd="med">
+        <p:fade/>
+      </p:transition>
+    </mc:Fallback>
+  </mc:AlternateContent>
+</p:sld>
+</file>
+
+<file path=ppt/slides/slide26.xml><?xml version="1.0" encoding="utf-8"?>
+<p:sld xmlns:a="http://schemas.openxmlformats.org/drawingml/2006/main" xmlns:r="http://schemas.openxmlformats.org/officeDocument/2006/relationships" xmlns:p="http://schemas.openxmlformats.org/presentationml/2006/main">
+  <p:cSld>
+    <p:spTree>
+      <p:nvGrpSpPr>
+        <p:cNvPr id="1" name=""/>
+        <p:cNvGrpSpPr/>
+        <p:nvPr/>
+      </p:nvGrpSpPr>
+      <p:grpSpPr>
+        <a:xfrm>
+          <a:off x="0" y="0"/>
+          <a:ext cx="0" cy="0"/>
+          <a:chOff x="0" y="0"/>
+          <a:chExt cx="0" cy="0"/>
+        </a:xfrm>
+      </p:grpSpPr>
+      <p:sp>
+        <p:nvSpPr>
+          <p:cNvPr id="2" name="Title 1">
+            <a:extLst>
+              <a:ext uri="{FF2B5EF4-FFF2-40B4-BE49-F238E27FC236}">
+                <a16:creationId xmlns:a16="http://schemas.microsoft.com/office/drawing/2014/main" id="{4059B53B-A666-4B61-84CC-D7623A29AF89}"/>
+              </a:ext>
+            </a:extLst>
+          </p:cNvPr>
+          <p:cNvSpPr>
+            <a:spLocks noGrp="1"/>
+          </p:cNvSpPr>
+          <p:nvPr>
+            <p:ph type="title"/>
+          </p:nvPr>
+        </p:nvSpPr>
+        <p:spPr/>
+        <p:txBody>
+          <a:bodyPr/>
+          <a:lstStyle/>
+          <a:p>
+            <a:r>
+              <a:rPr lang="en-US" dirty="0"/>
+              <a:t>NIO.2 - </a:t>
+            </a:r>
+            <a:r>
+              <a:rPr lang="en-US" dirty="0" err="1"/>
+              <a:t>ByteBuffer</a:t>
+            </a:r>
+            <a:endParaRPr lang="en-US" dirty="0"/>
+          </a:p>
+        </p:txBody>
+      </p:sp>
+      <p:sp>
+        <p:nvSpPr>
+          <p:cNvPr id="4" name="Text Placeholder 3">
+            <a:extLst>
+              <a:ext uri="{FF2B5EF4-FFF2-40B4-BE49-F238E27FC236}">
+                <a16:creationId xmlns:a16="http://schemas.microsoft.com/office/drawing/2014/main" id="{7C5DE92C-11AC-4DD0-B596-1940A8F02172}"/>
+              </a:ext>
+            </a:extLst>
+          </p:cNvPr>
+          <p:cNvSpPr>
+            <a:spLocks noGrp="1"/>
+          </p:cNvSpPr>
+          <p:nvPr>
+            <p:ph type="body" sz="half" idx="2"/>
+          </p:nvPr>
+        </p:nvSpPr>
+        <p:spPr>
+          <a:xfrm>
+            <a:off x="1295400" y="1828800"/>
+            <a:ext cx="9067800" cy="4343400"/>
+          </a:xfrm>
+        </p:spPr>
+        <p:txBody>
+          <a:bodyPr anchor="t"/>
+          <a:lstStyle/>
+          <a:p>
+            <a:pPr marL="342900" indent="-342900">
+              <a:buFont typeface="Arial" panose="020B0604020202020204" pitchFamily="34" charset="0"/>
+              <a:buChar char="•"/>
+            </a:pPr>
+            <a:r>
+              <a:rPr lang="en-US" dirty="0"/>
+              <a:t>put()  and </a:t>
+            </a:r>
+            <a:r>
+              <a:rPr lang="en-US" dirty="0" err="1"/>
+              <a:t>ByteChannel.read</a:t>
+            </a:r>
+            <a:r>
+              <a:rPr lang="en-US" dirty="0"/>
+              <a:t>()</a:t>
+            </a:r>
+          </a:p>
+          <a:p>
+            <a:pPr marL="342900" indent="-342900">
+              <a:buFont typeface="Arial" panose="020B0604020202020204" pitchFamily="34" charset="0"/>
+              <a:buChar char="•"/>
+            </a:pPr>
+            <a:r>
+              <a:rPr lang="en-US" dirty="0"/>
+              <a:t>get() and </a:t>
+            </a:r>
+            <a:r>
+              <a:rPr lang="en-US" dirty="0" err="1"/>
+              <a:t>ByteChannel.write</a:t>
+            </a:r>
+            <a:r>
+              <a:rPr lang="en-US" dirty="0"/>
+              <a:t>()</a:t>
+            </a:r>
+          </a:p>
+          <a:p>
+            <a:pPr marL="342900" indent="-342900">
+              <a:buFont typeface="Arial" panose="020B0604020202020204" pitchFamily="34" charset="0"/>
+              <a:buChar char="•"/>
+            </a:pPr>
+            <a:r>
+              <a:rPr lang="en-US" dirty="0"/>
+              <a:t>rewind()</a:t>
+            </a:r>
+          </a:p>
+          <a:p>
+            <a:pPr marL="342900" indent="-342900">
+              <a:buFont typeface="Arial" panose="020B0604020202020204" pitchFamily="34" charset="0"/>
+              <a:buChar char="•"/>
+            </a:pPr>
+            <a:r>
+              <a:rPr lang="en-US" dirty="0"/>
+              <a:t>flip()</a:t>
+            </a:r>
+          </a:p>
+          <a:p>
+            <a:pPr marL="342900" indent="-342900">
+              <a:buFont typeface="Arial" panose="020B0604020202020204" pitchFamily="34" charset="0"/>
+              <a:buChar char="•"/>
+            </a:pPr>
+            <a:r>
+              <a:rPr lang="en-US" dirty="0"/>
+              <a:t>clear()</a:t>
+            </a:r>
+          </a:p>
+          <a:p>
+            <a:pPr marL="342900" indent="-342900">
+              <a:buFont typeface="Arial" panose="020B0604020202020204" pitchFamily="34" charset="0"/>
+              <a:buChar char="•"/>
+            </a:pPr>
+            <a:r>
+              <a:rPr lang="en-US" dirty="0"/>
+              <a:t>wrap()</a:t>
+            </a:r>
+          </a:p>
+        </p:txBody>
+      </p:sp>
+    </p:spTree>
+    <p:extLst>
+      <p:ext uri="{BB962C8B-B14F-4D97-AF65-F5344CB8AC3E}">
+        <p14:creationId xmlns:p14="http://schemas.microsoft.com/office/powerpoint/2010/main" val="2893502669"/>
+      </p:ext>
+    </p:extLst>
+  </p:cSld>
+  <p:clrMapOvr>
+    <a:masterClrMapping/>
+  </p:clrMapOvr>
+  <mc:AlternateContent xmlns:mc="http://schemas.openxmlformats.org/markup-compatibility/2006" xmlns:p14="http://schemas.microsoft.com/office/powerpoint/2010/main">
+    <mc:Choice Requires="p14">
+      <p:transition spd="med" p14:dur="700">
+        <p:fade/>
+      </p:transition>
+    </mc:Choice>
+    <mc:Fallback xmlns="">
+      <p:transition spd="med">
+        <p:fade/>
+      </p:transition>
+    </mc:Fallback>
+  </mc:AlternateContent>
+</p:sld>
+</file>
+
+<file path=ppt/slides/slide27.xml><?xml version="1.0" encoding="utf-8"?>
+<p:sld xmlns:a="http://schemas.openxmlformats.org/drawingml/2006/main" xmlns:r="http://schemas.openxmlformats.org/officeDocument/2006/relationships" xmlns:p="http://schemas.openxmlformats.org/presentationml/2006/main">
+  <p:cSld>
+    <p:spTree>
+      <p:nvGrpSpPr>
+        <p:cNvPr id="1" name=""/>
+        <p:cNvGrpSpPr/>
+        <p:nvPr/>
+      </p:nvGrpSpPr>
+      <p:grpSpPr>
+        <a:xfrm>
+          <a:off x="0" y="0"/>
+          <a:ext cx="0" cy="0"/>
+          <a:chOff x="0" y="0"/>
+          <a:chExt cx="0" cy="0"/>
+        </a:xfrm>
+      </p:grpSpPr>
+      <p:sp>
+        <p:nvSpPr>
+          <p:cNvPr id="2" name="Title 1"/>
+          <p:cNvSpPr>
+            <a:spLocks noGrp="1"/>
+          </p:cNvSpPr>
+          <p:nvPr>
+            <p:ph type="title"/>
+          </p:nvPr>
+        </p:nvSpPr>
+        <p:spPr/>
+        <p:txBody>
+          <a:bodyPr/>
+          <a:lstStyle/>
+          <a:p>
+            <a:r>
+              <a:rPr lang="en-US" altLang="zh-CN" dirty="0"/>
+              <a:t>NIO.2 - File change notification</a:t>
+            </a:r>
+            <a:endParaRPr lang="zh-CN" altLang="en-US" dirty="0"/>
+          </a:p>
+        </p:txBody>
+      </p:sp>
+      <p:sp>
+        <p:nvSpPr>
+          <p:cNvPr id="4" name="Text Placeholder 3"/>
+          <p:cNvSpPr>
+            <a:spLocks noGrp="1"/>
+          </p:cNvSpPr>
+          <p:nvPr>
+            <p:ph type="body" sz="half" idx="2"/>
+          </p:nvPr>
+        </p:nvSpPr>
+        <p:spPr>
+          <a:xfrm>
+            <a:off x="1295400" y="1828800"/>
+            <a:ext cx="9329670" cy="4343400"/>
+          </a:xfrm>
+        </p:spPr>
+        <p:txBody>
+          <a:bodyPr/>
+          <a:lstStyle/>
+          <a:p>
+            <a:r>
+              <a:rPr lang="en-US" altLang="zh-CN" dirty="0" err="1"/>
+              <a:t>WatchService</a:t>
+            </a:r>
+            <a:r>
+              <a:rPr lang="en-US" altLang="zh-CN" dirty="0"/>
+              <a:t> uses client threads to keep an eye on registered files or directories for changes, and will return an event when a change is detected.</a:t>
+            </a:r>
+          </a:p>
+          <a:p>
+            <a:endParaRPr lang="en-US" altLang="zh-CN" dirty="0"/>
+          </a:p>
+          <a:p>
+            <a:r>
+              <a:rPr lang="en-US" altLang="zh-CN" dirty="0"/>
+              <a:t>Good to replace polling mechanisms</a:t>
+            </a:r>
+            <a:endParaRPr lang="zh-CN" altLang="en-US" dirty="0"/>
+          </a:p>
+        </p:txBody>
+      </p:sp>
+    </p:spTree>
+    <p:extLst>
+      <p:ext uri="{BB962C8B-B14F-4D97-AF65-F5344CB8AC3E}">
+        <p14:creationId xmlns:p14="http://schemas.microsoft.com/office/powerpoint/2010/main" val="179790003"/>
+      </p:ext>
+    </p:extLst>
+  </p:cSld>
+  <p:clrMapOvr>
+    <a:masterClrMapping/>
+  </p:clrMapOvr>
+  <mc:AlternateContent xmlns:mc="http://schemas.openxmlformats.org/markup-compatibility/2006" xmlns:p14="http://schemas.microsoft.com/office/powerpoint/2010/main">
+    <mc:Choice Requires="p14">
+      <p:transition spd="med" p14:dur="700">
+        <p:fade/>
+      </p:transition>
+    </mc:Choice>
+    <mc:Fallback xmlns="">
+      <p:transition spd="med">
+        <p:fade/>
+      </p:transition>
+    </mc:Fallback>
+  </mc:AlternateContent>
+</p:sld>
+</file>
+
+<file path=ppt/slides/slide28.xml><?xml version="1.0" encoding="utf-8"?>
+<p:sld xmlns:a="http://schemas.openxmlformats.org/drawingml/2006/main" xmlns:r="http://schemas.openxmlformats.org/officeDocument/2006/relationships" xmlns:p="http://schemas.openxmlformats.org/presentationml/2006/main">
+  <p:cSld>
+    <p:spTree>
+      <p:nvGrpSpPr>
+        <p:cNvPr id="1" name=""/>
+        <p:cNvGrpSpPr/>
+        <p:nvPr/>
+      </p:nvGrpSpPr>
+      <p:grpSpPr>
+        <a:xfrm>
+          <a:off x="0" y="0"/>
+          <a:ext cx="0" cy="0"/>
+          <a:chOff x="0" y="0"/>
+          <a:chExt cx="0" cy="0"/>
+        </a:xfrm>
+      </p:grpSpPr>
+      <p:sp>
+        <p:nvSpPr>
+          <p:cNvPr id="2" name="Title 1">
+            <a:extLst>
+              <a:ext uri="{FF2B5EF4-FFF2-40B4-BE49-F238E27FC236}">
+                <a16:creationId xmlns:a16="http://schemas.microsoft.com/office/drawing/2014/main" id="{F6DC4B06-1BDF-47F0-9A4A-4961F384F3D2}"/>
+              </a:ext>
+            </a:extLst>
+          </p:cNvPr>
+          <p:cNvSpPr>
+            <a:spLocks noGrp="1"/>
+          </p:cNvSpPr>
+          <p:nvPr>
+            <p:ph type="title"/>
+          </p:nvPr>
+        </p:nvSpPr>
+        <p:spPr/>
+        <p:txBody>
+          <a:bodyPr/>
+          <a:lstStyle/>
+          <a:p>
+            <a:r>
+              <a:rPr lang="en-US" dirty="0"/>
+              <a:t>NIO.2 - </a:t>
+            </a:r>
+            <a:r>
+              <a:rPr lang="en-US" dirty="0" err="1"/>
+              <a:t>WatchService</a:t>
+            </a:r>
+            <a:endParaRPr lang="en-US" dirty="0"/>
+          </a:p>
+        </p:txBody>
+      </p:sp>
+      <p:sp>
+        <p:nvSpPr>
+          <p:cNvPr id="4" name="Text Placeholder 3">
+            <a:extLst>
+              <a:ext uri="{FF2B5EF4-FFF2-40B4-BE49-F238E27FC236}">
+                <a16:creationId xmlns:a16="http://schemas.microsoft.com/office/drawing/2014/main" id="{38094C3B-9979-4597-B5B1-9B42168D528B}"/>
+              </a:ext>
+            </a:extLst>
+          </p:cNvPr>
+          <p:cNvSpPr>
+            <a:spLocks noGrp="1"/>
+          </p:cNvSpPr>
+          <p:nvPr>
+            <p:ph type="body" sz="half" idx="2"/>
+          </p:nvPr>
+        </p:nvSpPr>
+        <p:spPr>
+          <a:xfrm>
+            <a:off x="1295399" y="1828800"/>
+            <a:ext cx="9685351" cy="4343400"/>
+          </a:xfrm>
+        </p:spPr>
+        <p:txBody>
+          <a:bodyPr anchor="t">
+            <a:normAutofit/>
+          </a:bodyPr>
+          <a:lstStyle/>
+          <a:p>
+            <a:r>
+              <a:rPr lang="en-US" sz="1600" dirty="0"/>
+              <a:t>Use </a:t>
+            </a:r>
+            <a:r>
+              <a:rPr lang="en-US" sz="1600" dirty="0" err="1"/>
+              <a:t>WatchService</a:t>
+            </a:r>
+            <a:r>
+              <a:rPr lang="en-US" sz="1600" dirty="0"/>
+              <a:t> to monitor directory:</a:t>
+            </a:r>
+          </a:p>
+          <a:p>
+            <a:pPr marL="342900" indent="-342900">
+              <a:buFont typeface="Arial" panose="020B0604020202020204" pitchFamily="34" charset="0"/>
+              <a:buChar char="•"/>
+            </a:pPr>
+            <a:r>
+              <a:rPr lang="en-US" sz="1600" dirty="0"/>
+              <a:t>Watchable object</a:t>
+            </a:r>
+          </a:p>
+          <a:p>
+            <a:pPr marL="342900" indent="-342900">
+              <a:buFont typeface="Arial" panose="020B0604020202020204" pitchFamily="34" charset="0"/>
+              <a:buChar char="•"/>
+            </a:pPr>
+            <a:r>
+              <a:rPr lang="en-US" sz="1600" dirty="0" err="1"/>
+              <a:t>WatchKey</a:t>
+            </a:r>
+            <a:endParaRPr lang="en-US" sz="1600" dirty="0"/>
+          </a:p>
+          <a:p>
+            <a:endParaRPr lang="en-US" sz="1600" dirty="0"/>
+          </a:p>
+          <a:p>
+            <a:r>
+              <a:rPr lang="en-US" sz="1600" dirty="0"/>
+              <a:t>A watch service is safe for use by multiple concurrent consumers. To ensure that only one consumer processes the events for a particular object at any time then care should be taken to ensure that the key's reset method is only invoked after its events have been processed.</a:t>
+            </a:r>
+          </a:p>
+          <a:p>
+            <a:r>
+              <a:rPr lang="en-US" sz="1600" dirty="0"/>
+              <a:t>ready—(event happen)-&gt;signaled—(reset)-&gt;ready</a:t>
+            </a:r>
+          </a:p>
+          <a:p>
+            <a:r>
+              <a:rPr lang="en-US" sz="1600" dirty="0"/>
+              <a:t>The key remains valid until:</a:t>
+            </a:r>
+          </a:p>
+          <a:p>
+            <a:r>
+              <a:rPr lang="en-US" sz="1600" dirty="0"/>
+              <a:t>1. It is cancelled, explicitly, by invoking its cancel method, or</a:t>
+            </a:r>
+          </a:p>
+          <a:p>
+            <a:r>
+              <a:rPr lang="en-US" sz="1600" dirty="0"/>
+              <a:t>2. Cancelled implicitly, because the object is no longer accessible, or</a:t>
+            </a:r>
+          </a:p>
+          <a:p>
+            <a:r>
+              <a:rPr lang="en-US" sz="1600" dirty="0"/>
+              <a:t>3. By closing the watch service.</a:t>
+            </a:r>
+          </a:p>
+        </p:txBody>
+      </p:sp>
+    </p:spTree>
+    <p:extLst>
+      <p:ext uri="{BB962C8B-B14F-4D97-AF65-F5344CB8AC3E}">
+        <p14:creationId xmlns:p14="http://schemas.microsoft.com/office/powerpoint/2010/main" val="2029392325"/>
+      </p:ext>
+    </p:extLst>
+  </p:cSld>
+  <p:clrMapOvr>
+    <a:masterClrMapping/>
+  </p:clrMapOvr>
+  <mc:AlternateContent xmlns:mc="http://schemas.openxmlformats.org/markup-compatibility/2006" xmlns:p14="http://schemas.microsoft.com/office/powerpoint/2010/main">
+    <mc:Choice Requires="p14">
+      <p:transition spd="med" p14:dur="700">
+        <p:fade/>
+      </p:transition>
+    </mc:Choice>
+    <mc:Fallback xmlns="">
+      <p:transition spd="med">
+        <p:fade/>
+      </p:transition>
+    </mc:Fallback>
+  </mc:AlternateContent>
+</p:sld>
+</file>
+
+<file path=ppt/slides/slide29.xml><?xml version="1.0" encoding="utf-8"?>
+<p:sld xmlns:a="http://schemas.openxmlformats.org/drawingml/2006/main" xmlns:r="http://schemas.openxmlformats.org/officeDocument/2006/relationships" xmlns:p="http://schemas.openxmlformats.org/presentationml/2006/main">
+  <p:cSld>
+    <p:spTree>
+      <p:nvGrpSpPr>
+        <p:cNvPr id="1" name=""/>
+        <p:cNvGrpSpPr/>
+        <p:nvPr/>
+      </p:nvGrpSpPr>
+      <p:grpSpPr>
+        <a:xfrm>
+          <a:off x="0" y="0"/>
+          <a:ext cx="0" cy="0"/>
+          <a:chOff x="0" y="0"/>
+          <a:chExt cx="0" cy="0"/>
+        </a:xfrm>
+      </p:grpSpPr>
+      <p:sp>
+        <p:nvSpPr>
+          <p:cNvPr id="2" name="Title 1">
+            <a:extLst>
+              <a:ext uri="{FF2B5EF4-FFF2-40B4-BE49-F238E27FC236}">
+                <a16:creationId xmlns:a16="http://schemas.microsoft.com/office/drawing/2014/main" id="{62CB7A97-7077-435A-8577-87DE25DC1A88}"/>
+              </a:ext>
+            </a:extLst>
+          </p:cNvPr>
+          <p:cNvSpPr>
+            <a:spLocks noGrp="1"/>
+          </p:cNvSpPr>
+          <p:nvPr>
+            <p:ph type="title"/>
+          </p:nvPr>
+        </p:nvSpPr>
+        <p:spPr/>
+        <p:txBody>
+          <a:bodyPr/>
+          <a:lstStyle/>
+          <a:p>
+            <a:r>
+              <a:rPr lang="en-US" dirty="0"/>
+              <a:t>NIO.2 - Asynchronous I/O</a:t>
+            </a:r>
+          </a:p>
+        </p:txBody>
+      </p:sp>
+      <p:sp>
+        <p:nvSpPr>
+          <p:cNvPr id="4" name="Text Placeholder 3">
+            <a:extLst>
+              <a:ext uri="{FF2B5EF4-FFF2-40B4-BE49-F238E27FC236}">
+                <a16:creationId xmlns:a16="http://schemas.microsoft.com/office/drawing/2014/main" id="{07CEF51B-DC23-4BA9-9A35-1D06FF5CEF0D}"/>
+              </a:ext>
+            </a:extLst>
+          </p:cNvPr>
+          <p:cNvSpPr>
+            <a:spLocks noGrp="1"/>
+          </p:cNvSpPr>
+          <p:nvPr>
+            <p:ph type="body" sz="half" idx="2"/>
+          </p:nvPr>
+        </p:nvSpPr>
+        <p:spPr>
+          <a:xfrm>
+            <a:off x="1295400" y="1828800"/>
+            <a:ext cx="9263932" cy="4343400"/>
+          </a:xfrm>
+        </p:spPr>
+        <p:txBody>
+          <a:bodyPr/>
+          <a:lstStyle/>
+          <a:p>
+            <a:r>
+              <a:rPr lang="en-US" dirty="0"/>
+              <a:t>Paradigms</a:t>
+            </a:r>
+          </a:p>
+          <a:p>
+            <a:pPr marL="342900" indent="-342900">
+              <a:buFont typeface="Arial" panose="020B0604020202020204" pitchFamily="34" charset="0"/>
+              <a:buChar char="•"/>
+            </a:pPr>
+            <a:r>
+              <a:rPr lang="en-US" dirty="0"/>
+              <a:t>Future</a:t>
+            </a:r>
+          </a:p>
+          <a:p>
+            <a:pPr marL="342900" indent="-342900">
+              <a:buFont typeface="Arial" panose="020B0604020202020204" pitchFamily="34" charset="0"/>
+              <a:buChar char="•"/>
+            </a:pPr>
+            <a:r>
+              <a:rPr lang="en-US" dirty="0"/>
+              <a:t>Callback</a:t>
+            </a:r>
+          </a:p>
+        </p:txBody>
+      </p:sp>
+    </p:spTree>
+    <p:extLst>
+      <p:ext uri="{BB962C8B-B14F-4D97-AF65-F5344CB8AC3E}">
+        <p14:creationId xmlns:p14="http://schemas.microsoft.com/office/powerpoint/2010/main" val="4233755081"/>
+      </p:ext>
+    </p:extLst>
+  </p:cSld>
+  <p:clrMapOvr>
+    <a:masterClrMapping/>
+  </p:clrMapOvr>
+  <mc:AlternateContent xmlns:mc="http://schemas.openxmlformats.org/markup-compatibility/2006" xmlns:p14="http://schemas.microsoft.com/office/powerpoint/2010/main">
+    <mc:Choice Requires="p14">
+      <p:transition spd="med" p14:dur="700">
+        <p:fade/>
+      </p:transition>
+    </mc:Choice>
+    <mc:Fallback xmlns="">
+      <p:transition spd="med">
+        <p:fade/>
+      </p:transition>
+    </mc:Fallback>
+  </mc:AlternateContent>
+</p:sld>
+</file>
+
+<file path=ppt/slides/slide3.xml><?xml version="1.0" encoding="utf-8"?>
+<p:sld xmlns:a="http://schemas.openxmlformats.org/drawingml/2006/main" xmlns:r="http://schemas.openxmlformats.org/officeDocument/2006/relationships" xmlns:p="http://schemas.openxmlformats.org/presentationml/2006/main">
+  <p:cSld>
+    <p:spTree>
+      <p:nvGrpSpPr>
+        <p:cNvPr id="1" name=""/>
+        <p:cNvGrpSpPr/>
+        <p:nvPr/>
+      </p:nvGrpSpPr>
+      <p:grpSpPr>
+        <a:xfrm>
+          <a:off x="0" y="0"/>
+          <a:ext cx="0" cy="0"/>
+          <a:chOff x="0" y="0"/>
+          <a:chExt cx="0" cy="0"/>
+        </a:xfrm>
+      </p:grpSpPr>
+      <p:sp>
+        <p:nvSpPr>
+          <p:cNvPr id="2" name="Title 1"/>
+          <p:cNvSpPr>
+            <a:spLocks noGrp="1"/>
+          </p:cNvSpPr>
+          <p:nvPr>
+            <p:ph type="title"/>
+          </p:nvPr>
+        </p:nvSpPr>
+        <p:spPr/>
+        <p:txBody>
+          <a:bodyPr/>
+          <a:lstStyle/>
+          <a:p>
+            <a:r>
+              <a:rPr lang="en-US" dirty="0"/>
+              <a:t>Project Coin</a:t>
+            </a:r>
+          </a:p>
+        </p:txBody>
+      </p:sp>
+      <p:sp>
+        <p:nvSpPr>
+          <p:cNvPr id="3" name="Content Placeholder 2">
+            <a:extLst>
+              <a:ext uri="{FF2B5EF4-FFF2-40B4-BE49-F238E27FC236}">
+                <a16:creationId xmlns:a16="http://schemas.microsoft.com/office/drawing/2014/main" id="{1BB810E4-4209-4BB6-9A4F-A32710B5D413}"/>
+              </a:ext>
+            </a:extLst>
+          </p:cNvPr>
+          <p:cNvSpPr>
+            <a:spLocks noGrp="1"/>
+          </p:cNvSpPr>
+          <p:nvPr>
+            <p:ph idx="1"/>
+          </p:nvPr>
+        </p:nvSpPr>
+        <p:spPr/>
+        <p:txBody>
+          <a:bodyPr/>
+          <a:lstStyle/>
+          <a:p>
+            <a:pPr marL="0" indent="0">
+              <a:buNone/>
+            </a:pPr>
+            <a:r>
+              <a:rPr lang="en-US" sz="2000" dirty="0"/>
+              <a:t>Project Coin is an open source project that has been running as part of the Java 7 (and 8) effort since January 2009.</a:t>
+            </a:r>
+          </a:p>
+          <a:p>
+            <a:pPr marL="0" indent="0">
+              <a:buNone/>
+            </a:pPr>
+            <a:endParaRPr lang="en-US" sz="2000" dirty="0"/>
+          </a:p>
+          <a:p>
+            <a:pPr marL="0" indent="0">
+              <a:buNone/>
+            </a:pPr>
+            <a:r>
+              <a:rPr lang="en-US" sz="2000" dirty="0"/>
+              <a:t>The goal of Project Coin is to determine what set of small language changes should be added to JDK7. (After discussion, 5 out of 70 proposals were selected for JDK7)</a:t>
+            </a:r>
+          </a:p>
+          <a:p>
+            <a:pPr marL="0" indent="0">
+              <a:buNone/>
+            </a:pPr>
+            <a:r>
+              <a:rPr lang="en-US" sz="2000" dirty="0"/>
+              <a:t>Java7 is the first version developed in an open source manner</a:t>
+            </a:r>
+          </a:p>
+          <a:p>
+            <a:pPr marL="0" indent="0">
+              <a:buNone/>
+            </a:pPr>
+            <a:endParaRPr lang="en-US" sz="2000" dirty="0"/>
+          </a:p>
+        </p:txBody>
+      </p:sp>
+    </p:spTree>
+    <p:extLst>
+      <p:ext uri="{BB962C8B-B14F-4D97-AF65-F5344CB8AC3E}">
+        <p14:creationId xmlns:p14="http://schemas.microsoft.com/office/powerpoint/2010/main" val="3574231650"/>
+      </p:ext>
+    </p:extLst>
+  </p:cSld>
+  <p:clrMapOvr>
+    <a:masterClrMapping/>
+  </p:clrMapOvr>
+  <mc:AlternateContent xmlns:mc="http://schemas.openxmlformats.org/markup-compatibility/2006" xmlns:p14="http://schemas.microsoft.com/office/powerpoint/2010/main">
+    <mc:Choice Requires="p14">
+      <p:transition spd="med" p14:dur="700">
+        <p:fade/>
+      </p:transition>
+    </mc:Choice>
+    <mc:Fallback xmlns="">
+      <p:transition spd="med">
+        <p:fade/>
+      </p:transition>
+    </mc:Fallback>
+  </mc:AlternateContent>
+</p:sld>
+</file>
+
+<file path=ppt/slides/slide30.xml><?xml version="1.0" encoding="utf-8"?>
+<p:sld xmlns:a="http://schemas.openxmlformats.org/drawingml/2006/main" xmlns:r="http://schemas.openxmlformats.org/officeDocument/2006/relationships" xmlns:p="http://schemas.openxmlformats.org/presentationml/2006/main">
+  <p:cSld>
+    <p:spTree>
+      <p:nvGrpSpPr>
+        <p:cNvPr id="1" name=""/>
+        <p:cNvGrpSpPr/>
+        <p:nvPr/>
+      </p:nvGrpSpPr>
+      <p:grpSpPr>
+        <a:xfrm>
+          <a:off x="0" y="0"/>
+          <a:ext cx="0" cy="0"/>
+          <a:chOff x="0" y="0"/>
+          <a:chExt cx="0" cy="0"/>
+        </a:xfrm>
+      </p:grpSpPr>
+      <p:sp>
+        <p:nvSpPr>
+          <p:cNvPr id="2" name="Title 1">
+            <a:extLst>
+              <a:ext uri="{FF2B5EF4-FFF2-40B4-BE49-F238E27FC236}">
                 <a16:creationId xmlns:a16="http://schemas.microsoft.com/office/drawing/2014/main" id="{0A0AD9A1-B319-401B-9017-177AEC3C818B}"/>
               </a:ext>
             </a:extLst>
@@ -8060,7 +10299,7 @@
           <a:p>
             <a:r>
               <a:rPr lang="en-US" dirty="0"/>
-              <a:t>Future</a:t>
+              <a:t>NIO.2 – Future style</a:t>
             </a:r>
           </a:p>
         </p:txBody>
@@ -8165,7 +10404,7 @@
 </p:sld>
 </file>
 
-<file path=ppt/slides/slide23.xml><?xml version="1.0" encoding="utf-8"?>
+<file path=ppt/slides/slide31.xml><?xml version="1.0" encoding="utf-8"?>
 <p:sld xmlns:a="http://schemas.openxmlformats.org/drawingml/2006/main" xmlns:r="http://schemas.openxmlformats.org/officeDocument/2006/relationships" xmlns:p="http://schemas.openxmlformats.org/presentationml/2006/main">
   <p:cSld>
     <p:spTree>
@@ -8205,7 +10444,7 @@
           <a:p>
             <a:r>
               <a:rPr lang="en-US" dirty="0"/>
-              <a:t>Callback style</a:t>
+              <a:t>NIO.2 - Callback style</a:t>
             </a:r>
           </a:p>
         </p:txBody>
@@ -8310,7 +10549,7 @@
 </p:sld>
 </file>
 
-<file path=ppt/slides/slide24.xml><?xml version="1.0" encoding="utf-8"?>
+<file path=ppt/slides/slide32.xml><?xml version="1.0" encoding="utf-8"?>
 <p:sld xmlns:a="http://schemas.openxmlformats.org/drawingml/2006/main" xmlns:r="http://schemas.openxmlformats.org/officeDocument/2006/relationships" xmlns:p="http://schemas.openxmlformats.org/presentationml/2006/main">
   <p:cSld>
     <p:spTree>
@@ -8348,7 +10587,10 @@
           <a:bodyPr/>
           <a:lstStyle/>
           <a:p>
-            <a:endParaRPr lang="en-US"/>
+            <a:r>
+              <a:rPr lang="en-US" dirty="0"/>
+              <a:t>References</a:t>
+            </a:r>
           </a:p>
         </p:txBody>
       </p:sp>
@@ -8433,7 +10675,7 @@
 </p:sld>
 </file>
 
-<file path=ppt/slides/slide3.xml><?xml version="1.0" encoding="utf-8"?>
+<file path=ppt/slides/slide33.xml><?xml version="1.0" encoding="utf-8"?>
 <p:sld xmlns:a="http://schemas.openxmlformats.org/drawingml/2006/main" xmlns:r="http://schemas.openxmlformats.org/officeDocument/2006/relationships" xmlns:p="http://schemas.openxmlformats.org/presentationml/2006/main">
   <p:cSld>
     <p:spTree>
@@ -8452,32 +10694,10 @@
       </p:grpSpPr>
       <p:sp>
         <p:nvSpPr>
-          <p:cNvPr id="2" name="Title 1"/>
-          <p:cNvSpPr>
-            <a:spLocks noGrp="1"/>
-          </p:cNvSpPr>
-          <p:nvPr>
-            <p:ph type="title"/>
-          </p:nvPr>
-        </p:nvSpPr>
-        <p:spPr/>
-        <p:txBody>
-          <a:bodyPr/>
-          <a:lstStyle/>
-          <a:p>
-            <a:r>
-              <a:rPr lang="en-US" dirty="0"/>
-              <a:t>Title and Content Layout with Chart</a:t>
-            </a:r>
-          </a:p>
-        </p:txBody>
-      </p:sp>
-      <p:sp>
-        <p:nvSpPr>
-          <p:cNvPr id="3" name="Content Placeholder 2">
+          <p:cNvPr id="2" name="Title 1">
             <a:extLst>
               <a:ext uri="{FF2B5EF4-FFF2-40B4-BE49-F238E27FC236}">
-                <a16:creationId xmlns:a16="http://schemas.microsoft.com/office/drawing/2014/main" id="{1BB810E4-4209-4BB6-9A4F-A32710B5D413}"/>
+                <a16:creationId xmlns:a16="http://schemas.microsoft.com/office/drawing/2014/main" id="{80B89E29-769A-452B-B797-C987448374C8}"/>
               </a:ext>
             </a:extLst>
           </p:cNvPr>
@@ -8485,7 +10705,7 @@
             <a:spLocks noGrp="1"/>
           </p:cNvSpPr>
           <p:nvPr>
-            <p:ph idx="1"/>
+            <p:ph type="title"/>
           </p:nvPr>
         </p:nvSpPr>
         <p:spPr/>
@@ -8493,40 +10713,44 @@
           <a:bodyPr/>
           <a:lstStyle/>
           <a:p>
-            <a:r>
-              <a:rPr lang="en-US" dirty="0"/>
-              <a:t>The Java language</a:t>
-            </a:r>
-          </a:p>
-          <a:p>
-            <a:pPr marL="0" indent="0">
-              <a:buNone/>
-            </a:pPr>
-            <a:r>
-              <a:rPr lang="en-US" sz="2000" dirty="0"/>
-              <a:t>     “A Brief, Incomplete, and Mostly Wrong History of Programming Languages.”</a:t>
-            </a:r>
-          </a:p>
-          <a:p>
-            <a:pPr marL="0" indent="0">
-              <a:buNone/>
-            </a:pPr>
-            <a:r>
-              <a:rPr lang="en-US" sz="2000" dirty="0"/>
-              <a:t>                                                                                                                  -- James </a:t>
-            </a:r>
-            <a:r>
-              <a:rPr lang="en-US" sz="2000" dirty="0" err="1"/>
-              <a:t>Iry</a:t>
-            </a:r>
-            <a:endParaRPr lang="en-US" sz="2000" dirty="0"/>
-          </a:p>
-        </p:txBody>
-      </p:sp>
+            <a:endParaRPr lang="en-US" dirty="0"/>
+          </a:p>
+        </p:txBody>
+      </p:sp>
+      <p:pic>
+        <p:nvPicPr>
+          <p:cNvPr id="6" name="Picture 5">
+            <a:extLst>
+              <a:ext uri="{FF2B5EF4-FFF2-40B4-BE49-F238E27FC236}">
+                <a16:creationId xmlns:a16="http://schemas.microsoft.com/office/drawing/2014/main" id="{CB2670CF-1705-4351-A97E-2E04521A8AC2}"/>
+              </a:ext>
+            </a:extLst>
+          </p:cNvPr>
+          <p:cNvPicPr>
+            <a:picLocks noChangeAspect="1"/>
+          </p:cNvPicPr>
+          <p:nvPr/>
+        </p:nvPicPr>
+        <p:blipFill>
+          <a:blip r:embed="rId2"/>
+          <a:stretch>
+            <a:fillRect/>
+          </a:stretch>
+        </p:blipFill>
+        <p:spPr>
+          <a:xfrm>
+            <a:off x="4163104" y="2728233"/>
+            <a:ext cx="2581275" cy="1771650"/>
+          </a:xfrm>
+          <a:prstGeom prst="rect">
+            <a:avLst/>
+          </a:prstGeom>
+        </p:spPr>
+      </p:pic>
     </p:spTree>
     <p:extLst>
       <p:ext uri="{BB962C8B-B14F-4D97-AF65-F5344CB8AC3E}">
-        <p14:creationId xmlns:p14="http://schemas.microsoft.com/office/powerpoint/2010/main" val="3574231650"/>
+        <p14:creationId xmlns:p14="http://schemas.microsoft.com/office/powerpoint/2010/main" val="1025803306"/>
       </p:ext>
     </p:extLst>
   </p:cSld>
@@ -8545,6 +10769,127 @@
       </p:transition>
     </mc:Fallback>
   </mc:AlternateContent>
+  <p:timing>
+    <p:tnLst>
+      <p:par>
+        <p:cTn id="1" dur="indefinite" restart="never" nodeType="tmRoot">
+          <p:childTnLst>
+            <p:seq concurrent="1" nextAc="seek">
+              <p:cTn id="2" dur="indefinite" nodeType="mainSeq">
+                <p:childTnLst>
+                  <p:par>
+                    <p:cTn id="3" fill="hold">
+                      <p:stCondLst>
+                        <p:cond delay="indefinite"/>
+                      </p:stCondLst>
+                      <p:childTnLst>
+                        <p:par>
+                          <p:cTn id="4" fill="hold">
+                            <p:stCondLst>
+                              <p:cond delay="0"/>
+                            </p:stCondLst>
+                            <p:childTnLst>
+                              <p:par>
+                                <p:cTn id="5" presetID="2" presetClass="entr" presetSubtype="4" fill="hold" nodeType="clickEffect">
+                                  <p:stCondLst>
+                                    <p:cond delay="0"/>
+                                  </p:stCondLst>
+                                  <p:childTnLst>
+                                    <p:set>
+                                      <p:cBhvr>
+                                        <p:cTn id="6" dur="1" fill="hold">
+                                          <p:stCondLst>
+                                            <p:cond delay="0"/>
+                                          </p:stCondLst>
+                                        </p:cTn>
+                                        <p:tgtEl>
+                                          <p:spTgt spid="6"/>
+                                        </p:tgtEl>
+                                        <p:attrNameLst>
+                                          <p:attrName>style.visibility</p:attrName>
+                                        </p:attrNameLst>
+                                      </p:cBhvr>
+                                      <p:to>
+                                        <p:strVal val="visible"/>
+                                      </p:to>
+                                    </p:set>
+                                    <p:anim calcmode="lin" valueType="num">
+                                      <p:cBhvr additive="base">
+                                        <p:cTn id="7" dur="500" fill="hold"/>
+                                        <p:tgtEl>
+                                          <p:spTgt spid="6"/>
+                                        </p:tgtEl>
+                                        <p:attrNameLst>
+                                          <p:attrName>ppt_x</p:attrName>
+                                        </p:attrNameLst>
+                                      </p:cBhvr>
+                                      <p:tavLst>
+                                        <p:tav tm="0">
+                                          <p:val>
+                                            <p:strVal val="#ppt_x"/>
+                                          </p:val>
+                                        </p:tav>
+                                        <p:tav tm="100000">
+                                          <p:val>
+                                            <p:strVal val="#ppt_x"/>
+                                          </p:val>
+                                        </p:tav>
+                                      </p:tavLst>
+                                    </p:anim>
+                                    <p:anim calcmode="lin" valueType="num">
+                                      <p:cBhvr additive="base">
+                                        <p:cTn id="8" dur="500" fill="hold"/>
+                                        <p:tgtEl>
+                                          <p:spTgt spid="6"/>
+                                        </p:tgtEl>
+                                        <p:attrNameLst>
+                                          <p:attrName>ppt_y</p:attrName>
+                                        </p:attrNameLst>
+                                      </p:cBhvr>
+                                      <p:tavLst>
+                                        <p:tav tm="0">
+                                          <p:val>
+                                            <p:strVal val="1+#ppt_h/2"/>
+                                          </p:val>
+                                        </p:tav>
+                                        <p:tav tm="100000">
+                                          <p:val>
+                                            <p:strVal val="#ppt_y"/>
+                                          </p:val>
+                                        </p:tav>
+                                      </p:tavLst>
+                                    </p:anim>
+                                  </p:childTnLst>
+                                </p:cTn>
+                              </p:par>
+                            </p:childTnLst>
+                          </p:cTn>
+                        </p:par>
+                      </p:childTnLst>
+                    </p:cTn>
+                  </p:par>
+                </p:childTnLst>
+              </p:cTn>
+              <p:prevCondLst>
+                <p:cond evt="onPrev" delay="0">
+                  <p:tgtEl>
+                    <p:sldTgt/>
+                  </p:tgtEl>
+                </p:cond>
+              </p:prevCondLst>
+              <p:nextCondLst>
+                <p:cond evt="onNext" delay="0">
+                  <p:tgtEl>
+                    <p:sldTgt/>
+                  </p:tgtEl>
+                </p:cond>
+              </p:nextCondLst>
+            </p:seq>
+          </p:childTnLst>
+        </p:cTn>
+      </p:par>
+    </p:tnLst>
+  </p:timing>
 </p:sld>
 </file>
 
@@ -8582,29 +10927,172 @@
           <a:p>
             <a:r>
               <a:rPr lang="en-US" dirty="0"/>
-              <a:t>Two Content Layout with Table</a:t>
-            </a:r>
-          </a:p>
-        </p:txBody>
-      </p:sp>
-      <p:sp>
-        <p:nvSpPr>
-          <p:cNvPr id="3" name="Content Placeholder 2"/>
-          <p:cNvSpPr>
-            <a:spLocks noGrp="1"/>
-          </p:cNvSpPr>
-          <p:nvPr>
-            <p:ph sz="half" idx="1"/>
-          </p:nvPr>
-        </p:nvSpPr>
-        <p:spPr/>
-        <p:txBody>
-          <a:bodyPr/>
-          <a:lstStyle/>
-          <a:p>
-            <a:r>
-              <a:rPr lang="en-US" dirty="0"/>
-              <a:t>The Java Platform</a:t>
+              <a:t>Project Coin</a:t>
+            </a:r>
+          </a:p>
+        </p:txBody>
+      </p:sp>
+      <p:pic>
+        <p:nvPicPr>
+          <p:cNvPr id="4" name="Content Placeholder 3">
+            <a:extLst>
+              <a:ext uri="{FF2B5EF4-FFF2-40B4-BE49-F238E27FC236}">
+                <a16:creationId xmlns:a16="http://schemas.microsoft.com/office/drawing/2014/main" id="{A030483B-FA9B-4EBE-B6EB-86926AD68801}"/>
+              </a:ext>
+            </a:extLst>
+          </p:cNvPr>
+          <p:cNvPicPr>
+            <a:picLocks noGrp="1" noChangeAspect="1"/>
+          </p:cNvPicPr>
+          <p:nvPr>
+            <p:ph idx="1"/>
+          </p:nvPr>
+        </p:nvPicPr>
+        <p:blipFill>
+          <a:blip r:embed="rId2"/>
+          <a:stretch>
+            <a:fillRect/>
+          </a:stretch>
+        </p:blipFill>
+        <p:spPr>
+          <a:xfrm>
+            <a:off x="892628" y="3563582"/>
+            <a:ext cx="5619750" cy="2257425"/>
+          </a:xfrm>
+          <a:prstGeom prst="rect">
+            <a:avLst/>
+          </a:prstGeom>
+        </p:spPr>
+      </p:pic>
+      <p:sp>
+        <p:nvSpPr>
+          <p:cNvPr id="7" name="TextBox 6">
+            <a:extLst>
+              <a:ext uri="{FF2B5EF4-FFF2-40B4-BE49-F238E27FC236}">
+                <a16:creationId xmlns:a16="http://schemas.microsoft.com/office/drawing/2014/main" id="{491D4659-0A55-4B3B-AAD1-829BEF3D5F51}"/>
+              </a:ext>
+            </a:extLst>
+          </p:cNvPr>
+          <p:cNvSpPr txBox="1"/>
+          <p:nvPr/>
+        </p:nvSpPr>
+        <p:spPr>
+          <a:xfrm>
+            <a:off x="753781" y="2265970"/>
+            <a:ext cx="6300216" cy="646331"/>
+          </a:xfrm>
+          <a:prstGeom prst="rect">
+            <a:avLst/>
+          </a:prstGeom>
+          <a:noFill/>
+        </p:spPr>
+        <p:txBody>
+          <a:bodyPr wrap="square" rtlCol="0">
+            <a:spAutoFit/>
+          </a:bodyPr>
+          <a:lstStyle/>
+          <a:p>
+            <a:r>
+              <a:rPr lang="en-US" dirty="0"/>
+              <a:t>The relative effort involved in implementing new functionality in different ways</a:t>
+            </a:r>
+          </a:p>
+        </p:txBody>
+      </p:sp>
+      <p:sp>
+        <p:nvSpPr>
+          <p:cNvPr id="3" name="TextBox 2">
+            <a:extLst>
+              <a:ext uri="{FF2B5EF4-FFF2-40B4-BE49-F238E27FC236}">
+                <a16:creationId xmlns:a16="http://schemas.microsoft.com/office/drawing/2014/main" id="{3556A877-E5D9-4B03-8622-D1B0D02F8DC4}"/>
+              </a:ext>
+            </a:extLst>
+          </p:cNvPr>
+          <p:cNvSpPr txBox="1"/>
+          <p:nvPr/>
+        </p:nvSpPr>
+        <p:spPr>
+          <a:xfrm>
+            <a:off x="7053997" y="2589135"/>
+            <a:ext cx="4702574" cy="3139321"/>
+          </a:xfrm>
+          <a:prstGeom prst="rect">
+            <a:avLst/>
+          </a:prstGeom>
+          <a:noFill/>
+        </p:spPr>
+        <p:txBody>
+          <a:bodyPr wrap="square" rtlCol="0">
+            <a:spAutoFit/>
+          </a:bodyPr>
+          <a:lstStyle/>
+          <a:p>
+            <a:pPr marL="285750" indent="-285750">
+              <a:buFont typeface="Arial" panose="020B0604020202020204" pitchFamily="34" charset="0"/>
+              <a:buChar char="•"/>
+            </a:pPr>
+            <a:r>
+              <a:rPr lang="en-US" dirty="0"/>
+              <a:t>Syntactic sugar— Underscores in numbers (Java 7)</a:t>
+            </a:r>
+          </a:p>
+          <a:p>
+            <a:pPr marL="285750" indent="-285750">
+              <a:buFont typeface="Arial" panose="020B0604020202020204" pitchFamily="34" charset="0"/>
+              <a:buChar char="•"/>
+            </a:pPr>
+            <a:endParaRPr lang="en-US" dirty="0"/>
+          </a:p>
+          <a:p>
+            <a:pPr marL="285750" indent="-285750">
+              <a:buFont typeface="Arial" panose="020B0604020202020204" pitchFamily="34" charset="0"/>
+              <a:buChar char="•"/>
+            </a:pPr>
+            <a:r>
+              <a:rPr lang="en-US" dirty="0"/>
+              <a:t>Small new language feature— try-with-resources (Java 7)</a:t>
+            </a:r>
+          </a:p>
+          <a:p>
+            <a:pPr marL="285750" indent="-285750">
+              <a:buFont typeface="Arial" panose="020B0604020202020204" pitchFamily="34" charset="0"/>
+              <a:buChar char="•"/>
+            </a:pPr>
+            <a:endParaRPr lang="en-US" dirty="0"/>
+          </a:p>
+          <a:p>
+            <a:pPr marL="285750" indent="-285750">
+              <a:buFont typeface="Arial" panose="020B0604020202020204" pitchFamily="34" charset="0"/>
+              <a:buChar char="•"/>
+            </a:pPr>
+            <a:r>
+              <a:rPr lang="en-US" dirty="0"/>
+              <a:t>Class file format change— Annotations (Java 5)</a:t>
+            </a:r>
+          </a:p>
+          <a:p>
+            <a:pPr marL="285750" indent="-285750">
+              <a:buFont typeface="Arial" panose="020B0604020202020204" pitchFamily="34" charset="0"/>
+              <a:buChar char="•"/>
+            </a:pPr>
+            <a:endParaRPr lang="en-US" dirty="0"/>
+          </a:p>
+          <a:p>
+            <a:pPr marL="285750" indent="-285750">
+              <a:buFont typeface="Arial" panose="020B0604020202020204" pitchFamily="34" charset="0"/>
+              <a:buChar char="•"/>
+            </a:pPr>
+            <a:r>
+              <a:rPr lang="en-US" dirty="0"/>
+              <a:t>New JVM feature—</a:t>
+            </a:r>
+            <a:r>
+              <a:rPr lang="en-US" dirty="0" err="1"/>
+              <a:t>invokedynamic</a:t>
+            </a:r>
+            <a:r>
+              <a:rPr lang="en-US" dirty="0"/>
+              <a:t> (Java 7)</a:t>
             </a:r>
           </a:p>
         </p:txBody>
@@ -8612,7 +11100,7 @@
     </p:spTree>
     <p:extLst>
       <p:ext uri="{BB962C8B-B14F-4D97-AF65-F5344CB8AC3E}">
-        <p14:creationId xmlns:p14="http://schemas.microsoft.com/office/powerpoint/2010/main" val="4213855386"/>
+        <p14:creationId xmlns:p14="http://schemas.microsoft.com/office/powerpoint/2010/main" val="3112142608"/>
       </p:ext>
     </p:extLst>
   </p:cSld>
@@ -8668,88 +11156,57 @@
           <a:p>
             <a:r>
               <a:rPr lang="en-US" dirty="0"/>
-              <a:t>Project Coin</a:t>
-            </a:r>
-          </a:p>
-        </p:txBody>
-      </p:sp>
-      <p:pic>
-        <p:nvPicPr>
-          <p:cNvPr id="4" name="Content Placeholder 3">
-            <a:extLst>
-              <a:ext uri="{FF2B5EF4-FFF2-40B4-BE49-F238E27FC236}">
-                <a16:creationId xmlns:a16="http://schemas.microsoft.com/office/drawing/2014/main" id="{A030483B-FA9B-4EBE-B6EB-86926AD68801}"/>
-              </a:ext>
-            </a:extLst>
-          </p:cNvPr>
-          <p:cNvPicPr>
-            <a:picLocks noGrp="1" noChangeAspect="1"/>
-          </p:cNvPicPr>
-          <p:nvPr>
-            <p:ph idx="1"/>
-          </p:nvPr>
-        </p:nvPicPr>
-        <p:blipFill>
-          <a:blip r:embed="rId2"/>
-          <a:stretch>
-            <a:fillRect/>
-          </a:stretch>
-        </p:blipFill>
+              <a:t>Project Coin - Proposal Judgement Rules</a:t>
+            </a:r>
+          </a:p>
+        </p:txBody>
+      </p:sp>
+      <p:sp>
+        <p:nvSpPr>
+          <p:cNvPr id="12" name="Content Placeholder 11"/>
+          <p:cNvSpPr>
+            <a:spLocks noGrp="1"/>
+          </p:cNvSpPr>
+          <p:nvPr>
+            <p:ph sz="half" idx="2"/>
+          </p:nvPr>
+        </p:nvSpPr>
         <p:spPr>
           <a:xfrm>
-            <a:off x="1645920" y="3450859"/>
-            <a:ext cx="5619750" cy="2257425"/>
+            <a:off x="1377696" y="2284476"/>
+            <a:ext cx="9211056" cy="3467100"/>
           </a:xfrm>
-          <a:prstGeom prst="rect">
-            <a:avLst/>
-          </a:prstGeom>
         </p:spPr>
-      </p:pic>
-      <p:sp>
-        <p:nvSpPr>
-          <p:cNvPr id="7" name="TextBox 6">
-            <a:extLst>
-              <a:ext uri="{FF2B5EF4-FFF2-40B4-BE49-F238E27FC236}">
-                <a16:creationId xmlns:a16="http://schemas.microsoft.com/office/drawing/2014/main" id="{491D4659-0A55-4B3B-AAD1-829BEF3D5F51}"/>
-              </a:ext>
-            </a:extLst>
-          </p:cNvPr>
-          <p:cNvSpPr txBox="1"/>
-          <p:nvPr/>
-        </p:nvSpPr>
-        <p:spPr>
-          <a:xfrm>
-            <a:off x="1645920" y="2048256"/>
-            <a:ext cx="6300216" cy="1477328"/>
-          </a:xfrm>
-          <a:prstGeom prst="rect">
-            <a:avLst/>
-          </a:prstGeom>
-          <a:noFill/>
-        </p:spPr>
-        <p:txBody>
-          <a:bodyPr wrap="square" rtlCol="0">
-            <a:spAutoFit/>
-          </a:bodyPr>
-          <a:lstStyle/>
-          <a:p>
-            <a:r>
-              <a:rPr lang="en-US" dirty="0"/>
-              <a:t>The goal of Project Coin is to determine what set of small language changes should be added to JDK7. (After discussion, 5 out of 70 proposals were selected for JDK7)</a:t>
-            </a:r>
-          </a:p>
-          <a:p>
-            <a:r>
-              <a:rPr lang="en-US" dirty="0"/>
-              <a:t>Java7 is the first version developed in an open source manner</a:t>
-            </a:r>
+        <p:txBody>
+          <a:bodyPr/>
+          <a:lstStyle/>
+          <a:p>
+            <a:r>
+              <a:rPr lang="en-US" dirty="0"/>
+              <a:t>Submit a detailed proposal form describing their change (which should fundamentally be a Java language change, rather than a virtual machine change)</a:t>
+            </a:r>
+          </a:p>
+          <a:p>
+            <a:r>
+              <a:rPr lang="en-US" dirty="0"/>
+              <a:t>Discuss their proposal openly on a mailing list and field constructive criticism from the other participants</a:t>
+            </a:r>
+          </a:p>
+          <a:p>
+            <a:r>
+              <a:rPr lang="en-US" dirty="0"/>
+              <a:t>Be prepared to produce a prototype set of patches that could implement their change</a:t>
+            </a:r>
+          </a:p>
+          <a:p>
+            <a:endParaRPr lang="en-US" dirty="0"/>
           </a:p>
         </p:txBody>
       </p:sp>
     </p:spTree>
     <p:extLst>
       <p:ext uri="{BB962C8B-B14F-4D97-AF65-F5344CB8AC3E}">
-        <p14:creationId xmlns:p14="http://schemas.microsoft.com/office/powerpoint/2010/main" val="3112142608"/>
+        <p14:creationId xmlns:p14="http://schemas.microsoft.com/office/powerpoint/2010/main" val="737118897"/>
       </p:ext>
     </p:extLst>
   </p:cSld>
@@ -8805,57 +11262,118 @@
           <a:p>
             <a:r>
               <a:rPr lang="en-US" dirty="0"/>
-              <a:t>Project Coin Proposal Judgement Rules</a:t>
-            </a:r>
-          </a:p>
-        </p:txBody>
-      </p:sp>
-      <p:sp>
-        <p:nvSpPr>
-          <p:cNvPr id="12" name="Content Placeholder 11"/>
-          <p:cNvSpPr>
-            <a:spLocks noGrp="1"/>
-          </p:cNvSpPr>
-          <p:nvPr>
-            <p:ph sz="half" idx="2"/>
-          </p:nvPr>
+              <a:t>Project Coin – Java 7</a:t>
+            </a:r>
+          </a:p>
+        </p:txBody>
+      </p:sp>
+      <p:sp>
+        <p:nvSpPr>
+          <p:cNvPr id="3" name="TextBox 2">
+            <a:extLst>
+              <a:ext uri="{FF2B5EF4-FFF2-40B4-BE49-F238E27FC236}">
+                <a16:creationId xmlns:a16="http://schemas.microsoft.com/office/drawing/2014/main" id="{8C079C1C-8ABC-40BC-B68B-2AFD4C366610}"/>
+              </a:ext>
+            </a:extLst>
+          </p:cNvPr>
+          <p:cNvSpPr txBox="1"/>
+          <p:nvPr/>
         </p:nvSpPr>
         <p:spPr>
           <a:xfrm>
-            <a:off x="1377696" y="2284476"/>
-            <a:ext cx="9211056" cy="3467100"/>
+            <a:off x="990335" y="2048654"/>
+            <a:ext cx="10040112" cy="2031325"/>
           </a:xfrm>
+          <a:prstGeom prst="rect">
+            <a:avLst/>
+          </a:prstGeom>
+          <a:noFill/>
         </p:spPr>
         <p:txBody>
-          <a:bodyPr/>
-          <a:lstStyle/>
-          <a:p>
-            <a:r>
-              <a:rPr lang="en-US" dirty="0"/>
-              <a:t>Submit a detailed proposal form describing their change (which should fundamentally be a Java language change, rather than a virtual machine change)</a:t>
-            </a:r>
-          </a:p>
-          <a:p>
-            <a:r>
-              <a:rPr lang="en-US" dirty="0"/>
-              <a:t>Discuss their proposal openly on a mailing list and field constructive criticism from the other participants</a:t>
-            </a:r>
-          </a:p>
-          <a:p>
-            <a:r>
-              <a:rPr lang="en-US" dirty="0"/>
-              <a:t>Be prepared to produce a prototype set of patches that could implement their change</a:t>
-            </a:r>
-          </a:p>
-          <a:p>
-            <a:endParaRPr lang="en-US" dirty="0"/>
+          <a:bodyPr wrap="square" rtlCol="0">
+            <a:spAutoFit/>
+          </a:bodyPr>
+          <a:lstStyle/>
+          <a:p>
+            <a:r>
+              <a:rPr lang="en-US" dirty="0"/>
+              <a:t>Project Coin brought six main new features to Java7:</a:t>
+            </a:r>
+          </a:p>
+          <a:p>
+            <a:pPr marL="285750" indent="-285750">
+              <a:buFont typeface="Arial" panose="020B0604020202020204" pitchFamily="34" charset="0"/>
+              <a:buChar char="•"/>
+            </a:pPr>
+            <a:r>
+              <a:rPr lang="en-US" dirty="0"/>
+              <a:t>Strings in switch</a:t>
+            </a:r>
+          </a:p>
+          <a:p>
+            <a:pPr marL="285750" indent="-285750">
+              <a:buFont typeface="Arial" panose="020B0604020202020204" pitchFamily="34" charset="0"/>
+              <a:buChar char="•"/>
+            </a:pPr>
+            <a:r>
+              <a:rPr lang="en-US" dirty="0"/>
+              <a:t>Enhanced syntax for numeric literals</a:t>
+            </a:r>
+          </a:p>
+          <a:p>
+            <a:pPr marL="285750" indent="-285750">
+              <a:buFont typeface="Arial" panose="020B0604020202020204" pitchFamily="34" charset="0"/>
+              <a:buChar char="•"/>
+            </a:pPr>
+            <a:r>
+              <a:rPr lang="en-US" dirty="0"/>
+              <a:t>Improved exception handling</a:t>
+            </a:r>
+          </a:p>
+          <a:p>
+            <a:pPr marL="285750" indent="-285750">
+              <a:buFont typeface="Arial" panose="020B0604020202020204" pitchFamily="34" charset="0"/>
+              <a:buChar char="•"/>
+            </a:pPr>
+            <a:r>
+              <a:rPr lang="en-US" dirty="0"/>
+              <a:t>Try-with-resources</a:t>
+            </a:r>
+          </a:p>
+          <a:p>
+            <a:pPr marL="285750" indent="-285750">
+              <a:buFont typeface="Arial" panose="020B0604020202020204" pitchFamily="34" charset="0"/>
+              <a:buChar char="•"/>
+            </a:pPr>
+            <a:r>
+              <a:rPr lang="en-US" dirty="0"/>
+              <a:t>Diamond syntax</a:t>
+            </a:r>
+          </a:p>
+          <a:p>
+            <a:pPr marL="285750" indent="-285750">
+              <a:buFont typeface="Arial" panose="020B0604020202020204" pitchFamily="34" charset="0"/>
+              <a:buChar char="•"/>
+            </a:pPr>
+            <a:r>
+              <a:rPr lang="en-US" dirty="0"/>
+              <a:t>Simplified </a:t>
+            </a:r>
+            <a:r>
+              <a:rPr lang="en-US" dirty="0" err="1"/>
+              <a:t>varargs</a:t>
+            </a:r>
+            <a:r>
+              <a:rPr lang="en-US" dirty="0"/>
+              <a:t> method invocation</a:t>
+            </a:r>
           </a:p>
         </p:txBody>
       </p:sp>
     </p:spTree>
     <p:extLst>
       <p:ext uri="{BB962C8B-B14F-4D97-AF65-F5344CB8AC3E}">
-        <p14:creationId xmlns:p14="http://schemas.microsoft.com/office/powerpoint/2010/main" val="737118897"/>
+        <p14:creationId xmlns:p14="http://schemas.microsoft.com/office/powerpoint/2010/main" val="3061729273"/>
       </p:ext>
     </p:extLst>
   </p:cSld>
@@ -8896,7 +11414,13 @@
       </p:grpSpPr>
       <p:sp>
         <p:nvSpPr>
-          <p:cNvPr id="2" name="Title 1"/>
+          <p:cNvPr id="2" name="Title 1">
+            <a:extLst>
+              <a:ext uri="{FF2B5EF4-FFF2-40B4-BE49-F238E27FC236}">
+                <a16:creationId xmlns:a16="http://schemas.microsoft.com/office/drawing/2014/main" id="{7C2680F6-C9E9-4124-BD30-6FD535CB5658}"/>
+              </a:ext>
+            </a:extLst>
+          </p:cNvPr>
           <p:cNvSpPr>
             <a:spLocks noGrp="1"/>
           </p:cNvSpPr>
@@ -8911,8 +11435,13 @@
           <a:p>
             <a:r>
               <a:rPr lang="en-US" dirty="0"/>
-              <a:t>Add a Slide Title - 4</a:t>
-            </a:r>
+              <a:t>Project Coin – Strings in </a:t>
+            </a:r>
+            <a:r>
+              <a:rPr lang="en-US" dirty="0" err="1"/>
+              <a:t>swich</a:t>
+            </a:r>
+            <a:endParaRPr lang="en-US" dirty="0"/>
           </a:p>
         </p:txBody>
       </p:sp>
@@ -8921,7 +11450,7 @@
           <p:cNvPr id="3" name="TextBox 2">
             <a:extLst>
               <a:ext uri="{FF2B5EF4-FFF2-40B4-BE49-F238E27FC236}">
-                <a16:creationId xmlns:a16="http://schemas.microsoft.com/office/drawing/2014/main" id="{8C079C1C-8ABC-40BC-B68B-2AFD4C366610}"/>
+                <a16:creationId xmlns:a16="http://schemas.microsoft.com/office/drawing/2014/main" id="{43BC23B5-5CB8-43B6-B1C0-CEE35F3B3913}"/>
               </a:ext>
             </a:extLst>
           </p:cNvPr>
@@ -8930,8 +11459,8 @@
         </p:nvSpPr>
         <p:spPr>
           <a:xfrm>
-            <a:off x="990335" y="2048654"/>
-            <a:ext cx="10040112" cy="2031325"/>
+            <a:off x="1208314" y="1981199"/>
+            <a:ext cx="8817429" cy="1200329"/>
           </a:xfrm>
           <a:prstGeom prst="rect">
             <a:avLst/>
@@ -8946,83 +11475,64 @@
           <a:p>
             <a:r>
               <a:rPr lang="en-US" dirty="0"/>
-              <a:t>Project Coin brought six main new features to Java7:</a:t>
-            </a:r>
-          </a:p>
-          <a:p>
-            <a:pPr marL="285750" indent="-285750">
-              <a:buFont typeface="Arial" panose="020B0604020202020204" pitchFamily="34" charset="0"/>
-              <a:buChar char="•"/>
-            </a:pPr>
-            <a:r>
-              <a:rPr lang="en-US" dirty="0"/>
-              <a:t>Strings in switch</a:t>
-            </a:r>
-          </a:p>
-          <a:p>
-            <a:pPr marL="285750" indent="-285750">
-              <a:buFont typeface="Arial" panose="020B0604020202020204" pitchFamily="34" charset="0"/>
-              <a:buChar char="•"/>
-            </a:pPr>
-            <a:r>
-              <a:rPr lang="en-US" dirty="0"/>
-              <a:t>Enhanced syntax for numeric literals</a:t>
-            </a:r>
-          </a:p>
-          <a:p>
-            <a:pPr marL="285750" indent="-285750">
-              <a:buFont typeface="Arial" panose="020B0604020202020204" pitchFamily="34" charset="0"/>
-              <a:buChar char="•"/>
-            </a:pPr>
-            <a:r>
-              <a:rPr lang="en-US" dirty="0"/>
-              <a:t>Improved exception handling</a:t>
-            </a:r>
-          </a:p>
-          <a:p>
-            <a:pPr marL="285750" indent="-285750">
-              <a:buFont typeface="Arial" panose="020B0604020202020204" pitchFamily="34" charset="0"/>
-              <a:buChar char="•"/>
-            </a:pPr>
-            <a:r>
-              <a:rPr lang="en-US" dirty="0"/>
-              <a:t>Try-with-resources</a:t>
-            </a:r>
-          </a:p>
-          <a:p>
-            <a:pPr marL="285750" indent="-285750">
-              <a:buFont typeface="Arial" panose="020B0604020202020204" pitchFamily="34" charset="0"/>
-              <a:buChar char="•"/>
-            </a:pPr>
-            <a:r>
-              <a:rPr lang="en-US" dirty="0"/>
-              <a:t>Diamond syntax</a:t>
-            </a:r>
-          </a:p>
-          <a:p>
-            <a:pPr marL="285750" indent="-285750">
-              <a:buFont typeface="Arial" panose="020B0604020202020204" pitchFamily="34" charset="0"/>
-              <a:buChar char="•"/>
-            </a:pPr>
-            <a:r>
-              <a:rPr lang="en-US" dirty="0"/>
-              <a:t>Simplified </a:t>
+              <a:t>In Java 6 and before, the values for the cases could only be constants of type byte, char, short, </a:t>
             </a:r>
             <a:r>
               <a:rPr lang="en-US" dirty="0" err="1"/>
-              <a:t>varargs</a:t>
-            </a:r>
-            <a:r>
-              <a:rPr lang="en-US" dirty="0"/>
-              <a:t> method invocation</a:t>
-            </a:r>
-          </a:p>
-        </p:txBody>
-      </p:sp>
+              <a:t>int</a:t>
+            </a:r>
+            <a:r>
+              <a:rPr lang="en-US" dirty="0"/>
+              <a:t> or </a:t>
+            </a:r>
+            <a:r>
+              <a:rPr lang="en-US" dirty="0" err="1"/>
+              <a:t>enum</a:t>
+            </a:r>
+            <a:r>
+              <a:rPr lang="en-US" dirty="0"/>
+              <a:t> constants. With Java 7, the spec has been extended to allow for the String type to be used as well. </a:t>
+            </a:r>
+          </a:p>
+          <a:p>
+            <a:endParaRPr lang="en-US" dirty="0"/>
+          </a:p>
+        </p:txBody>
+      </p:sp>
+      <p:pic>
+        <p:nvPicPr>
+          <p:cNvPr id="4" name="Picture 3">
+            <a:extLst>
+              <a:ext uri="{FF2B5EF4-FFF2-40B4-BE49-F238E27FC236}">
+                <a16:creationId xmlns:a16="http://schemas.microsoft.com/office/drawing/2014/main" id="{5A3D51D7-4042-4F09-8A1D-2CEA221D6511}"/>
+              </a:ext>
+            </a:extLst>
+          </p:cNvPr>
+          <p:cNvPicPr>
+            <a:picLocks noChangeAspect="1"/>
+          </p:cNvPicPr>
+          <p:nvPr/>
+        </p:nvPicPr>
+        <p:blipFill>
+          <a:blip r:embed="rId2"/>
+          <a:stretch>
+            <a:fillRect/>
+          </a:stretch>
+        </p:blipFill>
+        <p:spPr>
+          <a:xfrm>
+            <a:off x="2775857" y="3181528"/>
+            <a:ext cx="5334000" cy="2943225"/>
+          </a:xfrm>
+          <a:prstGeom prst="rect">
+            <a:avLst/>
+          </a:prstGeom>
+        </p:spPr>
+      </p:pic>
     </p:spTree>
     <p:extLst>
       <p:ext uri="{BB962C8B-B14F-4D97-AF65-F5344CB8AC3E}">
-        <p14:creationId xmlns:p14="http://schemas.microsoft.com/office/powerpoint/2010/main" val="3061729273"/>
+        <p14:creationId xmlns:p14="http://schemas.microsoft.com/office/powerpoint/2010/main" val="57631578"/>
       </p:ext>
     </p:extLst>
   </p:cSld>
@@ -9061,10 +11571,243 @@
           <a:chExt cx="0" cy="0"/>
         </a:xfrm>
       </p:grpSpPr>
+      <p:sp>
+        <p:nvSpPr>
+          <p:cNvPr id="2" name="Title 1">
+            <a:extLst>
+              <a:ext uri="{FF2B5EF4-FFF2-40B4-BE49-F238E27FC236}">
+                <a16:creationId xmlns:a16="http://schemas.microsoft.com/office/drawing/2014/main" id="{40BBC8F9-4E36-48F7-AE37-1ED4F8246968}"/>
+              </a:ext>
+            </a:extLst>
+          </p:cNvPr>
+          <p:cNvSpPr>
+            <a:spLocks noGrp="1"/>
+          </p:cNvSpPr>
+          <p:nvPr>
+            <p:ph type="title"/>
+          </p:nvPr>
+        </p:nvSpPr>
+        <p:spPr/>
+        <p:txBody>
+          <a:bodyPr/>
+          <a:lstStyle/>
+          <a:p>
+            <a:r>
+              <a:rPr lang="en-US" dirty="0"/>
+              <a:t>Project Coin - Enhanced syntax for numeric literals</a:t>
+            </a:r>
+          </a:p>
+        </p:txBody>
+      </p:sp>
+      <p:sp>
+        <p:nvSpPr>
+          <p:cNvPr id="3" name="TextBox 2">
+            <a:extLst>
+              <a:ext uri="{FF2B5EF4-FFF2-40B4-BE49-F238E27FC236}">
+                <a16:creationId xmlns:a16="http://schemas.microsoft.com/office/drawing/2014/main" id="{01FBC734-8D3B-40ED-9DD6-A3421765BE5A}"/>
+              </a:ext>
+            </a:extLst>
+          </p:cNvPr>
+          <p:cNvSpPr txBox="1"/>
+          <p:nvPr/>
+        </p:nvSpPr>
+        <p:spPr>
+          <a:xfrm>
+            <a:off x="1034144" y="2166257"/>
+            <a:ext cx="9688286" cy="2308324"/>
+          </a:xfrm>
+          <a:prstGeom prst="rect">
+            <a:avLst/>
+          </a:prstGeom>
+          <a:noFill/>
+        </p:spPr>
+        <p:txBody>
+          <a:bodyPr wrap="square" rtlCol="0">
+            <a:spAutoFit/>
+          </a:bodyPr>
+          <a:lstStyle/>
+          <a:p>
+            <a:pPr marL="285750" indent="-285750">
+              <a:buFont typeface="Arial" panose="020B0604020202020204" pitchFamily="34" charset="0"/>
+              <a:buChar char="•"/>
+            </a:pPr>
+            <a:r>
+              <a:rPr lang="en-US" dirty="0"/>
+              <a:t>Numeric constants (that is, one of the integer primitive types) may now be expressed as binary literals.</a:t>
+            </a:r>
+          </a:p>
+          <a:p>
+            <a:pPr marL="285750" indent="-285750">
+              <a:buFont typeface="Arial" panose="020B0604020202020204" pitchFamily="34" charset="0"/>
+              <a:buChar char="•"/>
+            </a:pPr>
+            <a:endParaRPr lang="en-US" dirty="0"/>
+          </a:p>
+          <a:p>
+            <a:pPr marL="285750" indent="-285750">
+              <a:buFont typeface="Arial" panose="020B0604020202020204" pitchFamily="34" charset="0"/>
+              <a:buChar char="•"/>
+            </a:pPr>
+            <a:endParaRPr lang="en-US" dirty="0"/>
+          </a:p>
+          <a:p>
+            <a:pPr marL="285750" indent="-285750">
+              <a:buFont typeface="Arial" panose="020B0604020202020204" pitchFamily="34" charset="0"/>
+              <a:buChar char="•"/>
+            </a:pPr>
+            <a:endParaRPr lang="en-US" dirty="0"/>
+          </a:p>
+          <a:p>
+            <a:endParaRPr lang="en-US" dirty="0"/>
+          </a:p>
+          <a:p>
+            <a:endParaRPr lang="en-US" dirty="0"/>
+          </a:p>
+          <a:p>
+            <a:pPr marL="285750" indent="-285750">
+              <a:buFont typeface="Arial" panose="020B0604020202020204" pitchFamily="34" charset="0"/>
+              <a:buChar char="•"/>
+            </a:pPr>
+            <a:r>
+              <a:rPr lang="en-US" dirty="0"/>
+              <a:t>Underscores may be used in integer constants to improve readability</a:t>
+            </a:r>
+          </a:p>
+        </p:txBody>
+      </p:sp>
+      <p:pic>
+        <p:nvPicPr>
+          <p:cNvPr id="4" name="Picture 3">
+            <a:extLst>
+              <a:ext uri="{FF2B5EF4-FFF2-40B4-BE49-F238E27FC236}">
+                <a16:creationId xmlns:a16="http://schemas.microsoft.com/office/drawing/2014/main" id="{139A2FD4-DEF2-4E71-A2FC-8C67E86D420A}"/>
+              </a:ext>
+            </a:extLst>
+          </p:cNvPr>
+          <p:cNvPicPr>
+            <a:picLocks noChangeAspect="1"/>
+          </p:cNvPicPr>
+          <p:nvPr/>
+        </p:nvPicPr>
+        <p:blipFill>
+          <a:blip r:embed="rId2"/>
+          <a:stretch>
+            <a:fillRect/>
+          </a:stretch>
+        </p:blipFill>
+        <p:spPr>
+          <a:xfrm>
+            <a:off x="1295400" y="3219450"/>
+            <a:ext cx="3248025" cy="419100"/>
+          </a:xfrm>
+          <a:prstGeom prst="rect">
+            <a:avLst/>
+          </a:prstGeom>
+        </p:spPr>
+      </p:pic>
+      <p:cxnSp>
+        <p:nvCxnSpPr>
+          <p:cNvPr id="6" name="Straight Arrow Connector 5">
+            <a:extLst>
+              <a:ext uri="{FF2B5EF4-FFF2-40B4-BE49-F238E27FC236}">
+                <a16:creationId xmlns:a16="http://schemas.microsoft.com/office/drawing/2014/main" id="{7EDFC2F1-ADC6-4396-9297-A223AE3591B2}"/>
+              </a:ext>
+            </a:extLst>
+          </p:cNvPr>
+          <p:cNvCxnSpPr/>
+          <p:nvPr/>
+        </p:nvCxnSpPr>
+        <p:spPr>
+          <a:xfrm>
+            <a:off x="4833257" y="3429000"/>
+            <a:ext cx="1110343" cy="0"/>
+          </a:xfrm>
+          <a:prstGeom prst="straightConnector1">
+            <a:avLst/>
+          </a:prstGeom>
+          <a:ln>
+            <a:tailEnd type="triangle"/>
+          </a:ln>
+        </p:spPr>
+        <p:style>
+          <a:lnRef idx="1">
+            <a:schemeClr val="accent1"/>
+          </a:lnRef>
+          <a:fillRef idx="0">
+            <a:schemeClr val="accent1"/>
+          </a:fillRef>
+          <a:effectRef idx="0">
+            <a:schemeClr val="accent1"/>
+          </a:effectRef>
+          <a:fontRef idx="minor">
+            <a:schemeClr val="tx1"/>
+          </a:fontRef>
+        </p:style>
+      </p:cxnSp>
+      <p:pic>
+        <p:nvPicPr>
+          <p:cNvPr id="7" name="Picture 6">
+            <a:extLst>
+              <a:ext uri="{FF2B5EF4-FFF2-40B4-BE49-F238E27FC236}">
+                <a16:creationId xmlns:a16="http://schemas.microsoft.com/office/drawing/2014/main" id="{C8679DCC-93BD-4ED0-AE15-067E64460CD6}"/>
+              </a:ext>
+            </a:extLst>
+          </p:cNvPr>
+          <p:cNvPicPr>
+            <a:picLocks noChangeAspect="1"/>
+          </p:cNvPicPr>
+          <p:nvPr/>
+        </p:nvPicPr>
+        <p:blipFill>
+          <a:blip r:embed="rId3"/>
+          <a:stretch>
+            <a:fillRect/>
+          </a:stretch>
+        </p:blipFill>
+        <p:spPr>
+          <a:xfrm>
+            <a:off x="6248402" y="3219450"/>
+            <a:ext cx="2466975" cy="533400"/>
+          </a:xfrm>
+          <a:prstGeom prst="rect">
+            <a:avLst/>
+          </a:prstGeom>
+        </p:spPr>
+      </p:pic>
+      <p:pic>
+        <p:nvPicPr>
+          <p:cNvPr id="8" name="Picture 7">
+            <a:extLst>
+              <a:ext uri="{FF2B5EF4-FFF2-40B4-BE49-F238E27FC236}">
+                <a16:creationId xmlns:a16="http://schemas.microsoft.com/office/drawing/2014/main" id="{F4124520-EEB5-489E-B492-0511C1838B0F}"/>
+              </a:ext>
+            </a:extLst>
+          </p:cNvPr>
+          <p:cNvPicPr>
+            <a:picLocks noChangeAspect="1"/>
+          </p:cNvPicPr>
+          <p:nvPr/>
+        </p:nvPicPr>
+        <p:blipFill>
+          <a:blip r:embed="rId4"/>
+          <a:stretch>
+            <a:fillRect/>
+          </a:stretch>
+        </p:blipFill>
+        <p:spPr>
+          <a:xfrm>
+            <a:off x="1317171" y="4923064"/>
+            <a:ext cx="6248400" cy="647700"/>
+          </a:xfrm>
+          <a:prstGeom prst="rect">
+            <a:avLst/>
+          </a:prstGeom>
+        </p:spPr>
+      </p:pic>
     </p:spTree>
     <p:extLst>
       <p:ext uri="{BB962C8B-B14F-4D97-AF65-F5344CB8AC3E}">
-        <p14:creationId xmlns:p14="http://schemas.microsoft.com/office/powerpoint/2010/main" val="1455343978"/>
+        <p14:creationId xmlns:p14="http://schemas.microsoft.com/office/powerpoint/2010/main" val="1033653587"/>
       </p:ext>
     </p:extLst>
   </p:cSld>
@@ -9105,7 +11848,13 @@
       </p:grpSpPr>
       <p:sp>
         <p:nvSpPr>
-          <p:cNvPr id="2" name="Title 1"/>
+          <p:cNvPr id="2" name="Title 1">
+            <a:extLst>
+              <a:ext uri="{FF2B5EF4-FFF2-40B4-BE49-F238E27FC236}">
+                <a16:creationId xmlns:a16="http://schemas.microsoft.com/office/drawing/2014/main" id="{02693903-5764-405B-A162-BD32BFC4CB34}"/>
+              </a:ext>
+            </a:extLst>
+          </p:cNvPr>
           <p:cNvSpPr>
             <a:spLocks noGrp="1"/>
           </p:cNvSpPr>
@@ -9120,78 +11869,152 @@
           <a:p>
             <a:r>
               <a:rPr lang="en-US" dirty="0"/>
-              <a:t>NIO2 - Path</a:t>
-            </a:r>
-          </a:p>
-        </p:txBody>
-      </p:sp>
-      <p:sp>
-        <p:nvSpPr>
-          <p:cNvPr id="5" name="Content Placeholder 4"/>
-          <p:cNvSpPr>
-            <a:spLocks noGrp="1"/>
-          </p:cNvSpPr>
-          <p:nvPr>
-            <p:ph idx="1"/>
-          </p:nvPr>
-        </p:nvSpPr>
-        <p:spPr/>
-        <p:txBody>
-          <a:bodyPr/>
-          <a:lstStyle/>
-          <a:p>
-            <a:r>
-              <a:rPr lang="en-US" dirty="0"/>
-              <a:t>JVM only binds a Path to the physical location at runtime</a:t>
-            </a:r>
-          </a:p>
-          <a:p>
-            <a:r>
-              <a:rPr lang="en-US" dirty="0"/>
-              <a:t>This interface extends Watchable interface so that a directory located by a path can be registered with a </a:t>
-            </a:r>
+              <a:t>Project Coin – Improved exception handling</a:t>
+            </a:r>
+          </a:p>
+        </p:txBody>
+      </p:sp>
+      <p:sp>
+        <p:nvSpPr>
+          <p:cNvPr id="3" name="TextBox 2">
+            <a:extLst>
+              <a:ext uri="{FF2B5EF4-FFF2-40B4-BE49-F238E27FC236}">
+                <a16:creationId xmlns:a16="http://schemas.microsoft.com/office/drawing/2014/main" id="{235CFD9A-77B7-471E-A8E4-CD7D93FD295C}"/>
+              </a:ext>
+            </a:extLst>
+          </p:cNvPr>
+          <p:cNvSpPr txBox="1"/>
+          <p:nvPr/>
+        </p:nvSpPr>
+        <p:spPr>
+          <a:xfrm>
+            <a:off x="693088" y="2316859"/>
+            <a:ext cx="2455628" cy="646331"/>
+          </a:xfrm>
+          <a:prstGeom prst="rect">
+            <a:avLst/>
+          </a:prstGeom>
+          <a:noFill/>
+        </p:spPr>
+        <p:txBody>
+          <a:bodyPr wrap="square" rtlCol="0">
+            <a:spAutoFit/>
+          </a:bodyPr>
+          <a:lstStyle/>
+          <a:p>
             <a:r>
               <a:rPr lang="en-US" dirty="0" err="1"/>
-              <a:t>WatchService</a:t>
-            </a:r>
-            <a:r>
-              <a:rPr lang="en-US" dirty="0"/>
-              <a:t> and entries in the directory watched.</a:t>
-            </a:r>
-          </a:p>
-        </p:txBody>
-      </p:sp>
-      <p:sp>
-        <p:nvSpPr>
-          <p:cNvPr id="6" name="Text Placeholder 5"/>
-          <p:cNvSpPr>
-            <a:spLocks noGrp="1"/>
-          </p:cNvSpPr>
-          <p:nvPr>
-            <p:ph type="body" sz="half" idx="2"/>
-          </p:nvPr>
-        </p:nvSpPr>
-        <p:spPr/>
-        <p:txBody>
-          <a:bodyPr/>
-          <a:lstStyle/>
-          <a:p>
-            <a:r>
-              <a:rPr lang="en-US" dirty="0"/>
-              <a:t>The concept of a location </a:t>
-            </a:r>
-            <a:r>
-              <a:rPr lang="en-US" altLang="zh-CN" dirty="0"/>
-              <a:t>- the Path class is a programmatic representation of a path in the file system</a:t>
+              <a:t>Multicatch</a:t>
             </a:r>
             <a:endParaRPr lang="en-US" dirty="0"/>
           </a:p>
-        </p:txBody>
-      </p:sp>
+          <a:p>
+            <a:pPr marL="285750" indent="-285750">
+              <a:buFont typeface="Arial" panose="020B0604020202020204" pitchFamily="34" charset="0"/>
+              <a:buChar char="•"/>
+            </a:pPr>
+            <a:endParaRPr lang="en-US" dirty="0"/>
+          </a:p>
+        </p:txBody>
+      </p:sp>
+      <p:pic>
+        <p:nvPicPr>
+          <p:cNvPr id="4" name="Picture 3">
+            <a:extLst>
+              <a:ext uri="{FF2B5EF4-FFF2-40B4-BE49-F238E27FC236}">
+                <a16:creationId xmlns:a16="http://schemas.microsoft.com/office/drawing/2014/main" id="{8E9AEDB9-55AE-4D70-9469-31CC326BB68E}"/>
+              </a:ext>
+            </a:extLst>
+          </p:cNvPr>
+          <p:cNvPicPr>
+            <a:picLocks noChangeAspect="1"/>
+          </p:cNvPicPr>
+          <p:nvPr/>
+        </p:nvPicPr>
+        <p:blipFill rotWithShape="1">
+          <a:blip r:embed="rId2"/>
+          <a:srcRect r="12077"/>
+          <a:stretch/>
+        </p:blipFill>
+        <p:spPr>
+          <a:xfrm>
+            <a:off x="526111" y="3228419"/>
+            <a:ext cx="5402912" cy="2591935"/>
+          </a:xfrm>
+          <a:prstGeom prst="rect">
+            <a:avLst/>
+          </a:prstGeom>
+        </p:spPr>
+      </p:pic>
+      <p:sp>
+        <p:nvSpPr>
+          <p:cNvPr id="6" name="TextBox 5">
+            <a:extLst>
+              <a:ext uri="{FF2B5EF4-FFF2-40B4-BE49-F238E27FC236}">
+                <a16:creationId xmlns:a16="http://schemas.microsoft.com/office/drawing/2014/main" id="{A0F9926C-796E-42EE-B898-081B775A0EE6}"/>
+              </a:ext>
+            </a:extLst>
+          </p:cNvPr>
+          <p:cNvSpPr txBox="1"/>
+          <p:nvPr/>
+        </p:nvSpPr>
+        <p:spPr>
+          <a:xfrm>
+            <a:off x="7426518" y="2316859"/>
+            <a:ext cx="2886324" cy="369332"/>
+          </a:xfrm>
+          <a:prstGeom prst="rect">
+            <a:avLst/>
+          </a:prstGeom>
+          <a:noFill/>
+        </p:spPr>
+        <p:txBody>
+          <a:bodyPr wrap="square" rtlCol="0">
+            <a:spAutoFit/>
+          </a:bodyPr>
+          <a:lstStyle/>
+          <a:p>
+            <a:r>
+              <a:rPr lang="en-US" dirty="0"/>
+              <a:t>Final rethrow</a:t>
+            </a:r>
+          </a:p>
+        </p:txBody>
+      </p:sp>
+      <p:pic>
+        <p:nvPicPr>
+          <p:cNvPr id="7" name="Picture 6">
+            <a:extLst>
+              <a:ext uri="{FF2B5EF4-FFF2-40B4-BE49-F238E27FC236}">
+                <a16:creationId xmlns:a16="http://schemas.microsoft.com/office/drawing/2014/main" id="{084C013A-F137-45C0-98E1-799FE08BA3DA}"/>
+              </a:ext>
+            </a:extLst>
+          </p:cNvPr>
+          <p:cNvPicPr>
+            <a:picLocks noChangeAspect="1"/>
+          </p:cNvPicPr>
+          <p:nvPr/>
+        </p:nvPicPr>
+        <p:blipFill>
+          <a:blip r:embed="rId3"/>
+          <a:stretch>
+            <a:fillRect/>
+          </a:stretch>
+        </p:blipFill>
+        <p:spPr>
+          <a:xfrm>
+            <a:off x="6979174" y="3228608"/>
+            <a:ext cx="4324350" cy="1819275"/>
+          </a:xfrm>
+          <a:prstGeom prst="rect">
+            <a:avLst/>
+          </a:prstGeom>
+        </p:spPr>
+      </p:pic>
     </p:spTree>
     <p:extLst>
       <p:ext uri="{BB962C8B-B14F-4D97-AF65-F5344CB8AC3E}">
-        <p14:creationId xmlns:p14="http://schemas.microsoft.com/office/powerpoint/2010/main" val="332843759"/>
+        <p14:creationId xmlns:p14="http://schemas.microsoft.com/office/powerpoint/2010/main" val="4119632764"/>
       </p:ext>
     </p:extLst>
   </p:cSld>

--- a/Brief Introduction of Java 7.pptx
+++ b/Brief Introduction of Java 7.pptx
@@ -5,10 +5,10 @@
     <p:sldMasterId id="2147483648" r:id="rId1"/>
   </p:sldMasterIdLst>
   <p:notesMasterIdLst>
-    <p:notesMasterId r:id="rId35"/>
+    <p:notesMasterId r:id="rId33"/>
   </p:notesMasterIdLst>
   <p:handoutMasterIdLst>
-    <p:handoutMasterId r:id="rId36"/>
+    <p:handoutMasterId r:id="rId34"/>
   </p:handoutMasterIdLst>
   <p:sldIdLst>
     <p:sldId id="257" r:id="rId2"/>
@@ -23,27 +23,25 @@
     <p:sldId id="289" r:id="rId11"/>
     <p:sldId id="290" r:id="rId12"/>
     <p:sldId id="291" r:id="rId13"/>
-    <p:sldId id="292" r:id="rId14"/>
-    <p:sldId id="267" r:id="rId15"/>
-    <p:sldId id="277" r:id="rId16"/>
-    <p:sldId id="278" r:id="rId17"/>
-    <p:sldId id="268" r:id="rId18"/>
-    <p:sldId id="280" r:id="rId19"/>
-    <p:sldId id="279" r:id="rId20"/>
-    <p:sldId id="269" r:id="rId21"/>
-    <p:sldId id="270" r:id="rId22"/>
-    <p:sldId id="282" r:id="rId23"/>
-    <p:sldId id="281" r:id="rId24"/>
-    <p:sldId id="285" r:id="rId25"/>
-    <p:sldId id="283" r:id="rId26"/>
-    <p:sldId id="284" r:id="rId27"/>
-    <p:sldId id="271" r:id="rId28"/>
-    <p:sldId id="272" r:id="rId29"/>
-    <p:sldId id="273" r:id="rId30"/>
-    <p:sldId id="274" r:id="rId31"/>
-    <p:sldId id="275" r:id="rId32"/>
-    <p:sldId id="276" r:id="rId33"/>
-    <p:sldId id="293" r:id="rId34"/>
+    <p:sldId id="267" r:id="rId14"/>
+    <p:sldId id="277" r:id="rId15"/>
+    <p:sldId id="278" r:id="rId16"/>
+    <p:sldId id="268" r:id="rId17"/>
+    <p:sldId id="280" r:id="rId18"/>
+    <p:sldId id="294" r:id="rId19"/>
+    <p:sldId id="270" r:id="rId20"/>
+    <p:sldId id="282" r:id="rId21"/>
+    <p:sldId id="281" r:id="rId22"/>
+    <p:sldId id="285" r:id="rId23"/>
+    <p:sldId id="283" r:id="rId24"/>
+    <p:sldId id="284" r:id="rId25"/>
+    <p:sldId id="271" r:id="rId26"/>
+    <p:sldId id="272" r:id="rId27"/>
+    <p:sldId id="273" r:id="rId28"/>
+    <p:sldId id="274" r:id="rId29"/>
+    <p:sldId id="275" r:id="rId30"/>
+    <p:sldId id="276" r:id="rId31"/>
+    <p:sldId id="293" r:id="rId32"/>
   </p:sldIdLst>
   <p:sldSz cx="12192000" cy="6858000"/>
   <p:notesSz cx="6858000" cy="9144000"/>
@@ -250,7 +248,7 @@
           <a:p>
             <a:fld id="{D63D5444-F62C-42C3-A75A-D9DBA807730F}" type="datetimeFigureOut">
               <a:rPr lang="en-US" smtClean="0"/>
-              <a:t>1/25/2018</a:t>
+              <a:t>1/26/2018</a:t>
             </a:fld>
             <a:endParaRPr lang="en-US"/>
           </a:p>
@@ -415,7 +413,7 @@
           <a:p>
             <a:fld id="{12CAA1FA-7B6A-47D2-8D61-F225D71B51FF}" type="datetimeFigureOut">
               <a:rPr lang="en-US" smtClean="0"/>
-              <a:t>1/25/2018</a:t>
+              <a:t>1/26/2018</a:t>
             </a:fld>
             <a:endParaRPr lang="en-US"/>
           </a:p>
@@ -1368,7 +1366,7 @@
           <a:p>
             <a:fld id="{A79A3335-6331-4872-A8B7-ECD55539F4D0}" type="datetimeFigureOut">
               <a:rPr lang="en-US" smtClean="0"/>
-              <a:t>1/25/2018</a:t>
+              <a:t>1/26/2018</a:t>
             </a:fld>
             <a:endParaRPr lang="en-US"/>
           </a:p>
@@ -1975,7 +1973,7 @@
           <a:p>
             <a:fld id="{A79A3335-6331-4872-A8B7-ECD55539F4D0}" type="datetimeFigureOut">
               <a:rPr lang="en-US" smtClean="0"/>
-              <a:t>1/25/2018</a:t>
+              <a:t>1/26/2018</a:t>
             </a:fld>
             <a:endParaRPr lang="en-US"/>
           </a:p>
@@ -2158,7 +2156,7 @@
           <a:p>
             <a:fld id="{A79A3335-6331-4872-A8B7-ECD55539F4D0}" type="datetimeFigureOut">
               <a:rPr lang="en-US" smtClean="0"/>
-              <a:t>1/25/2018</a:t>
+              <a:t>1/26/2018</a:t>
             </a:fld>
             <a:endParaRPr lang="en-US"/>
           </a:p>
@@ -2492,7 +2490,7 @@
           <a:p>
             <a:fld id="{A79A3335-6331-4872-A8B7-ECD55539F4D0}" type="datetimeFigureOut">
               <a:rPr lang="en-US" smtClean="0"/>
-              <a:t>1/25/2018</a:t>
+              <a:t>1/26/2018</a:t>
             </a:fld>
             <a:endParaRPr lang="en-US"/>
           </a:p>
@@ -2684,7 +2682,7 @@
           <a:p>
             <a:fld id="{A79A3335-6331-4872-A8B7-ECD55539F4D0}" type="datetimeFigureOut">
               <a:rPr lang="en-US" smtClean="0"/>
-              <a:t>1/25/2018</a:t>
+              <a:t>1/26/2018</a:t>
             </a:fld>
             <a:endParaRPr lang="en-US"/>
           </a:p>
@@ -3846,7 +3844,7 @@
           <a:p>
             <a:fld id="{A79A3335-6331-4872-A8B7-ECD55539F4D0}" type="datetimeFigureOut">
               <a:rPr lang="en-US" smtClean="0"/>
-              <a:t>1/25/2018</a:t>
+              <a:t>1/26/2018</a:t>
             </a:fld>
             <a:endParaRPr lang="en-US"/>
           </a:p>
@@ -4230,7 +4228,7 @@
           <a:p>
             <a:fld id="{A79A3335-6331-4872-A8B7-ECD55539F4D0}" type="datetimeFigureOut">
               <a:rPr lang="en-US" smtClean="0"/>
-              <a:t>1/25/2018</a:t>
+              <a:t>1/26/2018</a:t>
             </a:fld>
             <a:endParaRPr lang="en-US"/>
           </a:p>
@@ -4362,7 +4360,7 @@
           <a:p>
             <a:fld id="{A79A3335-6331-4872-A8B7-ECD55539F4D0}" type="datetimeFigureOut">
               <a:rPr lang="en-US" smtClean="0"/>
-              <a:t>1/25/2018</a:t>
+              <a:t>1/26/2018</a:t>
             </a:fld>
             <a:endParaRPr lang="en-US"/>
           </a:p>
@@ -4472,7 +4470,7 @@
           <a:p>
             <a:fld id="{A79A3335-6331-4872-A8B7-ECD55539F4D0}" type="datetimeFigureOut">
               <a:rPr lang="en-US" smtClean="0"/>
-              <a:t>1/25/2018</a:t>
+              <a:t>1/26/2018</a:t>
             </a:fld>
             <a:endParaRPr lang="en-US"/>
           </a:p>
@@ -4765,7 +4763,7 @@
           <a:p>
             <a:fld id="{A79A3335-6331-4872-A8B7-ECD55539F4D0}" type="datetimeFigureOut">
               <a:rPr lang="en-US" smtClean="0"/>
-              <a:t>1/25/2018</a:t>
+              <a:t>1/26/2018</a:t>
             </a:fld>
             <a:endParaRPr lang="en-US"/>
           </a:p>
@@ -5148,7 +5146,7 @@
             <a:fld id="{A79A3335-6331-4872-A8B7-ECD55539F4D0}" type="datetimeFigureOut">
               <a:rPr lang="en-US" smtClean="0"/>
               <a:pPr/>
-              <a:t>1/25/2018</a:t>
+              <a:t>1/26/2018</a:t>
             </a:fld>
             <a:endParaRPr lang="en-US"/>
           </a:p>
@@ -6763,13 +6761,7 @@
       </p:grpSpPr>
       <p:sp>
         <p:nvSpPr>
-          <p:cNvPr id="2" name="Title 1">
-            <a:extLst>
-              <a:ext uri="{FF2B5EF4-FFF2-40B4-BE49-F238E27FC236}">
-                <a16:creationId xmlns:a16="http://schemas.microsoft.com/office/drawing/2014/main" id="{39E83D86-131A-438E-96E5-10C065DE7FA4}"/>
-              </a:ext>
-            </a:extLst>
-          </p:cNvPr>
+          <p:cNvPr id="2" name="Title 1"/>
           <p:cNvSpPr>
             <a:spLocks noGrp="1"/>
           </p:cNvSpPr>
@@ -6784,7 +6776,106 @@
           <a:p>
             <a:r>
               <a:rPr lang="en-US" dirty="0"/>
-              <a:t>NIO.2</a:t>
+              <a:t>NIO.2 - Path</a:t>
+            </a:r>
+          </a:p>
+        </p:txBody>
+      </p:sp>
+      <p:sp>
+        <p:nvSpPr>
+          <p:cNvPr id="5" name="Content Placeholder 4"/>
+          <p:cNvSpPr>
+            <a:spLocks noGrp="1"/>
+          </p:cNvSpPr>
+          <p:nvPr>
+            <p:ph idx="1"/>
+          </p:nvPr>
+        </p:nvSpPr>
+        <p:spPr>
+          <a:xfrm>
+            <a:off x="1295400" y="4438123"/>
+            <a:ext cx="6126480" cy="2164743"/>
+          </a:xfrm>
+        </p:spPr>
+        <p:txBody>
+          <a:bodyPr>
+            <a:normAutofit/>
+          </a:bodyPr>
+          <a:lstStyle/>
+          <a:p>
+            <a:r>
+              <a:rPr lang="en-US" sz="2000" dirty="0"/>
+              <a:t>JVM only binds a Path to the physical location at runtime</a:t>
+            </a:r>
+          </a:p>
+          <a:p>
+            <a:r>
+              <a:rPr lang="en-US" sz="2000" dirty="0"/>
+              <a:t>This interface extends Watchable interface so that a directory located by a path can be registered with a </a:t>
+            </a:r>
+            <a:r>
+              <a:rPr lang="en-US" sz="2000" dirty="0" err="1"/>
+              <a:t>WatchService</a:t>
+            </a:r>
+            <a:r>
+              <a:rPr lang="en-US" sz="2000" dirty="0"/>
+              <a:t> and entries in the directory watched.</a:t>
+            </a:r>
+          </a:p>
+        </p:txBody>
+      </p:sp>
+      <p:sp>
+        <p:nvSpPr>
+          <p:cNvPr id="6" name="Text Placeholder 5"/>
+          <p:cNvSpPr>
+            <a:spLocks noGrp="1"/>
+          </p:cNvSpPr>
+          <p:nvPr>
+            <p:ph type="body" sz="half" idx="2"/>
+          </p:nvPr>
+        </p:nvSpPr>
+        <p:spPr>
+          <a:xfrm>
+            <a:off x="1295400" y="1828800"/>
+            <a:ext cx="7554402" cy="1868557"/>
+          </a:xfrm>
+        </p:spPr>
+        <p:txBody>
+          <a:bodyPr anchor="t"/>
+          <a:lstStyle/>
+          <a:p>
+            <a:r>
+              <a:rPr lang="en-US" dirty="0"/>
+              <a:t>The concept of a location </a:t>
+            </a:r>
+            <a:r>
+              <a:rPr lang="en-US" altLang="zh-CN" dirty="0"/>
+              <a:t>- the Path class is a programmatic representation of a path in the file system. It is the new foundation for file and directory based I/O.</a:t>
+            </a:r>
+          </a:p>
+          <a:p>
+            <a:endParaRPr lang="en-US" dirty="0"/>
+          </a:p>
+          <a:p>
+            <a:r>
+              <a:rPr lang="en-US" dirty="0"/>
+              <a:t>Path </a:t>
+            </a:r>
+            <a:r>
+              <a:rPr lang="en-US" dirty="0" err="1"/>
+              <a:t>path</a:t>
+            </a:r>
+            <a:r>
+              <a:rPr lang="en-US" dirty="0"/>
+              <a:t> = </a:t>
+            </a:r>
+            <a:r>
+              <a:rPr lang="en-US" dirty="0" err="1"/>
+              <a:t>Paths.get</a:t>
+            </a:r>
+            <a:r>
+              <a:rPr lang="en-US" dirty="0"/>
+              <a:t>(“root/element1/element2/…”); </a:t>
             </a:r>
           </a:p>
         </p:txBody>
@@ -6792,7 +6883,7 @@
     </p:spTree>
     <p:extLst>
       <p:ext uri="{BB962C8B-B14F-4D97-AF65-F5344CB8AC3E}">
-        <p14:creationId xmlns:p14="http://schemas.microsoft.com/office/powerpoint/2010/main" val="659414118"/>
+        <p14:creationId xmlns:p14="http://schemas.microsoft.com/office/powerpoint/2010/main" val="332843759"/>
       </p:ext>
     </p:extLst>
   </p:cSld>
@@ -6833,7 +6924,13 @@
       </p:grpSpPr>
       <p:sp>
         <p:nvSpPr>
-          <p:cNvPr id="2" name="Title 1"/>
+          <p:cNvPr id="2" name="Title 1">
+            <a:extLst>
+              <a:ext uri="{FF2B5EF4-FFF2-40B4-BE49-F238E27FC236}">
+                <a16:creationId xmlns:a16="http://schemas.microsoft.com/office/drawing/2014/main" id="{CB42523A-164F-4150-8CE3-DFD936715F5D}"/>
+              </a:ext>
+            </a:extLst>
+          </p:cNvPr>
           <p:cNvSpPr>
             <a:spLocks noGrp="1"/>
           </p:cNvSpPr>
@@ -6848,57 +6945,20 @@
           <a:p>
             <a:r>
               <a:rPr lang="en-US" dirty="0"/>
-              <a:t>NIO2 - Path</a:t>
-            </a:r>
-          </a:p>
-        </p:txBody>
-      </p:sp>
-      <p:sp>
-        <p:nvSpPr>
-          <p:cNvPr id="5" name="Content Placeholder 4"/>
-          <p:cNvSpPr>
-            <a:spLocks noGrp="1"/>
-          </p:cNvSpPr>
-          <p:nvPr>
-            <p:ph idx="1"/>
-          </p:nvPr>
-        </p:nvSpPr>
-        <p:spPr>
-          <a:xfrm>
-            <a:off x="1295400" y="4438123"/>
-            <a:ext cx="6126480" cy="2164743"/>
-          </a:xfrm>
-        </p:spPr>
-        <p:txBody>
-          <a:bodyPr>
-            <a:normAutofit/>
-          </a:bodyPr>
-          <a:lstStyle/>
-          <a:p>
-            <a:r>
-              <a:rPr lang="en-US" sz="2000" dirty="0"/>
-              <a:t>JVM only binds a Path to the physical location at runtime</a:t>
-            </a:r>
-          </a:p>
-          <a:p>
-            <a:r>
-              <a:rPr lang="en-US" sz="2000" dirty="0"/>
-              <a:t>This interface extends Watchable interface so that a directory located by a path can be registered with a </a:t>
-            </a:r>
-            <a:r>
-              <a:rPr lang="en-US" sz="2000" dirty="0" err="1"/>
-              <a:t>WatchService</a:t>
-            </a:r>
-            <a:r>
-              <a:rPr lang="en-US" sz="2000" dirty="0"/>
-              <a:t> and entries in the directory watched.</a:t>
-            </a:r>
-          </a:p>
-        </p:txBody>
-      </p:sp>
-      <p:sp>
-        <p:nvSpPr>
-          <p:cNvPr id="6" name="Text Placeholder 5"/>
+              <a:t>NIO.2 - Path</a:t>
+            </a:r>
+          </a:p>
+        </p:txBody>
+      </p:sp>
+      <p:sp>
+        <p:nvSpPr>
+          <p:cNvPr id="4" name="Text Placeholder 3">
+            <a:extLst>
+              <a:ext uri="{FF2B5EF4-FFF2-40B4-BE49-F238E27FC236}">
+                <a16:creationId xmlns:a16="http://schemas.microsoft.com/office/drawing/2014/main" id="{54D76427-09D4-4EFB-91A5-F0E3655734F1}"/>
+              </a:ext>
+            </a:extLst>
+          </p:cNvPr>
           <p:cNvSpPr>
             <a:spLocks noGrp="1"/>
           </p:cNvSpPr>
@@ -6909,7 +6969,7 @@
         <p:spPr>
           <a:xfrm>
             <a:off x="1295400" y="1828800"/>
-            <a:ext cx="7554402" cy="1868557"/>
+            <a:ext cx="9335494" cy="4343400"/>
           </a:xfrm>
         </p:spPr>
         <p:txBody>
@@ -6918,36 +6978,91 @@
           <a:p>
             <a:r>
               <a:rPr lang="en-US" dirty="0"/>
-              <a:t>The concept of a location </a:t>
-            </a:r>
-            <a:r>
-              <a:rPr lang="en-US" altLang="zh-CN" dirty="0"/>
-              <a:t>- the Path class is a programmatic representation of a path in the file system. It is the new foundation for file and directory based I/O.</a:t>
-            </a:r>
-          </a:p>
-          <a:p>
-            <a:endParaRPr lang="en-US" dirty="0"/>
-          </a:p>
-          <a:p>
-            <a:r>
-              <a:rPr lang="en-US" dirty="0"/>
-              <a:t>Path </a:t>
-            </a:r>
+              <a:t>Useful methods (Most of these methods don’t require that the file corresponding to the Path exists.):</a:t>
+            </a:r>
+          </a:p>
+          <a:p>
+            <a:pPr marL="342900" indent="-342900">
+              <a:buFont typeface="Arial" panose="020B0604020202020204" pitchFamily="34" charset="0"/>
+              <a:buChar char="•"/>
+            </a:pPr>
             <a:r>
               <a:rPr lang="en-US" dirty="0" err="1"/>
-              <a:t>path</a:t>
-            </a:r>
-            <a:r>
-              <a:rPr lang="en-US" dirty="0"/>
-              <a:t> = </a:t>
-            </a:r>
+              <a:t>getFileName</a:t>
+            </a:r>
+            <a:r>
+              <a:rPr lang="en-US" dirty="0"/>
+              <a:t>()</a:t>
+            </a:r>
+          </a:p>
+          <a:p>
+            <a:pPr marL="342900" indent="-342900">
+              <a:buFont typeface="Arial" panose="020B0604020202020204" pitchFamily="34" charset="0"/>
+              <a:buChar char="•"/>
+            </a:pPr>
             <a:r>
               <a:rPr lang="en-US" dirty="0" err="1"/>
-              <a:t>Paths.get</a:t>
-            </a:r>
-            <a:r>
-              <a:rPr lang="en-US" dirty="0"/>
-              <a:t>(“root/element1/element2/…”); </a:t>
+              <a:t>getName</a:t>
+            </a:r>
+            <a:r>
+              <a:rPr lang="en-US" dirty="0"/>
+              <a:t>(index)</a:t>
+            </a:r>
+          </a:p>
+          <a:p>
+            <a:pPr marL="342900" indent="-342900">
+              <a:buFont typeface="Arial" panose="020B0604020202020204" pitchFamily="34" charset="0"/>
+              <a:buChar char="•"/>
+            </a:pPr>
+            <a:r>
+              <a:rPr lang="en-US" dirty="0" err="1"/>
+              <a:t>getNameCount</a:t>
+            </a:r>
+            <a:r>
+              <a:rPr lang="en-US" dirty="0"/>
+              <a:t>()</a:t>
+            </a:r>
+          </a:p>
+          <a:p>
+            <a:pPr marL="342900" indent="-342900">
+              <a:buFont typeface="Arial" panose="020B0604020202020204" pitchFamily="34" charset="0"/>
+              <a:buChar char="•"/>
+            </a:pPr>
+            <a:r>
+              <a:rPr lang="en-US" dirty="0" err="1"/>
+              <a:t>Subpath</a:t>
+            </a:r>
+            <a:r>
+              <a:rPr lang="en-US" dirty="0"/>
+              <a:t>(start index, end index)</a:t>
+            </a:r>
+          </a:p>
+          <a:p>
+            <a:pPr marL="342900" indent="-342900">
+              <a:buFont typeface="Arial" panose="020B0604020202020204" pitchFamily="34" charset="0"/>
+              <a:buChar char="•"/>
+            </a:pPr>
+            <a:r>
+              <a:rPr lang="en-US" dirty="0" err="1"/>
+              <a:t>getParent</a:t>
+            </a:r>
+            <a:r>
+              <a:rPr lang="en-US" dirty="0"/>
+              <a:t>()</a:t>
+            </a:r>
+          </a:p>
+          <a:p>
+            <a:pPr marL="342900" indent="-342900">
+              <a:buFont typeface="Arial" panose="020B0604020202020204" pitchFamily="34" charset="0"/>
+              <a:buChar char="•"/>
+            </a:pPr>
+            <a:r>
+              <a:rPr lang="en-US" dirty="0" err="1"/>
+              <a:t>getRoot</a:t>
+            </a:r>
+            <a:r>
+              <a:rPr lang="en-US" dirty="0"/>
+              <a:t>()</a:t>
             </a:r>
           </a:p>
         </p:txBody>
@@ -6955,7 +7070,7 @@
     </p:spTree>
     <p:extLst>
       <p:ext uri="{BB962C8B-B14F-4D97-AF65-F5344CB8AC3E}">
-        <p14:creationId xmlns:p14="http://schemas.microsoft.com/office/powerpoint/2010/main" val="332843759"/>
+        <p14:creationId xmlns:p14="http://schemas.microsoft.com/office/powerpoint/2010/main" val="3826145360"/>
       </p:ext>
     </p:extLst>
   </p:cSld>
@@ -6999,7 +7114,7 @@
           <p:cNvPr id="2" name="Title 1">
             <a:extLst>
               <a:ext uri="{FF2B5EF4-FFF2-40B4-BE49-F238E27FC236}">
-                <a16:creationId xmlns:a16="http://schemas.microsoft.com/office/drawing/2014/main" id="{CB42523A-164F-4150-8CE3-DFD936715F5D}"/>
+                <a16:creationId xmlns:a16="http://schemas.microsoft.com/office/drawing/2014/main" id="{7217AECF-E06C-4F73-852F-5B67C0BFCC32}"/>
               </a:ext>
             </a:extLst>
           </p:cNvPr>
@@ -7027,7 +7142,7 @@
           <p:cNvPr id="4" name="Text Placeholder 3">
             <a:extLst>
               <a:ext uri="{FF2B5EF4-FFF2-40B4-BE49-F238E27FC236}">
-                <a16:creationId xmlns:a16="http://schemas.microsoft.com/office/drawing/2014/main" id="{54D76427-09D4-4EFB-91A5-F0E3655734F1}"/>
+                <a16:creationId xmlns:a16="http://schemas.microsoft.com/office/drawing/2014/main" id="{1F11D423-4250-4A6E-9239-AB66ED39ECD6}"/>
               </a:ext>
             </a:extLst>
           </p:cNvPr>
@@ -7041,30 +7156,20 @@
         <p:spPr>
           <a:xfrm>
             <a:off x="1295400" y="1828800"/>
-            <a:ext cx="9335494" cy="4343400"/>
+            <a:ext cx="9601200" cy="4343400"/>
           </a:xfrm>
         </p:spPr>
         <p:txBody>
           <a:bodyPr anchor="t"/>
           <a:lstStyle/>
-          <a:p>
-            <a:r>
-              <a:rPr lang="en-US" dirty="0"/>
-              <a:t>Useful methods (Most of these methods don’t require that the file corresponding to the Path exists.):</a:t>
-            </a:r>
-          </a:p>
           <a:p>
             <a:pPr marL="342900" indent="-342900">
               <a:buFont typeface="Arial" panose="020B0604020202020204" pitchFamily="34" charset="0"/>
               <a:buChar char="•"/>
             </a:pPr>
             <a:r>
-              <a:rPr lang="en-US" dirty="0" err="1"/>
-              <a:t>getFileName</a:t>
-            </a:r>
-            <a:r>
-              <a:rPr lang="en-US" dirty="0"/>
-              <a:t>()</a:t>
+              <a:rPr lang="en-US" dirty="0"/>
+              <a:t>normalize()</a:t>
             </a:r>
           </a:p>
           <a:p>
@@ -7074,12 +7179,9 @@
             </a:pPr>
             <a:r>
               <a:rPr lang="en-US" dirty="0" err="1"/>
-              <a:t>getName</a:t>
-            </a:r>
-            <a:r>
-              <a:rPr lang="en-US" dirty="0"/>
-              <a:t>(index)</a:t>
-            </a:r>
+              <a:t>toAbsolutePath</a:t>
+            </a:r>
+            <a:endParaRPr lang="en-US" dirty="0"/>
           </a:p>
           <a:p>
             <a:pPr marL="342900" indent="-342900">
@@ -7088,11 +7190,31 @@
             </a:pPr>
             <a:r>
               <a:rPr lang="en-US" dirty="0" err="1"/>
-              <a:t>getNameCount</a:t>
-            </a:r>
-            <a:r>
-              <a:rPr lang="en-US" dirty="0"/>
-              <a:t>()</a:t>
+              <a:t>toRealPath</a:t>
+            </a:r>
+            <a:r>
+              <a:rPr lang="en-US" dirty="0"/>
+              <a:t>() combines </a:t>
+            </a:r>
+            <a:r>
+              <a:rPr lang="en-US" dirty="0" err="1"/>
+              <a:t>toAbsolutePath</a:t>
+            </a:r>
+            <a:r>
+              <a:rPr lang="en-US" dirty="0"/>
+              <a:t>() and normalize() and could resolve symbolic links. </a:t>
+            </a:r>
+            <a:r>
+              <a:rPr lang="en-US" dirty="0">
+                <a:highlight>
+                  <a:srgbClr val="FFFF00"/>
+                </a:highlight>
+              </a:rPr>
+              <a:t>This method will check the existence and availability of the file</a:t>
+            </a:r>
+            <a:r>
+              <a:rPr lang="en-US" dirty="0"/>
+              <a:t>.</a:t>
             </a:r>
           </a:p>
           <a:p>
@@ -7101,12 +7223,8 @@
               <a:buChar char="•"/>
             </a:pPr>
             <a:r>
-              <a:rPr lang="en-US" dirty="0" err="1"/>
-              <a:t>Subpath</a:t>
-            </a:r>
-            <a:r>
-              <a:rPr lang="en-US" dirty="0"/>
-              <a:t>(start index, end index)</a:t>
+              <a:rPr lang="en-US" dirty="0"/>
+              <a:t>resolve()</a:t>
             </a:r>
           </a:p>
           <a:p>
@@ -7115,12 +7233,8 @@
               <a:buChar char="•"/>
             </a:pPr>
             <a:r>
-              <a:rPr lang="en-US" dirty="0" err="1"/>
-              <a:t>getParent</a:t>
-            </a:r>
-            <a:r>
-              <a:rPr lang="en-US" dirty="0"/>
-              <a:t>()</a:t>
+              <a:rPr lang="en-US" dirty="0"/>
+              <a:t>relativize()</a:t>
             </a:r>
           </a:p>
           <a:p>
@@ -7129,12 +7243,39 @@
               <a:buChar char="•"/>
             </a:pPr>
             <a:r>
+              <a:rPr lang="en-US" dirty="0"/>
+              <a:t>Support equals, </a:t>
+            </a:r>
+            <a:r>
               <a:rPr lang="en-US" dirty="0" err="1"/>
-              <a:t>getRoot</a:t>
-            </a:r>
-            <a:r>
-              <a:rPr lang="en-US" dirty="0"/>
-              <a:t>()</a:t>
+              <a:t>startsWith</a:t>
+            </a:r>
+            <a:r>
+              <a:rPr lang="en-US" dirty="0"/>
+              <a:t> and </a:t>
+            </a:r>
+            <a:r>
+              <a:rPr lang="en-US" dirty="0" err="1"/>
+              <a:t>endWith</a:t>
+            </a:r>
+            <a:endParaRPr lang="en-US" dirty="0"/>
+          </a:p>
+          <a:p>
+            <a:pPr marL="342900" indent="-342900">
+              <a:buFont typeface="Arial" panose="020B0604020202020204" pitchFamily="34" charset="0"/>
+              <a:buChar char="•"/>
+            </a:pPr>
+            <a:r>
+              <a:rPr lang="en-US" dirty="0"/>
+              <a:t>Path also implements the </a:t>
+            </a:r>
+            <a:r>
+              <a:rPr lang="en-US" dirty="0" err="1"/>
+              <a:t>Iterable</a:t>
+            </a:r>
+            <a:r>
+              <a:rPr lang="en-US" dirty="0"/>
+              <a:t>. You can iterate over the name elements in the path through iterator.</a:t>
             </a:r>
           </a:p>
         </p:txBody>
@@ -7142,7 +7283,7 @@
     </p:spTree>
     <p:extLst>
       <p:ext uri="{BB962C8B-B14F-4D97-AF65-F5344CB8AC3E}">
-        <p14:creationId xmlns:p14="http://schemas.microsoft.com/office/powerpoint/2010/main" val="3826145360"/>
+        <p14:creationId xmlns:p14="http://schemas.microsoft.com/office/powerpoint/2010/main" val="1701570322"/>
       </p:ext>
     </p:extLst>
   </p:cSld>
@@ -7183,13 +7324,7 @@
       </p:grpSpPr>
       <p:sp>
         <p:nvSpPr>
-          <p:cNvPr id="2" name="Title 1">
-            <a:extLst>
-              <a:ext uri="{FF2B5EF4-FFF2-40B4-BE49-F238E27FC236}">
-                <a16:creationId xmlns:a16="http://schemas.microsoft.com/office/drawing/2014/main" id="{7217AECF-E06C-4F73-852F-5B67C0BFCC32}"/>
-              </a:ext>
-            </a:extLst>
-          </p:cNvPr>
+          <p:cNvPr id="2" name="Title 1"/>
           <p:cNvSpPr>
             <a:spLocks noGrp="1"/>
           </p:cNvSpPr>
@@ -7204,20 +7339,14 @@
           <a:p>
             <a:r>
               <a:rPr lang="en-US" dirty="0"/>
-              <a:t>NIO.2 - Path</a:t>
-            </a:r>
-          </a:p>
-        </p:txBody>
-      </p:sp>
-      <p:sp>
-        <p:nvSpPr>
-          <p:cNvPr id="4" name="Text Placeholder 3">
-            <a:extLst>
-              <a:ext uri="{FF2B5EF4-FFF2-40B4-BE49-F238E27FC236}">
-                <a16:creationId xmlns:a16="http://schemas.microsoft.com/office/drawing/2014/main" id="{1F11D423-4250-4A6E-9239-AB66ED39ECD6}"/>
-              </a:ext>
-            </a:extLst>
-          </p:cNvPr>
+              <a:t>NIO.2 – File Operation and File Attributes</a:t>
+            </a:r>
+          </a:p>
+        </p:txBody>
+      </p:sp>
+      <p:sp>
+        <p:nvSpPr>
+          <p:cNvPr id="6" name="Text Placeholder 5"/>
           <p:cNvSpPr>
             <a:spLocks noGrp="1"/>
           </p:cNvSpPr>
@@ -7227,12 +7356,12 @@
         </p:nvSpPr>
         <p:spPr>
           <a:xfrm>
-            <a:off x="1295400" y="1828800"/>
-            <a:ext cx="9601200" cy="4343400"/>
+            <a:off x="1295399" y="1828800"/>
+            <a:ext cx="8840273" cy="4343400"/>
           </a:xfrm>
         </p:spPr>
         <p:txBody>
-          <a:bodyPr anchor="t"/>
+          <a:bodyPr/>
           <a:lstStyle/>
           <a:p>
             <a:pPr marL="342900" indent="-342900">
@@ -7240,8 +7369,20 @@
               <a:buChar char="•"/>
             </a:pPr>
             <a:r>
-              <a:rPr lang="en-US" dirty="0"/>
-              <a:t>normalize()</a:t>
+              <a:rPr lang="en-US" dirty="0" err="1"/>
+              <a:t>Files.createFile</a:t>
+            </a:r>
+            <a:r>
+              <a:rPr lang="en-US" dirty="0"/>
+              <a:t>(path, </a:t>
+            </a:r>
+            <a:r>
+              <a:rPr lang="en-US" dirty="0" err="1"/>
+              <a:t>attr</a:t>
+            </a:r>
+            <a:r>
+              <a:rPr lang="en-US" dirty="0"/>
+              <a:t>)</a:t>
             </a:r>
           </a:p>
           <a:p>
@@ -7251,9 +7392,12 @@
             </a:pPr>
             <a:r>
               <a:rPr lang="en-US" dirty="0" err="1"/>
-              <a:t>toAbsolutePath</a:t>
-            </a:r>
-            <a:endParaRPr lang="en-US" dirty="0"/>
+              <a:t>Files.delete</a:t>
+            </a:r>
+            <a:r>
+              <a:rPr lang="en-US" dirty="0"/>
+              <a:t>(path)</a:t>
+            </a:r>
           </a:p>
           <a:p>
             <a:pPr marL="342900" indent="-342900">
@@ -7262,31 +7406,11 @@
             </a:pPr>
             <a:r>
               <a:rPr lang="en-US" dirty="0" err="1"/>
-              <a:t>toRealPath</a:t>
-            </a:r>
-            <a:r>
-              <a:rPr lang="en-US" dirty="0"/>
-              <a:t>() combines </a:t>
-            </a:r>
-            <a:r>
-              <a:rPr lang="en-US" dirty="0" err="1"/>
-              <a:t>toAbsolutePath</a:t>
-            </a:r>
-            <a:r>
-              <a:rPr lang="en-US" dirty="0"/>
-              <a:t>() and normalize() and could resolve symbolic links. </a:t>
-            </a:r>
-            <a:r>
-              <a:rPr lang="en-US" dirty="0">
-                <a:highlight>
-                  <a:srgbClr val="FFFF00"/>
-                </a:highlight>
-              </a:rPr>
-              <a:t>This method will check the existence and availability of the file</a:t>
-            </a:r>
-            <a:r>
-              <a:rPr lang="en-US" dirty="0"/>
-              <a:t>.</a:t>
+              <a:t>Files.copy</a:t>
+            </a:r>
+            <a:r>
+              <a:rPr lang="en-US" dirty="0"/>
+              <a:t>(path, path)</a:t>
             </a:r>
           </a:p>
           <a:p>
@@ -7295,8 +7419,12 @@
               <a:buChar char="•"/>
             </a:pPr>
             <a:r>
-              <a:rPr lang="en-US" dirty="0"/>
-              <a:t>resolve()</a:t>
+              <a:rPr lang="en-US" dirty="0" err="1"/>
+              <a:t>Files.move</a:t>
+            </a:r>
+            <a:r>
+              <a:rPr lang="en-US" dirty="0"/>
+              <a:t>(path, path) – atomic </a:t>
             </a:r>
           </a:p>
           <a:p>
@@ -7305,8 +7433,12 @@
               <a:buChar char="•"/>
             </a:pPr>
             <a:r>
-              <a:rPr lang="en-US" dirty="0"/>
-              <a:t>relativize()</a:t>
+              <a:rPr lang="en-US" dirty="0" err="1"/>
+              <a:t>BasicFileAttributes</a:t>
+            </a:r>
+            <a:r>
+              <a:rPr lang="en-US" dirty="0"/>
+              <a:t> defines the common set of attributes most filesystems support</a:t>
             </a:r>
           </a:p>
           <a:p>
@@ -7315,39 +7447,12 @@
               <a:buChar char="•"/>
             </a:pPr>
             <a:r>
-              <a:rPr lang="en-US" dirty="0"/>
-              <a:t>Support equals, </a:t>
-            </a:r>
-            <a:r>
               <a:rPr lang="en-US" dirty="0" err="1"/>
-              <a:t>startsWith</a:t>
-            </a:r>
-            <a:r>
-              <a:rPr lang="en-US" dirty="0"/>
-              <a:t> and </a:t>
-            </a:r>
-            <a:r>
-              <a:rPr lang="en-US" dirty="0" err="1"/>
-              <a:t>endWith</a:t>
-            </a:r>
-            <a:endParaRPr lang="en-US" dirty="0"/>
-          </a:p>
-          <a:p>
-            <a:pPr marL="342900" indent="-342900">
-              <a:buFont typeface="Arial" panose="020B0604020202020204" pitchFamily="34" charset="0"/>
-              <a:buChar char="•"/>
-            </a:pPr>
-            <a:r>
-              <a:rPr lang="en-US" dirty="0"/>
-              <a:t>Path also implements the </a:t>
-            </a:r>
-            <a:r>
-              <a:rPr lang="en-US" dirty="0" err="1"/>
-              <a:t>Iterable</a:t>
-            </a:r>
-            <a:r>
-              <a:rPr lang="en-US" dirty="0"/>
-              <a:t>. You can iterate over the name elements in the path through iterator.</a:t>
+              <a:t>java.nio.file.attribute</a:t>
+            </a:r>
+            <a:r>
+              <a:rPr lang="en-US" dirty="0"/>
+              <a:t> package contains a list of provided file permission classes</a:t>
             </a:r>
           </a:p>
         </p:txBody>
@@ -7355,7 +7460,7 @@
     </p:spTree>
     <p:extLst>
       <p:ext uri="{BB962C8B-B14F-4D97-AF65-F5344CB8AC3E}">
-        <p14:creationId xmlns:p14="http://schemas.microsoft.com/office/powerpoint/2010/main" val="1701570322"/>
+        <p14:creationId xmlns:p14="http://schemas.microsoft.com/office/powerpoint/2010/main" val="4129926194"/>
       </p:ext>
     </p:extLst>
   </p:cSld>
@@ -7396,7 +7501,13 @@
       </p:grpSpPr>
       <p:sp>
         <p:nvSpPr>
-          <p:cNvPr id="2" name="Title 1"/>
+          <p:cNvPr id="2" name="Title 1">
+            <a:extLst>
+              <a:ext uri="{FF2B5EF4-FFF2-40B4-BE49-F238E27FC236}">
+                <a16:creationId xmlns:a16="http://schemas.microsoft.com/office/drawing/2014/main" id="{94997889-84CE-4C63-BB17-8C4925657D40}"/>
+              </a:ext>
+            </a:extLst>
+          </p:cNvPr>
           <p:cNvSpPr>
             <a:spLocks noGrp="1"/>
           </p:cNvSpPr>
@@ -7411,14 +7522,20 @@
           <a:p>
             <a:r>
               <a:rPr lang="en-US" dirty="0"/>
-              <a:t>NIO.2 – File Operation and File Attributes</a:t>
-            </a:r>
-          </a:p>
-        </p:txBody>
-      </p:sp>
-      <p:sp>
-        <p:nvSpPr>
-          <p:cNvPr id="6" name="Text Placeholder 5"/>
+              <a:t>NIO.2 – Working with Directory</a:t>
+            </a:r>
+          </a:p>
+        </p:txBody>
+      </p:sp>
+      <p:sp>
+        <p:nvSpPr>
+          <p:cNvPr id="4" name="Text Placeholder 3">
+            <a:extLst>
+              <a:ext uri="{FF2B5EF4-FFF2-40B4-BE49-F238E27FC236}">
+                <a16:creationId xmlns:a16="http://schemas.microsoft.com/office/drawing/2014/main" id="{277F79F8-2268-4356-9107-C78280E04BCF}"/>
+              </a:ext>
+            </a:extLst>
+          </p:cNvPr>
           <p:cNvSpPr>
             <a:spLocks noGrp="1"/>
           </p:cNvSpPr>
@@ -7428,12 +7545,14 @@
         </p:nvSpPr>
         <p:spPr>
           <a:xfrm>
-            <a:off x="1295399" y="1828800"/>
-            <a:ext cx="8840273" cy="4343400"/>
+            <a:off x="1069849" y="1828800"/>
+            <a:ext cx="10168128" cy="4590288"/>
           </a:xfrm>
         </p:spPr>
         <p:txBody>
-          <a:bodyPr/>
+          <a:bodyPr anchor="t">
+            <a:normAutofit lnSpcReduction="10000"/>
+          </a:bodyPr>
           <a:lstStyle/>
           <a:p>
             <a:pPr marL="342900" indent="-342900">
@@ -7442,20 +7561,32 @@
             </a:pPr>
             <a:r>
               <a:rPr lang="en-US" dirty="0" err="1"/>
-              <a:t>Files.createFile</a:t>
-            </a:r>
-            <a:r>
-              <a:rPr lang="en-US" dirty="0"/>
-              <a:t>(path, </a:t>
+              <a:t>DirectoryStream</a:t>
+            </a:r>
+            <a:endParaRPr lang="en-US" dirty="0"/>
+          </a:p>
+          <a:p>
+            <a:r>
+              <a:rPr lang="en-US" dirty="0"/>
+              <a:t> Allows to iterate over entries in a directory using </a:t>
             </a:r>
             <a:r>
               <a:rPr lang="en-US" dirty="0" err="1"/>
-              <a:t>attr</a:t>
-            </a:r>
-            <a:r>
-              <a:rPr lang="en-US" dirty="0"/>
-              <a:t>)</a:t>
-            </a:r>
+              <a:t>Files.newDirectoryStream</a:t>
+            </a:r>
+            <a:r>
+              <a:rPr lang="en-US" dirty="0"/>
+              <a:t>(path,   glob). </a:t>
+            </a:r>
+          </a:p>
+          <a:p>
+            <a:r>
+              <a:rPr lang="en-US" dirty="0"/>
+              <a:t> You can use the pattern-matching filter to list specific files. The pattern matching that’s used is called a glob pattern match.</a:t>
+            </a:r>
+          </a:p>
+          <a:p>
+            <a:endParaRPr lang="en-US" dirty="0"/>
           </a:p>
           <a:p>
             <a:pPr marL="342900" indent="-342900">
@@ -7463,76 +7594,46 @@
               <a:buChar char="•"/>
             </a:pPr>
             <a:r>
-              <a:rPr lang="en-US" dirty="0" err="1"/>
-              <a:t>Files.delete</a:t>
-            </a:r>
-            <a:r>
-              <a:rPr lang="en-US" dirty="0"/>
-              <a:t>(path)</a:t>
-            </a:r>
-          </a:p>
-          <a:p>
-            <a:pPr marL="342900" indent="-342900">
-              <a:buFont typeface="Arial" panose="020B0604020202020204" pitchFamily="34" charset="0"/>
-              <a:buChar char="•"/>
-            </a:pPr>
-            <a:r>
-              <a:rPr lang="en-US" dirty="0" err="1"/>
-              <a:t>Files.copy</a:t>
-            </a:r>
-            <a:r>
-              <a:rPr lang="en-US" dirty="0"/>
-              <a:t>(path, path)</a:t>
-            </a:r>
-          </a:p>
-          <a:p>
-            <a:pPr marL="342900" indent="-342900">
-              <a:buFont typeface="Arial" panose="020B0604020202020204" pitchFamily="34" charset="0"/>
-              <a:buChar char="•"/>
-            </a:pPr>
-            <a:r>
-              <a:rPr lang="en-US" dirty="0" err="1"/>
-              <a:t>Files.move</a:t>
-            </a:r>
-            <a:r>
-              <a:rPr lang="en-US" dirty="0"/>
-              <a:t>(path, path)</a:t>
-            </a:r>
-          </a:p>
-          <a:p>
-            <a:pPr marL="342900" indent="-342900">
-              <a:buFont typeface="Arial" panose="020B0604020202020204" pitchFamily="34" charset="0"/>
-              <a:buChar char="•"/>
-            </a:pPr>
-            <a:r>
-              <a:rPr lang="en-US" dirty="0" err="1"/>
-              <a:t>BasicFileAttributes</a:t>
-            </a:r>
-            <a:r>
-              <a:rPr lang="en-US" dirty="0"/>
-              <a:t> defines the common set of attributes most filesystems support</a:t>
-            </a:r>
-          </a:p>
-          <a:p>
-            <a:pPr marL="342900" indent="-342900">
-              <a:buFont typeface="Arial" panose="020B0604020202020204" pitchFamily="34" charset="0"/>
-              <a:buChar char="•"/>
-            </a:pPr>
-            <a:r>
-              <a:rPr lang="en-US" dirty="0" err="1"/>
-              <a:t>java.nio.file.attribute</a:t>
-            </a:r>
-            <a:r>
-              <a:rPr lang="en-US" dirty="0"/>
-              <a:t> package contains a list of provided file permission classes</a:t>
-            </a:r>
+              <a:rPr lang="en-US" dirty="0"/>
+              <a:t>Glob</a:t>
+            </a:r>
+          </a:p>
+          <a:p>
+            <a:r>
+              <a:rPr lang="en-US" dirty="0"/>
+              <a:t>A glob pattern is specified as a string and is matched against other strings, such as directory or file names. It’s something like wildcard</a:t>
+            </a:r>
+          </a:p>
+          <a:p>
+            <a:r>
+              <a:rPr lang="en-US" dirty="0"/>
+              <a:t>You can use glob syntax to specify pattern-matching behavior.</a:t>
+            </a:r>
+          </a:p>
+          <a:p>
+            <a:endParaRPr lang="en-US" dirty="0"/>
+          </a:p>
+          <a:p>
+            <a:r>
+              <a:rPr lang="en-US" dirty="0"/>
+              <a:t>Examples: “*.html” , “???”, “a?*.java”</a:t>
+            </a:r>
+          </a:p>
+          <a:p>
+            <a:endParaRPr lang="en-US" dirty="0"/>
+          </a:p>
+          <a:p>
+            <a:endParaRPr lang="en-US" dirty="0"/>
+          </a:p>
+          <a:p>
+            <a:endParaRPr lang="en-US" dirty="0"/>
           </a:p>
         </p:txBody>
       </p:sp>
     </p:spTree>
     <p:extLst>
       <p:ext uri="{BB962C8B-B14F-4D97-AF65-F5344CB8AC3E}">
-        <p14:creationId xmlns:p14="http://schemas.microsoft.com/office/powerpoint/2010/main" val="4129926194"/>
+        <p14:creationId xmlns:p14="http://schemas.microsoft.com/office/powerpoint/2010/main" val="2333252636"/>
       </p:ext>
     </p:extLst>
   </p:cSld>
@@ -7576,7 +7677,7 @@
           <p:cNvPr id="2" name="Title 1">
             <a:extLst>
               <a:ext uri="{FF2B5EF4-FFF2-40B4-BE49-F238E27FC236}">
-                <a16:creationId xmlns:a16="http://schemas.microsoft.com/office/drawing/2014/main" id="{94997889-84CE-4C63-BB17-8C4925657D40}"/>
+                <a16:creationId xmlns:a16="http://schemas.microsoft.com/office/drawing/2014/main" id="{8D728214-EE23-4206-8A11-1F14FF35E245}"/>
               </a:ext>
             </a:extLst>
           </p:cNvPr>
@@ -7604,7 +7705,7 @@
           <p:cNvPr id="4" name="Text Placeholder 3">
             <a:extLst>
               <a:ext uri="{FF2B5EF4-FFF2-40B4-BE49-F238E27FC236}">
-                <a16:creationId xmlns:a16="http://schemas.microsoft.com/office/drawing/2014/main" id="{277F79F8-2268-4356-9107-C78280E04BCF}"/>
+                <a16:creationId xmlns:a16="http://schemas.microsoft.com/office/drawing/2014/main" id="{18673F1E-54BA-441D-BE63-AFC990632074}"/>
               </a:ext>
             </a:extLst>
           </p:cNvPr>
@@ -7617,13 +7718,48 @@
         </p:nvSpPr>
         <p:spPr>
           <a:xfrm>
-            <a:off x="1295399" y="1828800"/>
-            <a:ext cx="9133115" cy="4343400"/>
+            <a:off x="1295400" y="1828800"/>
+            <a:ext cx="9732264" cy="4343400"/>
           </a:xfrm>
         </p:spPr>
         <p:txBody>
-          <a:bodyPr/>
-          <a:lstStyle/>
+          <a:bodyPr anchor="t"/>
+          <a:lstStyle/>
+          <a:p>
+            <a:endParaRPr lang="en-US" dirty="0"/>
+          </a:p>
+          <a:p>
+            <a:r>
+              <a:rPr lang="en-US" dirty="0" err="1"/>
+              <a:t>Files.walkFileTree</a:t>
+            </a:r>
+            <a:r>
+              <a:rPr lang="en-US" dirty="0"/>
+              <a:t>(path, </a:t>
+            </a:r>
+            <a:r>
+              <a:rPr lang="en-US" dirty="0" err="1"/>
+              <a:t>FileVisitor</a:t>
+            </a:r>
+            <a:r>
+              <a:rPr lang="en-US" dirty="0"/>
+              <a:t>&lt;&gt;)</a:t>
+            </a:r>
+          </a:p>
+          <a:p>
+            <a:r>
+              <a:rPr lang="en-US" dirty="0"/>
+              <a:t>      Walking the directory tree recursively. Need to implement </a:t>
+            </a:r>
+            <a:r>
+              <a:rPr lang="en-US" dirty="0" err="1"/>
+              <a:t>FileVisitor</a:t>
+            </a:r>
+            <a:r>
+              <a:rPr lang="en-US" dirty="0"/>
+              <a:t>.</a:t>
+            </a:r>
+          </a:p>
           <a:p>
             <a:pPr marL="342900" indent="-342900">
               <a:buFont typeface="Arial" panose="020B0604020202020204" pitchFamily="34" charset="0"/>
@@ -7631,25 +7767,8 @@
             </a:pPr>
             <a:r>
               <a:rPr lang="en-US" dirty="0" err="1"/>
-              <a:t>DirectoryStream</a:t>
-            </a:r>
-            <a:endParaRPr lang="en-US" dirty="0"/>
-          </a:p>
-          <a:p>
-            <a:r>
-              <a:rPr lang="en-US" dirty="0"/>
-              <a:t>      Iterate over entries in a directory. </a:t>
-            </a:r>
-            <a:r>
-              <a:rPr lang="en-US" dirty="0" err="1"/>
-              <a:t>Files.newDirectoryStream</a:t>
-            </a:r>
-            <a:r>
-              <a:rPr lang="en-US" dirty="0"/>
-              <a:t>(path,   glob)</a:t>
-            </a:r>
-          </a:p>
-          <a:p>
+              <a:t>preVisitDirectory</a:t>
+            </a:r>
             <a:endParaRPr lang="en-US" dirty="0"/>
           </a:p>
           <a:p>
@@ -7659,41 +7778,41 @@
             </a:pPr>
             <a:r>
               <a:rPr lang="en-US" dirty="0" err="1"/>
-              <a:t>Files.walkFileTree</a:t>
-            </a:r>
-            <a:r>
-              <a:rPr lang="en-US" dirty="0"/>
-              <a:t>(path, </a:t>
-            </a:r>
+              <a:t>visitFile</a:t>
+            </a:r>
+            <a:endParaRPr lang="en-US" dirty="0"/>
+          </a:p>
+          <a:p>
+            <a:pPr marL="342900" indent="-342900">
+              <a:buFont typeface="Arial" panose="020B0604020202020204" pitchFamily="34" charset="0"/>
+              <a:buChar char="•"/>
+            </a:pPr>
             <a:r>
               <a:rPr lang="en-US" dirty="0" err="1"/>
-              <a:t>FileVisitor</a:t>
-            </a:r>
-            <a:r>
-              <a:rPr lang="en-US" dirty="0"/>
-              <a:t>&lt;&gt;)</a:t>
-            </a:r>
-          </a:p>
-          <a:p>
-            <a:r>
-              <a:rPr lang="en-US" dirty="0"/>
-              <a:t>      Walking the directory tree recursively. Need to implement </a:t>
-            </a:r>
+              <a:t>visitFileFailed</a:t>
+            </a:r>
+            <a:endParaRPr lang="en-US" dirty="0"/>
+          </a:p>
+          <a:p>
+            <a:pPr marL="342900" indent="-342900">
+              <a:buFont typeface="Arial" panose="020B0604020202020204" pitchFamily="34" charset="0"/>
+              <a:buChar char="•"/>
+            </a:pPr>
             <a:r>
               <a:rPr lang="en-US" dirty="0" err="1"/>
-              <a:t>FileVisitor</a:t>
-            </a:r>
-            <a:r>
-              <a:rPr lang="en-US" dirty="0"/>
-              <a:t>.</a:t>
-            </a:r>
+              <a:t>postVisitDirectory</a:t>
+            </a:r>
+            <a:endParaRPr lang="en-US" dirty="0"/>
+          </a:p>
+          <a:p>
+            <a:endParaRPr lang="en-US" dirty="0"/>
           </a:p>
         </p:txBody>
       </p:sp>
     </p:spTree>
     <p:extLst>
       <p:ext uri="{BB962C8B-B14F-4D97-AF65-F5344CB8AC3E}">
-        <p14:creationId xmlns:p14="http://schemas.microsoft.com/office/powerpoint/2010/main" val="2333252636"/>
+        <p14:creationId xmlns:p14="http://schemas.microsoft.com/office/powerpoint/2010/main" val="563678082"/>
       </p:ext>
     </p:extLst>
   </p:cSld>
@@ -7716,386 +7835,6 @@
 </file>
 
 <file path=ppt/slides/slide19.xml><?xml version="1.0" encoding="utf-8"?>
-<p:sld xmlns:a="http://schemas.openxmlformats.org/drawingml/2006/main" xmlns:r="http://schemas.openxmlformats.org/officeDocument/2006/relationships" xmlns:p="http://schemas.openxmlformats.org/presentationml/2006/main">
-  <p:cSld>
-    <p:spTree>
-      <p:nvGrpSpPr>
-        <p:cNvPr id="1" name=""/>
-        <p:cNvGrpSpPr/>
-        <p:nvPr/>
-      </p:nvGrpSpPr>
-      <p:grpSpPr>
-        <a:xfrm>
-          <a:off x="0" y="0"/>
-          <a:ext cx="0" cy="0"/>
-          <a:chOff x="0" y="0"/>
-          <a:chExt cx="0" cy="0"/>
-        </a:xfrm>
-      </p:grpSpPr>
-      <p:sp>
-        <p:nvSpPr>
-          <p:cNvPr id="2" name="Title 1">
-            <a:extLst>
-              <a:ext uri="{FF2B5EF4-FFF2-40B4-BE49-F238E27FC236}">
-                <a16:creationId xmlns:a16="http://schemas.microsoft.com/office/drawing/2014/main" id="{EAD17433-299D-4D78-B480-59501E7218F1}"/>
-              </a:ext>
-            </a:extLst>
-          </p:cNvPr>
-          <p:cNvSpPr>
-            <a:spLocks noGrp="1"/>
-          </p:cNvSpPr>
-          <p:nvPr>
-            <p:ph type="title"/>
-          </p:nvPr>
-        </p:nvSpPr>
-        <p:spPr/>
-        <p:txBody>
-          <a:bodyPr/>
-          <a:lstStyle/>
-          <a:p>
-            <a:r>
-              <a:rPr lang="en-US" dirty="0"/>
-              <a:t>NIO.2 - glob</a:t>
-            </a:r>
-          </a:p>
-        </p:txBody>
-      </p:sp>
-      <p:sp>
-        <p:nvSpPr>
-          <p:cNvPr id="4" name="Text Placeholder 3">
-            <a:extLst>
-              <a:ext uri="{FF2B5EF4-FFF2-40B4-BE49-F238E27FC236}">
-                <a16:creationId xmlns:a16="http://schemas.microsoft.com/office/drawing/2014/main" id="{687897E2-E03E-424B-8FA9-6DA919D78A31}"/>
-              </a:ext>
-            </a:extLst>
-          </p:cNvPr>
-          <p:cNvSpPr>
-            <a:spLocks noGrp="1"/>
-          </p:cNvSpPr>
-          <p:nvPr>
-            <p:ph type="body" sz="half" idx="2"/>
-          </p:nvPr>
-        </p:nvSpPr>
-        <p:spPr>
-          <a:xfrm>
-            <a:off x="1295399" y="1828800"/>
-            <a:ext cx="9198429" cy="4343400"/>
-          </a:xfrm>
-        </p:spPr>
-        <p:txBody>
-          <a:bodyPr anchor="t"/>
-          <a:lstStyle/>
-          <a:p>
-            <a:r>
-              <a:rPr lang="en-US" dirty="0"/>
-              <a:t>A glob pattern is specified as a string and is matched against other strings, such as directory or file names. It’s something like wildcard</a:t>
-            </a:r>
-          </a:p>
-          <a:p>
-            <a:r>
-              <a:rPr lang="en-US" dirty="0"/>
-              <a:t>You can use glob syntax to specify pattern-matching behavior.</a:t>
-            </a:r>
-          </a:p>
-          <a:p>
-            <a:endParaRPr lang="en-US" dirty="0"/>
-          </a:p>
-          <a:p>
-            <a:r>
-              <a:rPr lang="en-US" dirty="0"/>
-              <a:t>Examples: “*.html” , “???”, “a?*.java”</a:t>
-            </a:r>
-          </a:p>
-        </p:txBody>
-      </p:sp>
-    </p:spTree>
-    <p:extLst>
-      <p:ext uri="{BB962C8B-B14F-4D97-AF65-F5344CB8AC3E}">
-        <p14:creationId xmlns:p14="http://schemas.microsoft.com/office/powerpoint/2010/main" val="2806462168"/>
-      </p:ext>
-    </p:extLst>
-  </p:cSld>
-  <p:clrMapOvr>
-    <a:masterClrMapping/>
-  </p:clrMapOvr>
-  <mc:AlternateContent xmlns:mc="http://schemas.openxmlformats.org/markup-compatibility/2006" xmlns:p14="http://schemas.microsoft.com/office/powerpoint/2010/main">
-    <mc:Choice Requires="p14">
-      <p:transition spd="med" p14:dur="700">
-        <p:fade/>
-      </p:transition>
-    </mc:Choice>
-    <mc:Fallback xmlns="">
-      <p:transition spd="med">
-        <p:fade/>
-      </p:transition>
-    </mc:Fallback>
-  </mc:AlternateContent>
-</p:sld>
-</file>
-
-<file path=ppt/slides/slide2.xml><?xml version="1.0" encoding="utf-8"?>
-<p:sld xmlns:a="http://schemas.openxmlformats.org/drawingml/2006/main" xmlns:r="http://schemas.openxmlformats.org/officeDocument/2006/relationships" xmlns:p="http://schemas.openxmlformats.org/presentationml/2006/main">
-  <p:cSld>
-    <p:spTree>
-      <p:nvGrpSpPr>
-        <p:cNvPr id="1" name=""/>
-        <p:cNvGrpSpPr/>
-        <p:nvPr/>
-      </p:nvGrpSpPr>
-      <p:grpSpPr>
-        <a:xfrm>
-          <a:off x="0" y="0"/>
-          <a:ext cx="0" cy="0"/>
-          <a:chOff x="0" y="0"/>
-          <a:chExt cx="0" cy="0"/>
-        </a:xfrm>
-      </p:grpSpPr>
-      <p:sp>
-        <p:nvSpPr>
-          <p:cNvPr id="2" name="Title 1"/>
-          <p:cNvSpPr>
-            <a:spLocks noGrp="1"/>
-          </p:cNvSpPr>
-          <p:nvPr>
-            <p:ph type="title"/>
-          </p:nvPr>
-        </p:nvSpPr>
-        <p:spPr/>
-        <p:txBody>
-          <a:bodyPr/>
-          <a:lstStyle/>
-          <a:p>
-            <a:r>
-              <a:rPr lang="en-US" dirty="0"/>
-              <a:t>Agenda</a:t>
-            </a:r>
-          </a:p>
-        </p:txBody>
-      </p:sp>
-      <p:sp>
-        <p:nvSpPr>
-          <p:cNvPr id="3" name="Content Placeholder 2"/>
-          <p:cNvSpPr>
-            <a:spLocks noGrp="1"/>
-          </p:cNvSpPr>
-          <p:nvPr>
-            <p:ph idx="1"/>
-          </p:nvPr>
-        </p:nvSpPr>
-        <p:spPr>
-          <a:xfrm>
-            <a:off x="1295400" y="1654629"/>
-            <a:ext cx="9601200" cy="4948237"/>
-          </a:xfrm>
-        </p:spPr>
-        <p:txBody>
-          <a:bodyPr>
-            <a:normAutofit/>
-          </a:bodyPr>
-          <a:lstStyle/>
-          <a:p>
-            <a:pPr marL="0" indent="0">
-              <a:buNone/>
-            </a:pPr>
-            <a:r>
-              <a:rPr lang="en-US" sz="2000" dirty="0"/>
-              <a:t>Introducing Java 7</a:t>
-            </a:r>
-          </a:p>
-          <a:p>
-            <a:r>
-              <a:rPr lang="en-US" sz="2000" dirty="0"/>
-              <a:t>Project Coin</a:t>
-            </a:r>
-          </a:p>
-          <a:p>
-            <a:r>
-              <a:rPr lang="en-US" sz="2000" dirty="0"/>
-              <a:t>Small changes brought by Project Coin</a:t>
-            </a:r>
-          </a:p>
-          <a:p>
-            <a:pPr marL="0" indent="0">
-              <a:buNone/>
-            </a:pPr>
-            <a:r>
-              <a:rPr lang="en-US" sz="2000" dirty="0"/>
-              <a:t>NIO2</a:t>
-            </a:r>
-          </a:p>
-          <a:p>
-            <a:r>
-              <a:rPr lang="en-US" sz="2000" dirty="0"/>
-              <a:t>Path</a:t>
-            </a:r>
-          </a:p>
-          <a:p>
-            <a:r>
-              <a:rPr lang="en-US" sz="2000" dirty="0"/>
-              <a:t>File Operations and File Attributes</a:t>
-            </a:r>
-          </a:p>
-          <a:p>
-            <a:r>
-              <a:rPr lang="en-US" sz="2000" dirty="0"/>
-              <a:t>Working with Directory</a:t>
-            </a:r>
-          </a:p>
-          <a:p>
-            <a:r>
-              <a:rPr lang="en-US" sz="2000" dirty="0"/>
-              <a:t>Reading and writing files</a:t>
-            </a:r>
-          </a:p>
-          <a:p>
-            <a:r>
-              <a:rPr lang="en-US" sz="2000" dirty="0" err="1"/>
-              <a:t>WatchService</a:t>
-            </a:r>
-            <a:endParaRPr lang="en-US" sz="2000" dirty="0"/>
-          </a:p>
-          <a:p>
-            <a:r>
-              <a:rPr lang="en-US" sz="2000" dirty="0"/>
-              <a:t>Asynchronous I/O</a:t>
-            </a:r>
-          </a:p>
-          <a:p>
-            <a:endParaRPr lang="en-US" sz="2000" dirty="0"/>
-          </a:p>
-        </p:txBody>
-      </p:sp>
-    </p:spTree>
-    <p:extLst>
-      <p:ext uri="{BB962C8B-B14F-4D97-AF65-F5344CB8AC3E}">
-        <p14:creationId xmlns:p14="http://schemas.microsoft.com/office/powerpoint/2010/main" val="3639872359"/>
-      </p:ext>
-    </p:extLst>
-  </p:cSld>
-  <p:clrMapOvr>
-    <a:masterClrMapping/>
-  </p:clrMapOvr>
-  <mc:AlternateContent xmlns:mc="http://schemas.openxmlformats.org/markup-compatibility/2006" xmlns:p14="http://schemas.microsoft.com/office/powerpoint/2010/main">
-    <mc:Choice Requires="p14">
-      <p:transition spd="med" p14:dur="700">
-        <p:fade/>
-      </p:transition>
-    </mc:Choice>
-    <mc:Fallback xmlns="">
-      <p:transition spd="med">
-        <p:fade/>
-      </p:transition>
-    </mc:Fallback>
-  </mc:AlternateContent>
-</p:sld>
-</file>
-
-<file path=ppt/slides/slide20.xml><?xml version="1.0" encoding="utf-8"?>
-<p:sld xmlns:a="http://schemas.openxmlformats.org/drawingml/2006/main" xmlns:r="http://schemas.openxmlformats.org/officeDocument/2006/relationships" xmlns:p="http://schemas.openxmlformats.org/presentationml/2006/main">
-  <p:cSld>
-    <p:spTree>
-      <p:nvGrpSpPr>
-        <p:cNvPr id="1" name=""/>
-        <p:cNvGrpSpPr/>
-        <p:nvPr/>
-      </p:nvGrpSpPr>
-      <p:grpSpPr>
-        <a:xfrm>
-          <a:off x="0" y="0"/>
-          <a:ext cx="0" cy="0"/>
-          <a:chOff x="0" y="0"/>
-          <a:chExt cx="0" cy="0"/>
-        </a:xfrm>
-      </p:grpSpPr>
-      <p:sp>
-        <p:nvSpPr>
-          <p:cNvPr id="2" name="Title 1"/>
-          <p:cNvSpPr>
-            <a:spLocks noGrp="1"/>
-          </p:cNvSpPr>
-          <p:nvPr>
-            <p:ph type="title"/>
-          </p:nvPr>
-        </p:nvSpPr>
-        <p:spPr/>
-        <p:txBody>
-          <a:bodyPr/>
-          <a:lstStyle/>
-          <a:p>
-            <a:r>
-              <a:rPr lang="en-US" altLang="zh-CN" dirty="0"/>
-              <a:t>NIO.2</a:t>
-            </a:r>
-            <a:endParaRPr lang="zh-CN" altLang="en-US" dirty="0"/>
-          </a:p>
-        </p:txBody>
-      </p:sp>
-      <p:sp>
-        <p:nvSpPr>
-          <p:cNvPr id="4" name="Text Placeholder 3"/>
-          <p:cNvSpPr>
-            <a:spLocks noGrp="1"/>
-          </p:cNvSpPr>
-          <p:nvPr>
-            <p:ph type="body" sz="half" idx="2"/>
-          </p:nvPr>
-        </p:nvSpPr>
-        <p:spPr>
-          <a:xfrm>
-            <a:off x="1295400" y="1828800"/>
-            <a:ext cx="9033456" cy="4343400"/>
-          </a:xfrm>
-        </p:spPr>
-        <p:txBody>
-          <a:bodyPr anchor="t"/>
-          <a:lstStyle/>
-          <a:p>
-            <a:r>
-              <a:rPr lang="en-US" altLang="zh-CN" dirty="0"/>
-              <a:t>Be careful when writing filesystem-specific code. Always ensure that your logic and exception handling covers the case where your code might run on a </a:t>
-            </a:r>
-            <a:r>
-              <a:rPr lang="en-US" altLang="zh-CN" dirty="0">
-                <a:solidFill>
-                  <a:srgbClr val="FF0000"/>
-                </a:solidFill>
-              </a:rPr>
-              <a:t>different filesystem</a:t>
-            </a:r>
-            <a:r>
-              <a:rPr lang="en-US" altLang="zh-CN" dirty="0"/>
-              <a:t>.</a:t>
-            </a:r>
-            <a:endParaRPr lang="zh-CN" altLang="en-US" dirty="0"/>
-          </a:p>
-        </p:txBody>
-      </p:sp>
-    </p:spTree>
-    <p:extLst>
-      <p:ext uri="{BB962C8B-B14F-4D97-AF65-F5344CB8AC3E}">
-        <p14:creationId xmlns:p14="http://schemas.microsoft.com/office/powerpoint/2010/main" val="468490017"/>
-      </p:ext>
-    </p:extLst>
-  </p:cSld>
-  <p:clrMapOvr>
-    <a:masterClrMapping/>
-  </p:clrMapOvr>
-  <mc:AlternateContent xmlns:mc="http://schemas.openxmlformats.org/markup-compatibility/2006" xmlns:p14="http://schemas.microsoft.com/office/powerpoint/2010/main">
-    <mc:Choice Requires="p14">
-      <p:transition spd="med" p14:dur="700">
-        <p:fade/>
-      </p:transition>
-    </mc:Choice>
-    <mc:Fallback xmlns="">
-      <p:transition spd="med">
-        <p:fade/>
-      </p:transition>
-    </mc:Fallback>
-  </mc:AlternateContent>
-</p:sld>
-</file>
-
-<file path=ppt/slides/slide21.xml><?xml version="1.0" encoding="utf-8"?>
 <p:sld xmlns:a="http://schemas.openxmlformats.org/drawingml/2006/main" xmlns:r="http://schemas.openxmlformats.org/officeDocument/2006/relationships" xmlns:p="http://schemas.openxmlformats.org/presentationml/2006/main">
   <p:cSld>
     <p:spTree>
@@ -8307,7 +8046,164 @@
 </p:sld>
 </file>
 
-<file path=ppt/slides/slide22.xml><?xml version="1.0" encoding="utf-8"?>
+<file path=ppt/slides/slide2.xml><?xml version="1.0" encoding="utf-8"?>
+<p:sld xmlns:a="http://schemas.openxmlformats.org/drawingml/2006/main" xmlns:r="http://schemas.openxmlformats.org/officeDocument/2006/relationships" xmlns:p="http://schemas.openxmlformats.org/presentationml/2006/main">
+  <p:cSld>
+    <p:spTree>
+      <p:nvGrpSpPr>
+        <p:cNvPr id="1" name=""/>
+        <p:cNvGrpSpPr/>
+        <p:nvPr/>
+      </p:nvGrpSpPr>
+      <p:grpSpPr>
+        <a:xfrm>
+          <a:off x="0" y="0"/>
+          <a:ext cx="0" cy="0"/>
+          <a:chOff x="0" y="0"/>
+          <a:chExt cx="0" cy="0"/>
+        </a:xfrm>
+      </p:grpSpPr>
+      <p:sp>
+        <p:nvSpPr>
+          <p:cNvPr id="2" name="Title 1"/>
+          <p:cNvSpPr>
+            <a:spLocks noGrp="1"/>
+          </p:cNvSpPr>
+          <p:nvPr>
+            <p:ph type="title"/>
+          </p:nvPr>
+        </p:nvSpPr>
+        <p:spPr/>
+        <p:txBody>
+          <a:bodyPr/>
+          <a:lstStyle/>
+          <a:p>
+            <a:r>
+              <a:rPr lang="en-US" dirty="0"/>
+              <a:t>Agenda</a:t>
+            </a:r>
+          </a:p>
+        </p:txBody>
+      </p:sp>
+      <p:sp>
+        <p:nvSpPr>
+          <p:cNvPr id="3" name="Content Placeholder 2"/>
+          <p:cNvSpPr>
+            <a:spLocks noGrp="1"/>
+          </p:cNvSpPr>
+          <p:nvPr>
+            <p:ph idx="1"/>
+          </p:nvPr>
+        </p:nvSpPr>
+        <p:spPr>
+          <a:xfrm>
+            <a:off x="1295400" y="1654629"/>
+            <a:ext cx="9601200" cy="4948237"/>
+          </a:xfrm>
+        </p:spPr>
+        <p:txBody>
+          <a:bodyPr>
+            <a:normAutofit/>
+          </a:bodyPr>
+          <a:lstStyle/>
+          <a:p>
+            <a:pPr marL="0" indent="0">
+              <a:buNone/>
+            </a:pPr>
+            <a:r>
+              <a:rPr lang="en-US" sz="2000" dirty="0"/>
+              <a:t>Introducing Java 7</a:t>
+            </a:r>
+          </a:p>
+          <a:p>
+            <a:r>
+              <a:rPr lang="en-US" sz="2000" dirty="0"/>
+              <a:t>Project Coin</a:t>
+            </a:r>
+          </a:p>
+          <a:p>
+            <a:r>
+              <a:rPr lang="en-US" sz="2000" dirty="0"/>
+              <a:t>Small changes brought by Project Coin</a:t>
+            </a:r>
+          </a:p>
+          <a:p>
+            <a:pPr marL="0" indent="0">
+              <a:buNone/>
+            </a:pPr>
+            <a:r>
+              <a:rPr lang="en-US" sz="2000" dirty="0"/>
+              <a:t>NIO2</a:t>
+            </a:r>
+          </a:p>
+          <a:p>
+            <a:r>
+              <a:rPr lang="en-US" sz="2000" dirty="0"/>
+              <a:t>Path</a:t>
+            </a:r>
+          </a:p>
+          <a:p>
+            <a:r>
+              <a:rPr lang="en-US" sz="2000" dirty="0"/>
+              <a:t>File Operations and File Attributes</a:t>
+            </a:r>
+          </a:p>
+          <a:p>
+            <a:r>
+              <a:rPr lang="en-US" sz="2000" dirty="0"/>
+              <a:t>Working with Directory</a:t>
+            </a:r>
+          </a:p>
+          <a:p>
+            <a:r>
+              <a:rPr lang="en-US" sz="2000" dirty="0"/>
+              <a:t>Reading and writing files</a:t>
+            </a:r>
+          </a:p>
+          <a:p>
+            <a:r>
+              <a:rPr lang="en-US" sz="2000" dirty="0" err="1"/>
+              <a:t>WatchService</a:t>
+            </a:r>
+            <a:endParaRPr lang="en-US" sz="2000" dirty="0"/>
+          </a:p>
+          <a:p>
+            <a:r>
+              <a:rPr lang="en-US" sz="2000" dirty="0"/>
+              <a:t>Asynchronous I/O</a:t>
+            </a:r>
+          </a:p>
+          <a:p>
+            <a:endParaRPr lang="en-US" sz="2000" dirty="0"/>
+          </a:p>
+        </p:txBody>
+      </p:sp>
+    </p:spTree>
+    <p:extLst>
+      <p:ext uri="{BB962C8B-B14F-4D97-AF65-F5344CB8AC3E}">
+        <p14:creationId xmlns:p14="http://schemas.microsoft.com/office/powerpoint/2010/main" val="3639872359"/>
+      </p:ext>
+    </p:extLst>
+  </p:cSld>
+  <p:clrMapOvr>
+    <a:masterClrMapping/>
+  </p:clrMapOvr>
+  <mc:AlternateContent xmlns:mc="http://schemas.openxmlformats.org/markup-compatibility/2006" xmlns:p14="http://schemas.microsoft.com/office/powerpoint/2010/main">
+    <mc:Choice Requires="p14">
+      <p:transition spd="med" p14:dur="700">
+        <p:fade/>
+      </p:transition>
+    </mc:Choice>
+    <mc:Fallback xmlns="">
+      <p:transition spd="med">
+        <p:fade/>
+      </p:transition>
+    </mc:Fallback>
+  </mc:AlternateContent>
+</p:sld>
+</file>
+
+<file path=ppt/slides/slide20.xml><?xml version="1.0" encoding="utf-8"?>
 <p:sld xmlns:a="http://schemas.openxmlformats.org/drawingml/2006/main" xmlns:r="http://schemas.openxmlformats.org/officeDocument/2006/relationships" xmlns:p="http://schemas.openxmlformats.org/presentationml/2006/main">
   <p:cSld>
     <p:spTree>
@@ -8984,7 +8880,7 @@
 </p:sld>
 </file>
 
-<file path=ppt/slides/slide23.xml><?xml version="1.0" encoding="utf-8"?>
+<file path=ppt/slides/slide21.xml><?xml version="1.0" encoding="utf-8"?>
 <p:sld xmlns:a="http://schemas.openxmlformats.org/drawingml/2006/main" xmlns:r="http://schemas.openxmlformats.org/officeDocument/2006/relationships" xmlns:p="http://schemas.openxmlformats.org/presentationml/2006/main">
   <p:cSld>
     <p:spTree>
@@ -9162,7 +9058,7 @@
 </p:sld>
 </file>
 
-<file path=ppt/slides/slide24.xml><?xml version="1.0" encoding="utf-8"?>
+<file path=ppt/slides/slide22.xml><?xml version="1.0" encoding="utf-8"?>
 <p:sld xmlns:a="http://schemas.openxmlformats.org/drawingml/2006/main" xmlns:r="http://schemas.openxmlformats.org/officeDocument/2006/relationships" xmlns:p="http://schemas.openxmlformats.org/presentationml/2006/main">
   <p:cSld>
     <p:spTree>
@@ -9351,7 +9247,7 @@
 </p:sld>
 </file>
 
-<file path=ppt/slides/slide25.xml><?xml version="1.0" encoding="utf-8"?>
+<file path=ppt/slides/slide23.xml><?xml version="1.0" encoding="utf-8"?>
 <p:sld xmlns:a="http://schemas.openxmlformats.org/drawingml/2006/main" xmlns:r="http://schemas.openxmlformats.org/officeDocument/2006/relationships" xmlns:p="http://schemas.openxmlformats.org/presentationml/2006/main">
   <p:cSld>
     <p:spTree>
@@ -9549,6 +9445,348 @@
 </p:sld>
 </file>
 
+<file path=ppt/slides/slide24.xml><?xml version="1.0" encoding="utf-8"?>
+<p:sld xmlns:a="http://schemas.openxmlformats.org/drawingml/2006/main" xmlns:r="http://schemas.openxmlformats.org/officeDocument/2006/relationships" xmlns:p="http://schemas.openxmlformats.org/presentationml/2006/main">
+  <p:cSld>
+    <p:spTree>
+      <p:nvGrpSpPr>
+        <p:cNvPr id="1" name=""/>
+        <p:cNvGrpSpPr/>
+        <p:nvPr/>
+      </p:nvGrpSpPr>
+      <p:grpSpPr>
+        <a:xfrm>
+          <a:off x="0" y="0"/>
+          <a:ext cx="0" cy="0"/>
+          <a:chOff x="0" y="0"/>
+          <a:chExt cx="0" cy="0"/>
+        </a:xfrm>
+      </p:grpSpPr>
+      <p:sp>
+        <p:nvSpPr>
+          <p:cNvPr id="2" name="Title 1">
+            <a:extLst>
+              <a:ext uri="{FF2B5EF4-FFF2-40B4-BE49-F238E27FC236}">
+                <a16:creationId xmlns:a16="http://schemas.microsoft.com/office/drawing/2014/main" id="{4059B53B-A666-4B61-84CC-D7623A29AF89}"/>
+              </a:ext>
+            </a:extLst>
+          </p:cNvPr>
+          <p:cNvSpPr>
+            <a:spLocks noGrp="1"/>
+          </p:cNvSpPr>
+          <p:nvPr>
+            <p:ph type="title"/>
+          </p:nvPr>
+        </p:nvSpPr>
+        <p:spPr/>
+        <p:txBody>
+          <a:bodyPr/>
+          <a:lstStyle/>
+          <a:p>
+            <a:r>
+              <a:rPr lang="en-US" dirty="0"/>
+              <a:t>NIO.2 - </a:t>
+            </a:r>
+            <a:r>
+              <a:rPr lang="en-US" dirty="0" err="1"/>
+              <a:t>ByteBuffer</a:t>
+            </a:r>
+            <a:endParaRPr lang="en-US" dirty="0"/>
+          </a:p>
+        </p:txBody>
+      </p:sp>
+      <p:sp>
+        <p:nvSpPr>
+          <p:cNvPr id="4" name="Text Placeholder 3">
+            <a:extLst>
+              <a:ext uri="{FF2B5EF4-FFF2-40B4-BE49-F238E27FC236}">
+                <a16:creationId xmlns:a16="http://schemas.microsoft.com/office/drawing/2014/main" id="{7C5DE92C-11AC-4DD0-B596-1940A8F02172}"/>
+              </a:ext>
+            </a:extLst>
+          </p:cNvPr>
+          <p:cNvSpPr>
+            <a:spLocks noGrp="1"/>
+          </p:cNvSpPr>
+          <p:nvPr>
+            <p:ph type="body" sz="half" idx="2"/>
+          </p:nvPr>
+        </p:nvSpPr>
+        <p:spPr>
+          <a:xfrm>
+            <a:off x="1295400" y="1828800"/>
+            <a:ext cx="9067800" cy="4343400"/>
+          </a:xfrm>
+        </p:spPr>
+        <p:txBody>
+          <a:bodyPr anchor="t"/>
+          <a:lstStyle/>
+          <a:p>
+            <a:pPr marL="342900" indent="-342900">
+              <a:buFont typeface="Arial" panose="020B0604020202020204" pitchFamily="34" charset="0"/>
+              <a:buChar char="•"/>
+            </a:pPr>
+            <a:r>
+              <a:rPr lang="en-US" dirty="0"/>
+              <a:t>put()  and </a:t>
+            </a:r>
+            <a:r>
+              <a:rPr lang="en-US" dirty="0" err="1"/>
+              <a:t>ByteChannel.read</a:t>
+            </a:r>
+            <a:r>
+              <a:rPr lang="en-US" dirty="0"/>
+              <a:t>()</a:t>
+            </a:r>
+          </a:p>
+          <a:p>
+            <a:pPr marL="342900" indent="-342900">
+              <a:buFont typeface="Arial" panose="020B0604020202020204" pitchFamily="34" charset="0"/>
+              <a:buChar char="•"/>
+            </a:pPr>
+            <a:r>
+              <a:rPr lang="en-US" dirty="0"/>
+              <a:t>get() and </a:t>
+            </a:r>
+            <a:r>
+              <a:rPr lang="en-US" dirty="0" err="1"/>
+              <a:t>ByteChannel.write</a:t>
+            </a:r>
+            <a:r>
+              <a:rPr lang="en-US" dirty="0"/>
+              <a:t>()</a:t>
+            </a:r>
+          </a:p>
+          <a:p>
+            <a:pPr marL="342900" indent="-342900">
+              <a:buFont typeface="Arial" panose="020B0604020202020204" pitchFamily="34" charset="0"/>
+              <a:buChar char="•"/>
+            </a:pPr>
+            <a:r>
+              <a:rPr lang="en-US" dirty="0"/>
+              <a:t>rewind()</a:t>
+            </a:r>
+          </a:p>
+          <a:p>
+            <a:pPr marL="342900" indent="-342900">
+              <a:buFont typeface="Arial" panose="020B0604020202020204" pitchFamily="34" charset="0"/>
+              <a:buChar char="•"/>
+            </a:pPr>
+            <a:r>
+              <a:rPr lang="en-US" dirty="0"/>
+              <a:t>flip()</a:t>
+            </a:r>
+          </a:p>
+          <a:p>
+            <a:pPr marL="342900" indent="-342900">
+              <a:buFont typeface="Arial" panose="020B0604020202020204" pitchFamily="34" charset="0"/>
+              <a:buChar char="•"/>
+            </a:pPr>
+            <a:r>
+              <a:rPr lang="en-US" dirty="0"/>
+              <a:t>clear()</a:t>
+            </a:r>
+          </a:p>
+          <a:p>
+            <a:pPr marL="342900" indent="-342900">
+              <a:buFont typeface="Arial" panose="020B0604020202020204" pitchFamily="34" charset="0"/>
+              <a:buChar char="•"/>
+            </a:pPr>
+            <a:r>
+              <a:rPr lang="en-US" dirty="0"/>
+              <a:t>wrap()</a:t>
+            </a:r>
+          </a:p>
+        </p:txBody>
+      </p:sp>
+    </p:spTree>
+    <p:extLst>
+      <p:ext uri="{BB962C8B-B14F-4D97-AF65-F5344CB8AC3E}">
+        <p14:creationId xmlns:p14="http://schemas.microsoft.com/office/powerpoint/2010/main" val="2893502669"/>
+      </p:ext>
+    </p:extLst>
+  </p:cSld>
+  <p:clrMapOvr>
+    <a:masterClrMapping/>
+  </p:clrMapOvr>
+  <mc:AlternateContent xmlns:mc="http://schemas.openxmlformats.org/markup-compatibility/2006" xmlns:p14="http://schemas.microsoft.com/office/powerpoint/2010/main">
+    <mc:Choice Requires="p14">
+      <p:transition spd="med" p14:dur="700">
+        <p:fade/>
+      </p:transition>
+    </mc:Choice>
+    <mc:Fallback xmlns="">
+      <p:transition spd="med">
+        <p:fade/>
+      </p:transition>
+    </mc:Fallback>
+  </mc:AlternateContent>
+</p:sld>
+</file>
+
+<file path=ppt/slides/slide25.xml><?xml version="1.0" encoding="utf-8"?>
+<p:sld xmlns:a="http://schemas.openxmlformats.org/drawingml/2006/main" xmlns:r="http://schemas.openxmlformats.org/officeDocument/2006/relationships" xmlns:p="http://schemas.openxmlformats.org/presentationml/2006/main">
+  <p:cSld>
+    <p:spTree>
+      <p:nvGrpSpPr>
+        <p:cNvPr id="1" name=""/>
+        <p:cNvGrpSpPr/>
+        <p:nvPr/>
+      </p:nvGrpSpPr>
+      <p:grpSpPr>
+        <a:xfrm>
+          <a:off x="0" y="0"/>
+          <a:ext cx="0" cy="0"/>
+          <a:chOff x="0" y="0"/>
+          <a:chExt cx="0" cy="0"/>
+        </a:xfrm>
+      </p:grpSpPr>
+      <p:sp>
+        <p:nvSpPr>
+          <p:cNvPr id="2" name="Title 1"/>
+          <p:cNvSpPr>
+            <a:spLocks noGrp="1"/>
+          </p:cNvSpPr>
+          <p:nvPr>
+            <p:ph type="title"/>
+          </p:nvPr>
+        </p:nvSpPr>
+        <p:spPr/>
+        <p:txBody>
+          <a:bodyPr/>
+          <a:lstStyle/>
+          <a:p>
+            <a:r>
+              <a:rPr lang="en-US" altLang="zh-CN" dirty="0"/>
+              <a:t>NIO.2 - </a:t>
+            </a:r>
+            <a:r>
+              <a:rPr lang="en-US" altLang="zh-CN" dirty="0" err="1"/>
+              <a:t>WatchService</a:t>
+            </a:r>
+            <a:endParaRPr lang="zh-CN" altLang="en-US" dirty="0"/>
+          </a:p>
+        </p:txBody>
+      </p:sp>
+      <p:sp>
+        <p:nvSpPr>
+          <p:cNvPr id="4" name="Text Placeholder 3"/>
+          <p:cNvSpPr>
+            <a:spLocks noGrp="1"/>
+          </p:cNvSpPr>
+          <p:nvPr>
+            <p:ph type="body" sz="half" idx="2"/>
+          </p:nvPr>
+        </p:nvSpPr>
+        <p:spPr>
+          <a:xfrm>
+            <a:off x="1295400" y="1828800"/>
+            <a:ext cx="9329670" cy="4343400"/>
+          </a:xfrm>
+        </p:spPr>
+        <p:txBody>
+          <a:bodyPr anchor="t"/>
+          <a:lstStyle/>
+          <a:p>
+            <a:r>
+              <a:rPr lang="en-US" altLang="zh-CN" sz="1600" dirty="0"/>
+              <a:t>Could be used for directory change notification</a:t>
+            </a:r>
+          </a:p>
+          <a:p>
+            <a:endParaRPr lang="en-US" altLang="zh-CN" sz="1600" dirty="0"/>
+          </a:p>
+          <a:p>
+            <a:r>
+              <a:rPr lang="en-US" altLang="zh-CN" sz="1600" dirty="0" err="1"/>
+              <a:t>WatchService</a:t>
+            </a:r>
+            <a:r>
+              <a:rPr lang="en-US" altLang="zh-CN" sz="1600" dirty="0"/>
+              <a:t> uses client threads to keep an eye on registered files or directories for changes, and will return an event when a change is detected.</a:t>
+            </a:r>
+          </a:p>
+          <a:p>
+            <a:endParaRPr lang="en-US" altLang="zh-CN" sz="1600" dirty="0"/>
+          </a:p>
+          <a:p>
+            <a:endParaRPr lang="en-US" altLang="zh-CN" sz="1600" dirty="0"/>
+          </a:p>
+          <a:p>
+            <a:r>
+              <a:rPr lang="en-US" sz="1600" dirty="0"/>
+              <a:t>Use </a:t>
+            </a:r>
+            <a:r>
+              <a:rPr lang="en-US" sz="1600" dirty="0" err="1"/>
+              <a:t>WatchService</a:t>
+            </a:r>
+            <a:r>
+              <a:rPr lang="en-US" sz="1600" dirty="0"/>
+              <a:t> to monitor directory:</a:t>
+            </a:r>
+          </a:p>
+          <a:p>
+            <a:pPr marL="342900" indent="-342900">
+              <a:buFont typeface="Arial" panose="020B0604020202020204" pitchFamily="34" charset="0"/>
+              <a:buChar char="•"/>
+            </a:pPr>
+            <a:r>
+              <a:rPr lang="en-US" sz="1600" dirty="0"/>
+              <a:t>Watchable object</a:t>
+            </a:r>
+          </a:p>
+          <a:p>
+            <a:pPr marL="342900" indent="-342900">
+              <a:buFont typeface="Arial" panose="020B0604020202020204" pitchFamily="34" charset="0"/>
+              <a:buChar char="•"/>
+            </a:pPr>
+            <a:r>
+              <a:rPr lang="en-US" sz="1600" dirty="0" err="1"/>
+              <a:t>WatchKey</a:t>
+            </a:r>
+            <a:endParaRPr lang="en-US" sz="1600" dirty="0"/>
+          </a:p>
+          <a:p>
+            <a:pPr marL="342900" indent="-342900">
+              <a:buFont typeface="Arial" panose="020B0604020202020204" pitchFamily="34" charset="0"/>
+              <a:buChar char="•"/>
+            </a:pPr>
+            <a:r>
+              <a:rPr lang="en-US" altLang="zh-CN" sz="1600" dirty="0" err="1"/>
+              <a:t>WatchService</a:t>
+            </a:r>
+            <a:endParaRPr lang="en-US" altLang="zh-CN" sz="1600" dirty="0"/>
+          </a:p>
+          <a:p>
+            <a:endParaRPr lang="en-US" altLang="zh-CN" dirty="0"/>
+          </a:p>
+        </p:txBody>
+      </p:sp>
+    </p:spTree>
+    <p:extLst>
+      <p:ext uri="{BB962C8B-B14F-4D97-AF65-F5344CB8AC3E}">
+        <p14:creationId xmlns:p14="http://schemas.microsoft.com/office/powerpoint/2010/main" val="179790003"/>
+      </p:ext>
+    </p:extLst>
+  </p:cSld>
+  <p:clrMapOvr>
+    <a:masterClrMapping/>
+  </p:clrMapOvr>
+  <mc:AlternateContent xmlns:mc="http://schemas.openxmlformats.org/markup-compatibility/2006" xmlns:p14="http://schemas.microsoft.com/office/powerpoint/2010/main">
+    <mc:Choice Requires="p14">
+      <p:transition spd="med" p14:dur="700">
+        <p:fade/>
+      </p:transition>
+    </mc:Choice>
+    <mc:Fallback xmlns="">
+      <p:transition spd="med">
+        <p:fade/>
+      </p:transition>
+    </mc:Fallback>
+  </mc:AlternateContent>
+</p:sld>
+</file>
+
 <file path=ppt/slides/slide26.xml><?xml version="1.0" encoding="utf-8"?>
 <p:sld xmlns:a="http://schemas.openxmlformats.org/drawingml/2006/main" xmlns:r="http://schemas.openxmlformats.org/officeDocument/2006/relationships" xmlns:p="http://schemas.openxmlformats.org/presentationml/2006/main">
   <p:cSld>
@@ -9571,7 +9809,7 @@
           <p:cNvPr id="2" name="Title 1">
             <a:extLst>
               <a:ext uri="{FF2B5EF4-FFF2-40B4-BE49-F238E27FC236}">
-                <a16:creationId xmlns:a16="http://schemas.microsoft.com/office/drawing/2014/main" id="{4059B53B-A666-4B61-84CC-D7623A29AF89}"/>
+                <a16:creationId xmlns:a16="http://schemas.microsoft.com/office/drawing/2014/main" id="{F6DC4B06-1BDF-47F0-9A4A-4961F384F3D2}"/>
               </a:ext>
             </a:extLst>
           </p:cNvPr>
@@ -9593,7 +9831,7 @@
             </a:r>
             <a:r>
               <a:rPr lang="en-US" dirty="0" err="1"/>
-              <a:t>ByteBuffer</a:t>
+              <a:t>WatchService</a:t>
             </a:r>
             <a:endParaRPr lang="en-US" dirty="0"/>
           </a:p>
@@ -9604,7 +9842,7 @@
           <p:cNvPr id="4" name="Text Placeholder 3">
             <a:extLst>
               <a:ext uri="{FF2B5EF4-FFF2-40B4-BE49-F238E27FC236}">
-                <a16:creationId xmlns:a16="http://schemas.microsoft.com/office/drawing/2014/main" id="{7C5DE92C-11AC-4DD0-B596-1940A8F02172}"/>
+                <a16:creationId xmlns:a16="http://schemas.microsoft.com/office/drawing/2014/main" id="{38094C3B-9979-4597-B5B1-9B42168D528B}"/>
               </a:ext>
             </a:extLst>
           </p:cNvPr>
@@ -9617,87 +9855,118 @@
         </p:nvSpPr>
         <p:spPr>
           <a:xfrm>
-            <a:off x="1295400" y="1828800"/>
-            <a:ext cx="9067800" cy="4343400"/>
+            <a:off x="1295399" y="1828800"/>
+            <a:ext cx="9685351" cy="4774066"/>
           </a:xfrm>
         </p:spPr>
         <p:txBody>
-          <a:bodyPr anchor="t"/>
-          <a:lstStyle/>
-          <a:p>
-            <a:pPr marL="342900" indent="-342900">
+          <a:bodyPr anchor="t">
+            <a:normAutofit/>
+          </a:bodyPr>
+          <a:lstStyle/>
+          <a:p>
+            <a:r>
+              <a:rPr lang="en-US" sz="1600" dirty="0"/>
+              <a:t>Key methods:</a:t>
+            </a:r>
+          </a:p>
+          <a:p>
+            <a:pPr marL="285750" indent="-285750">
               <a:buFont typeface="Arial" panose="020B0604020202020204" pitchFamily="34" charset="0"/>
               <a:buChar char="•"/>
             </a:pPr>
             <a:r>
-              <a:rPr lang="en-US" dirty="0"/>
-              <a:t>put()  and </a:t>
-            </a:r>
-            <a:r>
-              <a:rPr lang="en-US" dirty="0" err="1"/>
-              <a:t>ByteChannel.read</a:t>
-            </a:r>
-            <a:r>
-              <a:rPr lang="en-US" dirty="0"/>
-              <a:t>()</a:t>
-            </a:r>
-          </a:p>
-          <a:p>
-            <a:pPr marL="342900" indent="-342900">
+              <a:rPr lang="en-US" sz="1600" dirty="0" err="1"/>
+              <a:t>Watchable.register</a:t>
+            </a:r>
+            <a:endParaRPr lang="en-US" sz="1600" dirty="0"/>
+          </a:p>
+          <a:p>
+            <a:pPr marL="285750" indent="-285750">
               <a:buFont typeface="Arial" panose="020B0604020202020204" pitchFamily="34" charset="0"/>
               <a:buChar char="•"/>
             </a:pPr>
             <a:r>
-              <a:rPr lang="en-US" dirty="0"/>
-              <a:t>get() and </a:t>
-            </a:r>
-            <a:r>
-              <a:rPr lang="en-US" dirty="0" err="1"/>
-              <a:t>ByteChannel.write</a:t>
-            </a:r>
-            <a:r>
-              <a:rPr lang="en-US" dirty="0"/>
-              <a:t>()</a:t>
-            </a:r>
-          </a:p>
-          <a:p>
-            <a:pPr marL="342900" indent="-342900">
+              <a:rPr lang="en-US" sz="1600" dirty="0" err="1"/>
+              <a:t>WatchService.take</a:t>
+            </a:r>
+            <a:r>
+              <a:rPr lang="en-US" sz="1600" dirty="0"/>
+              <a:t> or </a:t>
+            </a:r>
+            <a:r>
+              <a:rPr lang="en-US" sz="1600" dirty="0" err="1"/>
+              <a:t>WatchService.poll</a:t>
+            </a:r>
+            <a:r>
+              <a:rPr lang="en-US" sz="1600" dirty="0"/>
+              <a:t>    the first one will wait for a timeout if no </a:t>
+            </a:r>
+            <a:r>
+              <a:rPr lang="en-US" sz="1600" dirty="0" err="1"/>
+              <a:t>WatchKey</a:t>
+            </a:r>
+            <a:r>
+              <a:rPr lang="en-US" sz="1600" dirty="0"/>
+              <a:t> is queued</a:t>
+            </a:r>
+          </a:p>
+          <a:p>
+            <a:pPr marL="285750" indent="-285750">
               <a:buFont typeface="Arial" panose="020B0604020202020204" pitchFamily="34" charset="0"/>
               <a:buChar char="•"/>
             </a:pPr>
             <a:r>
-              <a:rPr lang="en-US" dirty="0"/>
-              <a:t>rewind()</a:t>
-            </a:r>
-          </a:p>
-          <a:p>
-            <a:pPr marL="342900" indent="-342900">
+              <a:rPr lang="en-US" sz="1600" dirty="0" err="1"/>
+              <a:t>WatchKey.pollEvents</a:t>
+            </a:r>
+            <a:endParaRPr lang="en-US" sz="1600" dirty="0"/>
+          </a:p>
+          <a:p>
+            <a:pPr marL="285750" indent="-285750">
               <a:buFont typeface="Arial" panose="020B0604020202020204" pitchFamily="34" charset="0"/>
               <a:buChar char="•"/>
             </a:pPr>
             <a:r>
-              <a:rPr lang="en-US" dirty="0"/>
-              <a:t>flip()</a:t>
-            </a:r>
-          </a:p>
-          <a:p>
-            <a:pPr marL="342900" indent="-342900">
-              <a:buFont typeface="Arial" panose="020B0604020202020204" pitchFamily="34" charset="0"/>
-              <a:buChar char="•"/>
-            </a:pPr>
-            <a:r>
-              <a:rPr lang="en-US" dirty="0"/>
-              <a:t>clear()</a:t>
-            </a:r>
-          </a:p>
-          <a:p>
-            <a:pPr marL="342900" indent="-342900">
-              <a:buFont typeface="Arial" panose="020B0604020202020204" pitchFamily="34" charset="0"/>
-              <a:buChar char="•"/>
-            </a:pPr>
-            <a:r>
-              <a:rPr lang="en-US" dirty="0"/>
-              <a:t>wrap()</a:t>
+              <a:rPr lang="en-US" sz="1600" dirty="0" err="1"/>
+              <a:t>WatchKey.reset</a:t>
+            </a:r>
+            <a:endParaRPr lang="en-US" sz="1600" dirty="0"/>
+          </a:p>
+          <a:p>
+            <a:r>
+              <a:rPr lang="en-US" sz="1600" dirty="0"/>
+              <a:t>A watch service is safe for use by multiple concurrent consumers. To ensure that only one consumer processes the events for a particular object at any time then care should be taken to ensure that the key's reset method is only invoked after its events have been processed.</a:t>
+            </a:r>
+          </a:p>
+          <a:p>
+            <a:r>
+              <a:rPr lang="en-US" sz="1600" dirty="0"/>
+              <a:t>ready—(event happen)-&gt;signaled—(reset)-&gt;ready</a:t>
+            </a:r>
+          </a:p>
+          <a:p>
+            <a:r>
+              <a:rPr lang="en-US" sz="1600" dirty="0"/>
+              <a:t>The key remains valid until:</a:t>
+            </a:r>
+          </a:p>
+          <a:p>
+            <a:r>
+              <a:rPr lang="en-US" sz="1600" dirty="0"/>
+              <a:t>1. It is cancelled, explicitly, by invoking its cancel method, or</a:t>
+            </a:r>
+          </a:p>
+          <a:p>
+            <a:r>
+              <a:rPr lang="en-US" sz="1600" dirty="0"/>
+              <a:t>2. Cancelled implicitly, because the object is no longer accessible, or</a:t>
+            </a:r>
+          </a:p>
+          <a:p>
+            <a:r>
+              <a:rPr lang="en-US" sz="1600" dirty="0"/>
+              <a:t>3. By closing the watch service.</a:t>
             </a:r>
           </a:p>
         </p:txBody>
@@ -9705,7 +9974,7 @@
     </p:spTree>
     <p:extLst>
       <p:ext uri="{BB962C8B-B14F-4D97-AF65-F5344CB8AC3E}">
-        <p14:creationId xmlns:p14="http://schemas.microsoft.com/office/powerpoint/2010/main" val="2893502669"/>
+        <p14:creationId xmlns:p14="http://schemas.microsoft.com/office/powerpoint/2010/main" val="2029392325"/>
       </p:ext>
     </p:extLst>
   </p:cSld>
@@ -9746,7 +10015,13 @@
       </p:grpSpPr>
       <p:sp>
         <p:nvSpPr>
-          <p:cNvPr id="2" name="Title 1"/>
+          <p:cNvPr id="2" name="Title 1">
+            <a:extLst>
+              <a:ext uri="{FF2B5EF4-FFF2-40B4-BE49-F238E27FC236}">
+                <a16:creationId xmlns:a16="http://schemas.microsoft.com/office/drawing/2014/main" id="{62CB7A97-7077-435A-8577-87DE25DC1A88}"/>
+              </a:ext>
+            </a:extLst>
+          </p:cNvPr>
           <p:cNvSpPr>
             <a:spLocks noGrp="1"/>
           </p:cNvSpPr>
@@ -9760,16 +10035,21 @@
           <a:lstStyle/>
           <a:p>
             <a:r>
-              <a:rPr lang="en-US" altLang="zh-CN" dirty="0"/>
-              <a:t>NIO.2 - File change notification</a:t>
-            </a:r>
-            <a:endParaRPr lang="zh-CN" altLang="en-US" dirty="0"/>
-          </a:p>
-        </p:txBody>
-      </p:sp>
-      <p:sp>
-        <p:nvSpPr>
-          <p:cNvPr id="4" name="Text Placeholder 3"/>
+              <a:rPr lang="en-US" dirty="0"/>
+              <a:t>NIO.2 - Asynchronous I/O</a:t>
+            </a:r>
+          </a:p>
+        </p:txBody>
+      </p:sp>
+      <p:sp>
+        <p:nvSpPr>
+          <p:cNvPr id="4" name="Text Placeholder 3">
+            <a:extLst>
+              <a:ext uri="{FF2B5EF4-FFF2-40B4-BE49-F238E27FC236}">
+                <a16:creationId xmlns:a16="http://schemas.microsoft.com/office/drawing/2014/main" id="{07CEF51B-DC23-4BA9-9A35-1D06FF5CEF0D}"/>
+              </a:ext>
+            </a:extLst>
+          </p:cNvPr>
           <p:cNvSpPr>
             <a:spLocks noGrp="1"/>
           </p:cNvSpPr>
@@ -9780,38 +10060,102 @@
         <p:spPr>
           <a:xfrm>
             <a:off x="1295400" y="1828800"/>
-            <a:ext cx="9329670" cy="4343400"/>
+            <a:ext cx="9263932" cy="4343400"/>
           </a:xfrm>
         </p:spPr>
         <p:txBody>
-          <a:bodyPr/>
-          <a:lstStyle/>
-          <a:p>
-            <a:r>
-              <a:rPr lang="en-US" altLang="zh-CN" dirty="0" err="1"/>
-              <a:t>WatchService</a:t>
-            </a:r>
-            <a:r>
-              <a:rPr lang="en-US" altLang="zh-CN" dirty="0"/>
-              <a:t> uses client threads to keep an eye on registered files or directories for changes, and will return an event when a change is detected.</a:t>
-            </a:r>
-          </a:p>
-          <a:p>
-            <a:endParaRPr lang="en-US" altLang="zh-CN" dirty="0"/>
-          </a:p>
-          <a:p>
-            <a:r>
-              <a:rPr lang="en-US" altLang="zh-CN" dirty="0"/>
-              <a:t>Good to replace polling mechanisms</a:t>
-            </a:r>
-            <a:endParaRPr lang="zh-CN" altLang="en-US" dirty="0"/>
+          <a:bodyPr anchor="t"/>
+          <a:lstStyle/>
+          <a:p>
+            <a:endParaRPr lang="en-US" dirty="0"/>
+          </a:p>
+          <a:p>
+            <a:r>
+              <a:rPr lang="en-US" dirty="0"/>
+              <a:t>Asynchronous Channels:</a:t>
+            </a:r>
+          </a:p>
+          <a:p>
+            <a:pPr marL="342900" indent="-342900">
+              <a:buFont typeface="Arial" panose="020B0604020202020204" pitchFamily="34" charset="0"/>
+              <a:buChar char="•"/>
+            </a:pPr>
+            <a:r>
+              <a:rPr lang="en-US" dirty="0" err="1"/>
+              <a:t>AsynchronousFileChannel</a:t>
+            </a:r>
+            <a:r>
+              <a:rPr lang="en-US" dirty="0"/>
+              <a:t>—For file I/O</a:t>
+            </a:r>
+          </a:p>
+          <a:p>
+            <a:pPr marL="342900" indent="-342900">
+              <a:buFont typeface="Arial" panose="020B0604020202020204" pitchFamily="34" charset="0"/>
+              <a:buChar char="•"/>
+            </a:pPr>
+            <a:r>
+              <a:rPr lang="en-US" dirty="0" err="1"/>
+              <a:t>AsynchronousSocketChannel</a:t>
+            </a:r>
+            <a:r>
+              <a:rPr lang="en-US" dirty="0"/>
+              <a:t>—For socket I/O, supports timeouts</a:t>
+            </a:r>
+          </a:p>
+          <a:p>
+            <a:pPr marL="342900" indent="-342900">
+              <a:buFont typeface="Arial" panose="020B0604020202020204" pitchFamily="34" charset="0"/>
+              <a:buChar char="•"/>
+            </a:pPr>
+            <a:r>
+              <a:rPr lang="en-US" dirty="0" err="1"/>
+              <a:t>AsynchronousServerSocketChannel</a:t>
+            </a:r>
+            <a:r>
+              <a:rPr lang="en-US" dirty="0"/>
+              <a:t>—For asynchronous sockets accepting connections</a:t>
+            </a:r>
+          </a:p>
+          <a:p>
+            <a:pPr marL="342900" indent="-342900">
+              <a:buFont typeface="Arial" panose="020B0604020202020204" pitchFamily="34" charset="0"/>
+              <a:buChar char="•"/>
+            </a:pPr>
+            <a:endParaRPr lang="en-US" dirty="0"/>
+          </a:p>
+          <a:p>
+            <a:r>
+              <a:rPr lang="en-US" dirty="0"/>
+              <a:t>Paradigms</a:t>
+            </a:r>
+          </a:p>
+          <a:p>
+            <a:pPr marL="342900" indent="-342900">
+              <a:buFont typeface="Arial" panose="020B0604020202020204" pitchFamily="34" charset="0"/>
+              <a:buChar char="•"/>
+            </a:pPr>
+            <a:r>
+              <a:rPr lang="en-US" dirty="0"/>
+              <a:t>Future</a:t>
+            </a:r>
+          </a:p>
+          <a:p>
+            <a:pPr marL="342900" indent="-342900">
+              <a:buFont typeface="Arial" panose="020B0604020202020204" pitchFamily="34" charset="0"/>
+              <a:buChar char="•"/>
+            </a:pPr>
+            <a:r>
+              <a:rPr lang="en-US" dirty="0"/>
+              <a:t>Callback</a:t>
+            </a:r>
           </a:p>
         </p:txBody>
       </p:sp>
     </p:spTree>
     <p:extLst>
       <p:ext uri="{BB962C8B-B14F-4D97-AF65-F5344CB8AC3E}">
-        <p14:creationId xmlns:p14="http://schemas.microsoft.com/office/powerpoint/2010/main" val="179790003"/>
+        <p14:creationId xmlns:p14="http://schemas.microsoft.com/office/powerpoint/2010/main" val="4233755081"/>
       </p:ext>
     </p:extLst>
   </p:cSld>
@@ -9855,432 +10199,6 @@
           <p:cNvPr id="2" name="Title 1">
             <a:extLst>
               <a:ext uri="{FF2B5EF4-FFF2-40B4-BE49-F238E27FC236}">
-                <a16:creationId xmlns:a16="http://schemas.microsoft.com/office/drawing/2014/main" id="{F6DC4B06-1BDF-47F0-9A4A-4961F384F3D2}"/>
-              </a:ext>
-            </a:extLst>
-          </p:cNvPr>
-          <p:cNvSpPr>
-            <a:spLocks noGrp="1"/>
-          </p:cNvSpPr>
-          <p:nvPr>
-            <p:ph type="title"/>
-          </p:nvPr>
-        </p:nvSpPr>
-        <p:spPr/>
-        <p:txBody>
-          <a:bodyPr/>
-          <a:lstStyle/>
-          <a:p>
-            <a:r>
-              <a:rPr lang="en-US" dirty="0"/>
-              <a:t>NIO.2 - </a:t>
-            </a:r>
-            <a:r>
-              <a:rPr lang="en-US" dirty="0" err="1"/>
-              <a:t>WatchService</a:t>
-            </a:r>
-            <a:endParaRPr lang="en-US" dirty="0"/>
-          </a:p>
-        </p:txBody>
-      </p:sp>
-      <p:sp>
-        <p:nvSpPr>
-          <p:cNvPr id="4" name="Text Placeholder 3">
-            <a:extLst>
-              <a:ext uri="{FF2B5EF4-FFF2-40B4-BE49-F238E27FC236}">
-                <a16:creationId xmlns:a16="http://schemas.microsoft.com/office/drawing/2014/main" id="{38094C3B-9979-4597-B5B1-9B42168D528B}"/>
-              </a:ext>
-            </a:extLst>
-          </p:cNvPr>
-          <p:cNvSpPr>
-            <a:spLocks noGrp="1"/>
-          </p:cNvSpPr>
-          <p:nvPr>
-            <p:ph type="body" sz="half" idx="2"/>
-          </p:nvPr>
-        </p:nvSpPr>
-        <p:spPr>
-          <a:xfrm>
-            <a:off x="1295399" y="1828800"/>
-            <a:ext cx="9685351" cy="4343400"/>
-          </a:xfrm>
-        </p:spPr>
-        <p:txBody>
-          <a:bodyPr anchor="t">
-            <a:normAutofit/>
-          </a:bodyPr>
-          <a:lstStyle/>
-          <a:p>
-            <a:r>
-              <a:rPr lang="en-US" sz="1600" dirty="0"/>
-              <a:t>Use </a:t>
-            </a:r>
-            <a:r>
-              <a:rPr lang="en-US" sz="1600" dirty="0" err="1"/>
-              <a:t>WatchService</a:t>
-            </a:r>
-            <a:r>
-              <a:rPr lang="en-US" sz="1600" dirty="0"/>
-              <a:t> to monitor directory:</a:t>
-            </a:r>
-          </a:p>
-          <a:p>
-            <a:pPr marL="342900" indent="-342900">
-              <a:buFont typeface="Arial" panose="020B0604020202020204" pitchFamily="34" charset="0"/>
-              <a:buChar char="•"/>
-            </a:pPr>
-            <a:r>
-              <a:rPr lang="en-US" sz="1600" dirty="0"/>
-              <a:t>Watchable object</a:t>
-            </a:r>
-          </a:p>
-          <a:p>
-            <a:pPr marL="342900" indent="-342900">
-              <a:buFont typeface="Arial" panose="020B0604020202020204" pitchFamily="34" charset="0"/>
-              <a:buChar char="•"/>
-            </a:pPr>
-            <a:r>
-              <a:rPr lang="en-US" sz="1600" dirty="0" err="1"/>
-              <a:t>WatchKey</a:t>
-            </a:r>
-            <a:endParaRPr lang="en-US" sz="1600" dirty="0"/>
-          </a:p>
-          <a:p>
-            <a:endParaRPr lang="en-US" sz="1600" dirty="0"/>
-          </a:p>
-          <a:p>
-            <a:r>
-              <a:rPr lang="en-US" sz="1600" dirty="0"/>
-              <a:t>A watch service is safe for use by multiple concurrent consumers. To ensure that only one consumer processes the events for a particular object at any time then care should be taken to ensure that the key's reset method is only invoked after its events have been processed.</a:t>
-            </a:r>
-          </a:p>
-          <a:p>
-            <a:r>
-              <a:rPr lang="en-US" sz="1600" dirty="0"/>
-              <a:t>ready—(event happen)-&gt;signaled—(reset)-&gt;ready</a:t>
-            </a:r>
-          </a:p>
-          <a:p>
-            <a:r>
-              <a:rPr lang="en-US" sz="1600" dirty="0"/>
-              <a:t>The key remains valid until:</a:t>
-            </a:r>
-          </a:p>
-          <a:p>
-            <a:r>
-              <a:rPr lang="en-US" sz="1600" dirty="0"/>
-              <a:t>1. It is cancelled, explicitly, by invoking its cancel method, or</a:t>
-            </a:r>
-          </a:p>
-          <a:p>
-            <a:r>
-              <a:rPr lang="en-US" sz="1600" dirty="0"/>
-              <a:t>2. Cancelled implicitly, because the object is no longer accessible, or</a:t>
-            </a:r>
-          </a:p>
-          <a:p>
-            <a:r>
-              <a:rPr lang="en-US" sz="1600" dirty="0"/>
-              <a:t>3. By closing the watch service.</a:t>
-            </a:r>
-          </a:p>
-        </p:txBody>
-      </p:sp>
-    </p:spTree>
-    <p:extLst>
-      <p:ext uri="{BB962C8B-B14F-4D97-AF65-F5344CB8AC3E}">
-        <p14:creationId xmlns:p14="http://schemas.microsoft.com/office/powerpoint/2010/main" val="2029392325"/>
-      </p:ext>
-    </p:extLst>
-  </p:cSld>
-  <p:clrMapOvr>
-    <a:masterClrMapping/>
-  </p:clrMapOvr>
-  <mc:AlternateContent xmlns:mc="http://schemas.openxmlformats.org/markup-compatibility/2006" xmlns:p14="http://schemas.microsoft.com/office/powerpoint/2010/main">
-    <mc:Choice Requires="p14">
-      <p:transition spd="med" p14:dur="700">
-        <p:fade/>
-      </p:transition>
-    </mc:Choice>
-    <mc:Fallback xmlns="">
-      <p:transition spd="med">
-        <p:fade/>
-      </p:transition>
-    </mc:Fallback>
-  </mc:AlternateContent>
-</p:sld>
-</file>
-
-<file path=ppt/slides/slide29.xml><?xml version="1.0" encoding="utf-8"?>
-<p:sld xmlns:a="http://schemas.openxmlformats.org/drawingml/2006/main" xmlns:r="http://schemas.openxmlformats.org/officeDocument/2006/relationships" xmlns:p="http://schemas.openxmlformats.org/presentationml/2006/main">
-  <p:cSld>
-    <p:spTree>
-      <p:nvGrpSpPr>
-        <p:cNvPr id="1" name=""/>
-        <p:cNvGrpSpPr/>
-        <p:nvPr/>
-      </p:nvGrpSpPr>
-      <p:grpSpPr>
-        <a:xfrm>
-          <a:off x="0" y="0"/>
-          <a:ext cx="0" cy="0"/>
-          <a:chOff x="0" y="0"/>
-          <a:chExt cx="0" cy="0"/>
-        </a:xfrm>
-      </p:grpSpPr>
-      <p:sp>
-        <p:nvSpPr>
-          <p:cNvPr id="2" name="Title 1">
-            <a:extLst>
-              <a:ext uri="{FF2B5EF4-FFF2-40B4-BE49-F238E27FC236}">
-                <a16:creationId xmlns:a16="http://schemas.microsoft.com/office/drawing/2014/main" id="{62CB7A97-7077-435A-8577-87DE25DC1A88}"/>
-              </a:ext>
-            </a:extLst>
-          </p:cNvPr>
-          <p:cNvSpPr>
-            <a:spLocks noGrp="1"/>
-          </p:cNvSpPr>
-          <p:nvPr>
-            <p:ph type="title"/>
-          </p:nvPr>
-        </p:nvSpPr>
-        <p:spPr/>
-        <p:txBody>
-          <a:bodyPr/>
-          <a:lstStyle/>
-          <a:p>
-            <a:r>
-              <a:rPr lang="en-US" dirty="0"/>
-              <a:t>NIO.2 - Asynchronous I/O</a:t>
-            </a:r>
-          </a:p>
-        </p:txBody>
-      </p:sp>
-      <p:sp>
-        <p:nvSpPr>
-          <p:cNvPr id="4" name="Text Placeholder 3">
-            <a:extLst>
-              <a:ext uri="{FF2B5EF4-FFF2-40B4-BE49-F238E27FC236}">
-                <a16:creationId xmlns:a16="http://schemas.microsoft.com/office/drawing/2014/main" id="{07CEF51B-DC23-4BA9-9A35-1D06FF5CEF0D}"/>
-              </a:ext>
-            </a:extLst>
-          </p:cNvPr>
-          <p:cNvSpPr>
-            <a:spLocks noGrp="1"/>
-          </p:cNvSpPr>
-          <p:nvPr>
-            <p:ph type="body" sz="half" idx="2"/>
-          </p:nvPr>
-        </p:nvSpPr>
-        <p:spPr>
-          <a:xfrm>
-            <a:off x="1295400" y="1828800"/>
-            <a:ext cx="9263932" cy="4343400"/>
-          </a:xfrm>
-        </p:spPr>
-        <p:txBody>
-          <a:bodyPr/>
-          <a:lstStyle/>
-          <a:p>
-            <a:r>
-              <a:rPr lang="en-US" dirty="0"/>
-              <a:t>Paradigms</a:t>
-            </a:r>
-          </a:p>
-          <a:p>
-            <a:pPr marL="342900" indent="-342900">
-              <a:buFont typeface="Arial" panose="020B0604020202020204" pitchFamily="34" charset="0"/>
-              <a:buChar char="•"/>
-            </a:pPr>
-            <a:r>
-              <a:rPr lang="en-US" dirty="0"/>
-              <a:t>Future</a:t>
-            </a:r>
-          </a:p>
-          <a:p>
-            <a:pPr marL="342900" indent="-342900">
-              <a:buFont typeface="Arial" panose="020B0604020202020204" pitchFamily="34" charset="0"/>
-              <a:buChar char="•"/>
-            </a:pPr>
-            <a:r>
-              <a:rPr lang="en-US" dirty="0"/>
-              <a:t>Callback</a:t>
-            </a:r>
-          </a:p>
-        </p:txBody>
-      </p:sp>
-    </p:spTree>
-    <p:extLst>
-      <p:ext uri="{BB962C8B-B14F-4D97-AF65-F5344CB8AC3E}">
-        <p14:creationId xmlns:p14="http://schemas.microsoft.com/office/powerpoint/2010/main" val="4233755081"/>
-      </p:ext>
-    </p:extLst>
-  </p:cSld>
-  <p:clrMapOvr>
-    <a:masterClrMapping/>
-  </p:clrMapOvr>
-  <mc:AlternateContent xmlns:mc="http://schemas.openxmlformats.org/markup-compatibility/2006" xmlns:p14="http://schemas.microsoft.com/office/powerpoint/2010/main">
-    <mc:Choice Requires="p14">
-      <p:transition spd="med" p14:dur="700">
-        <p:fade/>
-      </p:transition>
-    </mc:Choice>
-    <mc:Fallback xmlns="">
-      <p:transition spd="med">
-        <p:fade/>
-      </p:transition>
-    </mc:Fallback>
-  </mc:AlternateContent>
-</p:sld>
-</file>
-
-<file path=ppt/slides/slide3.xml><?xml version="1.0" encoding="utf-8"?>
-<p:sld xmlns:a="http://schemas.openxmlformats.org/drawingml/2006/main" xmlns:r="http://schemas.openxmlformats.org/officeDocument/2006/relationships" xmlns:p="http://schemas.openxmlformats.org/presentationml/2006/main">
-  <p:cSld>
-    <p:spTree>
-      <p:nvGrpSpPr>
-        <p:cNvPr id="1" name=""/>
-        <p:cNvGrpSpPr/>
-        <p:nvPr/>
-      </p:nvGrpSpPr>
-      <p:grpSpPr>
-        <a:xfrm>
-          <a:off x="0" y="0"/>
-          <a:ext cx="0" cy="0"/>
-          <a:chOff x="0" y="0"/>
-          <a:chExt cx="0" cy="0"/>
-        </a:xfrm>
-      </p:grpSpPr>
-      <p:sp>
-        <p:nvSpPr>
-          <p:cNvPr id="2" name="Title 1"/>
-          <p:cNvSpPr>
-            <a:spLocks noGrp="1"/>
-          </p:cNvSpPr>
-          <p:nvPr>
-            <p:ph type="title"/>
-          </p:nvPr>
-        </p:nvSpPr>
-        <p:spPr/>
-        <p:txBody>
-          <a:bodyPr/>
-          <a:lstStyle/>
-          <a:p>
-            <a:r>
-              <a:rPr lang="en-US" dirty="0"/>
-              <a:t>Project Coin</a:t>
-            </a:r>
-          </a:p>
-        </p:txBody>
-      </p:sp>
-      <p:sp>
-        <p:nvSpPr>
-          <p:cNvPr id="3" name="Content Placeholder 2">
-            <a:extLst>
-              <a:ext uri="{FF2B5EF4-FFF2-40B4-BE49-F238E27FC236}">
-                <a16:creationId xmlns:a16="http://schemas.microsoft.com/office/drawing/2014/main" id="{1BB810E4-4209-4BB6-9A4F-A32710B5D413}"/>
-              </a:ext>
-            </a:extLst>
-          </p:cNvPr>
-          <p:cNvSpPr>
-            <a:spLocks noGrp="1"/>
-          </p:cNvSpPr>
-          <p:nvPr>
-            <p:ph idx="1"/>
-          </p:nvPr>
-        </p:nvSpPr>
-        <p:spPr/>
-        <p:txBody>
-          <a:bodyPr/>
-          <a:lstStyle/>
-          <a:p>
-            <a:pPr marL="0" indent="0">
-              <a:buNone/>
-            </a:pPr>
-            <a:r>
-              <a:rPr lang="en-US" sz="2000" dirty="0"/>
-              <a:t>Project Coin is an open source project that has been running as part of the Java 7 (and 8) effort since January 2009.</a:t>
-            </a:r>
-          </a:p>
-          <a:p>
-            <a:pPr marL="0" indent="0">
-              <a:buNone/>
-            </a:pPr>
-            <a:endParaRPr lang="en-US" sz="2000" dirty="0"/>
-          </a:p>
-          <a:p>
-            <a:pPr marL="0" indent="0">
-              <a:buNone/>
-            </a:pPr>
-            <a:r>
-              <a:rPr lang="en-US" sz="2000" dirty="0"/>
-              <a:t>The goal of Project Coin is to determine what set of small language changes should be added to JDK7. (After discussion, 5 out of 70 proposals were selected for JDK7)</a:t>
-            </a:r>
-          </a:p>
-          <a:p>
-            <a:pPr marL="0" indent="0">
-              <a:buNone/>
-            </a:pPr>
-            <a:r>
-              <a:rPr lang="en-US" sz="2000" dirty="0"/>
-              <a:t>Java7 is the first version developed in an open source manner</a:t>
-            </a:r>
-          </a:p>
-          <a:p>
-            <a:pPr marL="0" indent="0">
-              <a:buNone/>
-            </a:pPr>
-            <a:endParaRPr lang="en-US" sz="2000" dirty="0"/>
-          </a:p>
-        </p:txBody>
-      </p:sp>
-    </p:spTree>
-    <p:extLst>
-      <p:ext uri="{BB962C8B-B14F-4D97-AF65-F5344CB8AC3E}">
-        <p14:creationId xmlns:p14="http://schemas.microsoft.com/office/powerpoint/2010/main" val="3574231650"/>
-      </p:ext>
-    </p:extLst>
-  </p:cSld>
-  <p:clrMapOvr>
-    <a:masterClrMapping/>
-  </p:clrMapOvr>
-  <mc:AlternateContent xmlns:mc="http://schemas.openxmlformats.org/markup-compatibility/2006" xmlns:p14="http://schemas.microsoft.com/office/powerpoint/2010/main">
-    <mc:Choice Requires="p14">
-      <p:transition spd="med" p14:dur="700">
-        <p:fade/>
-      </p:transition>
-    </mc:Choice>
-    <mc:Fallback xmlns="">
-      <p:transition spd="med">
-        <p:fade/>
-      </p:transition>
-    </mc:Fallback>
-  </mc:AlternateContent>
-</p:sld>
-</file>
-
-<file path=ppt/slides/slide30.xml><?xml version="1.0" encoding="utf-8"?>
-<p:sld xmlns:a="http://schemas.openxmlformats.org/drawingml/2006/main" xmlns:r="http://schemas.openxmlformats.org/officeDocument/2006/relationships" xmlns:p="http://schemas.openxmlformats.org/presentationml/2006/main">
-  <p:cSld>
-    <p:spTree>
-      <p:nvGrpSpPr>
-        <p:cNvPr id="1" name=""/>
-        <p:cNvGrpSpPr/>
-        <p:nvPr/>
-      </p:nvGrpSpPr>
-      <p:grpSpPr>
-        <a:xfrm>
-          <a:off x="0" y="0"/>
-          <a:ext cx="0" cy="0"/>
-          <a:chOff x="0" y="0"/>
-          <a:chExt cx="0" cy="0"/>
-        </a:xfrm>
-      </p:grpSpPr>
-      <p:sp>
-        <p:nvSpPr>
-          <p:cNvPr id="2" name="Title 1">
-            <a:extLst>
-              <a:ext uri="{FF2B5EF4-FFF2-40B4-BE49-F238E27FC236}">
                 <a16:creationId xmlns:a16="http://schemas.microsoft.com/office/drawing/2014/main" id="{0A0AD9A1-B319-401B-9017-177AEC3C818B}"/>
               </a:ext>
             </a:extLst>
@@ -10320,15 +10238,46 @@
             <p:ph type="body" sz="half" idx="2"/>
           </p:nvPr>
         </p:nvSpPr>
-        <p:spPr/>
-        <p:txBody>
-          <a:bodyPr/>
+        <p:spPr>
+          <a:xfrm>
+            <a:off x="1295400" y="1828800"/>
+            <a:ext cx="3578352" cy="4343400"/>
+          </a:xfrm>
+        </p:spPr>
+        <p:txBody>
+          <a:bodyPr anchor="t"/>
           <a:lstStyle/>
           <a:p>
             <a:r>
               <a:rPr lang="en-US" dirty="0"/>
               <a:t>You’ll typically want a Future style of asynchronous processing if you want your main thread of control to initiate the I/O and then poll for the results of that I/O.</a:t>
             </a:r>
+          </a:p>
+          <a:p>
+            <a:endParaRPr lang="en-US" dirty="0"/>
+          </a:p>
+          <a:p>
+            <a:r>
+              <a:rPr lang="en-US" dirty="0"/>
+              <a:t>This style uses the </a:t>
+            </a:r>
+            <a:r>
+              <a:rPr lang="fr-FR" dirty="0" err="1"/>
+              <a:t>existing</a:t>
+            </a:r>
+            <a:r>
+              <a:rPr lang="fr-FR" dirty="0"/>
+              <a:t> </a:t>
+            </a:r>
+            <a:r>
+              <a:rPr lang="fr-FR" dirty="0" err="1"/>
+              <a:t>java.util.concurrent</a:t>
+            </a:r>
+            <a:r>
+              <a:rPr lang="fr-FR" dirty="0"/>
+              <a:t> technique.</a:t>
+            </a:r>
+            <a:endParaRPr lang="en-US" dirty="0"/>
           </a:p>
         </p:txBody>
       </p:sp>
@@ -10404,7 +10353,7 @@
 </p:sld>
 </file>
 
-<file path=ppt/slides/slide31.xml><?xml version="1.0" encoding="utf-8"?>
+<file path=ppt/slides/slide29.xml><?xml version="1.0" encoding="utf-8"?>
 <p:sld xmlns:a="http://schemas.openxmlformats.org/drawingml/2006/main" xmlns:r="http://schemas.openxmlformats.org/officeDocument/2006/relationships" xmlns:p="http://schemas.openxmlformats.org/presentationml/2006/main">
   <p:cSld>
     <p:spTree>
@@ -10467,12 +10416,29 @@
         </p:nvSpPr>
         <p:spPr/>
         <p:txBody>
-          <a:bodyPr/>
-          <a:lstStyle/>
-          <a:p>
-            <a:r>
-              <a:rPr lang="en-US" dirty="0"/>
-              <a:t>This style is typically used when you want to immediately act upon the success or failure of an asynchronous event. </a:t>
+          <a:bodyPr anchor="t"/>
+          <a:lstStyle/>
+          <a:p>
+            <a:r>
+              <a:rPr lang="en-US" dirty="0"/>
+              <a:t>This style is typically used when you want to immediately act upon the success or failure of an asynchronous event.</a:t>
+            </a:r>
+          </a:p>
+          <a:p>
+            <a:endParaRPr lang="en-US" dirty="0"/>
+          </a:p>
+          <a:p>
+            <a:r>
+              <a:rPr lang="en-US" dirty="0"/>
+              <a:t>To use this style, you need to implement the </a:t>
+            </a:r>
+            <a:r>
+              <a:rPr lang="en-US" dirty="0" err="1"/>
+              <a:t>CompletionHandler</a:t>
+            </a:r>
+            <a:r>
+              <a:rPr lang="en-US" dirty="0"/>
+              <a:t> which act as an event handler.</a:t>
             </a:r>
           </a:p>
         </p:txBody>
@@ -10549,7 +10515,7 @@
 </p:sld>
 </file>
 
-<file path=ppt/slides/slide32.xml><?xml version="1.0" encoding="utf-8"?>
+<file path=ppt/slides/slide3.xml><?xml version="1.0" encoding="utf-8"?>
 <p:sld xmlns:a="http://schemas.openxmlformats.org/drawingml/2006/main" xmlns:r="http://schemas.openxmlformats.org/officeDocument/2006/relationships" xmlns:p="http://schemas.openxmlformats.org/presentationml/2006/main">
   <p:cSld>
     <p:spTree>
@@ -10568,6 +10534,131 @@
       </p:grpSpPr>
       <p:sp>
         <p:nvSpPr>
+          <p:cNvPr id="2" name="Title 1"/>
+          <p:cNvSpPr>
+            <a:spLocks noGrp="1"/>
+          </p:cNvSpPr>
+          <p:nvPr>
+            <p:ph type="title"/>
+          </p:nvPr>
+        </p:nvSpPr>
+        <p:spPr/>
+        <p:txBody>
+          <a:bodyPr/>
+          <a:lstStyle/>
+          <a:p>
+            <a:r>
+              <a:rPr lang="en-US" dirty="0"/>
+              <a:t>Project Coin</a:t>
+            </a:r>
+          </a:p>
+        </p:txBody>
+      </p:sp>
+      <p:sp>
+        <p:nvSpPr>
+          <p:cNvPr id="3" name="Content Placeholder 2">
+            <a:extLst>
+              <a:ext uri="{FF2B5EF4-FFF2-40B4-BE49-F238E27FC236}">
+                <a16:creationId xmlns:a16="http://schemas.microsoft.com/office/drawing/2014/main" id="{1BB810E4-4209-4BB6-9A4F-A32710B5D413}"/>
+              </a:ext>
+            </a:extLst>
+          </p:cNvPr>
+          <p:cNvSpPr>
+            <a:spLocks noGrp="1"/>
+          </p:cNvSpPr>
+          <p:nvPr>
+            <p:ph idx="1"/>
+          </p:nvPr>
+        </p:nvSpPr>
+        <p:spPr/>
+        <p:txBody>
+          <a:bodyPr/>
+          <a:lstStyle/>
+          <a:p>
+            <a:pPr marL="0" indent="0">
+              <a:buNone/>
+            </a:pPr>
+            <a:r>
+              <a:rPr lang="en-US" sz="2000" dirty="0"/>
+              <a:t>Project Coin is an open source project that has been running as part of the Java 7 (and 8) effort since January 2009.</a:t>
+            </a:r>
+          </a:p>
+          <a:p>
+            <a:pPr marL="0" indent="0">
+              <a:buNone/>
+            </a:pPr>
+            <a:endParaRPr lang="en-US" sz="2000" dirty="0"/>
+          </a:p>
+          <a:p>
+            <a:pPr marL="0" indent="0">
+              <a:buNone/>
+            </a:pPr>
+            <a:r>
+              <a:rPr lang="en-US" sz="2000" dirty="0"/>
+              <a:t>The goal of Project Coin is to determine what set of small language changes should be added to JDK7. (After discussion, 5 out of 70 proposals were selected for JDK7)</a:t>
+            </a:r>
+          </a:p>
+          <a:p>
+            <a:pPr marL="0" indent="0">
+              <a:buNone/>
+            </a:pPr>
+            <a:r>
+              <a:rPr lang="en-US" sz="2000" dirty="0"/>
+              <a:t>Java7 is the first version developed in an open source manner</a:t>
+            </a:r>
+          </a:p>
+          <a:p>
+            <a:pPr marL="0" indent="0">
+              <a:buNone/>
+            </a:pPr>
+            <a:endParaRPr lang="en-US" sz="2000" dirty="0"/>
+          </a:p>
+        </p:txBody>
+      </p:sp>
+    </p:spTree>
+    <p:extLst>
+      <p:ext uri="{BB962C8B-B14F-4D97-AF65-F5344CB8AC3E}">
+        <p14:creationId xmlns:p14="http://schemas.microsoft.com/office/powerpoint/2010/main" val="3574231650"/>
+      </p:ext>
+    </p:extLst>
+  </p:cSld>
+  <p:clrMapOvr>
+    <a:masterClrMapping/>
+  </p:clrMapOvr>
+  <mc:AlternateContent xmlns:mc="http://schemas.openxmlformats.org/markup-compatibility/2006" xmlns:p14="http://schemas.microsoft.com/office/powerpoint/2010/main">
+    <mc:Choice Requires="p14">
+      <p:transition spd="med" p14:dur="700">
+        <p:fade/>
+      </p:transition>
+    </mc:Choice>
+    <mc:Fallback xmlns="">
+      <p:transition spd="med">
+        <p:fade/>
+      </p:transition>
+    </mc:Fallback>
+  </mc:AlternateContent>
+</p:sld>
+</file>
+
+<file path=ppt/slides/slide30.xml><?xml version="1.0" encoding="utf-8"?>
+<p:sld xmlns:a="http://schemas.openxmlformats.org/drawingml/2006/main" xmlns:r="http://schemas.openxmlformats.org/officeDocument/2006/relationships" xmlns:p="http://schemas.openxmlformats.org/presentationml/2006/main">
+  <p:cSld>
+    <p:spTree>
+      <p:nvGrpSpPr>
+        <p:cNvPr id="1" name=""/>
+        <p:cNvGrpSpPr/>
+        <p:nvPr/>
+      </p:nvGrpSpPr>
+      <p:grpSpPr>
+        <a:xfrm>
+          <a:off x="0" y="0"/>
+          <a:ext cx="0" cy="0"/>
+          <a:chOff x="0" y="0"/>
+          <a:chExt cx="0" cy="0"/>
+        </a:xfrm>
+      </p:grpSpPr>
+      <p:sp>
+        <p:nvSpPr>
           <p:cNvPr id="2" name="Title 1">
             <a:extLst>
               <a:ext uri="{FF2B5EF4-FFF2-40B4-BE49-F238E27FC236}">
@@ -10644,8 +10735,21 @@
               <a:buChar char="•"/>
             </a:pPr>
             <a:r>
-              <a:rPr lang="en-US" dirty="0"/>
+              <a:rPr lang="en-US" dirty="0">
+                <a:hlinkClick r:id="rId3"/>
+              </a:rPr>
               <a:t>https://www.safaribooksonline.com/library/view/the-well-grounded-java/</a:t>
+            </a:r>
+            <a:endParaRPr lang="en-US" dirty="0"/>
+          </a:p>
+          <a:p>
+            <a:pPr marL="342900" indent="-342900">
+              <a:buFont typeface="Arial" panose="020B0604020202020204" pitchFamily="34" charset="0"/>
+              <a:buChar char="•"/>
+            </a:pPr>
+            <a:r>
+              <a:rPr lang="en-US" dirty="0"/>
+              <a:t>http://tutorials.jenkov.com/java-nio/overview.html</a:t>
             </a:r>
           </a:p>
         </p:txBody>
@@ -10675,7 +10779,7 @@
 </p:sld>
 </file>
 
-<file path=ppt/slides/slide33.xml><?xml version="1.0" encoding="utf-8"?>
+<file path=ppt/slides/slide31.xml><?xml version="1.0" encoding="utf-8"?>
 <p:sld xmlns:a="http://schemas.openxmlformats.org/drawingml/2006/main" xmlns:r="http://schemas.openxmlformats.org/officeDocument/2006/relationships" xmlns:p="http://schemas.openxmlformats.org/presentationml/2006/main">
   <p:cSld>
     <p:spTree>
